--- a/DOCUMENT/Group7-Slide.pptx
+++ b/DOCUMENT/Group7-Slide.pptx
@@ -5,10 +5,10 @@
     <p:sldMasterId id="2147483660" r:id="rId1"/>
   </p:sldMasterIdLst>
   <p:notesMasterIdLst>
-    <p:notesMasterId r:id="rId15"/>
+    <p:notesMasterId r:id="rId17"/>
   </p:notesMasterIdLst>
   <p:handoutMasterIdLst>
-    <p:handoutMasterId r:id="rId16"/>
+    <p:handoutMasterId r:id="rId18"/>
   </p:handoutMasterIdLst>
   <p:sldIdLst>
     <p:sldId id="256" r:id="rId2"/>
@@ -22,8 +22,10 @@
     <p:sldId id="289" r:id="rId10"/>
     <p:sldId id="291" r:id="rId11"/>
     <p:sldId id="264" r:id="rId12"/>
-    <p:sldId id="293" r:id="rId13"/>
-    <p:sldId id="294" r:id="rId14"/>
+    <p:sldId id="296" r:id="rId13"/>
+    <p:sldId id="293" r:id="rId14"/>
+    <p:sldId id="295" r:id="rId15"/>
+    <p:sldId id="294" r:id="rId16"/>
   </p:sldIdLst>
   <p:sldSz cx="9144000" cy="5143500" type="screen16x9"/>
   <p:notesSz cx="6858000" cy="9144000"/>
@@ -244,6 +246,9 @@
         </p15:guide>
       </p15:sldGuideLst>
     </p:ext>
+    <p:ext uri="{2D200454-40CA-4A62-9FC3-DE9A4176ACB9}">
+      <p15:notesGuideLst xmlns:p15="http://schemas.microsoft.com/office/powerpoint/2012/main"/>
+    </p:ext>
   </p:extLst>
 </p:presentation>
 </file>
@@ -330,7 +335,7 @@
           <a:p>
             <a:fld id="{0587ED61-A483-4AE7-A603-5FF7BB0F5798}" type="datetimeFigureOut">
               <a:rPr lang="vi-VN" smtClean="0"/>
-              <a:t>17/03/2017</a:t>
+              <a:t>25/03/2017</a:t>
             </a:fld>
             <a:endParaRPr lang="vi-VN"/>
           </a:p>
@@ -871,12 +876,16 @@
               <a:buNone/>
             </a:pPr>
             <a:r>
-              <a:rPr lang="vi-VN" smtClean="0"/>
-              <a:t>POCO</a:t>
-            </a:r>
-            <a:r>
-              <a:rPr lang="vi-VN" baseline="0" smtClean="0"/>
-              <a:t> class???</a:t>
+              <a:rPr lang="vi-VN" sz="1100" b="0" i="0" kern="1200" smtClean="0">
+                <a:solidFill>
+                  <a:schemeClr val="tx1"/>
+                </a:solidFill>
+                <a:effectLst/>
+                <a:latin typeface="+mn-lt"/>
+                <a:ea typeface="+mn-ea"/>
+                <a:cs typeface="+mn-cs"/>
+              </a:rPr>
+              <a:t>POCO là lớp chỉ sử dụng các kiểu dữ liệu tiêu chuẩn.</a:t>
             </a:r>
             <a:endParaRPr/>
           </a:p>
@@ -984,6 +993,102 @@
               </a:spcBef>
               <a:buNone/>
             </a:pPr>
+            <a:r>
+              <a:rPr lang="vi-VN" sz="1100" b="1" i="0" kern="1200" smtClean="0">
+                <a:solidFill>
+                  <a:schemeClr val="tx1"/>
+                </a:solidFill>
+                <a:effectLst/>
+                <a:latin typeface="+mn-lt"/>
+                <a:ea typeface="+mn-ea"/>
+                <a:cs typeface="+mn-cs"/>
+              </a:rPr>
+              <a:t>DBContext</a:t>
+            </a:r>
+            <a:r>
+              <a:rPr lang="vi-VN" sz="1100" b="0" i="0" kern="1200" smtClean="0">
+                <a:solidFill>
+                  <a:schemeClr val="tx1"/>
+                </a:solidFill>
+                <a:effectLst/>
+                <a:latin typeface="+mn-lt"/>
+                <a:ea typeface="+mn-ea"/>
+                <a:cs typeface="+mn-cs"/>
+              </a:rPr>
+              <a:t> là</a:t>
+            </a:r>
+            <a:r>
+              <a:rPr lang="vi-VN" sz="1100" b="0" i="0" kern="1200" baseline="0" smtClean="0">
+                <a:solidFill>
+                  <a:schemeClr val="tx1"/>
+                </a:solidFill>
+                <a:effectLst/>
+                <a:latin typeface="+mn-lt"/>
+                <a:ea typeface="+mn-ea"/>
+                <a:cs typeface="+mn-cs"/>
+              </a:rPr>
+              <a:t> l</a:t>
+            </a:r>
+            <a:r>
+              <a:rPr lang="vi-VN" sz="1100" b="0" i="0" kern="1200" smtClean="0">
+                <a:solidFill>
+                  <a:schemeClr val="tx1"/>
+                </a:solidFill>
+                <a:effectLst/>
+                <a:latin typeface="+mn-lt"/>
+                <a:ea typeface="+mn-ea"/>
+                <a:cs typeface="+mn-cs"/>
+              </a:rPr>
+              <a:t>ớp định nghĩa (class context). Là</a:t>
+            </a:r>
+            <a:r>
+              <a:rPr lang="vi-VN" sz="1100" b="0" i="0" kern="1200" baseline="0" smtClean="0">
+                <a:solidFill>
+                  <a:schemeClr val="tx1"/>
+                </a:solidFill>
+                <a:effectLst/>
+                <a:latin typeface="+mn-lt"/>
+                <a:ea typeface="+mn-ea"/>
+                <a:cs typeface="+mn-cs"/>
+              </a:rPr>
+              <a:t> </a:t>
+            </a:r>
+            <a:r>
+              <a:rPr lang="vi-VN" sz="1100" b="0" i="0" kern="1200" smtClean="0">
+                <a:solidFill>
+                  <a:schemeClr val="tx1"/>
+                </a:solidFill>
+                <a:effectLst/>
+                <a:latin typeface="+mn-lt"/>
+                <a:ea typeface="+mn-ea"/>
+                <a:cs typeface="+mn-cs"/>
+              </a:rPr>
+              <a:t>cầu nối giữa các lớp </a:t>
+            </a:r>
+            <a:r>
+              <a:rPr lang="vi-VN" sz="1100" b="0" i="0" kern="1200" smtClean="0">
+                <a:solidFill>
+                  <a:schemeClr val="tx1"/>
+                </a:solidFill>
+                <a:effectLst/>
+                <a:latin typeface="+mn-lt"/>
+                <a:ea typeface="+mn-ea"/>
+                <a:cs typeface="+mn-cs"/>
+              </a:rPr>
+              <a:t>hoặc </a:t>
+            </a:r>
+            <a:r>
+              <a:rPr lang="vi-VN" sz="1100" b="0" i="0" kern="1200" smtClean="0">
+                <a:solidFill>
+                  <a:schemeClr val="tx1"/>
+                </a:solidFill>
+                <a:effectLst/>
+                <a:latin typeface="+mn-lt"/>
+                <a:ea typeface="+mn-ea"/>
+                <a:cs typeface="+mn-cs"/>
+              </a:rPr>
+              <a:t>thực thể với cơ sở dữ liệu.</a:t>
+            </a:r>
             <a:endParaRPr/>
           </a:p>
         </p:txBody>
@@ -1002,6 +1107,112 @@
 </file>
 
 <file path=ppt/notesSlides/notesSlide12.xml><?xml version="1.0" encoding="utf-8"?>
+<p:notes xmlns:a="http://schemas.openxmlformats.org/drawingml/2006/main" xmlns:r="http://schemas.openxmlformats.org/officeDocument/2006/relationships" xmlns:p="http://schemas.openxmlformats.org/presentationml/2006/main" showMasterSp="0" showMasterPhAnim="0">
+  <p:cSld>
+    <p:spTree>
+      <p:nvGrpSpPr>
+        <p:cNvPr id="1" name="Shape 142"/>
+        <p:cNvGrpSpPr/>
+        <p:nvPr/>
+      </p:nvGrpSpPr>
+      <p:grpSpPr>
+        <a:xfrm>
+          <a:off x="0" y="0"/>
+          <a:ext cx="0" cy="0"/>
+          <a:chOff x="0" y="0"/>
+          <a:chExt cx="0" cy="0"/>
+        </a:xfrm>
+      </p:grpSpPr>
+      <p:sp>
+        <p:nvSpPr>
+          <p:cNvPr id="143" name="Shape 143"/>
+          <p:cNvSpPr>
+            <a:spLocks noGrp="1" noRot="1" noChangeAspect="1"/>
+          </p:cNvSpPr>
+          <p:nvPr>
+            <p:ph type="sldImg" idx="2"/>
+          </p:nvPr>
+        </p:nvSpPr>
+        <p:spPr>
+          <a:xfrm>
+            <a:off x="381000" y="685800"/>
+            <a:ext cx="6096000" cy="3429000"/>
+          </a:xfrm>
+          <a:custGeom>
+            <a:avLst/>
+            <a:gdLst/>
+            <a:ahLst/>
+            <a:cxnLst/>
+            <a:rect l="0" t="0" r="0" b="0"/>
+            <a:pathLst>
+              <a:path w="120000" h="120000" extrusionOk="0">
+                <a:moveTo>
+                  <a:pt x="0" y="0"/>
+                </a:moveTo>
+                <a:lnTo>
+                  <a:pt x="120000" y="0"/>
+                </a:lnTo>
+                <a:lnTo>
+                  <a:pt x="120000" y="120000"/>
+                </a:lnTo>
+                <a:lnTo>
+                  <a:pt x="0" y="120000"/>
+                </a:lnTo>
+                <a:close/>
+              </a:path>
+            </a:pathLst>
+          </a:custGeom>
+        </p:spPr>
+      </p:sp>
+      <p:sp>
+        <p:nvSpPr>
+          <p:cNvPr id="144" name="Shape 144"/>
+          <p:cNvSpPr txBox="1">
+            <a:spLocks noGrp="1"/>
+          </p:cNvSpPr>
+          <p:nvPr>
+            <p:ph type="body" idx="1"/>
+          </p:nvPr>
+        </p:nvSpPr>
+        <p:spPr>
+          <a:xfrm>
+            <a:off x="685800" y="4343400"/>
+            <a:ext cx="5486399" cy="4114800"/>
+          </a:xfrm>
+          <a:prstGeom prst="rect">
+            <a:avLst/>
+          </a:prstGeom>
+        </p:spPr>
+        <p:txBody>
+          <a:bodyPr lIns="91425" tIns="91425" rIns="91425" bIns="91425" anchor="t" anchorCtr="0">
+            <a:noAutofit/>
+          </a:bodyPr>
+          <a:lstStyle/>
+          <a:p>
+            <a:pPr lvl="0">
+              <a:spcBef>
+                <a:spcPts val="0"/>
+              </a:spcBef>
+              <a:buNone/>
+            </a:pPr>
+            <a:endParaRPr/>
+          </a:p>
+        </p:txBody>
+      </p:sp>
+    </p:spTree>
+    <p:extLst>
+      <p:ext uri="{BB962C8B-B14F-4D97-AF65-F5344CB8AC3E}">
+        <p14:creationId xmlns:p14="http://schemas.microsoft.com/office/powerpoint/2010/main" val="1343792302"/>
+      </p:ext>
+    </p:extLst>
+  </p:cSld>
+  <p:clrMapOvr>
+    <a:masterClrMapping/>
+  </p:clrMapOvr>
+</p:notes>
+</file>
+
+<file path=ppt/notesSlides/notesSlide13.xml><?xml version="1.0" encoding="utf-8"?>
 <p:notes xmlns:a="http://schemas.openxmlformats.org/drawingml/2006/main" xmlns:r="http://schemas.openxmlformats.org/officeDocument/2006/relationships" xmlns:p="http://schemas.openxmlformats.org/presentationml/2006/main" showMasterSp="0" showMasterPhAnim="0">
   <p:cSld>
     <p:spTree>
@@ -1107,7 +1318,386 @@
 </p:notes>
 </file>
 
-<file path=ppt/notesSlides/notesSlide13.xml><?xml version="1.0" encoding="utf-8"?>
+<file path=ppt/notesSlides/notesSlide14.xml><?xml version="1.0" encoding="utf-8"?>
+<p:notes xmlns:a="http://schemas.openxmlformats.org/drawingml/2006/main" xmlns:r="http://schemas.openxmlformats.org/officeDocument/2006/relationships" xmlns:p="http://schemas.openxmlformats.org/presentationml/2006/main" showMasterSp="0" showMasterPhAnim="0">
+  <p:cSld>
+    <p:spTree>
+      <p:nvGrpSpPr>
+        <p:cNvPr id="1" name="Shape 119"/>
+        <p:cNvGrpSpPr/>
+        <p:nvPr/>
+      </p:nvGrpSpPr>
+      <p:grpSpPr>
+        <a:xfrm>
+          <a:off x="0" y="0"/>
+          <a:ext cx="0" cy="0"/>
+          <a:chOff x="0" y="0"/>
+          <a:chExt cx="0" cy="0"/>
+        </a:xfrm>
+      </p:grpSpPr>
+      <p:sp>
+        <p:nvSpPr>
+          <p:cNvPr id="120" name="Shape 120"/>
+          <p:cNvSpPr>
+            <a:spLocks noGrp="1" noRot="1" noChangeAspect="1"/>
+          </p:cNvSpPr>
+          <p:nvPr>
+            <p:ph type="sldImg" idx="2"/>
+          </p:nvPr>
+        </p:nvSpPr>
+        <p:spPr>
+          <a:xfrm>
+            <a:off x="381000" y="685800"/>
+            <a:ext cx="6096000" cy="3429000"/>
+          </a:xfrm>
+          <a:custGeom>
+            <a:avLst/>
+            <a:gdLst/>
+            <a:ahLst/>
+            <a:cxnLst/>
+            <a:rect l="0" t="0" r="0" b="0"/>
+            <a:pathLst>
+              <a:path w="120000" h="120000" extrusionOk="0">
+                <a:moveTo>
+                  <a:pt x="0" y="0"/>
+                </a:moveTo>
+                <a:lnTo>
+                  <a:pt x="120000" y="0"/>
+                </a:lnTo>
+                <a:lnTo>
+                  <a:pt x="120000" y="120000"/>
+                </a:lnTo>
+                <a:lnTo>
+                  <a:pt x="0" y="120000"/>
+                </a:lnTo>
+                <a:close/>
+              </a:path>
+            </a:pathLst>
+          </a:custGeom>
+        </p:spPr>
+      </p:sp>
+      <p:sp>
+        <p:nvSpPr>
+          <p:cNvPr id="121" name="Shape 121"/>
+          <p:cNvSpPr txBox="1">
+            <a:spLocks noGrp="1"/>
+          </p:cNvSpPr>
+          <p:nvPr>
+            <p:ph type="body" idx="1"/>
+          </p:nvPr>
+        </p:nvSpPr>
+        <p:spPr>
+          <a:xfrm>
+            <a:off x="685800" y="4343400"/>
+            <a:ext cx="5486399" cy="4114800"/>
+          </a:xfrm>
+          <a:prstGeom prst="rect">
+            <a:avLst/>
+          </a:prstGeom>
+        </p:spPr>
+        <p:txBody>
+          <a:bodyPr lIns="91425" tIns="91425" rIns="91425" bIns="91425" anchor="t" anchorCtr="0">
+            <a:noAutofit/>
+          </a:bodyPr>
+          <a:lstStyle/>
+          <a:p>
+            <a:pPr fontAlgn="base"/>
+            <a:r>
+              <a:rPr lang="vi-VN" sz="1100" b="1" i="0" kern="1200" smtClean="0">
+                <a:solidFill>
+                  <a:schemeClr val="tx1"/>
+                </a:solidFill>
+                <a:effectLst/>
+                <a:latin typeface="+mn-lt"/>
+                <a:ea typeface="+mn-ea"/>
+                <a:cs typeface="+mn-cs"/>
+              </a:rPr>
+              <a:t>Code first</a:t>
+            </a:r>
+            <a:endParaRPr lang="vi-VN" sz="1100" b="0" i="0" kern="1200" smtClean="0">
+              <a:solidFill>
+                <a:schemeClr val="tx1"/>
+              </a:solidFill>
+              <a:effectLst/>
+              <a:latin typeface="+mn-lt"/>
+              <a:ea typeface="+mn-ea"/>
+              <a:cs typeface="+mn-cs"/>
+            </a:endParaRPr>
+          </a:p>
+          <a:p>
+            <a:pPr fontAlgn="base"/>
+            <a:r>
+              <a:rPr lang="vi-VN" sz="1100" b="0" i="0" kern="1200" smtClean="0">
+                <a:solidFill>
+                  <a:schemeClr val="tx1"/>
+                </a:solidFill>
+                <a:effectLst/>
+                <a:latin typeface="+mn-lt"/>
+                <a:ea typeface="+mn-ea"/>
+                <a:cs typeface="+mn-cs"/>
+              </a:rPr>
+              <a:t>Hay dùng, đặc biệt đối với ai thích viết code và không thích entity framework tự động generate code cho mình vì nó quá phức tạp và khó hiểu.</a:t>
+            </a:r>
+          </a:p>
+          <a:p>
+            <a:pPr fontAlgn="base"/>
+            <a:r>
+              <a:rPr lang="vi-VN" sz="1100" b="0" i="0" kern="1200" smtClean="0">
+                <a:solidFill>
+                  <a:schemeClr val="tx1"/>
+                </a:solidFill>
+                <a:effectLst/>
+                <a:latin typeface="+mn-lt"/>
+                <a:ea typeface="+mn-ea"/>
+                <a:cs typeface="+mn-cs"/>
+              </a:rPr>
+              <a:t>Toàn quyền kiểm soát code vì tự viết tất cả, code tự động được generate thì rất khó chỉnh sửa (khi tự viết được tất cả bạn sẽ rất thích thú như mình vậy, và ăn hành sướng luôn kkkk)</a:t>
+            </a:r>
+          </a:p>
+          <a:p>
+            <a:pPr fontAlgn="base"/>
+            <a:r>
+              <a:rPr lang="vi-VN" sz="1100" b="0" i="0" kern="1200" smtClean="0">
+                <a:solidFill>
+                  <a:schemeClr val="tx1"/>
+                </a:solidFill>
+                <a:effectLst/>
+                <a:latin typeface="+mn-lt"/>
+                <a:ea typeface="+mn-ea"/>
+                <a:cs typeface="+mn-cs"/>
+              </a:rPr>
+              <a:t>Những thay đổi trên code sẽ làm thay đổi database và có thể mất dữ liệu và code quyết định database. Nếu code không cứng sẽ rất nguy hiểm, nên backup databse thường xuyên.</a:t>
+            </a:r>
+          </a:p>
+          <a:p>
+            <a:pPr fontAlgn="base"/>
+            <a:r>
+              <a:rPr lang="vi-VN" sz="1100" b="0" i="0" kern="1200" smtClean="0">
+                <a:solidFill>
+                  <a:schemeClr val="tx1"/>
+                </a:solidFill>
+                <a:effectLst/>
+                <a:latin typeface="+mn-lt"/>
+                <a:ea typeface="+mn-ea"/>
+                <a:cs typeface="+mn-cs"/>
+              </a:rPr>
+              <a:t>Sửa trực tiếp Database trên SQl có thể sẽ bị mất.</a:t>
+            </a:r>
+          </a:p>
+          <a:p>
+            <a:pPr fontAlgn="base"/>
+            <a:r>
+              <a:rPr lang="vi-VN" sz="1100" b="1" i="0" kern="1200" smtClean="0">
+                <a:solidFill>
+                  <a:schemeClr val="tx1"/>
+                </a:solidFill>
+                <a:effectLst/>
+                <a:latin typeface="+mn-lt"/>
+                <a:ea typeface="+mn-ea"/>
+                <a:cs typeface="+mn-cs"/>
+              </a:rPr>
+              <a:t>Database first</a:t>
+            </a:r>
+            <a:endParaRPr lang="vi-VN" sz="1100" b="0" i="0" kern="1200" smtClean="0">
+              <a:solidFill>
+                <a:schemeClr val="tx1"/>
+              </a:solidFill>
+              <a:effectLst/>
+              <a:latin typeface="+mn-lt"/>
+              <a:ea typeface="+mn-ea"/>
+              <a:cs typeface="+mn-cs"/>
+            </a:endParaRPr>
+          </a:p>
+          <a:p>
+            <a:pPr fontAlgn="base"/>
+            <a:r>
+              <a:rPr lang="vi-VN" sz="1100" b="0" i="0" kern="1200" smtClean="0">
+                <a:solidFill>
+                  <a:schemeClr val="tx1"/>
+                </a:solidFill>
+                <a:effectLst/>
+                <a:latin typeface="+mn-lt"/>
+                <a:ea typeface="+mn-ea"/>
+                <a:cs typeface="+mn-cs"/>
+              </a:rPr>
+              <a:t>Hay dùng, nếu đã có sẵn database hoàn chỉnh</a:t>
+            </a:r>
+          </a:p>
+          <a:p>
+            <a:pPr fontAlgn="base"/>
+            <a:r>
+              <a:rPr lang="vi-VN" sz="1100" b="0" i="0" kern="1200" smtClean="0">
+                <a:solidFill>
+                  <a:schemeClr val="tx1"/>
+                </a:solidFill>
+                <a:effectLst/>
+                <a:latin typeface="+mn-lt"/>
+                <a:ea typeface="+mn-ea"/>
+                <a:cs typeface="+mn-cs"/>
+              </a:rPr>
+              <a:t>Entity Framework tạo class từ database</a:t>
+            </a:r>
+          </a:p>
+          <a:p>
+            <a:pPr fontAlgn="base"/>
+            <a:r>
+              <a:rPr lang="vi-VN" sz="1100" b="0" i="0" kern="1200" smtClean="0">
+                <a:solidFill>
+                  <a:schemeClr val="tx1"/>
+                </a:solidFill>
+                <a:effectLst/>
+                <a:latin typeface="+mn-lt"/>
+                <a:ea typeface="+mn-ea"/>
+                <a:cs typeface="+mn-cs"/>
+              </a:rPr>
+              <a:t>Khó chỉnh sửa code, nếu bạn muốn thêm tính năng thì không được sửa trực tiếp từ file emdx mà phải dùng partial class, tức là viết thêm class chứ không được sửa class được tạo sẵn.</a:t>
+            </a:r>
+          </a:p>
+          <a:p>
+            <a:pPr fontAlgn="base"/>
+            <a:r>
+              <a:rPr lang="vi-VN" sz="1100" b="0" i="0" kern="1200" smtClean="0">
+                <a:solidFill>
+                  <a:schemeClr val="tx1"/>
+                </a:solidFill>
+                <a:effectLst/>
+                <a:latin typeface="+mn-lt"/>
+                <a:ea typeface="+mn-ea"/>
+                <a:cs typeface="+mn-cs"/>
+              </a:rPr>
+              <a:t>Có thể sửa Database trực tiếp trên SQL vì database quyết định model. bạn có thể update model từ Database.</a:t>
+            </a:r>
+          </a:p>
+          <a:p>
+            <a:pPr fontAlgn="base"/>
+            <a:r>
+              <a:rPr lang="vi-VN" sz="1100" b="1" i="0" kern="1200" smtClean="0">
+                <a:solidFill>
+                  <a:schemeClr val="tx1"/>
+                </a:solidFill>
+                <a:effectLst/>
+                <a:latin typeface="+mn-lt"/>
+                <a:ea typeface="+mn-ea"/>
+                <a:cs typeface="+mn-cs"/>
+              </a:rPr>
+              <a:t>Model first</a:t>
+            </a:r>
+            <a:endParaRPr lang="vi-VN" sz="1100" b="0" i="0" kern="1200" smtClean="0">
+              <a:solidFill>
+                <a:schemeClr val="tx1"/>
+              </a:solidFill>
+              <a:effectLst/>
+              <a:latin typeface="+mn-lt"/>
+              <a:ea typeface="+mn-ea"/>
+              <a:cs typeface="+mn-cs"/>
+            </a:endParaRPr>
+          </a:p>
+          <a:p>
+            <a:pPr fontAlgn="base"/>
+            <a:r>
+              <a:rPr lang="vi-VN" sz="1100" b="0" i="0" kern="1200" smtClean="0">
+                <a:solidFill>
+                  <a:schemeClr val="tx1"/>
+                </a:solidFill>
+                <a:effectLst/>
+                <a:latin typeface="+mn-lt"/>
+                <a:ea typeface="+mn-ea"/>
+                <a:cs typeface="+mn-cs"/>
+              </a:rPr>
+              <a:t>Ít dùng, dùng với những người không thích viết code nhiều.</a:t>
+            </a:r>
+          </a:p>
+          <a:p>
+            <a:pPr fontAlgn="base"/>
+            <a:r>
+              <a:rPr lang="vi-VN" sz="1100" b="1" i="0" kern="1200" smtClean="0">
+                <a:solidFill>
+                  <a:schemeClr val="tx1"/>
+                </a:solidFill>
+                <a:effectLst/>
+                <a:latin typeface="+mn-lt"/>
+                <a:ea typeface="+mn-ea"/>
+                <a:cs typeface="+mn-cs"/>
+              </a:rPr>
+              <a:t>Ý kiến cá nhân</a:t>
+            </a:r>
+          </a:p>
+          <a:p>
+            <a:pPr fontAlgn="base"/>
+            <a:r>
+              <a:rPr lang="vi-VN" sz="1100" b="0" i="0" kern="1200" smtClean="0">
+                <a:solidFill>
+                  <a:schemeClr val="tx1"/>
+                </a:solidFill>
+                <a:effectLst/>
+                <a:latin typeface="+mn-lt"/>
+                <a:ea typeface="+mn-ea"/>
+                <a:cs typeface="+mn-cs"/>
+              </a:rPr>
+              <a:t>– Code First, mình hay xài nhưng với những app nhỏ, ít table.</a:t>
+            </a:r>
+          </a:p>
+          <a:p>
+            <a:pPr fontAlgn="base"/>
+            <a:r>
+              <a:rPr lang="vi-VN" sz="1100" b="0" i="0" kern="1200" smtClean="0">
+                <a:solidFill>
+                  <a:schemeClr val="tx1"/>
+                </a:solidFill>
+                <a:effectLst/>
+                <a:latin typeface="+mn-lt"/>
+                <a:ea typeface="+mn-ea"/>
+                <a:cs typeface="+mn-cs"/>
+              </a:rPr>
+              <a:t>– Database First là lựa chọn ưu tiên từ trước tới giờ. Vẫn giữ cách truyền thống là tốt nhất: thiết kế database</a:t>
+            </a:r>
+          </a:p>
+          <a:p>
+            <a:pPr fontAlgn="base"/>
+            <a:r>
+              <a:rPr lang="vi-VN" sz="1100" b="0" i="0" kern="1200" smtClean="0">
+                <a:solidFill>
+                  <a:schemeClr val="tx1"/>
+                </a:solidFill>
+                <a:effectLst/>
+                <a:latin typeface="+mn-lt"/>
+                <a:ea typeface="+mn-ea"/>
+                <a:cs typeface="+mn-cs"/>
+              </a:rPr>
+              <a:t>– Model First hay Database First không khác nhau mấy.</a:t>
+            </a:r>
+          </a:p>
+          <a:p>
+            <a:pPr fontAlgn="base"/>
+            <a:r>
+              <a:rPr lang="vi-VN" sz="1100" b="0" i="0" kern="1200" smtClean="0">
+                <a:solidFill>
+                  <a:schemeClr val="tx1"/>
+                </a:solidFill>
+                <a:effectLst/>
+                <a:latin typeface="+mn-lt"/>
+                <a:ea typeface="+mn-ea"/>
+                <a:cs typeface="+mn-cs"/>
+              </a:rPr>
+              <a:t>– Model First nghe nói hay xảy ra lỗi và mình chưa xài bao giờ.</a:t>
+            </a:r>
+          </a:p>
+        </p:txBody>
+      </p:sp>
+    </p:spTree>
+    <p:extLst>
+      <p:ext uri="{BB962C8B-B14F-4D97-AF65-F5344CB8AC3E}">
+        <p14:creationId xmlns:p14="http://schemas.microsoft.com/office/powerpoint/2010/main" val="2147363384"/>
+      </p:ext>
+    </p:extLst>
+  </p:cSld>
+  <p:clrMapOvr>
+    <a:masterClrMapping/>
+  </p:clrMapOvr>
+</p:notes>
+</file>
+
+<file path=ppt/notesSlides/notesSlide15.xml><?xml version="1.0" encoding="utf-8"?>
 <p:notes xmlns:a="http://schemas.openxmlformats.org/drawingml/2006/main" xmlns:r="http://schemas.openxmlformats.org/officeDocument/2006/relationships" xmlns:p="http://schemas.openxmlformats.org/presentationml/2006/main" showMasterSp="0" showMasterPhAnim="0">
   <p:cSld>
     <p:spTree>
@@ -1413,6 +2003,56 @@
                 <a:ea typeface="+mn-ea"/>
                 <a:cs typeface="+mn-cs"/>
               </a:rPr>
+              <a:t>Entity Framework là một bộ ánh xạ đối tượng – quan hệ cho phép người lập trình .NET làm việc với dữ liệu quan hệ qua các đối tượng (object) nó giúp lập trình viên không cần viết mã cho hầu hết những gì liên quan đến truy cập dữ liệu.</a:t>
+            </a:r>
+          </a:p>
+          <a:p>
+            <a:endParaRPr lang="vi-VN" sz="1100" b="0" i="0" kern="1200" smtClean="0">
+              <a:solidFill>
+                <a:schemeClr val="tx1"/>
+              </a:solidFill>
+              <a:effectLst/>
+              <a:latin typeface="+mn-lt"/>
+              <a:ea typeface="+mn-ea"/>
+              <a:cs typeface="+mn-cs"/>
+            </a:endParaRPr>
+          </a:p>
+          <a:p>
+            <a:pPr fontAlgn="base"/>
+            <a:r>
+              <a:rPr lang="vi-VN" sz="1100" b="0" i="0" kern="1200" smtClean="0">
+                <a:solidFill>
+                  <a:schemeClr val="tx1"/>
+                </a:solidFill>
+                <a:effectLst/>
+                <a:latin typeface="+mn-lt"/>
+                <a:ea typeface="+mn-ea"/>
+                <a:cs typeface="+mn-cs"/>
+              </a:rPr>
+              <a:t>Nói</a:t>
+            </a:r>
+            <a:r>
+              <a:rPr lang="vi-VN" sz="1100" b="0" i="0" kern="1200" baseline="0" smtClean="0">
+                <a:solidFill>
+                  <a:schemeClr val="tx1"/>
+                </a:solidFill>
+                <a:effectLst/>
+                <a:latin typeface="+mn-lt"/>
+                <a:ea typeface="+mn-ea"/>
+                <a:cs typeface="+mn-cs"/>
+              </a:rPr>
+              <a:t> dễ hiểu thì </a:t>
+            </a:r>
+            <a:r>
+              <a:rPr lang="vi-VN" sz="1100" b="0" i="0" kern="1200" smtClean="0">
+                <a:solidFill>
+                  <a:schemeClr val="tx1"/>
+                </a:solidFill>
+                <a:effectLst/>
+                <a:latin typeface="+mn-lt"/>
+                <a:ea typeface="+mn-ea"/>
+                <a:cs typeface="+mn-cs"/>
+              </a:rPr>
               <a:t>O/RM là cộng cụ để generate class từ database.</a:t>
             </a:r>
           </a:p>
@@ -1489,7 +2129,7 @@
                 <a:ea typeface="+mn-ea"/>
                 <a:cs typeface="+mn-cs"/>
               </a:rPr>
-              <a:t>O/RM giúp tách riêng database và  domain class để dễ phát triển và maintain.</a:t>
+              <a:t>O/RM giúp tách riêng database và domain class để dễ phát triển và maintain.</a:t>
             </a:r>
             <a:r>
               <a:rPr lang="vi-VN" sz="1100" b="0" i="0" u="none" strike="noStrike" kern="1200" smtClean="0">
@@ -1620,6 +2260,14 @@
               </a:spcBef>
               <a:buNone/>
             </a:pPr>
+            <a:r>
+              <a:rPr lang="en-US" smtClean="0"/>
+              <a:t>Ví</a:t>
+            </a:r>
+            <a:r>
+              <a:rPr lang="en-US" baseline="0" smtClean="0"/>
+              <a:t> dụ như đoạn code demo sau (next slide)</a:t>
+            </a:r>
             <a:endParaRPr/>
           </a:p>
         </p:txBody>
@@ -3114,7 +3762,7 @@
     <p:sldLayoutId id="2147483648" r:id="rId1"/>
     <p:sldLayoutId id="2147483653" r:id="rId2"/>
   </p:sldLayoutIdLst>
-  <p:hf sldNum="0" hdr="0" ftr="0"/>
+  <p:hf hdr="0" dt="0"/>
   <p:txStyles>
     <p:titleStyle>
       <a:defPPr marR="0" lvl="0" algn="l" rtl="0">
@@ -3596,7 +4244,7 @@
         <p:spPr>
           <a:xfrm>
             <a:off x="483294" y="1580848"/>
-            <a:ext cx="4611219" cy="1839185"/>
+            <a:ext cx="4311343" cy="1839185"/>
           </a:xfrm>
           <a:prstGeom prst="rect">
             <a:avLst/>
@@ -3616,7 +4264,7 @@
             </a:pPr>
             <a:r>
               <a:rPr lang="en" sz="5600" smtClean="0"/>
-              <a:t>Entity </a:t>
+              <a:t>Entity</a:t>
             </a:r>
             <a:br>
               <a:rPr lang="en" sz="5600" smtClean="0"/>
@@ -3641,8 +4289,8 @@
         </p:nvSpPr>
         <p:spPr>
           <a:xfrm>
-            <a:off x="5692657" y="3228886"/>
-            <a:ext cx="3100706" cy="1231106"/>
+            <a:off x="5414363" y="2990345"/>
+            <a:ext cx="3268463" cy="1610697"/>
           </a:xfrm>
           <a:prstGeom prst="rect">
             <a:avLst/>
@@ -3670,16 +4318,17 @@
                     </a:srgbClr>
                   </a:outerShdw>
                 </a:effectLst>
-                <a:latin typeface="Montserrat"/>
+                <a:latin typeface="Segoe UI" panose="020B0502040204020203" pitchFamily="34" charset="0"/>
                 <a:cs typeface="Segoe UI" panose="020B0502040204020203" pitchFamily="34" charset="0"/>
               </a:rPr>
               <a:t>Nhóm thực hiện:</a:t>
             </a:r>
           </a:p>
           <a:p>
-            <a:pPr marL="285750" indent="-285750">
-              <a:buFontTx/>
-              <a:buChar char="-"/>
+            <a:pPr>
+              <a:spcBef>
+                <a:spcPts val="500"/>
+              </a:spcBef>
             </a:pPr>
             <a:r>
               <a:rPr lang="en-US" smtClean="0">
@@ -3696,19 +4345,13 @@
                     </a:srgbClr>
                   </a:outerShdw>
                 </a:effectLst>
-                <a:latin typeface="Montserrat"/>
+                <a:latin typeface="Segoe UI" panose="020B0502040204020203" pitchFamily="34" charset="0"/>
                 <a:cs typeface="Segoe UI" panose="020B0502040204020203" pitchFamily="34" charset="0"/>
               </a:rPr>
-              <a:t>Nguyễn Văn Quang – 13520675</a:t>
-            </a:r>
-          </a:p>
-          <a:p>
-            <a:pPr marL="285750" indent="-285750">
-              <a:buFontTx/>
-              <a:buChar char="-"/>
-            </a:pPr>
-            <a:r>
-              <a:rPr lang="en-US" smtClean="0">
+              <a:t>   </a:t>
+            </a:r>
+            <a:r>
+              <a:rPr lang="en-US" sz="1600" smtClean="0">
                 <a:solidFill>
                   <a:schemeClr val="accent2">
                     <a:lumMod val="20000"/>
@@ -3722,19 +4365,20 @@
                     </a:srgbClr>
                   </a:outerShdw>
                 </a:effectLst>
-                <a:latin typeface="Montserrat"/>
+                <a:latin typeface="Segoe UI" panose="020B0502040204020203" pitchFamily="34" charset="0"/>
                 <a:cs typeface="Segoe UI" panose="020B0502040204020203" pitchFamily="34" charset="0"/>
               </a:rPr>
-              <a:t>Bùi Đình Lộc Thọ     – 13520844</a:t>
-            </a:r>
-          </a:p>
-          <a:p>
-            <a:pPr marL="285750" indent="-285750">
-              <a:buFontTx/>
-              <a:buChar char="-"/>
+              <a:t>13520675 - Nguyễn Văn Quang</a:t>
+            </a:r>
+          </a:p>
+          <a:p>
+            <a:pPr>
+              <a:spcBef>
+                <a:spcPts val="500"/>
+              </a:spcBef>
             </a:pPr>
             <a:r>
-              <a:rPr lang="en-US" smtClean="0">
+              <a:rPr lang="en-US" sz="1600" smtClean="0">
                 <a:solidFill>
                   <a:schemeClr val="accent2">
                     <a:lumMod val="20000"/>
@@ -3748,19 +4392,20 @@
                     </a:srgbClr>
                   </a:outerShdw>
                 </a:effectLst>
-                <a:latin typeface="Montserrat"/>
+                <a:latin typeface="Segoe UI" panose="020B0502040204020203" pitchFamily="34" charset="0"/>
                 <a:cs typeface="Segoe UI" panose="020B0502040204020203" pitchFamily="34" charset="0"/>
               </a:rPr>
-              <a:t>Nguyễn Thanh Hải   – 13520231</a:t>
-            </a:r>
-          </a:p>
-          <a:p>
-            <a:pPr marL="285750" indent="-285750">
-              <a:buFontTx/>
-              <a:buChar char="-"/>
+              <a:t>   13520844 - Bùi Đình Lộc Thọ</a:t>
+            </a:r>
+          </a:p>
+          <a:p>
+            <a:pPr>
+              <a:spcBef>
+                <a:spcPts val="500"/>
+              </a:spcBef>
             </a:pPr>
             <a:r>
-              <a:rPr lang="en-US" smtClean="0">
+              <a:rPr lang="en-US" sz="1600" smtClean="0">
                 <a:solidFill>
                   <a:schemeClr val="accent2">
                     <a:lumMod val="20000"/>
@@ -3774,12 +4419,39 @@
                     </a:srgbClr>
                   </a:outerShdw>
                 </a:effectLst>
-                <a:latin typeface="Montserrat"/>
+                <a:latin typeface="Segoe UI" panose="020B0502040204020203" pitchFamily="34" charset="0"/>
                 <a:cs typeface="Segoe UI" panose="020B0502040204020203" pitchFamily="34" charset="0"/>
               </a:rPr>
-              <a:t>Đoàn Duy Phương   – 13520657</a:t>
-            </a:r>
-            <a:endParaRPr lang="vi-VN">
+              <a:t>   13520231 - Nguyễn Thanh Hải</a:t>
+            </a:r>
+          </a:p>
+          <a:p>
+            <a:pPr>
+              <a:spcBef>
+                <a:spcPts val="500"/>
+              </a:spcBef>
+            </a:pPr>
+            <a:r>
+              <a:rPr lang="en-US" sz="1600" smtClean="0">
+                <a:solidFill>
+                  <a:schemeClr val="accent2">
+                    <a:lumMod val="20000"/>
+                    <a:lumOff val="80000"/>
+                  </a:schemeClr>
+                </a:solidFill>
+                <a:effectLst>
+                  <a:outerShdw blurRad="38100" dist="38100" dir="2700000" algn="tl">
+                    <a:srgbClr val="000000">
+                      <a:alpha val="43137"/>
+                    </a:srgbClr>
+                  </a:outerShdw>
+                </a:effectLst>
+                <a:latin typeface="Segoe UI" panose="020B0502040204020203" pitchFamily="34" charset="0"/>
+                <a:cs typeface="Segoe UI" panose="020B0502040204020203" pitchFamily="34" charset="0"/>
+              </a:rPr>
+              <a:t>   13520657 - Đoàn Duy Phương</a:t>
+            </a:r>
+            <a:endParaRPr lang="vi-VN" sz="1600">
               <a:solidFill>
                 <a:schemeClr val="accent2">
                   <a:lumMod val="20000"/>
@@ -3793,7 +4465,7 @@
                   </a:srgbClr>
                 </a:outerShdw>
               </a:effectLst>
-              <a:latin typeface="Montserrat"/>
+              <a:latin typeface="Segoe UI" panose="020B0502040204020203" pitchFamily="34" charset="0"/>
               <a:cs typeface="Segoe UI" panose="020B0502040204020203" pitchFamily="34" charset="0"/>
             </a:endParaRPr>
           </a:p>
@@ -3822,7 +4494,7 @@
         </p:blipFill>
         <p:spPr bwMode="auto">
           <a:xfrm>
-            <a:off x="5692657" y="702981"/>
+            <a:off x="5414364" y="520100"/>
             <a:ext cx="3100707" cy="1688164"/>
           </a:xfrm>
           <a:prstGeom prst="rect">
@@ -3848,8 +4520,8 @@
         </p:nvSpPr>
         <p:spPr>
           <a:xfrm>
-            <a:off x="5692657" y="2582942"/>
-            <a:ext cx="3100706" cy="584775"/>
+            <a:off x="5414364" y="2304645"/>
+            <a:ext cx="3100706" cy="679673"/>
           </a:xfrm>
           <a:prstGeom prst="rect">
             <a:avLst/>
@@ -3877,19 +4549,89 @@
                     </a:srgbClr>
                   </a:outerShdw>
                 </a:effectLst>
-                <a:latin typeface="Montserrat"/>
+                <a:latin typeface="Segoe UI" panose="020B0502040204020203" pitchFamily="34" charset="0"/>
                 <a:cs typeface="Segoe UI" panose="020B0502040204020203" pitchFamily="34" charset="0"/>
               </a:rPr>
               <a:t>GVHD:</a:t>
             </a:r>
           </a:p>
           <a:p>
-            <a:r>
-              <a:rPr lang="en-US" smtClean="0">
+            <a:pPr>
+              <a:spcBef>
+                <a:spcPts val="500"/>
+              </a:spcBef>
+            </a:pPr>
+            <a:r>
+              <a:rPr lang="en-US" sz="1600">
                 <a:solidFill>
                   <a:schemeClr val="accent2">
                     <a:lumMod val="20000"/>
                     <a:lumOff val="80000"/>
+                  </a:schemeClr>
+                </a:solidFill>
+                <a:effectLst>
+                  <a:outerShdw blurRad="38100" dist="38100" dir="2700000" algn="tl">
+                    <a:srgbClr val="000000">
+                      <a:alpha val="43137"/>
+                    </a:srgbClr>
+                  </a:outerShdw>
+                </a:effectLst>
+                <a:latin typeface="Segoe UI" panose="020B0502040204020203" pitchFamily="34" charset="0"/>
+                <a:cs typeface="Segoe UI" panose="020B0502040204020203" pitchFamily="34" charset="0"/>
+              </a:rPr>
+              <a:t> </a:t>
+            </a:r>
+            <a:r>
+              <a:rPr lang="en-US" sz="1600" smtClean="0">
+                <a:solidFill>
+                  <a:schemeClr val="accent2">
+                    <a:lumMod val="20000"/>
+                    <a:lumOff val="80000"/>
+                  </a:schemeClr>
+                </a:solidFill>
+                <a:effectLst>
+                  <a:outerShdw blurRad="38100" dist="38100" dir="2700000" algn="tl">
+                    <a:srgbClr val="000000">
+                      <a:alpha val="43137"/>
+                    </a:srgbClr>
+                  </a:outerShdw>
+                </a:effectLst>
+                <a:latin typeface="Segoe UI" panose="020B0502040204020203" pitchFamily="34" charset="0"/>
+                <a:cs typeface="Segoe UI" panose="020B0502040204020203" pitchFamily="34" charset="0"/>
+              </a:rPr>
+              <a:t>  Th.S Phạm Thi Vương</a:t>
+            </a:r>
+          </a:p>
+        </p:txBody>
+      </p:sp>
+      <p:sp>
+        <p:nvSpPr>
+          <p:cNvPr id="3" name="TextBox 2"/>
+          <p:cNvSpPr txBox="1"/>
+          <p:nvPr/>
+        </p:nvSpPr>
+        <p:spPr>
+          <a:xfrm flipH="1">
+            <a:off x="289936" y="4173502"/>
+            <a:ext cx="4804577" cy="461665"/>
+          </a:xfrm>
+          <a:prstGeom prst="rect">
+            <a:avLst/>
+          </a:prstGeom>
+          <a:noFill/>
+        </p:spPr>
+        <p:txBody>
+          <a:bodyPr wrap="square" rtlCol="0">
+            <a:spAutoFit/>
+          </a:bodyPr>
+          <a:lstStyle/>
+          <a:p>
+            <a:r>
+              <a:rPr lang="en-US" sz="2300" smtClean="0">
+                <a:solidFill>
+                  <a:schemeClr val="tx1">
+                    <a:lumMod val="65000"/>
+                    <a:lumOff val="35000"/>
                   </a:schemeClr>
                 </a:solidFill>
                 <a:effectLst>
@@ -3900,10 +4642,25 @@
                   </a:outerShdw>
                 </a:effectLst>
                 <a:latin typeface="Montserrat"/>
-                <a:cs typeface="Segoe UI" panose="020B0502040204020203" pitchFamily="34" charset="0"/>
-              </a:rPr>
-              <a:t>     Th.S Phạm Thi Vương</a:t>
-            </a:r>
+              </a:rPr>
+              <a:t>CÔNG NGHỆ .NET - SE310.H21</a:t>
+            </a:r>
+            <a:endParaRPr lang="vi-VN" sz="2300">
+              <a:solidFill>
+                <a:schemeClr val="tx1">
+                  <a:lumMod val="65000"/>
+                  <a:lumOff val="35000"/>
+                </a:schemeClr>
+              </a:solidFill>
+              <a:effectLst>
+                <a:outerShdw blurRad="38100" dist="38100" dir="2700000" algn="tl">
+                  <a:srgbClr val="000000">
+                    <a:alpha val="43137"/>
+                  </a:srgbClr>
+                </a:outerShdw>
+              </a:effectLst>
+              <a:latin typeface="Montserrat"/>
+            </a:endParaRPr>
           </a:p>
         </p:txBody>
       </p:sp>
@@ -3993,11 +4750,7 @@
             </a:r>
             <a:r>
               <a:rPr lang="vi-VN"/>
-              <a:t>class trước, sau đó generate </a:t>
-            </a:r>
-            <a:r>
-              <a:rPr lang="vi-VN"/>
-              <a:t>database </a:t>
+              <a:t>class trước, sau đó generate database </a:t>
             </a:r>
             <a:endParaRPr lang="vi-VN" smtClean="0"/>
           </a:p>
@@ -4154,8 +4907,66 @@
             </a:pPr>
             <a:r>
               <a:rPr lang="vi-VN" smtClean="0"/>
-              <a:t>Cài đặt Entity Framework</a:t>
-            </a:r>
+              <a:t>Cài đặt Entity </a:t>
+            </a:r>
+            <a:r>
+              <a:rPr lang="vi-VN"/>
+              <a:t>Framework</a:t>
+            </a:r>
+          </a:p>
+          <a:p>
+            <a:pPr marL="342900" indent="-342900">
+              <a:spcBef>
+                <a:spcPts val="1500"/>
+              </a:spcBef>
+            </a:pPr>
+            <a:r>
+              <a:rPr lang="vi-VN"/>
+              <a:t>Sử dụng </a:t>
+            </a:r>
+            <a:r>
+              <a:rPr lang="vi-VN"/>
+              <a:t>DBContext</a:t>
+            </a:r>
+          </a:p>
+          <a:p>
+            <a:pPr marL="342900" indent="-342900">
+              <a:spcBef>
+                <a:spcPts val="1500"/>
+              </a:spcBef>
+            </a:pPr>
+            <a:r>
+              <a:rPr lang="vi-VN"/>
+              <a:t>Demo sử dụng Code First</a:t>
+            </a:r>
+            <a:endParaRPr lang="vi-VN"/>
+          </a:p>
+          <a:p>
+            <a:pPr marL="342900" indent="-342900">
+              <a:spcBef>
+                <a:spcPts val="1500"/>
+              </a:spcBef>
+            </a:pPr>
+            <a:r>
+              <a:rPr lang="vi-VN"/>
+              <a:t>Demo sử dụng Databases First</a:t>
+            </a:r>
+          </a:p>
+          <a:p>
+            <a:pPr marL="342900" indent="-342900">
+              <a:spcBef>
+                <a:spcPts val="1500"/>
+              </a:spcBef>
+            </a:pPr>
+            <a:r>
+              <a:rPr lang="vi-VN"/>
+              <a:t>Demo sử dụng Models </a:t>
+            </a:r>
+            <a:r>
+              <a:rPr lang="vi-VN" smtClean="0"/>
+              <a:t>First</a:t>
+            </a:r>
+            <a:endParaRPr lang="vi-VN" smtClean="0"/>
           </a:p>
           <a:p>
             <a:pPr marL="342900" indent="-342900">
@@ -4167,79 +4978,6 @@
               <a:rPr lang="vi-VN" smtClean="0"/>
               <a:t>Tạo Entity Data Model (EDM)</a:t>
             </a:r>
-          </a:p>
-          <a:p>
-            <a:pPr marL="342900" indent="-342900">
-              <a:spcBef>
-                <a:spcPts val="1500"/>
-              </a:spcBef>
-            </a:pPr>
-            <a:r>
-              <a:rPr lang="vi-VN"/>
-              <a:t>Sử </a:t>
-            </a:r>
-            <a:r>
-              <a:rPr lang="vi-VN"/>
-              <a:t>dụng </a:t>
-            </a:r>
-            <a:r>
-              <a:rPr lang="vi-VN" smtClean="0"/>
-              <a:t>DBContext</a:t>
-            </a:r>
-          </a:p>
-          <a:p>
-            <a:pPr marL="342900" indent="-342900">
-              <a:spcBef>
-                <a:spcPts val="1500"/>
-              </a:spcBef>
-            </a:pPr>
-            <a:r>
-              <a:rPr lang="vi-VN" smtClean="0"/>
-              <a:t>Demo sử dụng Databases First</a:t>
-            </a:r>
-          </a:p>
-          <a:p>
-            <a:pPr marL="342900" indent="-342900">
-              <a:spcBef>
-                <a:spcPts val="1500"/>
-              </a:spcBef>
-            </a:pPr>
-            <a:r>
-              <a:rPr lang="vi-VN"/>
-              <a:t>Demo sử </a:t>
-            </a:r>
-            <a:r>
-              <a:rPr lang="vi-VN"/>
-              <a:t>dụng </a:t>
-            </a:r>
-            <a:r>
-              <a:rPr lang="vi-VN" smtClean="0"/>
-              <a:t>Models First</a:t>
-            </a:r>
-          </a:p>
-          <a:p>
-            <a:pPr marL="342900" indent="-342900">
-              <a:spcBef>
-                <a:spcPts val="1500"/>
-              </a:spcBef>
-            </a:pPr>
-            <a:r>
-              <a:rPr lang="vi-VN"/>
-              <a:t>Demo sử </a:t>
-            </a:r>
-            <a:r>
-              <a:rPr lang="vi-VN"/>
-              <a:t>dụng </a:t>
-            </a:r>
-            <a:r>
-              <a:rPr lang="vi-VN" smtClean="0"/>
-              <a:t>Code </a:t>
-            </a:r>
-            <a:r>
-              <a:rPr lang="vi-VN"/>
-              <a:t>First</a:t>
-            </a:r>
-            <a:endParaRPr lang="vi-VN" smtClean="0"/>
           </a:p>
         </p:txBody>
       </p:sp>
@@ -4252,6 +4990,171 @@
 </file>
 
 <file path=ppt/slides/slide12.xml><?xml version="1.0" encoding="utf-8"?>
+<p:sld xmlns:a="http://schemas.openxmlformats.org/drawingml/2006/main" xmlns:r="http://schemas.openxmlformats.org/officeDocument/2006/relationships" xmlns:p="http://schemas.openxmlformats.org/presentationml/2006/main">
+  <p:cSld>
+    <p:bg>
+      <p:bgPr>
+        <a:solidFill>
+          <a:srgbClr val="9C27B0"/>
+        </a:solidFill>
+        <a:effectLst/>
+      </p:bgPr>
+    </p:bg>
+    <p:spTree>
+      <p:nvGrpSpPr>
+        <p:cNvPr id="1" name="Shape 145"/>
+        <p:cNvGrpSpPr/>
+        <p:nvPr/>
+      </p:nvGrpSpPr>
+      <p:grpSpPr>
+        <a:xfrm>
+          <a:off x="0" y="0"/>
+          <a:ext cx="0" cy="0"/>
+          <a:chOff x="0" y="0"/>
+          <a:chExt cx="0" cy="0"/>
+        </a:xfrm>
+      </p:grpSpPr>
+      <p:sp>
+        <p:nvSpPr>
+          <p:cNvPr id="6" name="Title 5"/>
+          <p:cNvSpPr>
+            <a:spLocks noGrp="1"/>
+          </p:cNvSpPr>
+          <p:nvPr>
+            <p:ph type="title"/>
+          </p:nvPr>
+        </p:nvSpPr>
+        <p:spPr/>
+        <p:txBody>
+          <a:bodyPr/>
+          <a:lstStyle/>
+          <a:p>
+            <a:r>
+              <a:rPr lang="en-US" smtClean="0">
+                <a:solidFill>
+                  <a:srgbClr val="7030A0"/>
+                </a:solidFill>
+                <a:effectLst>
+                  <a:outerShdw blurRad="38100" dist="38100" dir="2700000" algn="tl">
+                    <a:srgbClr val="000000">
+                      <a:alpha val="43137"/>
+                    </a:srgbClr>
+                  </a:outerShdw>
+                </a:effectLst>
+              </a:rPr>
+              <a:t>Cài đặt Entity Framework</a:t>
+            </a:r>
+            <a:endParaRPr lang="vi-VN"/>
+          </a:p>
+        </p:txBody>
+      </p:sp>
+      <p:sp>
+        <p:nvSpPr>
+          <p:cNvPr id="7" name="Text Placeholder 6"/>
+          <p:cNvSpPr>
+            <a:spLocks noGrp="1"/>
+          </p:cNvSpPr>
+          <p:nvPr>
+            <p:ph type="body" idx="1"/>
+          </p:nvPr>
+        </p:nvSpPr>
+        <p:spPr/>
+        <p:txBody>
+          <a:bodyPr/>
+          <a:lstStyle/>
+          <a:p>
+            <a:pPr marL="342900" indent="-342900">
+              <a:spcBef>
+                <a:spcPts val="1500"/>
+              </a:spcBef>
+            </a:pPr>
+            <a:r>
+              <a:rPr lang="vi-VN" smtClean="0"/>
+              <a:t>Cách 1: TOOLS </a:t>
+            </a:r>
+            <a:r>
+              <a:rPr lang="vi-VN"/>
+              <a:t>-&gt; Nuget Package Manager -&gt; </a:t>
+            </a:r>
+            <a:r>
+              <a:rPr lang="vi-VN" smtClean="0"/>
+              <a:t>    Package </a:t>
+            </a:r>
+            <a:r>
+              <a:rPr lang="vi-VN"/>
+              <a:t>Manager Console </a:t>
+            </a:r>
+            <a:endParaRPr lang="vi-VN" smtClean="0"/>
+          </a:p>
+          <a:p>
+            <a:pPr algn="ctr">
+              <a:spcBef>
+                <a:spcPts val="1500"/>
+              </a:spcBef>
+              <a:buNone/>
+            </a:pPr>
+            <a:r>
+              <a:rPr lang="vi-VN" smtClean="0"/>
+              <a:t>“</a:t>
+            </a:r>
+            <a:r>
+              <a:rPr lang="vi-VN"/>
+              <a:t>Install-Package EntityFramework</a:t>
+            </a:r>
+            <a:r>
+              <a:rPr lang="vi-VN" smtClean="0"/>
+              <a:t>”</a:t>
+            </a:r>
+          </a:p>
+          <a:p>
+            <a:pPr marL="342900" indent="-342900">
+              <a:spcBef>
+                <a:spcPts val="1500"/>
+              </a:spcBef>
+            </a:pPr>
+            <a:r>
+              <a:rPr lang="vi-VN" smtClean="0"/>
+              <a:t>Cách 2: References -&gt; Manage NuGet Packages...</a:t>
+            </a:r>
+          </a:p>
+          <a:p>
+            <a:pPr algn="ctr">
+              <a:spcBef>
+                <a:spcPts val="1500"/>
+              </a:spcBef>
+              <a:buNone/>
+            </a:pPr>
+            <a:r>
+              <a:rPr lang="vi-VN" smtClean="0"/>
+              <a:t>Chọn EntityFramework -&gt; Install</a:t>
+            </a:r>
+            <a:endParaRPr lang="vi-VN"/>
+          </a:p>
+          <a:p>
+            <a:pPr>
+              <a:spcBef>
+                <a:spcPts val="1500"/>
+              </a:spcBef>
+              <a:buNone/>
+            </a:pPr>
+            <a:endParaRPr lang="vi-VN" smtClean="0"/>
+          </a:p>
+        </p:txBody>
+      </p:sp>
+    </p:spTree>
+    <p:extLst>
+      <p:ext uri="{BB962C8B-B14F-4D97-AF65-F5344CB8AC3E}">
+        <p14:creationId xmlns:p14="http://schemas.microsoft.com/office/powerpoint/2010/main" val="1831170823"/>
+      </p:ext>
+    </p:extLst>
+  </p:cSld>
+  <p:clrMapOvr>
+    <a:masterClrMapping/>
+  </p:clrMapOvr>
+</p:sld>
+</file>
+
+<file path=ppt/slides/slide13.xml><?xml version="1.0" encoding="utf-8"?>
 <p:sld xmlns:a="http://schemas.openxmlformats.org/drawingml/2006/main" xmlns:r="http://schemas.openxmlformats.org/officeDocument/2006/relationships" xmlns:p="http://schemas.openxmlformats.org/presentationml/2006/main">
   <p:cSld>
     <p:bg>
@@ -5188,7 +6091,86 @@
 </p:sld>
 </file>
 
-<file path=ppt/slides/slide13.xml><?xml version="1.0" encoding="utf-8"?>
+<file path=ppt/slides/slide14.xml><?xml version="1.0" encoding="utf-8"?>
+<p:sld xmlns:a="http://schemas.openxmlformats.org/drawingml/2006/main" xmlns:r="http://schemas.openxmlformats.org/officeDocument/2006/relationships" xmlns:p="http://schemas.openxmlformats.org/presentationml/2006/main">
+  <p:cSld>
+    <p:bg>
+      <p:bgPr>
+        <a:solidFill>
+          <a:schemeClr val="bg2"/>
+        </a:solidFill>
+        <a:effectLst/>
+      </p:bgPr>
+    </p:bg>
+    <p:spTree>
+      <p:nvGrpSpPr>
+        <p:cNvPr id="1" name="Shape 122"/>
+        <p:cNvGrpSpPr/>
+        <p:nvPr/>
+      </p:nvGrpSpPr>
+      <p:grpSpPr>
+        <a:xfrm>
+          <a:off x="0" y="0"/>
+          <a:ext cx="0" cy="0"/>
+          <a:chOff x="0" y="0"/>
+          <a:chExt cx="0" cy="0"/>
+        </a:xfrm>
+      </p:grpSpPr>
+      <p:pic>
+        <p:nvPicPr>
+          <p:cNvPr id="1026" name="Picture 2" descr="choose-modeling"/>
+          <p:cNvPicPr>
+            <a:picLocks noChangeAspect="1" noChangeArrowheads="1"/>
+          </p:cNvPicPr>
+          <p:nvPr/>
+        </p:nvPicPr>
+        <p:blipFill>
+          <a:blip r:embed="rId3">
+            <a:extLst>
+              <a:ext uri="{28A0092B-C50C-407E-A947-70E740481C1C}">
+                <a14:useLocalDpi xmlns:a14="http://schemas.microsoft.com/office/drawing/2010/main" val="0"/>
+              </a:ext>
+            </a:extLst>
+          </a:blip>
+          <a:srcRect/>
+          <a:stretch>
+            <a:fillRect/>
+          </a:stretch>
+        </p:blipFill>
+        <p:spPr bwMode="auto">
+          <a:xfrm>
+            <a:off x="1046120" y="235875"/>
+            <a:ext cx="6606630" cy="4685982"/>
+          </a:xfrm>
+          <a:prstGeom prst="rect">
+            <a:avLst/>
+          </a:prstGeom>
+          <a:noFill/>
+          <a:extLst>
+            <a:ext uri="{909E8E84-426E-40DD-AFC4-6F175D3DCCD1}">
+              <a14:hiddenFill xmlns:a14="http://schemas.microsoft.com/office/drawing/2010/main">
+                <a:solidFill>
+                  <a:srgbClr val="FFFFFF"/>
+                </a:solidFill>
+              </a14:hiddenFill>
+            </a:ext>
+          </a:extLst>
+        </p:spPr>
+      </p:pic>
+    </p:spTree>
+    <p:extLst>
+      <p:ext uri="{BB962C8B-B14F-4D97-AF65-F5344CB8AC3E}">
+        <p14:creationId xmlns:p14="http://schemas.microsoft.com/office/powerpoint/2010/main" val="3073504754"/>
+      </p:ext>
+    </p:extLst>
+  </p:cSld>
+  <p:clrMapOvr>
+    <a:masterClrMapping/>
+  </p:clrMapOvr>
+</p:sld>
+</file>
+
+<file path=ppt/slides/slide15.xml><?xml version="1.0" encoding="utf-8"?>
 <p:sld xmlns:a="http://schemas.openxmlformats.org/drawingml/2006/main" xmlns:r="http://schemas.openxmlformats.org/officeDocument/2006/relationships" xmlns:p="http://schemas.openxmlformats.org/presentationml/2006/main">
   <p:cSld>
     <p:bg>
@@ -6331,6 +7313,9 @@
             <a:pPr lvl="0"/>
             <a:r>
               <a:rPr lang="en" smtClean="0">
+                <a:solidFill>
+                  <a:srgbClr val="92D050"/>
+                </a:solidFill>
                 <a:effectLst>
                   <a:outerShdw blurRad="38100" dist="38100" dir="2700000" algn="tl">
                     <a:srgbClr val="000000">
@@ -6343,7 +7328,7 @@
             </a:r>
             <a:endParaRPr lang="en" sz="2400">
               <a:solidFill>
-                <a:srgbClr val="CDDC39"/>
+                <a:srgbClr val="92D050"/>
               </a:solidFill>
               <a:effectLst>
                 <a:outerShdw blurRad="38100" dist="38100" dir="2700000" algn="tl">
@@ -6451,7 +7436,7 @@
         </p:nvSpPr>
         <p:spPr>
           <a:xfrm>
-            <a:off x="5737447" y="875762"/>
+            <a:off x="5316027" y="875762"/>
             <a:ext cx="1434630" cy="3664045"/>
           </a:xfrm>
           <a:prstGeom prst="rect">
@@ -6844,21 +7829,6 @@
               </a:rPr>
               <a:t>Discuss ?</a:t>
             </a:r>
-            <a:endParaRPr lang="en-US" b="1" smtClean="0">
-              <a:solidFill>
-                <a:schemeClr val="bg1">
-                  <a:lumMod val="50000"/>
-                </a:schemeClr>
-              </a:solidFill>
-              <a:effectLst>
-                <a:outerShdw blurRad="38100" dist="38100" dir="2700000" algn="tl">
-                  <a:srgbClr val="000000">
-                    <a:alpha val="43137"/>
-                  </a:srgbClr>
-                </a:outerShdw>
-              </a:effectLst>
-              <a:latin typeface="Montserrat"/>
-            </a:endParaRPr>
           </a:p>
         </p:txBody>
       </p:sp>
@@ -6974,11 +7944,7 @@
             </a:r>
             <a:r>
               <a:rPr lang="vi-VN"/>
-              <a:t>Mapping </a:t>
-            </a:r>
-            <a:r>
-              <a:rPr lang="vi-VN"/>
-              <a:t>(</a:t>
+              <a:t>Mapping (</a:t>
             </a:r>
             <a:r>
               <a:rPr lang="vi-VN" b="1" smtClean="0"/>
@@ -7017,11 +7983,7 @@
             </a:r>
             <a:r>
               <a:rPr lang="vi-VN"/>
-              <a:t>đối tượng – </a:t>
-            </a:r>
-            <a:r>
-              <a:rPr lang="vi-VN"/>
-              <a:t>quan </a:t>
+              <a:t>đối tượng – quan </a:t>
             </a:r>
             <a:r>
               <a:rPr lang="vi-VN" smtClean="0"/>
@@ -8031,31 +8993,31 @@
               <a:buNone/>
             </a:pPr>
             <a:r>
+              <a:rPr lang="en-US" sz="1300" smtClean="0">
+                <a:solidFill>
+                  <a:srgbClr val="0000FF"/>
+                </a:solidFill>
+                <a:latin typeface="Courier New" pitchFamily="49" charset="0"/>
+                <a:ea typeface="Calibri" pitchFamily="34" charset="0"/>
+                <a:cs typeface="Courier New" pitchFamily="49" charset="0"/>
+              </a:rPr>
+              <a:t>			string</a:t>
+            </a:r>
+            <a:r>
+              <a:rPr lang="en-US" sz="1300" smtClean="0">
+                <a:latin typeface="Courier New" pitchFamily="49" charset="0"/>
+                <a:ea typeface="Calibri" pitchFamily="34" charset="0"/>
+                <a:cs typeface="Courier New" pitchFamily="49" charset="0"/>
+              </a:rPr>
+              <a:t> </a:t>
+            </a:r>
+            <a:r>
               <a:rPr lang="en-US" sz="1300">
                 <a:latin typeface="Courier New" pitchFamily="49" charset="0"/>
                 <a:ea typeface="Calibri" pitchFamily="34" charset="0"/>
                 <a:cs typeface="Courier New" pitchFamily="49" charset="0"/>
               </a:rPr>
-              <a:t>                        </a:t>
-            </a:r>
-            <a:r>
-              <a:rPr lang="en-US" sz="1300">
-                <a:solidFill>
-                  <a:srgbClr val="0000FF"/>
-                </a:solidFill>
-                <a:latin typeface="Courier New" pitchFamily="49" charset="0"/>
-                <a:ea typeface="Calibri" pitchFamily="34" charset="0"/>
-                <a:cs typeface="Courier New" pitchFamily="49" charset="0"/>
-              </a:rPr>
-              <a:t>string</a:t>
-            </a:r>
-            <a:r>
-              <a:rPr lang="en-US" sz="1300">
-                <a:latin typeface="Courier New" pitchFamily="49" charset="0"/>
-                <a:ea typeface="Calibri" pitchFamily="34" charset="0"/>
-                <a:cs typeface="Courier New" pitchFamily="49" charset="0"/>
-              </a:rPr>
-              <a:t> name = rdr.GetString(0);</a:t>
+              <a:t>name = rdr.GetString(0);</a:t>
             </a:r>
             <a:endParaRPr lang="en-US" sz="1300">
               <a:latin typeface="Arial" pitchFamily="34" charset="0"/>
@@ -8078,18 +9040,34 @@
                 <a:ea typeface="Calibri" pitchFamily="34" charset="0"/>
                 <a:cs typeface="Courier New" pitchFamily="49" charset="0"/>
               </a:rPr>
-              <a:t>                        </a:t>
-            </a:r>
-            <a:r>
-              <a:rPr lang="en-US" sz="1300">
-                <a:solidFill>
-                  <a:srgbClr val="0000FF"/>
-                </a:solidFill>
+              <a:t>                    </a:t>
+            </a:r>
+            <a:r>
+              <a:rPr lang="en-US" sz="1300" smtClean="0">
                 <a:latin typeface="Courier New" pitchFamily="49" charset="0"/>
                 <a:ea typeface="Calibri" pitchFamily="34" charset="0"/>
                 <a:cs typeface="Courier New" pitchFamily="49" charset="0"/>
               </a:rPr>
+              <a:t>	</a:t>
+            </a:r>
+            <a:r>
+              <a:rPr lang="en-US" sz="1300" smtClean="0">
+                <a:solidFill>
+                  <a:srgbClr val="0000FF"/>
+                </a:solidFill>
+                <a:latin typeface="Courier New" pitchFamily="49" charset="0"/>
+                <a:ea typeface="Calibri" pitchFamily="34" charset="0"/>
+                <a:cs typeface="Courier New" pitchFamily="49" charset="0"/>
+              </a:rPr>
               <a:t>string</a:t>
+            </a:r>
+            <a:r>
+              <a:rPr lang="en-US" sz="1300" smtClean="0">
+                <a:latin typeface="Courier New" pitchFamily="49" charset="0"/>
+                <a:ea typeface="Calibri" pitchFamily="34" charset="0"/>
+                <a:cs typeface="Courier New" pitchFamily="49" charset="0"/>
+              </a:rPr>
+              <a:t> </a:t>
             </a:r>
             <a:r>
               <a:rPr lang="en-US" sz="1300">
@@ -8097,7 +9075,7 @@
                 <a:ea typeface="Calibri" pitchFamily="34" charset="0"/>
                 <a:cs typeface="Courier New" pitchFamily="49" charset="0"/>
               </a:rPr>
-              <a:t> city = rdr.GetString(1);</a:t>
+              <a:t>city = rdr.GetString(1);</a:t>
             </a:r>
             <a:endParaRPr lang="en-US" sz="1300">
               <a:latin typeface="Arial" pitchFamily="34" charset="0"/>
@@ -8348,11 +9326,7 @@
             </a:r>
             <a:r>
               <a:rPr lang="vi-VN" sz="2200"/>
-              <a:t>các </a:t>
-            </a:r>
-            <a:r>
-              <a:rPr lang="vi-VN" sz="2200"/>
-              <a:t>hoạt </a:t>
+              <a:t>các hoạt </a:t>
             </a:r>
             <a:r>
               <a:rPr lang="vi-VN" sz="2200" smtClean="0"/>
@@ -8572,7 +9546,7 @@
                   </a:outerShdw>
                 </a:effectLst>
               </a:rPr>
-              <a:t>Models first</a:t>
+              <a:t>Model first</a:t>
             </a:r>
             <a:endParaRPr lang="vi-VN" smtClean="0"/>
           </a:p>
@@ -8700,11 +9674,7 @@
             </a:r>
             <a:r>
               <a:rPr lang="vi-VN"/>
-              <a:t>phương pháp chỉ nên dùng khi bạn đã có </a:t>
-            </a:r>
-            <a:r>
-              <a:rPr lang="vi-VN"/>
-              <a:t>sẵn </a:t>
+              <a:t>phương pháp chỉ nên dùng khi bạn đã có sẵn </a:t>
             </a:r>
             <a:endParaRPr lang="vi-VN" smtClean="0"/>
           </a:p>
@@ -8721,11 +9691,7 @@
             </a:r>
             <a:r>
               <a:rPr lang="vi-VN"/>
-              <a:t>, EF Wizard sẽ tạo Model </a:t>
-            </a:r>
-            <a:r>
-              <a:rPr lang="vi-VN"/>
-              <a:t>và </a:t>
+              <a:t>, EF Wizard sẽ tạo Model và </a:t>
             </a:r>
             <a:r>
               <a:rPr lang="vi-VN" smtClean="0"/>
@@ -8745,11 +9711,7 @@
             </a:r>
             <a:r>
               <a:rPr lang="vi-VN"/>
-              <a:t>EDMX từ database đã </a:t>
-            </a:r>
-            <a:r>
-              <a:rPr lang="vi-VN"/>
-              <a:t>có </a:t>
+              <a:t>EDMX từ database đã có </a:t>
             </a:r>
             <a:r>
               <a:rPr lang="vi-VN" smtClean="0"/>
@@ -8846,7 +9808,7 @@
           <a:lstStyle/>
           <a:p>
             <a:r>
-              <a:rPr lang="vi-VN">
+              <a:rPr lang="vi-VN" smtClean="0">
                 <a:solidFill>
                   <a:srgbClr val="92D050"/>
                 </a:solidFill>
@@ -8858,7 +9820,22 @@
                   </a:outerShdw>
                 </a:effectLst>
               </a:rPr>
-              <a:t>Models first</a:t>
+              <a:t>Model </a:t>
+            </a:r>
+            <a:r>
+              <a:rPr lang="vi-VN">
+                <a:solidFill>
+                  <a:srgbClr val="92D050"/>
+                </a:solidFill>
+                <a:effectLst>
+                  <a:outerShdw blurRad="38100" dist="38100" dir="2700000" algn="tl">
+                    <a:srgbClr val="000000">
+                      <a:alpha val="43137"/>
+                    </a:srgbClr>
+                  </a:outerShdw>
+                </a:effectLst>
+              </a:rPr>
+              <a:t>first</a:t>
             </a:r>
             <a:endParaRPr lang="vi-VN"/>
           </a:p>
@@ -8895,11 +9872,7 @@
             </a:r>
             <a:r>
               <a:rPr lang="vi-VN"/>
-              <a:t>khi bạn bắt đầu thiết kế CSDL </a:t>
-            </a:r>
-            <a:r>
-              <a:rPr lang="vi-VN"/>
-              <a:t>từ </a:t>
+              <a:t>khi bạn bắt đầu thiết kế CSDL từ </a:t>
             </a:r>
             <a:r>
               <a:rPr lang="vi-VN" smtClean="0"/>
@@ -8931,11 +9904,7 @@
             </a:r>
             <a:r>
               <a:rPr lang="en-US"/>
-              <a:t>, relationships, sau đó </a:t>
-            </a:r>
-            <a:r>
-              <a:rPr lang="en-US"/>
-              <a:t>generate </a:t>
+              <a:t>, relationships, sau đó generate </a:t>
             </a:r>
             <a:endParaRPr lang="en-US" smtClean="0"/>
           </a:p>

--- a/DOCUMENT/Group7-Slide.pptx
+++ b/DOCUMENT/Group7-Slide.pptx
@@ -335,7 +335,7 @@
           <a:p>
             <a:fld id="{0587ED61-A483-4AE7-A603-5FF7BB0F5798}" type="datetimeFigureOut">
               <a:rPr lang="vi-VN" smtClean="0"/>
-              <a:t>25/03/2017</a:t>
+              <a:t>07/04/2017</a:t>
             </a:fld>
             <a:endParaRPr lang="vi-VN"/>
           </a:p>
@@ -1063,31 +1063,7 @@
                 <a:ea typeface="+mn-ea"/>
                 <a:cs typeface="+mn-cs"/>
               </a:rPr>
-              <a:t>cầu nối giữa các lớp </a:t>
-            </a:r>
-            <a:r>
-              <a:rPr lang="vi-VN" sz="1100" b="0" i="0" kern="1200" smtClean="0">
-                <a:solidFill>
-                  <a:schemeClr val="tx1"/>
-                </a:solidFill>
-                <a:effectLst/>
-                <a:latin typeface="+mn-lt"/>
-                <a:ea typeface="+mn-ea"/>
-                <a:cs typeface="+mn-cs"/>
-              </a:rPr>
-              <a:t>hoặc </a:t>
-            </a:r>
-            <a:r>
-              <a:rPr lang="vi-VN" sz="1100" b="0" i="0" kern="1200" smtClean="0">
-                <a:solidFill>
-                  <a:schemeClr val="tx1"/>
-                </a:solidFill>
-                <a:effectLst/>
-                <a:latin typeface="+mn-lt"/>
-                <a:ea typeface="+mn-ea"/>
-                <a:cs typeface="+mn-cs"/>
-              </a:rPr>
-              <a:t>thực thể với cơ sở dữ liệu.</a:t>
+              <a:t>cầu nối giữa các lớp hoặc thực thể với cơ sở dữ liệu.</a:t>
             </a:r>
             <a:endParaRPr/>
           </a:p>
@@ -4922,11 +4898,7 @@
             </a:pPr>
             <a:r>
               <a:rPr lang="vi-VN"/>
-              <a:t>Sử dụng </a:t>
-            </a:r>
-            <a:r>
-              <a:rPr lang="vi-VN"/>
-              <a:t>DBContext</a:t>
+              <a:t>Sử dụng DBContext</a:t>
             </a:r>
           </a:p>
           <a:p>
@@ -4939,7 +4911,6 @@
               <a:rPr lang="vi-VN"/>
               <a:t>Demo sử dụng Code First</a:t>
             </a:r>
-            <a:endParaRPr lang="vi-VN"/>
           </a:p>
           <a:p>
             <a:pPr marL="342900" indent="-342900">
@@ -4966,7 +4937,6 @@
               <a:rPr lang="vi-VN" smtClean="0"/>
               <a:t>First</a:t>
             </a:r>
-            <a:endParaRPr lang="vi-VN" smtClean="0"/>
           </a:p>
           <a:p>
             <a:pPr marL="342900" indent="-342900">
@@ -8129,7 +8099,11 @@
             </a:pPr>
             <a:r>
               <a:rPr lang="en-US" smtClean="0"/>
-              <a:t>Đây là cách chúng ta </a:t>
+              <a:t>Trước đây chúng </a:t>
+            </a:r>
+            <a:r>
+              <a:rPr lang="en-US" smtClean="0"/>
+              <a:t>ta </a:t>
             </a:r>
             <a:r>
               <a:rPr lang="en-US" b="1" smtClean="0"/>
@@ -8137,8 +8111,13 @@
             </a:r>
             <a:r>
               <a:rPr lang="en-US" smtClean="0"/>
-              <a:t> làm khi muốn </a:t>
-            </a:r>
+              <a:t> </a:t>
+            </a:r>
+            <a:r>
+              <a:rPr lang="en-US" smtClean="0"/>
+              <a:t>thao tác trực tiếp để</a:t>
+            </a:r>
+            <a:endParaRPr lang="en-US" smtClean="0"/>
           </a:p>
           <a:p>
             <a:pPr>
@@ -8490,7 +8469,7 @@
           <a:bodyPr/>
           <a:lstStyle/>
           <a:p>
-            <a:pPr lvl="1" fontAlgn="base">
+            <a:pPr lvl="1" eaLnBrk="0" fontAlgn="base" hangingPunct="0">
               <a:spcBef>
                 <a:spcPct val="0"/>
               </a:spcBef>
@@ -8499,113 +8478,7 @@
               </a:spcAft>
               <a:buNone/>
             </a:pPr>
-            <a:r>
-              <a:rPr lang="en-US" sz="1300" smtClean="0">
-                <a:solidFill>
-                  <a:srgbClr val="0000FF"/>
-                </a:solidFill>
-                <a:latin typeface="Courier New" pitchFamily="49" charset="0"/>
-                <a:ea typeface="Calibri" pitchFamily="34" charset="0"/>
-                <a:cs typeface="Courier New" pitchFamily="49" charset="0"/>
-              </a:rPr>
-              <a:t>using</a:t>
-            </a:r>
-            <a:r>
-              <a:rPr lang="en-US" sz="1300" smtClean="0">
-                <a:latin typeface="Courier New" pitchFamily="49" charset="0"/>
-                <a:ea typeface="Calibri" pitchFamily="34" charset="0"/>
-                <a:cs typeface="Courier New" pitchFamily="49" charset="0"/>
-              </a:rPr>
-              <a:t> </a:t>
-            </a:r>
-            <a:r>
-              <a:rPr lang="en-US" sz="1300">
-                <a:latin typeface="Courier New" pitchFamily="49" charset="0"/>
-                <a:ea typeface="Calibri" pitchFamily="34" charset="0"/>
-                <a:cs typeface="Courier New" pitchFamily="49" charset="0"/>
-              </a:rPr>
-              <a:t>(</a:t>
-            </a:r>
-            <a:r>
-              <a:rPr lang="en-US" sz="1300">
-                <a:solidFill>
-                  <a:srgbClr val="2B91AF"/>
-                </a:solidFill>
-                <a:latin typeface="Courier New" pitchFamily="49" charset="0"/>
-                <a:ea typeface="Calibri" pitchFamily="34" charset="0"/>
-                <a:cs typeface="Courier New" pitchFamily="49" charset="0"/>
-              </a:rPr>
-              <a:t>SqlConnection</a:t>
-            </a:r>
-            <a:r>
-              <a:rPr lang="en-US" sz="1300">
-                <a:latin typeface="Courier New" pitchFamily="49" charset="0"/>
-                <a:ea typeface="Calibri" pitchFamily="34" charset="0"/>
-                <a:cs typeface="Courier New" pitchFamily="49" charset="0"/>
-              </a:rPr>
-              <a:t> conn = </a:t>
-            </a:r>
-            <a:r>
-              <a:rPr lang="en-US" sz="1300">
-                <a:solidFill>
-                  <a:srgbClr val="0000FF"/>
-                </a:solidFill>
-                <a:latin typeface="Courier New" pitchFamily="49" charset="0"/>
-                <a:ea typeface="Calibri" pitchFamily="34" charset="0"/>
-                <a:cs typeface="Courier New" pitchFamily="49" charset="0"/>
-              </a:rPr>
-              <a:t>new</a:t>
-            </a:r>
-            <a:r>
-              <a:rPr lang="en-US" sz="1300">
-                <a:latin typeface="Courier New" pitchFamily="49" charset="0"/>
-                <a:ea typeface="Calibri" pitchFamily="34" charset="0"/>
-                <a:cs typeface="Courier New" pitchFamily="49" charset="0"/>
-              </a:rPr>
-              <a:t> </a:t>
-            </a:r>
-            <a:r>
-              <a:rPr lang="en-US" sz="1300">
-                <a:solidFill>
-                  <a:srgbClr val="2B91AF"/>
-                </a:solidFill>
-                <a:latin typeface="Courier New" pitchFamily="49" charset="0"/>
-                <a:ea typeface="Calibri" pitchFamily="34" charset="0"/>
-                <a:cs typeface="Courier New" pitchFamily="49" charset="0"/>
-              </a:rPr>
-              <a:t>SqlConnection</a:t>
-            </a:r>
-            <a:r>
-              <a:rPr lang="en-US" sz="1300">
-                <a:latin typeface="Courier New" pitchFamily="49" charset="0"/>
-                <a:ea typeface="Calibri" pitchFamily="34" charset="0"/>
-                <a:cs typeface="Courier New" pitchFamily="49" charset="0"/>
-              </a:rPr>
-              <a:t>(</a:t>
-            </a:r>
-            <a:r>
-              <a:rPr lang="en-US" sz="1300">
-                <a:solidFill>
-                  <a:srgbClr val="A31515"/>
-                </a:solidFill>
-                <a:latin typeface="Courier New" pitchFamily="49" charset="0"/>
-                <a:ea typeface="Calibri" pitchFamily="34" charset="0"/>
-                <a:cs typeface="Courier New" pitchFamily="49" charset="0"/>
-              </a:rPr>
-              <a:t>"&lt;conn string&gt;"</a:t>
-            </a:r>
-            <a:r>
-              <a:rPr lang="en-US" sz="1300">
-                <a:latin typeface="Courier New" pitchFamily="49" charset="0"/>
-                <a:ea typeface="Calibri" pitchFamily="34" charset="0"/>
-                <a:cs typeface="Courier New" pitchFamily="49" charset="0"/>
-              </a:rPr>
-              <a:t>))</a:t>
-            </a:r>
-            <a:endParaRPr lang="en-US" sz="1300">
-              <a:latin typeface="Arial" pitchFamily="34" charset="0"/>
-              <a:cs typeface="Arial" pitchFamily="34" charset="0"/>
-            </a:endParaRPr>
+            <a:endParaRPr lang="en-US" sz="2200" b="1" smtClean="0"/>
           </a:p>
           <a:p>
             <a:pPr lvl="1" eaLnBrk="0" fontAlgn="base" hangingPunct="0">
@@ -8617,18 +8490,7 @@
               </a:spcAft>
               <a:buNone/>
             </a:pPr>
-            <a:r>
-              <a:rPr lang="en-US" sz="1300" smtClean="0">
-                <a:latin typeface="Courier New" pitchFamily="49" charset="0"/>
-                <a:ea typeface="Calibri" pitchFamily="34" charset="0"/>
-                <a:cs typeface="Courier New" pitchFamily="49" charset="0"/>
-              </a:rPr>
-              <a:t>{</a:t>
-            </a:r>
-            <a:endParaRPr lang="en-US" sz="1300">
-              <a:latin typeface="Arial" pitchFamily="34" charset="0"/>
-              <a:cs typeface="Arial" pitchFamily="34" charset="0"/>
-            </a:endParaRPr>
+            <a:endParaRPr lang="en-US" sz="2200" b="1"/>
           </a:p>
           <a:p>
             <a:pPr lvl="1" eaLnBrk="0" fontAlgn="base" hangingPunct="0">
@@ -8640,26 +8502,7 @@
               </a:spcAft>
               <a:buNone/>
             </a:pPr>
-            <a:r>
-              <a:rPr lang="en-US" sz="1300" smtClean="0">
-                <a:latin typeface="Courier New" pitchFamily="49" charset="0"/>
-                <a:ea typeface="Calibri" pitchFamily="34" charset="0"/>
-                <a:cs typeface="Courier New" pitchFamily="49" charset="0"/>
-              </a:rPr>
-              <a:t>	conn.Open</a:t>
-            </a:r>
-            <a:r>
-              <a:rPr lang="en-US" sz="1300">
-                <a:latin typeface="Courier New" pitchFamily="49" charset="0"/>
-                <a:ea typeface="Calibri" pitchFamily="34" charset="0"/>
-                <a:cs typeface="Courier New" pitchFamily="49" charset="0"/>
-              </a:rPr>
-              <a:t>();</a:t>
-            </a:r>
-            <a:endParaRPr lang="en-US" sz="1300">
-              <a:latin typeface="Arial" pitchFamily="34" charset="0"/>
-              <a:cs typeface="Arial" pitchFamily="34" charset="0"/>
-            </a:endParaRPr>
+            <a:endParaRPr lang="en-US" sz="2200" b="1" smtClean="0"/>
           </a:p>
           <a:p>
             <a:pPr lvl="1" eaLnBrk="0" fontAlgn="base" hangingPunct="0">
@@ -8671,37 +8514,7 @@
               </a:spcAft>
               <a:buNone/>
             </a:pPr>
-            <a:r>
-              <a:rPr lang="en-US" sz="1300" smtClean="0">
-                <a:solidFill>
-                  <a:srgbClr val="2B91AF"/>
-                </a:solidFill>
-                <a:latin typeface="Courier New" pitchFamily="49" charset="0"/>
-                <a:ea typeface="Calibri" pitchFamily="34" charset="0"/>
-                <a:cs typeface="Courier New" pitchFamily="49" charset="0"/>
-              </a:rPr>
-              <a:t>	SqlCommand</a:t>
-            </a:r>
-            <a:r>
-              <a:rPr lang="en-US" sz="1300" smtClean="0">
-                <a:latin typeface="Courier New" pitchFamily="49" charset="0"/>
-                <a:ea typeface="Calibri" pitchFamily="34" charset="0"/>
-                <a:cs typeface="Courier New" pitchFamily="49" charset="0"/>
-              </a:rPr>
-              <a:t> </a:t>
-            </a:r>
-            <a:r>
-              <a:rPr lang="en-US" sz="1300">
-                <a:latin typeface="Courier New" pitchFamily="49" charset="0"/>
-                <a:ea typeface="Calibri" pitchFamily="34" charset="0"/>
-                <a:cs typeface="Courier New" pitchFamily="49" charset="0"/>
-              </a:rPr>
-              <a:t>cmd = conn.CreateCommand();</a:t>
-            </a:r>
-            <a:endParaRPr lang="en-US" sz="1300">
-              <a:latin typeface="Arial" pitchFamily="34" charset="0"/>
-              <a:cs typeface="Arial" pitchFamily="34" charset="0"/>
-            </a:endParaRPr>
+            <a:endParaRPr lang="en-US" sz="2200" b="1"/>
           </a:p>
           <a:p>
             <a:pPr lvl="1" eaLnBrk="0" fontAlgn="base" hangingPunct="0">
@@ -8713,45 +8526,7 @@
               </a:spcAft>
               <a:buNone/>
             </a:pPr>
-            <a:r>
-              <a:rPr lang="en-US" sz="1300" smtClean="0">
-                <a:latin typeface="Courier New" pitchFamily="49" charset="0"/>
-                <a:ea typeface="Calibri" pitchFamily="34" charset="0"/>
-                <a:cs typeface="Courier New" pitchFamily="49" charset="0"/>
-              </a:rPr>
-              <a:t>	cmd.CommandText </a:t>
-            </a:r>
-            <a:r>
-              <a:rPr lang="en-US" sz="1300">
-                <a:latin typeface="Courier New" pitchFamily="49" charset="0"/>
-                <a:ea typeface="Calibri" pitchFamily="34" charset="0"/>
-                <a:cs typeface="Courier New" pitchFamily="49" charset="0"/>
-              </a:rPr>
-              <a:t>= </a:t>
-            </a:r>
-            <a:r>
-              <a:rPr lang="en-US" sz="1300">
-                <a:solidFill>
-                  <a:srgbClr val="A31515"/>
-                </a:solidFill>
-                <a:latin typeface="Courier New" pitchFamily="49" charset="0"/>
-                <a:ea typeface="Calibri" pitchFamily="34" charset="0"/>
-                <a:cs typeface="Courier New" pitchFamily="49" charset="0"/>
-              </a:rPr>
-              <a:t>"sp_StoredProc"</a:t>
-            </a:r>
-            <a:r>
-              <a:rPr lang="en-US" sz="1300">
-                <a:latin typeface="Courier New" pitchFamily="49" charset="0"/>
-                <a:ea typeface="Calibri" pitchFamily="34" charset="0"/>
-                <a:cs typeface="Courier New" pitchFamily="49" charset="0"/>
-              </a:rPr>
-              <a:t>;</a:t>
-            </a:r>
-            <a:endParaRPr lang="en-US" sz="1300">
-              <a:latin typeface="Arial" pitchFamily="34" charset="0"/>
-              <a:cs typeface="Arial" pitchFamily="34" charset="0"/>
-            </a:endParaRPr>
+            <a:endParaRPr lang="en-US" sz="2200" b="1" smtClean="0"/>
           </a:p>
           <a:p>
             <a:pPr lvl="1" eaLnBrk="0" fontAlgn="base" hangingPunct="0">
@@ -8763,60 +8538,7 @@
               </a:spcAft>
               <a:buNone/>
             </a:pPr>
-            <a:r>
-              <a:rPr lang="en-US" sz="1300" smtClean="0">
-                <a:latin typeface="Courier New" pitchFamily="49" charset="0"/>
-                <a:ea typeface="Calibri" pitchFamily="34" charset="0"/>
-                <a:cs typeface="Courier New" pitchFamily="49" charset="0"/>
-              </a:rPr>
-              <a:t>	cmd.parameters.AddWithValue</a:t>
-            </a:r>
-            <a:r>
-              <a:rPr lang="en-US" sz="1300">
-                <a:latin typeface="Courier New" pitchFamily="49" charset="0"/>
-                <a:ea typeface="Calibri" pitchFamily="34" charset="0"/>
-                <a:cs typeface="Courier New" pitchFamily="49" charset="0"/>
-              </a:rPr>
-              <a:t>(</a:t>
-            </a:r>
-            <a:r>
-              <a:rPr lang="en-US" sz="1300">
-                <a:solidFill>
-                  <a:srgbClr val="A31515"/>
-                </a:solidFill>
-                <a:latin typeface="Courier New" pitchFamily="49" charset="0"/>
-                <a:ea typeface="Calibri" pitchFamily="34" charset="0"/>
-                <a:cs typeface="Courier New" pitchFamily="49" charset="0"/>
-              </a:rPr>
-              <a:t>"@City"</a:t>
-            </a:r>
-            <a:r>
-              <a:rPr lang="en-US" sz="1300">
-                <a:latin typeface="Courier New" pitchFamily="49" charset="0"/>
-                <a:ea typeface="Calibri" pitchFamily="34" charset="0"/>
-                <a:cs typeface="Courier New" pitchFamily="49" charset="0"/>
-              </a:rPr>
-              <a:t>, </a:t>
-            </a:r>
-            <a:r>
-              <a:rPr lang="en-US" sz="1300">
-                <a:solidFill>
-                  <a:srgbClr val="A31515"/>
-                </a:solidFill>
-                <a:latin typeface="Courier New" pitchFamily="49" charset="0"/>
-                <a:ea typeface="Calibri" pitchFamily="34" charset="0"/>
-                <a:cs typeface="Courier New" pitchFamily="49" charset="0"/>
-              </a:rPr>
-              <a:t>"Colombo"</a:t>
-            </a:r>
-            <a:r>
-              <a:rPr lang="en-US" sz="1300">
-                <a:latin typeface="Courier New" pitchFamily="49" charset="0"/>
-                <a:ea typeface="Calibri" pitchFamily="34" charset="0"/>
-                <a:cs typeface="Courier New" pitchFamily="49" charset="0"/>
-              </a:rPr>
-              <a:t>);</a:t>
-            </a:r>
+            <a:endParaRPr lang="en-US" sz="2200" b="1"/>
           </a:p>
           <a:p>
             <a:pPr lvl="1" eaLnBrk="0" fontAlgn="base" hangingPunct="0">
@@ -8828,10 +8550,7 @@
               </a:spcAft>
               <a:buNone/>
             </a:pPr>
-            <a:endParaRPr lang="en-US" sz="1300">
-              <a:latin typeface="Arial" pitchFamily="34" charset="0"/>
-              <a:cs typeface="Arial" pitchFamily="34" charset="0"/>
-            </a:endParaRPr>
+            <a:endParaRPr lang="en-US" sz="2200" b="1" smtClean="0"/>
           </a:p>
           <a:p>
             <a:pPr lvl="1" eaLnBrk="0" fontAlgn="base" hangingPunct="0">
@@ -8843,56 +8562,7 @@
               </a:spcAft>
               <a:buNone/>
             </a:pPr>
-            <a:r>
-              <a:rPr lang="en-US" sz="1300" smtClean="0">
-                <a:solidFill>
-                  <a:srgbClr val="0000FF"/>
-                </a:solidFill>
-                <a:latin typeface="Courier New" pitchFamily="49" charset="0"/>
-                <a:ea typeface="Calibri" pitchFamily="34" charset="0"/>
-                <a:cs typeface="Courier New" pitchFamily="49" charset="0"/>
-              </a:rPr>
-              <a:t>	using</a:t>
-            </a:r>
-            <a:r>
-              <a:rPr lang="en-US" sz="1300" smtClean="0">
-                <a:latin typeface="Courier New" pitchFamily="49" charset="0"/>
-                <a:ea typeface="Calibri" pitchFamily="34" charset="0"/>
-                <a:cs typeface="Courier New" pitchFamily="49" charset="0"/>
-              </a:rPr>
-              <a:t> </a:t>
-            </a:r>
-            <a:r>
-              <a:rPr lang="en-US" sz="1300">
-                <a:latin typeface="Courier New" pitchFamily="49" charset="0"/>
-                <a:ea typeface="Calibri" pitchFamily="34" charset="0"/>
-                <a:cs typeface="Courier New" pitchFamily="49" charset="0"/>
-              </a:rPr>
-              <a:t>(</a:t>
-            </a:r>
-            <a:r>
-              <a:rPr lang="en-US" sz="1300">
-                <a:solidFill>
-                  <a:srgbClr val="2B91AF"/>
-                </a:solidFill>
-                <a:latin typeface="Courier New" pitchFamily="49" charset="0"/>
-                <a:ea typeface="Calibri" pitchFamily="34" charset="0"/>
-                <a:cs typeface="Courier New" pitchFamily="49" charset="0"/>
-              </a:rPr>
-              <a:t>SqlDataReader</a:t>
-            </a:r>
-            <a:r>
-              <a:rPr lang="en-US" sz="1300">
-                <a:latin typeface="Courier New" pitchFamily="49" charset="0"/>
-                <a:ea typeface="Calibri" pitchFamily="34" charset="0"/>
-                <a:cs typeface="Courier New" pitchFamily="49" charset="0"/>
-              </a:rPr>
-              <a:t> rdr = cmd.ExecuteReader())</a:t>
-            </a:r>
-            <a:endParaRPr lang="en-US" sz="1300">
-              <a:latin typeface="Arial" pitchFamily="34" charset="0"/>
-              <a:cs typeface="Arial" pitchFamily="34" charset="0"/>
-            </a:endParaRPr>
+            <a:endParaRPr lang="en-US" sz="2200" b="1"/>
           </a:p>
           <a:p>
             <a:pPr lvl="1" eaLnBrk="0" fontAlgn="base" hangingPunct="0">
@@ -8904,18 +8574,7 @@
               </a:spcAft>
               <a:buNone/>
             </a:pPr>
-            <a:r>
-              <a:rPr lang="en-US" sz="1300" smtClean="0">
-                <a:latin typeface="Courier New" pitchFamily="49" charset="0"/>
-                <a:ea typeface="Calibri" pitchFamily="34" charset="0"/>
-                <a:cs typeface="Courier New" pitchFamily="49" charset="0"/>
-              </a:rPr>
-              <a:t>	{</a:t>
-            </a:r>
-            <a:endParaRPr lang="en-US" sz="1300">
-              <a:latin typeface="Arial" pitchFamily="34" charset="0"/>
-              <a:cs typeface="Arial" pitchFamily="34" charset="0"/>
-            </a:endParaRPr>
+            <a:endParaRPr lang="en-US" sz="2200" b="1" smtClean="0"/>
           </a:p>
           <a:p>
             <a:pPr lvl="1" eaLnBrk="0" fontAlgn="base" hangingPunct="0">
@@ -8927,37 +8586,7 @@
               </a:spcAft>
               <a:buNone/>
             </a:pPr>
-            <a:r>
-              <a:rPr lang="en-US" sz="1300">
-                <a:latin typeface="Courier New" pitchFamily="49" charset="0"/>
-                <a:ea typeface="Calibri" pitchFamily="34" charset="0"/>
-                <a:cs typeface="Courier New" pitchFamily="49" charset="0"/>
-              </a:rPr>
-              <a:t>                    </a:t>
-            </a:r>
-            <a:r>
-              <a:rPr lang="en-US" sz="1300">
-                <a:solidFill>
-                  <a:srgbClr val="0000FF"/>
-                </a:solidFill>
-                <a:latin typeface="Courier New" pitchFamily="49" charset="0"/>
-                <a:ea typeface="Calibri" pitchFamily="34" charset="0"/>
-                <a:cs typeface="Courier New" pitchFamily="49" charset="0"/>
-              </a:rPr>
-              <a:t>while</a:t>
-            </a:r>
-            <a:r>
-              <a:rPr lang="en-US" sz="1300">
-                <a:latin typeface="Courier New" pitchFamily="49" charset="0"/>
-                <a:ea typeface="Calibri" pitchFamily="34" charset="0"/>
-                <a:cs typeface="Courier New" pitchFamily="49" charset="0"/>
-              </a:rPr>
-              <a:t> (rdr.read())</a:t>
-            </a:r>
-            <a:endParaRPr lang="en-US" sz="1300">
-              <a:latin typeface="Arial" pitchFamily="34" charset="0"/>
-              <a:cs typeface="Arial" pitchFamily="34" charset="0"/>
-            </a:endParaRPr>
+            <a:endParaRPr lang="en-US" sz="2200" b="1"/>
           </a:p>
           <a:p>
             <a:pPr lvl="1" eaLnBrk="0" fontAlgn="base" hangingPunct="0">
@@ -8970,200 +8599,12 @@
               <a:buNone/>
             </a:pPr>
             <a:r>
-              <a:rPr lang="en-US" sz="1300">
-                <a:latin typeface="Courier New" pitchFamily="49" charset="0"/>
-                <a:ea typeface="Calibri" pitchFamily="34" charset="0"/>
-                <a:cs typeface="Courier New" pitchFamily="49" charset="0"/>
-              </a:rPr>
-              <a:t>                    {</a:t>
-            </a:r>
-            <a:endParaRPr lang="en-US" sz="1300">
-              <a:latin typeface="Arial" pitchFamily="34" charset="0"/>
-              <a:cs typeface="Arial" pitchFamily="34" charset="0"/>
-            </a:endParaRPr>
-          </a:p>
-          <a:p>
-            <a:pPr lvl="1" eaLnBrk="0" fontAlgn="base" hangingPunct="0">
-              <a:spcBef>
-                <a:spcPct val="0"/>
-              </a:spcBef>
-              <a:spcAft>
-                <a:spcPct val="0"/>
-              </a:spcAft>
-              <a:buNone/>
-            </a:pPr>
-            <a:r>
-              <a:rPr lang="en-US" sz="1300" smtClean="0">
-                <a:solidFill>
-                  <a:srgbClr val="0000FF"/>
-                </a:solidFill>
-                <a:latin typeface="Courier New" pitchFamily="49" charset="0"/>
-                <a:ea typeface="Calibri" pitchFamily="34" charset="0"/>
-                <a:cs typeface="Courier New" pitchFamily="49" charset="0"/>
-              </a:rPr>
-              <a:t>			string</a:t>
-            </a:r>
-            <a:r>
-              <a:rPr lang="en-US" sz="1300" smtClean="0">
-                <a:latin typeface="Courier New" pitchFamily="49" charset="0"/>
-                <a:ea typeface="Calibri" pitchFamily="34" charset="0"/>
-                <a:cs typeface="Courier New" pitchFamily="49" charset="0"/>
-              </a:rPr>
-              <a:t> </a:t>
-            </a:r>
-            <a:r>
-              <a:rPr lang="en-US" sz="1300">
-                <a:latin typeface="Courier New" pitchFamily="49" charset="0"/>
-                <a:ea typeface="Calibri" pitchFamily="34" charset="0"/>
-                <a:cs typeface="Courier New" pitchFamily="49" charset="0"/>
-              </a:rPr>
-              <a:t>name = rdr.GetString(0);</a:t>
-            </a:r>
-            <a:endParaRPr lang="en-US" sz="1300">
-              <a:latin typeface="Arial" pitchFamily="34" charset="0"/>
-              <a:cs typeface="Arial" pitchFamily="34" charset="0"/>
-            </a:endParaRPr>
-          </a:p>
-          <a:p>
-            <a:pPr lvl="1" eaLnBrk="0" fontAlgn="base" hangingPunct="0">
-              <a:spcBef>
-                <a:spcPct val="0"/>
-              </a:spcBef>
-              <a:spcAft>
-                <a:spcPct val="0"/>
-              </a:spcAft>
-              <a:buNone/>
-            </a:pPr>
-            <a:r>
-              <a:rPr lang="en-US" sz="1300">
-                <a:latin typeface="Courier New" pitchFamily="49" charset="0"/>
-                <a:ea typeface="Calibri" pitchFamily="34" charset="0"/>
-                <a:cs typeface="Courier New" pitchFamily="49" charset="0"/>
-              </a:rPr>
-              <a:t>                    </a:t>
-            </a:r>
-            <a:r>
-              <a:rPr lang="en-US" sz="1300" smtClean="0">
-                <a:latin typeface="Courier New" pitchFamily="49" charset="0"/>
-                <a:ea typeface="Calibri" pitchFamily="34" charset="0"/>
-                <a:cs typeface="Courier New" pitchFamily="49" charset="0"/>
-              </a:rPr>
-              <a:t>	</a:t>
-            </a:r>
-            <a:r>
-              <a:rPr lang="en-US" sz="1300" smtClean="0">
-                <a:solidFill>
-                  <a:srgbClr val="0000FF"/>
-                </a:solidFill>
-                <a:latin typeface="Courier New" pitchFamily="49" charset="0"/>
-                <a:ea typeface="Calibri" pitchFamily="34" charset="0"/>
-                <a:cs typeface="Courier New" pitchFamily="49" charset="0"/>
-              </a:rPr>
-              <a:t>string</a:t>
-            </a:r>
-            <a:r>
-              <a:rPr lang="en-US" sz="1300" smtClean="0">
-                <a:latin typeface="Courier New" pitchFamily="49" charset="0"/>
-                <a:ea typeface="Calibri" pitchFamily="34" charset="0"/>
-                <a:cs typeface="Courier New" pitchFamily="49" charset="0"/>
-              </a:rPr>
-              <a:t> </a:t>
-            </a:r>
-            <a:r>
-              <a:rPr lang="en-US" sz="1300">
-                <a:latin typeface="Courier New" pitchFamily="49" charset="0"/>
-                <a:ea typeface="Calibri" pitchFamily="34" charset="0"/>
-                <a:cs typeface="Courier New" pitchFamily="49" charset="0"/>
-              </a:rPr>
-              <a:t>city = rdr.GetString(1);</a:t>
-            </a:r>
-            <a:endParaRPr lang="en-US" sz="1300">
-              <a:latin typeface="Arial" pitchFamily="34" charset="0"/>
-              <a:cs typeface="Arial" pitchFamily="34" charset="0"/>
-            </a:endParaRPr>
-          </a:p>
-          <a:p>
-            <a:pPr lvl="1" eaLnBrk="0" fontAlgn="base" hangingPunct="0">
-              <a:spcBef>
-                <a:spcPct val="0"/>
-              </a:spcBef>
-              <a:spcAft>
-                <a:spcPct val="0"/>
-              </a:spcAft>
-              <a:buNone/>
-            </a:pPr>
-            <a:r>
-              <a:rPr lang="en-US" sz="1300">
-                <a:latin typeface="Courier New" pitchFamily="49" charset="0"/>
-                <a:ea typeface="Calibri" pitchFamily="34" charset="0"/>
-                <a:cs typeface="Courier New" pitchFamily="49" charset="0"/>
-              </a:rPr>
-              <a:t>                    }</a:t>
-            </a:r>
-            <a:endParaRPr lang="en-US" sz="1300">
-              <a:latin typeface="Arial" pitchFamily="34" charset="0"/>
-              <a:cs typeface="Arial" pitchFamily="34" charset="0"/>
-            </a:endParaRPr>
-          </a:p>
-          <a:p>
-            <a:pPr lvl="1" eaLnBrk="0" fontAlgn="base" hangingPunct="0">
-              <a:spcBef>
-                <a:spcPct val="0"/>
-              </a:spcBef>
-              <a:spcAft>
-                <a:spcPct val="0"/>
-              </a:spcAft>
-              <a:buNone/>
-            </a:pPr>
-            <a:r>
-              <a:rPr lang="en-US" sz="1300" smtClean="0">
-                <a:latin typeface="Courier New" pitchFamily="49" charset="0"/>
-                <a:ea typeface="Calibri" pitchFamily="34" charset="0"/>
-                <a:cs typeface="Courier New" pitchFamily="49" charset="0"/>
-              </a:rPr>
-              <a:t>	}</a:t>
-            </a:r>
-            <a:endParaRPr lang="en-US" sz="1300">
-              <a:latin typeface="Arial" pitchFamily="34" charset="0"/>
-              <a:cs typeface="Arial" pitchFamily="34" charset="0"/>
-            </a:endParaRPr>
-          </a:p>
-          <a:p>
-            <a:pPr lvl="1" eaLnBrk="0" fontAlgn="base" hangingPunct="0">
-              <a:spcBef>
-                <a:spcPct val="0"/>
-              </a:spcBef>
-              <a:spcAft>
-                <a:spcPct val="0"/>
-              </a:spcAft>
-              <a:buNone/>
-            </a:pPr>
-            <a:r>
-              <a:rPr lang="en-US" sz="1300" smtClean="0">
-                <a:latin typeface="Courier New" pitchFamily="49" charset="0"/>
-                <a:ea typeface="Calibri" pitchFamily="34" charset="0"/>
-                <a:cs typeface="Courier New" pitchFamily="49" charset="0"/>
-              </a:rPr>
-              <a:t>}</a:t>
-            </a:r>
-            <a:endParaRPr lang="en-US" sz="1300">
-              <a:latin typeface="Courier New" pitchFamily="49" charset="0"/>
-              <a:cs typeface="Courier New" pitchFamily="49" charset="0"/>
-            </a:endParaRPr>
-          </a:p>
-          <a:p>
-            <a:pPr lvl="1" eaLnBrk="0" fontAlgn="base" hangingPunct="0">
-              <a:spcBef>
-                <a:spcPct val="0"/>
-              </a:spcBef>
-              <a:spcAft>
-                <a:spcPct val="0"/>
-              </a:spcAft>
-              <a:buNone/>
-            </a:pPr>
-            <a:r>
               <a:rPr lang="en-US" sz="2200" b="1" smtClean="0"/>
-              <a:t>Phức tạp</a:t>
+              <a:t>Phức </a:t>
+            </a:r>
+            <a:r>
+              <a:rPr lang="en-US" sz="2200" b="1" smtClean="0"/>
+              <a:t>tạp</a:t>
             </a:r>
             <a:r>
               <a:rPr lang="en-US" sz="2200" smtClean="0"/>
@@ -9189,6 +8630,30 @@
           </a:p>
         </p:txBody>
       </p:sp>
+      <p:pic>
+        <p:nvPicPr>
+          <p:cNvPr id="4" name="Picture 3"/>
+          <p:cNvPicPr>
+            <a:picLocks noChangeAspect="1"/>
+          </p:cNvPicPr>
+          <p:nvPr/>
+        </p:nvPicPr>
+        <p:blipFill>
+          <a:blip r:embed="rId3"/>
+          <a:stretch>
+            <a:fillRect/>
+          </a:stretch>
+        </p:blipFill>
+        <p:spPr>
+          <a:xfrm>
+            <a:off x="631065" y="854392"/>
+            <a:ext cx="7789350" cy="3200773"/>
+          </a:xfrm>
+          <a:prstGeom prst="rect">
+            <a:avLst/>
+          </a:prstGeom>
+        </p:spPr>
+      </p:pic>
     </p:spTree>
     <p:extLst>
       <p:ext uri="{BB962C8B-B14F-4D97-AF65-F5344CB8AC3E}">

--- a/DOCUMENT/Group7-Slide.pptx
+++ b/DOCUMENT/Group7-Slide.pptx
@@ -335,7 +335,7 @@
           <a:p>
             <a:fld id="{0587ED61-A483-4AE7-A603-5FF7BB0F5798}" type="datetimeFigureOut">
               <a:rPr lang="vi-VN" smtClean="0"/>
-              <a:t>07/04/2017</a:t>
+              <a:t>22/04/2017</a:t>
             </a:fld>
             <a:endParaRPr lang="vi-VN"/>
           </a:p>
@@ -885,7 +885,7 @@
                 <a:ea typeface="+mn-ea"/>
                 <a:cs typeface="+mn-cs"/>
               </a:rPr>
-              <a:t>POCO là lớp chỉ sử dụng các kiểu dữ liệu tiêu chuẩn.</a:t>
+              <a:t>POCO (Plain Old CLR Objects) là lớp chỉ sử dụng các kiểu dữ liệu tiêu chuẩn.</a:t>
             </a:r>
             <a:endParaRPr/>
           </a:p>
@@ -8099,11 +8099,7 @@
             </a:pPr>
             <a:r>
               <a:rPr lang="en-US" smtClean="0"/>
-              <a:t>Trước đây chúng </a:t>
-            </a:r>
-            <a:r>
-              <a:rPr lang="en-US" smtClean="0"/>
-              <a:t>ta </a:t>
+              <a:t>Trước đây chúng ta </a:t>
             </a:r>
             <a:r>
               <a:rPr lang="en-US" b="1" smtClean="0"/>
@@ -8111,13 +8107,8 @@
             </a:r>
             <a:r>
               <a:rPr lang="en-US" smtClean="0"/>
-              <a:t> </a:t>
-            </a:r>
-            <a:r>
-              <a:rPr lang="en-US" smtClean="0"/>
-              <a:t>thao tác trực tiếp để</a:t>
-            </a:r>
-            <a:endParaRPr lang="en-US" smtClean="0"/>
+              <a:t> thao tác trực tiếp để</a:t>
+            </a:r>
           </a:p>
           <a:p>
             <a:pPr>
@@ -8600,11 +8591,7 @@
             </a:pPr>
             <a:r>
               <a:rPr lang="en-US" sz="2200" b="1" smtClean="0"/>
-              <a:t>Phức </a:t>
-            </a:r>
-            <a:r>
-              <a:rPr lang="en-US" sz="2200" b="1" smtClean="0"/>
-              <a:t>tạp</a:t>
+              <a:t>Phức tạp</a:t>
             </a:r>
             <a:r>
               <a:rPr lang="en-US" sz="2200" smtClean="0"/>

--- a/DOCUMENT/Group7-Slide.pptx
+++ b/DOCUMENT/Group7-Slide.pptx
@@ -5,10 +5,10 @@
     <p:sldMasterId id="2147483660" r:id="rId1"/>
   </p:sldMasterIdLst>
   <p:notesMasterIdLst>
-    <p:notesMasterId r:id="rId17"/>
+    <p:notesMasterId r:id="rId18"/>
   </p:notesMasterIdLst>
   <p:handoutMasterIdLst>
-    <p:handoutMasterId r:id="rId18"/>
+    <p:handoutMasterId r:id="rId19"/>
   </p:handoutMasterIdLst>
   <p:sldIdLst>
     <p:sldId id="256" r:id="rId2"/>
@@ -21,11 +21,12 @@
     <p:sldId id="290" r:id="rId9"/>
     <p:sldId id="289" r:id="rId10"/>
     <p:sldId id="291" r:id="rId11"/>
-    <p:sldId id="264" r:id="rId12"/>
-    <p:sldId id="296" r:id="rId13"/>
-    <p:sldId id="293" r:id="rId14"/>
-    <p:sldId id="295" r:id="rId15"/>
-    <p:sldId id="294" r:id="rId16"/>
+    <p:sldId id="297" r:id="rId12"/>
+    <p:sldId id="264" r:id="rId13"/>
+    <p:sldId id="296" r:id="rId14"/>
+    <p:sldId id="293" r:id="rId15"/>
+    <p:sldId id="295" r:id="rId16"/>
+    <p:sldId id="294" r:id="rId17"/>
   </p:sldIdLst>
   <p:sldSz cx="9144000" cy="5143500" type="screen16x9"/>
   <p:notesSz cx="6858000" cy="9144000"/>
@@ -335,7 +336,7 @@
           <a:p>
             <a:fld id="{0587ED61-A483-4AE7-A603-5FF7BB0F5798}" type="datetimeFigureOut">
               <a:rPr lang="vi-VN" smtClean="0"/>
-              <a:t>22/04/2017</a:t>
+              <a:t>19/05/2017</a:t>
             </a:fld>
             <a:endParaRPr lang="vi-VN"/>
           </a:p>
@@ -909,7 +910,7 @@
   <p:cSld>
     <p:spTree>
       <p:nvGrpSpPr>
-        <p:cNvPr id="1" name="Shape 142"/>
+        <p:cNvPr id="1" name="Shape 287"/>
         <p:cNvGrpSpPr/>
         <p:nvPr/>
       </p:nvGrpSpPr>
@@ -923,7 +924,7 @@
       </p:grpSpPr>
       <p:sp>
         <p:nvSpPr>
-          <p:cNvPr id="143" name="Shape 143"/>
+          <p:cNvPr id="288" name="Shape 288"/>
           <p:cNvSpPr>
             <a:spLocks noGrp="1" noRot="1" noChangeAspect="1"/>
           </p:cNvSpPr>
@@ -964,7 +965,7 @@
       </p:sp>
       <p:sp>
         <p:nvSpPr>
-          <p:cNvPr id="144" name="Shape 144"/>
+          <p:cNvPr id="289" name="Shape 289"/>
           <p:cNvSpPr txBox="1">
             <a:spLocks noGrp="1"/>
           </p:cNvSpPr>
@@ -1003,7 +1004,7 @@
                 <a:ea typeface="+mn-ea"/>
                 <a:cs typeface="+mn-cs"/>
               </a:rPr>
-              <a:t>DBContext</a:t>
+              <a:t>Entity Data Model (EDM): </a:t>
             </a:r>
             <a:r>
               <a:rPr lang="vi-VN" sz="1100" b="0" i="0" kern="1200" smtClean="0">
@@ -1015,7 +1016,7 @@
                 <a:ea typeface="+mn-ea"/>
                 <a:cs typeface="+mn-cs"/>
               </a:rPr>
-              <a:t> là</a:t>
+              <a:t>gồm</a:t>
             </a:r>
             <a:r>
               <a:rPr lang="vi-VN" sz="1100" b="0" i="0" kern="1200" baseline="0" smtClean="0">
@@ -1027,10 +1028,22 @@
                 <a:ea typeface="+mn-ea"/>
                 <a:cs typeface="+mn-cs"/>
               </a:rPr>
-              <a:t> l</a:t>
-            </a:r>
-            <a:r>
-              <a:rPr lang="vi-VN" sz="1100" b="0" i="0" kern="1200" smtClean="0">
+              <a:t> 3 phần</a:t>
+            </a:r>
+            <a:endParaRPr lang="vi-VN" smtClean="0"/>
+          </a:p>
+          <a:p>
+            <a:pPr lvl="0">
+              <a:spcBef>
+                <a:spcPts val="0"/>
+              </a:spcBef>
+              <a:buNone/>
+            </a:pPr>
+            <a:endParaRPr lang="vi-VN" smtClean="0"/>
+          </a:p>
+          <a:p>
+            <a:r>
+              <a:rPr lang="en-US" sz="1100" b="1" i="0" kern="1200" smtClean="0">
                 <a:solidFill>
                   <a:schemeClr val="tx1"/>
                 </a:solidFill>
@@ -1039,10 +1052,10 @@
                 <a:ea typeface="+mn-ea"/>
                 <a:cs typeface="+mn-cs"/>
               </a:rPr>
-              <a:t>ớp định nghĩa (class context). Là</a:t>
-            </a:r>
-            <a:r>
-              <a:rPr lang="vi-VN" sz="1100" b="0" i="0" kern="1200" baseline="0" smtClean="0">
+              <a:t>Conceptual Model: </a:t>
+            </a:r>
+            <a:r>
+              <a:rPr lang="en-US" sz="1100" b="0" i="0" kern="1200" smtClean="0">
                 <a:solidFill>
                   <a:schemeClr val="tx1"/>
                 </a:solidFill>
@@ -1051,10 +1064,12 @@
                 <a:ea typeface="+mn-ea"/>
                 <a:cs typeface="+mn-cs"/>
               </a:rPr>
-              <a:t> </a:t>
-            </a:r>
-            <a:r>
-              <a:rPr lang="vi-VN" sz="1100" b="0" i="0" kern="1200" smtClean="0">
+              <a:t>The conceptual model contains the model classes and their relationships. This will be independent from your database table design.</a:t>
+            </a:r>
+          </a:p>
+          <a:p>
+            <a:r>
+              <a:rPr lang="en-US" sz="1100" b="1" i="0" kern="1200" smtClean="0">
                 <a:solidFill>
                   <a:schemeClr val="tx1"/>
                 </a:solidFill>
@@ -1063,7 +1078,194 @@
                 <a:ea typeface="+mn-ea"/>
                 <a:cs typeface="+mn-cs"/>
               </a:rPr>
-              <a:t>cầu nối giữa các lớp hoặc thực thể với cơ sở dữ liệu.</a:t>
+              <a:t>Storage Model:</a:t>
+            </a:r>
+            <a:r>
+              <a:rPr lang="en-US" sz="1100" b="0" i="0" kern="1200" smtClean="0">
+                <a:solidFill>
+                  <a:schemeClr val="tx1"/>
+                </a:solidFill>
+                <a:effectLst/>
+                <a:latin typeface="+mn-lt"/>
+                <a:ea typeface="+mn-ea"/>
+                <a:cs typeface="+mn-cs"/>
+              </a:rPr>
+              <a:t> Storage model is the database design model which includes tables, views, stored procedures, and their relationships and keys.</a:t>
+            </a:r>
+          </a:p>
+          <a:p>
+            <a:r>
+              <a:rPr lang="en-US" sz="1100" b="1" i="0" kern="1200" smtClean="0">
+                <a:solidFill>
+                  <a:schemeClr val="tx1"/>
+                </a:solidFill>
+                <a:effectLst/>
+                <a:latin typeface="+mn-lt"/>
+                <a:ea typeface="+mn-ea"/>
+                <a:cs typeface="+mn-cs"/>
+              </a:rPr>
+              <a:t>Mapping: </a:t>
+            </a:r>
+            <a:r>
+              <a:rPr lang="en-US" sz="1100" b="0" i="0" kern="1200" smtClean="0">
+                <a:solidFill>
+                  <a:schemeClr val="tx1"/>
+                </a:solidFill>
+                <a:effectLst/>
+                <a:latin typeface="+mn-lt"/>
+                <a:ea typeface="+mn-ea"/>
+                <a:cs typeface="+mn-cs"/>
+              </a:rPr>
+              <a:t>Mapping consists of information about how the conceptual model is mapped to the storage model.</a:t>
+            </a:r>
+          </a:p>
+          <a:p>
+            <a:r>
+              <a:rPr lang="en-US" sz="1100" b="1" i="0" kern="1200" smtClean="0">
+                <a:solidFill>
+                  <a:schemeClr val="tx1"/>
+                </a:solidFill>
+                <a:effectLst/>
+                <a:latin typeface="+mn-lt"/>
+                <a:ea typeface="+mn-ea"/>
+                <a:cs typeface="+mn-cs"/>
+              </a:rPr>
+              <a:t>LINQ to Entities:</a:t>
+            </a:r>
+            <a:r>
+              <a:rPr lang="en-US" sz="1100" b="0" i="0" kern="1200" smtClean="0">
+                <a:solidFill>
+                  <a:schemeClr val="tx1"/>
+                </a:solidFill>
+                <a:effectLst/>
+                <a:latin typeface="+mn-lt"/>
+                <a:ea typeface="+mn-ea"/>
+                <a:cs typeface="+mn-cs"/>
+              </a:rPr>
+              <a:t> LINQ to Entities is a query language used to write queries against the object model. It returns entities, which are defined in the conceptual model. You can use your LINQ skills here.</a:t>
+            </a:r>
+          </a:p>
+          <a:p>
+            <a:r>
+              <a:rPr lang="en-US" sz="1100" b="1" i="0" kern="1200" smtClean="0">
+                <a:solidFill>
+                  <a:schemeClr val="tx1"/>
+                </a:solidFill>
+                <a:effectLst/>
+                <a:latin typeface="+mn-lt"/>
+                <a:ea typeface="+mn-ea"/>
+                <a:cs typeface="+mn-cs"/>
+              </a:rPr>
+              <a:t>Entity SQL:</a:t>
+            </a:r>
+            <a:r>
+              <a:rPr lang="en-US" sz="1100" b="0" i="0" kern="1200" smtClean="0">
+                <a:solidFill>
+                  <a:schemeClr val="tx1"/>
+                </a:solidFill>
+                <a:effectLst/>
+                <a:latin typeface="+mn-lt"/>
+                <a:ea typeface="+mn-ea"/>
+                <a:cs typeface="+mn-cs"/>
+              </a:rPr>
+              <a:t> Entity SQL is another query language just like LINQ to Entities. However, it is a little more difficult than L2E and the developer will have to learn it separately.</a:t>
+            </a:r>
+          </a:p>
+          <a:p>
+            <a:r>
+              <a:rPr lang="en-US" sz="1100" b="1" i="0" kern="1200" smtClean="0">
+                <a:solidFill>
+                  <a:schemeClr val="tx1"/>
+                </a:solidFill>
+                <a:effectLst/>
+                <a:latin typeface="+mn-lt"/>
+                <a:ea typeface="+mn-ea"/>
+                <a:cs typeface="+mn-cs"/>
+              </a:rPr>
+              <a:t>Object Service:</a:t>
+            </a:r>
+            <a:r>
+              <a:rPr lang="en-US" sz="1100" b="0" i="0" kern="1200" smtClean="0">
+                <a:solidFill>
+                  <a:schemeClr val="tx1"/>
+                </a:solidFill>
+                <a:effectLst/>
+                <a:latin typeface="+mn-lt"/>
+                <a:ea typeface="+mn-ea"/>
+                <a:cs typeface="+mn-cs"/>
+              </a:rPr>
+              <a:t>Object service is a main entry point for accessing data from the database and to return it back. Object service is responsible for materialization, which is the process of converting data returned from an entity client data provider (next layer) to an entity object structure.</a:t>
+            </a:r>
+          </a:p>
+          <a:p>
+            <a:r>
+              <a:rPr lang="en-US" sz="1100" b="1" i="0" kern="1200" smtClean="0">
+                <a:solidFill>
+                  <a:schemeClr val="tx1"/>
+                </a:solidFill>
+                <a:effectLst/>
+                <a:latin typeface="+mn-lt"/>
+                <a:ea typeface="+mn-ea"/>
+                <a:cs typeface="+mn-cs"/>
+              </a:rPr>
+              <a:t>Entity Client Data Provider:</a:t>
+            </a:r>
+            <a:r>
+              <a:rPr lang="en-US" sz="1100" b="0" i="0" kern="1200" smtClean="0">
+                <a:solidFill>
+                  <a:schemeClr val="tx1"/>
+                </a:solidFill>
+                <a:effectLst/>
+                <a:latin typeface="+mn-lt"/>
+                <a:ea typeface="+mn-ea"/>
+                <a:cs typeface="+mn-cs"/>
+              </a:rPr>
+              <a:t>The main responsibility of this layer is to convert L2E or Entity SQL queries into a SQL query which is understood by the underlying database. It communicates with the ADO.Net data provider which in turn sends or retrieves data from the database.</a:t>
+            </a:r>
+          </a:p>
+          <a:p>
+            <a:r>
+              <a:rPr lang="en-US" sz="1100" b="1" i="0" kern="1200" smtClean="0">
+                <a:solidFill>
+                  <a:schemeClr val="tx1"/>
+                </a:solidFill>
+                <a:effectLst/>
+                <a:latin typeface="+mn-lt"/>
+                <a:ea typeface="+mn-ea"/>
+                <a:cs typeface="+mn-cs"/>
+              </a:rPr>
+              <a:t>ADO.Net Data Provider:</a:t>
+            </a:r>
+            <a:r>
+              <a:rPr lang="en-US" sz="1100" b="0" i="0" kern="1200" smtClean="0">
+                <a:solidFill>
+                  <a:schemeClr val="tx1"/>
+                </a:solidFill>
+                <a:effectLst/>
+                <a:latin typeface="+mn-lt"/>
+                <a:ea typeface="+mn-ea"/>
+                <a:cs typeface="+mn-cs"/>
+              </a:rPr>
+              <a:t>This layer communicates with the database using standard ADO.Net.</a:t>
+            </a:r>
+          </a:p>
+          <a:p>
+            <a:endParaRPr lang="en-US" smtClean="0"/>
+          </a:p>
+          <a:p>
+            <a:pPr lvl="0">
+              <a:spcBef>
+                <a:spcPts val="0"/>
+              </a:spcBef>
+              <a:buNone/>
+            </a:pPr>
+            <a:r>
+              <a:rPr lang="en-US" smtClean="0"/>
+              <a:t>Tham khảo:</a:t>
+            </a:r>
+            <a:r>
+              <a:rPr lang="en-US" baseline="0" smtClean="0"/>
+              <a:t> http://www.entityframeworktutorial.net/EntityFramework-Architecture.aspx</a:t>
             </a:r>
             <a:endParaRPr/>
           </a:p>
@@ -1072,7 +1274,7 @@
     </p:spTree>
     <p:extLst>
       <p:ext uri="{BB962C8B-B14F-4D97-AF65-F5344CB8AC3E}">
-        <p14:creationId xmlns:p14="http://schemas.microsoft.com/office/powerpoint/2010/main" val="4148029382"/>
+        <p14:creationId xmlns:p14="http://schemas.microsoft.com/office/powerpoint/2010/main" val="3380774170"/>
       </p:ext>
     </p:extLst>
   </p:cSld>
@@ -1171,6 +1373,78 @@
               </a:spcBef>
               <a:buNone/>
             </a:pPr>
+            <a:r>
+              <a:rPr lang="vi-VN" sz="1100" b="1" i="0" kern="1200" smtClean="0">
+                <a:solidFill>
+                  <a:schemeClr val="tx1"/>
+                </a:solidFill>
+                <a:effectLst/>
+                <a:latin typeface="+mn-lt"/>
+                <a:ea typeface="+mn-ea"/>
+                <a:cs typeface="+mn-cs"/>
+              </a:rPr>
+              <a:t>DBContext</a:t>
+            </a:r>
+            <a:r>
+              <a:rPr lang="vi-VN" sz="1100" b="0" i="0" kern="1200" smtClean="0">
+                <a:solidFill>
+                  <a:schemeClr val="tx1"/>
+                </a:solidFill>
+                <a:effectLst/>
+                <a:latin typeface="+mn-lt"/>
+                <a:ea typeface="+mn-ea"/>
+                <a:cs typeface="+mn-cs"/>
+              </a:rPr>
+              <a:t> là</a:t>
+            </a:r>
+            <a:r>
+              <a:rPr lang="vi-VN" sz="1100" b="0" i="0" kern="1200" baseline="0" smtClean="0">
+                <a:solidFill>
+                  <a:schemeClr val="tx1"/>
+                </a:solidFill>
+                <a:effectLst/>
+                <a:latin typeface="+mn-lt"/>
+                <a:ea typeface="+mn-ea"/>
+                <a:cs typeface="+mn-cs"/>
+              </a:rPr>
+              <a:t> l</a:t>
+            </a:r>
+            <a:r>
+              <a:rPr lang="vi-VN" sz="1100" b="0" i="0" kern="1200" smtClean="0">
+                <a:solidFill>
+                  <a:schemeClr val="tx1"/>
+                </a:solidFill>
+                <a:effectLst/>
+                <a:latin typeface="+mn-lt"/>
+                <a:ea typeface="+mn-ea"/>
+                <a:cs typeface="+mn-cs"/>
+              </a:rPr>
+              <a:t>ớp định nghĩa (class context). Là</a:t>
+            </a:r>
+            <a:r>
+              <a:rPr lang="vi-VN" sz="1100" b="0" i="0" kern="1200" baseline="0" smtClean="0">
+                <a:solidFill>
+                  <a:schemeClr val="tx1"/>
+                </a:solidFill>
+                <a:effectLst/>
+                <a:latin typeface="+mn-lt"/>
+                <a:ea typeface="+mn-ea"/>
+                <a:cs typeface="+mn-cs"/>
+              </a:rPr>
+              <a:t> </a:t>
+            </a:r>
+            <a:r>
+              <a:rPr lang="vi-VN" sz="1100" b="0" i="0" kern="1200" smtClean="0">
+                <a:solidFill>
+                  <a:schemeClr val="tx1"/>
+                </a:solidFill>
+                <a:effectLst/>
+                <a:latin typeface="+mn-lt"/>
+                <a:ea typeface="+mn-ea"/>
+                <a:cs typeface="+mn-cs"/>
+              </a:rPr>
+              <a:t>cầu nối giữa các lớp hoặc thực thể với cơ sở dữ liệu.</a:t>
+            </a:r>
             <a:endParaRPr/>
           </a:p>
         </p:txBody>
@@ -1178,7 +1452,7 @@
     </p:spTree>
     <p:extLst>
       <p:ext uri="{BB962C8B-B14F-4D97-AF65-F5344CB8AC3E}">
-        <p14:creationId xmlns:p14="http://schemas.microsoft.com/office/powerpoint/2010/main" val="1343792302"/>
+        <p14:creationId xmlns:p14="http://schemas.microsoft.com/office/powerpoint/2010/main" val="4148029382"/>
       </p:ext>
     </p:extLst>
   </p:cSld>
@@ -1193,7 +1467,7 @@
   <p:cSld>
     <p:spTree>
       <p:nvGrpSpPr>
-        <p:cNvPr id="1" name="Shape 119"/>
+        <p:cNvPr id="1" name="Shape 142"/>
         <p:cNvGrpSpPr/>
         <p:nvPr/>
       </p:nvGrpSpPr>
@@ -1207,7 +1481,7 @@
       </p:grpSpPr>
       <p:sp>
         <p:nvSpPr>
-          <p:cNvPr id="120" name="Shape 120"/>
+          <p:cNvPr id="143" name="Shape 143"/>
           <p:cNvSpPr>
             <a:spLocks noGrp="1" noRot="1" noChangeAspect="1"/>
           </p:cNvSpPr>
@@ -1248,7 +1522,7 @@
       </p:sp>
       <p:sp>
         <p:nvSpPr>
-          <p:cNvPr id="121" name="Shape 121"/>
+          <p:cNvPr id="144" name="Shape 144"/>
           <p:cNvSpPr txBox="1">
             <a:spLocks noGrp="1"/>
           </p:cNvSpPr>
@@ -1284,7 +1558,7 @@
     </p:spTree>
     <p:extLst>
       <p:ext uri="{BB962C8B-B14F-4D97-AF65-F5344CB8AC3E}">
-        <p14:creationId xmlns:p14="http://schemas.microsoft.com/office/powerpoint/2010/main" val="1539788321"/>
+        <p14:creationId xmlns:p14="http://schemas.microsoft.com/office/powerpoint/2010/main" val="1343792302"/>
       </p:ext>
     </p:extLst>
   </p:cSld>
@@ -1377,6 +1651,112 @@
           </a:bodyPr>
           <a:lstStyle/>
           <a:p>
+            <a:pPr lvl="0">
+              <a:spcBef>
+                <a:spcPts val="0"/>
+              </a:spcBef>
+              <a:buNone/>
+            </a:pPr>
+            <a:endParaRPr/>
+          </a:p>
+        </p:txBody>
+      </p:sp>
+    </p:spTree>
+    <p:extLst>
+      <p:ext uri="{BB962C8B-B14F-4D97-AF65-F5344CB8AC3E}">
+        <p14:creationId xmlns:p14="http://schemas.microsoft.com/office/powerpoint/2010/main" val="1539788321"/>
+      </p:ext>
+    </p:extLst>
+  </p:cSld>
+  <p:clrMapOvr>
+    <a:masterClrMapping/>
+  </p:clrMapOvr>
+</p:notes>
+</file>
+
+<file path=ppt/notesSlides/notesSlide15.xml><?xml version="1.0" encoding="utf-8"?>
+<p:notes xmlns:a="http://schemas.openxmlformats.org/drawingml/2006/main" xmlns:r="http://schemas.openxmlformats.org/officeDocument/2006/relationships" xmlns:p="http://schemas.openxmlformats.org/presentationml/2006/main" showMasterSp="0" showMasterPhAnim="0">
+  <p:cSld>
+    <p:spTree>
+      <p:nvGrpSpPr>
+        <p:cNvPr id="1" name="Shape 119"/>
+        <p:cNvGrpSpPr/>
+        <p:nvPr/>
+      </p:nvGrpSpPr>
+      <p:grpSpPr>
+        <a:xfrm>
+          <a:off x="0" y="0"/>
+          <a:ext cx="0" cy="0"/>
+          <a:chOff x="0" y="0"/>
+          <a:chExt cx="0" cy="0"/>
+        </a:xfrm>
+      </p:grpSpPr>
+      <p:sp>
+        <p:nvSpPr>
+          <p:cNvPr id="120" name="Shape 120"/>
+          <p:cNvSpPr>
+            <a:spLocks noGrp="1" noRot="1" noChangeAspect="1"/>
+          </p:cNvSpPr>
+          <p:nvPr>
+            <p:ph type="sldImg" idx="2"/>
+          </p:nvPr>
+        </p:nvSpPr>
+        <p:spPr>
+          <a:xfrm>
+            <a:off x="381000" y="685800"/>
+            <a:ext cx="6096000" cy="3429000"/>
+          </a:xfrm>
+          <a:custGeom>
+            <a:avLst/>
+            <a:gdLst/>
+            <a:ahLst/>
+            <a:cxnLst/>
+            <a:rect l="0" t="0" r="0" b="0"/>
+            <a:pathLst>
+              <a:path w="120000" h="120000" extrusionOk="0">
+                <a:moveTo>
+                  <a:pt x="0" y="0"/>
+                </a:moveTo>
+                <a:lnTo>
+                  <a:pt x="120000" y="0"/>
+                </a:lnTo>
+                <a:lnTo>
+                  <a:pt x="120000" y="120000"/>
+                </a:lnTo>
+                <a:lnTo>
+                  <a:pt x="0" y="120000"/>
+                </a:lnTo>
+                <a:close/>
+              </a:path>
+            </a:pathLst>
+          </a:custGeom>
+        </p:spPr>
+      </p:sp>
+      <p:sp>
+        <p:nvSpPr>
+          <p:cNvPr id="121" name="Shape 121"/>
+          <p:cNvSpPr txBox="1">
+            <a:spLocks noGrp="1"/>
+          </p:cNvSpPr>
+          <p:nvPr>
+            <p:ph type="body" idx="1"/>
+          </p:nvPr>
+        </p:nvSpPr>
+        <p:spPr>
+          <a:xfrm>
+            <a:off x="685800" y="4343400"/>
+            <a:ext cx="5486399" cy="4114800"/>
+          </a:xfrm>
+          <a:prstGeom prst="rect">
+            <a:avLst/>
+          </a:prstGeom>
+        </p:spPr>
+        <p:txBody>
+          <a:bodyPr lIns="91425" tIns="91425" rIns="91425" bIns="91425" anchor="t" anchorCtr="0">
+            <a:noAutofit/>
+          </a:bodyPr>
+          <a:lstStyle/>
+          <a:p>
             <a:pPr fontAlgn="base"/>
             <a:r>
               <a:rPr lang="vi-VN" sz="1100" b="1" i="0" kern="1200" smtClean="0">
@@ -1673,7 +2053,7 @@
 </p:notes>
 </file>
 
-<file path=ppt/notesSlides/notesSlide15.xml><?xml version="1.0" encoding="utf-8"?>
+<file path=ppt/notesSlides/notesSlide16.xml><?xml version="1.0" encoding="utf-8"?>
 <p:notes xmlns:a="http://schemas.openxmlformats.org/drawingml/2006/main" xmlns:r="http://schemas.openxmlformats.org/officeDocument/2006/relationships" xmlns:p="http://schemas.openxmlformats.org/presentationml/2006/main" showMasterSp="0" showMasterPhAnim="0">
   <p:cSld>
     <p:spTree>
@@ -3142,7 +3522,11 @@
               <a:spcBef>
                 <a:spcPts val="0"/>
               </a:spcBef>
-              <a:defRPr sz="2800"/>
+              <a:defRPr sz="2800">
+                <a:solidFill>
+                  <a:srgbClr val="0070C0"/>
+                </a:solidFill>
+              </a:defRPr>
             </a:lvl1pPr>
             <a:lvl2pPr lvl="1">
               <a:spcBef>
@@ -4188,7 +4572,7 @@
     <p:bg>
       <p:bgPr>
         <a:solidFill>
-          <a:srgbClr val="00BCD4"/>
+          <a:srgbClr val="00B0F0"/>
         </a:solidFill>
         <a:effectLst/>
       </p:bgPr>
@@ -4651,6 +5035,14 @@
 <file path=ppt/slides/slide10.xml><?xml version="1.0" encoding="utf-8"?>
 <p:sld xmlns:a="http://schemas.openxmlformats.org/drawingml/2006/main" xmlns:r="http://schemas.openxmlformats.org/officeDocument/2006/relationships" xmlns:p="http://schemas.openxmlformats.org/presentationml/2006/main">
   <p:cSld>
+    <p:bg>
+      <p:bgPr>
+        <a:solidFill>
+          <a:srgbClr val="00B0F0"/>
+        </a:solidFill>
+        <a:effectLst/>
+      </p:bgPr>
+    </p:bg>
     <p:spTree>
       <p:nvGrpSpPr>
         <p:cNvPr id="1" name="Shape 290"/>
@@ -4683,7 +5075,7 @@
             <a:r>
               <a:rPr lang="vi-VN" smtClean="0">
                 <a:solidFill>
-                  <a:srgbClr val="92D050"/>
+                  <a:srgbClr val="00B0F0"/>
                 </a:solidFill>
                 <a:effectLst>
                   <a:outerShdw blurRad="38100" dist="38100" dir="2700000" algn="tl">
@@ -4695,7 +5087,11 @@
               </a:rPr>
               <a:t>Code first</a:t>
             </a:r>
-            <a:endParaRPr lang="vi-VN"/>
+            <a:endParaRPr lang="vi-VN">
+              <a:solidFill>
+                <a:srgbClr val="00B0F0"/>
+              </a:solidFill>
+            </a:endParaRPr>
           </a:p>
         </p:txBody>
       </p:sp>
@@ -4808,7 +5204,124 @@
     <p:bg>
       <p:bgPr>
         <a:solidFill>
-          <a:srgbClr val="9C27B0"/>
+          <a:srgbClr val="00B0F0"/>
+        </a:solidFill>
+        <a:effectLst/>
+      </p:bgPr>
+    </p:bg>
+    <p:spTree>
+      <p:nvGrpSpPr>
+        <p:cNvPr id="1" name="Shape 290"/>
+        <p:cNvGrpSpPr/>
+        <p:nvPr/>
+      </p:nvGrpSpPr>
+      <p:grpSpPr>
+        <a:xfrm>
+          <a:off x="0" y="0"/>
+          <a:ext cx="0" cy="0"/>
+          <a:chOff x="0" y="0"/>
+          <a:chExt cx="0" cy="0"/>
+        </a:xfrm>
+      </p:grpSpPr>
+      <p:sp>
+        <p:nvSpPr>
+          <p:cNvPr id="4" name="Title 3"/>
+          <p:cNvSpPr>
+            <a:spLocks noGrp="1"/>
+          </p:cNvSpPr>
+          <p:nvPr>
+            <p:ph type="title"/>
+          </p:nvPr>
+        </p:nvSpPr>
+        <p:spPr/>
+        <p:txBody>
+          <a:bodyPr/>
+          <a:lstStyle/>
+          <a:p>
+            <a:r>
+              <a:rPr lang="vi-VN" smtClean="0">
+                <a:solidFill>
+                  <a:srgbClr val="00B0F0"/>
+                </a:solidFill>
+                <a:effectLst>
+                  <a:outerShdw blurRad="38100" dist="38100" dir="2700000" algn="tl">
+                    <a:srgbClr val="000000">
+                      <a:alpha val="43137"/>
+                    </a:srgbClr>
+                  </a:outerShdw>
+                </a:effectLst>
+              </a:rPr>
+              <a:t>Architecture</a:t>
+            </a:r>
+            <a:endParaRPr lang="vi-VN">
+              <a:solidFill>
+                <a:srgbClr val="00B0F0"/>
+              </a:solidFill>
+            </a:endParaRPr>
+          </a:p>
+        </p:txBody>
+      </p:sp>
+      <p:pic>
+        <p:nvPicPr>
+          <p:cNvPr id="1026" name="Picture 2" descr="http://www.entityframeworktutorial.net/Images/ef-architecture.PNG"/>
+          <p:cNvPicPr>
+            <a:picLocks noChangeAspect="1" noChangeArrowheads="1"/>
+          </p:cNvPicPr>
+          <p:nvPr/>
+        </p:nvPicPr>
+        <p:blipFill>
+          <a:blip r:embed="rId3">
+            <a:extLst>
+              <a:ext uri="{28A0092B-C50C-407E-A947-70E740481C1C}">
+                <a14:useLocalDpi xmlns:a14="http://schemas.microsoft.com/office/drawing/2010/main" val="0"/>
+              </a:ext>
+            </a:extLst>
+          </a:blip>
+          <a:srcRect/>
+          <a:stretch>
+            <a:fillRect/>
+          </a:stretch>
+        </p:blipFill>
+        <p:spPr bwMode="auto">
+          <a:xfrm>
+            <a:off x="2055937" y="1360308"/>
+            <a:ext cx="4424376" cy="2681440"/>
+          </a:xfrm>
+          <a:prstGeom prst="rect">
+            <a:avLst/>
+          </a:prstGeom>
+          <a:noFill/>
+          <a:extLst>
+            <a:ext uri="{909E8E84-426E-40DD-AFC4-6F175D3DCCD1}">
+              <a14:hiddenFill xmlns:a14="http://schemas.microsoft.com/office/drawing/2010/main">
+                <a:solidFill>
+                  <a:srgbClr val="FFFFFF"/>
+                </a:solidFill>
+              </a14:hiddenFill>
+            </a:ext>
+          </a:extLst>
+        </p:spPr>
+      </p:pic>
+    </p:spTree>
+    <p:extLst>
+      <p:ext uri="{BB962C8B-B14F-4D97-AF65-F5344CB8AC3E}">
+        <p14:creationId xmlns:p14="http://schemas.microsoft.com/office/powerpoint/2010/main" val="808355704"/>
+      </p:ext>
+    </p:extLst>
+  </p:cSld>
+  <p:clrMapOvr>
+    <a:masterClrMapping/>
+  </p:clrMapOvr>
+</p:sld>
+</file>
+
+<file path=ppt/slides/slide12.xml><?xml version="1.0" encoding="utf-8"?>
+<p:sld xmlns:a="http://schemas.openxmlformats.org/drawingml/2006/main" xmlns:r="http://schemas.openxmlformats.org/officeDocument/2006/relationships" xmlns:p="http://schemas.openxmlformats.org/presentationml/2006/main">
+  <p:cSld>
+    <p:bg>
+      <p:bgPr>
+        <a:solidFill>
+          <a:srgbClr val="00B0F0"/>
         </a:solidFill>
         <a:effectLst/>
       </p:bgPr>
@@ -4845,7 +5358,7 @@
             <a:r>
               <a:rPr lang="en-US">
                 <a:solidFill>
-                  <a:srgbClr val="7030A0"/>
+                  <a:srgbClr val="00B0F0"/>
                 </a:solidFill>
                 <a:effectLst>
                   <a:outerShdw blurRad="38100" dist="38100" dir="2700000" algn="tl">
@@ -4857,7 +5370,11 @@
               </a:rPr>
               <a:t>How ?</a:t>
             </a:r>
-            <a:endParaRPr lang="vi-VN"/>
+            <a:endParaRPr lang="vi-VN">
+              <a:solidFill>
+                <a:srgbClr val="00B0F0"/>
+              </a:solidFill>
+            </a:endParaRPr>
           </a:p>
         </p:txBody>
       </p:sp>
@@ -4959,13 +5476,13 @@
 </p:sld>
 </file>
 
-<file path=ppt/slides/slide12.xml><?xml version="1.0" encoding="utf-8"?>
+<file path=ppt/slides/slide13.xml><?xml version="1.0" encoding="utf-8"?>
 <p:sld xmlns:a="http://schemas.openxmlformats.org/drawingml/2006/main" xmlns:r="http://schemas.openxmlformats.org/officeDocument/2006/relationships" xmlns:p="http://schemas.openxmlformats.org/presentationml/2006/main">
   <p:cSld>
     <p:bg>
       <p:bgPr>
         <a:solidFill>
-          <a:srgbClr val="9C27B0"/>
+          <a:srgbClr val="00B0F0"/>
         </a:solidFill>
         <a:effectLst/>
       </p:bgPr>
@@ -5002,7 +5519,7 @@
             <a:r>
               <a:rPr lang="en-US" smtClean="0">
                 <a:solidFill>
-                  <a:srgbClr val="7030A0"/>
+                  <a:srgbClr val="00B0F0"/>
                 </a:solidFill>
                 <a:effectLst>
                   <a:outerShdw blurRad="38100" dist="38100" dir="2700000" algn="tl">
@@ -5014,7 +5531,11 @@
               </a:rPr>
               <a:t>Cài đặt Entity Framework</a:t>
             </a:r>
-            <a:endParaRPr lang="vi-VN"/>
+            <a:endParaRPr lang="vi-VN">
+              <a:solidFill>
+                <a:srgbClr val="00B0F0"/>
+              </a:solidFill>
+            </a:endParaRPr>
           </a:p>
         </p:txBody>
       </p:sp>
@@ -5124,13 +5645,13 @@
 </p:sld>
 </file>
 
-<file path=ppt/slides/slide13.xml><?xml version="1.0" encoding="utf-8"?>
+<file path=ppt/slides/slide14.xml><?xml version="1.0" encoding="utf-8"?>
 <p:sld xmlns:a="http://schemas.openxmlformats.org/drawingml/2006/main" xmlns:r="http://schemas.openxmlformats.org/officeDocument/2006/relationships" xmlns:p="http://schemas.openxmlformats.org/presentationml/2006/main">
   <p:cSld>
     <p:bg>
       <p:bgPr>
         <a:solidFill>
-          <a:schemeClr val="bg2"/>
+          <a:srgbClr val="00B0F0"/>
         </a:solidFill>
         <a:effectLst/>
       </p:bgPr>
@@ -5167,9 +5688,7 @@
             <a:r>
               <a:rPr lang="en-US">
                 <a:solidFill>
-                  <a:schemeClr val="bg1">
-                    <a:lumMod val="50000"/>
-                  </a:schemeClr>
+                  <a:srgbClr val="00B0F0"/>
                 </a:solidFill>
                 <a:effectLst>
                   <a:outerShdw blurRad="38100" dist="38100" dir="2700000" algn="tl">
@@ -5181,7 +5700,11 @@
               </a:rPr>
               <a:t>Discuss ?</a:t>
             </a:r>
-            <a:endParaRPr lang="vi-VN"/>
+            <a:endParaRPr lang="vi-VN">
+              <a:solidFill>
+                <a:srgbClr val="00B0F0"/>
+              </a:solidFill>
+            </a:endParaRPr>
           </a:p>
         </p:txBody>
       </p:sp>
@@ -6061,13 +6584,13 @@
 </p:sld>
 </file>
 
-<file path=ppt/slides/slide14.xml><?xml version="1.0" encoding="utf-8"?>
+<file path=ppt/slides/slide15.xml><?xml version="1.0" encoding="utf-8"?>
 <p:sld xmlns:a="http://schemas.openxmlformats.org/drawingml/2006/main" xmlns:r="http://schemas.openxmlformats.org/officeDocument/2006/relationships" xmlns:p="http://schemas.openxmlformats.org/presentationml/2006/main">
   <p:cSld>
     <p:bg>
       <p:bgPr>
         <a:solidFill>
-          <a:schemeClr val="bg2"/>
+          <a:srgbClr val="00B0F0"/>
         </a:solidFill>
         <a:effectLst/>
       </p:bgPr>
@@ -6140,13 +6663,13 @@
 </p:sld>
 </file>
 
-<file path=ppt/slides/slide15.xml><?xml version="1.0" encoding="utf-8"?>
+<file path=ppt/slides/slide16.xml><?xml version="1.0" encoding="utf-8"?>
 <p:sld xmlns:a="http://schemas.openxmlformats.org/drawingml/2006/main" xmlns:r="http://schemas.openxmlformats.org/officeDocument/2006/relationships" xmlns:p="http://schemas.openxmlformats.org/presentationml/2006/main">
   <p:cSld>
     <p:bg>
       <p:bgPr>
         <a:solidFill>
-          <a:schemeClr val="bg2"/>
+          <a:srgbClr val="00B0F0"/>
         </a:solidFill>
         <a:effectLst/>
       </p:bgPr>
@@ -6183,9 +6706,7 @@
             <a:r>
               <a:rPr lang="en-US">
                 <a:solidFill>
-                  <a:schemeClr val="bg1">
-                    <a:lumMod val="50000"/>
-                  </a:schemeClr>
+                  <a:srgbClr val="00B0F0"/>
                 </a:solidFill>
                 <a:effectLst>
                   <a:outerShdw blurRad="38100" dist="38100" dir="2700000" algn="tl">
@@ -6197,7 +6718,11 @@
               </a:rPr>
               <a:t>Discuss ?</a:t>
             </a:r>
-            <a:endParaRPr lang="vi-VN"/>
+            <a:endParaRPr lang="vi-VN">
+              <a:solidFill>
+                <a:srgbClr val="00B0F0"/>
+              </a:solidFill>
+            </a:endParaRPr>
           </a:p>
         </p:txBody>
       </p:sp>
@@ -7240,7 +7765,7 @@
     <p:bg>
       <p:bgPr>
         <a:solidFill>
-          <a:srgbClr val="CDDC39"/>
+          <a:srgbClr val="00B0F0"/>
         </a:solidFill>
         <a:effectLst/>
       </p:bgPr>
@@ -7284,7 +7809,7 @@
             <a:r>
               <a:rPr lang="en" smtClean="0">
                 <a:solidFill>
-                  <a:srgbClr val="92D050"/>
+                  <a:srgbClr val="00B0F0"/>
                 </a:solidFill>
                 <a:effectLst>
                   <a:outerShdw blurRad="38100" dist="38100" dir="2700000" algn="tl">
@@ -7298,7 +7823,7 @@
             </a:r>
             <a:endParaRPr lang="en" sz="2400">
               <a:solidFill>
-                <a:srgbClr val="92D050"/>
+                <a:srgbClr val="00B0F0"/>
               </a:solidFill>
               <a:effectLst>
                 <a:outerShdw blurRad="38100" dist="38100" dir="2700000" algn="tl">
@@ -7333,27 +7858,41 @@
             </a:pPr>
             <a:r>
               <a:rPr lang="en" smtClean="0"/>
-              <a:t>Entity Framework (EF) là gì</a:t>
-            </a:r>
+              <a:t>Giới thiệu về Entity </a:t>
+            </a:r>
+            <a:r>
+              <a:rPr lang="en" smtClean="0"/>
+              <a:t>Framework (EF</a:t>
+            </a:r>
+            <a:r>
+              <a:rPr lang="en" smtClean="0"/>
+              <a:t>)</a:t>
+            </a:r>
+            <a:endParaRPr lang="en-US" smtClean="0">
+              <a:latin typeface="Montserrat"/>
+            </a:endParaRPr>
+          </a:p>
+          <a:p>
+            <a:pPr marL="342900" indent="-342900">
+              <a:spcBef>
+                <a:spcPts val="1500"/>
+              </a:spcBef>
+            </a:pPr>
             <a:r>
               <a:rPr lang="en-US" smtClean="0">
                 <a:latin typeface="Montserrat"/>
               </a:rPr>
-              <a:t>?</a:t>
-            </a:r>
-          </a:p>
-          <a:p>
-            <a:pPr marL="342900" indent="-342900">
-              <a:spcBef>
-                <a:spcPts val="1500"/>
-              </a:spcBef>
-            </a:pPr>
+              <a:t>Vì sao phải sử dụng </a:t>
+            </a:r>
             <a:r>
               <a:rPr lang="en-US" smtClean="0">
                 <a:latin typeface="Montserrat"/>
               </a:rPr>
-              <a:t>Vì sao phải sử dụng EF?</a:t>
-            </a:r>
+              <a:t>EF</a:t>
+            </a:r>
+            <a:endParaRPr lang="en-US" smtClean="0">
+              <a:latin typeface="Montserrat"/>
+            </a:endParaRPr>
           </a:p>
           <a:p>
             <a:pPr marL="342900" indent="-342900">
@@ -7365,20 +7904,13 @@
               <a:rPr lang="en-US" smtClean="0">
                 <a:latin typeface="Montserrat"/>
               </a:rPr>
-              <a:t>Khi nào dùng đến EF?</a:t>
-            </a:r>
-          </a:p>
-          <a:p>
-            <a:pPr marL="342900" indent="-342900">
-              <a:spcBef>
-                <a:spcPts val="1500"/>
-              </a:spcBef>
-            </a:pPr>
+              <a:t>Khi nào dùng đến </a:t>
+            </a:r>
             <a:r>
               <a:rPr lang="en-US" smtClean="0">
                 <a:latin typeface="Montserrat"/>
               </a:rPr>
-              <a:t>Làm sao để sử dụng EF?</a:t>
+              <a:t>EF</a:t>
             </a:r>
           </a:p>
           <a:p>
@@ -7391,8 +7923,55 @@
               <a:rPr lang="en-US" smtClean="0">
                 <a:latin typeface="Montserrat"/>
               </a:rPr>
-              <a:t>Thảo luận, hỏi đáp về EF?</a:t>
-            </a:r>
+              <a:t>Kiến trúc của EF</a:t>
+            </a:r>
+            <a:endParaRPr lang="en-US" smtClean="0">
+              <a:latin typeface="Montserrat"/>
+            </a:endParaRPr>
+          </a:p>
+          <a:p>
+            <a:pPr marL="342900" indent="-342900">
+              <a:spcBef>
+                <a:spcPts val="1500"/>
+              </a:spcBef>
+            </a:pPr>
+            <a:r>
+              <a:rPr lang="en-US" smtClean="0">
+                <a:latin typeface="Montserrat"/>
+              </a:rPr>
+              <a:t>Làm sao để sử dụng </a:t>
+            </a:r>
+            <a:r>
+              <a:rPr lang="en-US" smtClean="0">
+                <a:latin typeface="Montserrat"/>
+              </a:rPr>
+              <a:t>EF</a:t>
+            </a:r>
+            <a:endParaRPr lang="en-US" smtClean="0">
+              <a:latin typeface="Montserrat"/>
+            </a:endParaRPr>
+          </a:p>
+          <a:p>
+            <a:pPr marL="342900" indent="-342900">
+              <a:spcBef>
+                <a:spcPts val="1500"/>
+              </a:spcBef>
+            </a:pPr>
+            <a:r>
+              <a:rPr lang="en-US" smtClean="0">
+                <a:latin typeface="Montserrat"/>
+              </a:rPr>
+              <a:t>Thảo luận, hỏi đáp về </a:t>
+            </a:r>
+            <a:r>
+              <a:rPr lang="en-US" smtClean="0">
+                <a:latin typeface="Montserrat"/>
+              </a:rPr>
+              <a:t>EF</a:t>
+            </a:r>
+            <a:endParaRPr lang="en-US" smtClean="0">
+              <a:latin typeface="Montserrat"/>
+            </a:endParaRPr>
           </a:p>
         </p:txBody>
       </p:sp>
@@ -7406,8 +7985,8 @@
         </p:nvSpPr>
         <p:spPr>
           <a:xfrm>
-            <a:off x="5316027" y="875762"/>
-            <a:ext cx="1434630" cy="3664045"/>
+            <a:off x="4801470" y="759854"/>
+            <a:ext cx="1988943" cy="3664045"/>
           </a:xfrm>
           <a:prstGeom prst="rect">
             <a:avLst/>
@@ -7674,7 +8253,7 @@
               <a:buNone/>
             </a:pPr>
             <a:r>
-              <a:rPr lang="en" b="1" smtClean="0">
+              <a:rPr lang="en" sz="2200" smtClean="0">
                 <a:solidFill>
                   <a:srgbClr val="00B0F0"/>
                 </a:solidFill>
@@ -7686,9 +8265,9 @@
                   </a:outerShdw>
                 </a:effectLst>
               </a:rPr>
-              <a:t>What ?</a:t>
-            </a:r>
-            <a:endParaRPr lang="en-US" b="1" smtClean="0">
+              <a:t>What</a:t>
+            </a:r>
+            <a:endParaRPr lang="en-US" sz="2200" smtClean="0">
               <a:solidFill>
                 <a:srgbClr val="00B0F0"/>
               </a:solidFill>
@@ -7710,9 +8289,9 @@
               <a:buNone/>
             </a:pPr>
             <a:r>
-              <a:rPr lang="en-US" b="1" smtClean="0">
-                <a:solidFill>
-                  <a:srgbClr val="EA6216"/>
+              <a:rPr lang="en-US" sz="2200" smtClean="0">
+                <a:solidFill>
+                  <a:srgbClr val="00B0F0"/>
                 </a:solidFill>
                 <a:effectLst>
                   <a:outerShdw blurRad="38100" dist="38100" dir="2700000" algn="tl">
@@ -7723,8 +8302,21 @@
                 </a:effectLst>
                 <a:latin typeface="Montserrat"/>
               </a:rPr>
-              <a:t>Why ?</a:t>
-            </a:r>
+              <a:t>Why</a:t>
+            </a:r>
+            <a:endParaRPr lang="en-US" sz="2200" smtClean="0">
+              <a:solidFill>
+                <a:srgbClr val="00B0F0"/>
+              </a:solidFill>
+              <a:effectLst>
+                <a:outerShdw blurRad="38100" dist="38100" dir="2700000" algn="tl">
+                  <a:srgbClr val="000000">
+                    <a:alpha val="43137"/>
+                  </a:srgbClr>
+                </a:outerShdw>
+              </a:effectLst>
+              <a:latin typeface="Montserrat"/>
+            </a:endParaRPr>
           </a:p>
           <a:p>
             <a:pPr algn="r">
@@ -7734,9 +8326,9 @@
               <a:buNone/>
             </a:pPr>
             <a:r>
-              <a:rPr lang="en-US" b="1" smtClean="0">
-                <a:solidFill>
-                  <a:srgbClr val="92D050"/>
+              <a:rPr lang="en-US" sz="2200" smtClean="0">
+                <a:solidFill>
+                  <a:srgbClr val="00B0F0"/>
                 </a:solidFill>
                 <a:effectLst>
                   <a:outerShdw blurRad="38100" dist="38100" dir="2700000" algn="tl">
@@ -7747,7 +8339,7 @@
                 </a:effectLst>
                 <a:latin typeface="Montserrat"/>
               </a:rPr>
-              <a:t>When ?</a:t>
+              <a:t>When</a:t>
             </a:r>
           </a:p>
           <a:p>
@@ -7758,9 +8350,45 @@
               <a:buNone/>
             </a:pPr>
             <a:r>
-              <a:rPr lang="en-US" b="1" smtClean="0">
-                <a:solidFill>
-                  <a:srgbClr val="7030A0"/>
+              <a:rPr lang="vi-VN" sz="2200">
+                <a:solidFill>
+                  <a:srgbClr val="00B0F0"/>
+                </a:solidFill>
+                <a:effectLst>
+                  <a:outerShdw blurRad="38100" dist="38100" dir="2700000" algn="tl">
+                    <a:srgbClr val="000000">
+                      <a:alpha val="43137"/>
+                    </a:srgbClr>
+                  </a:outerShdw>
+                </a:effectLst>
+              </a:rPr>
+              <a:t>Architecture</a:t>
+            </a:r>
+            <a:endParaRPr lang="en-US" sz="2200" smtClean="0">
+              <a:solidFill>
+                <a:srgbClr val="00B0F0"/>
+              </a:solidFill>
+              <a:effectLst>
+                <a:outerShdw blurRad="38100" dist="38100" dir="2700000" algn="tl">
+                  <a:srgbClr val="000000">
+                    <a:alpha val="43137"/>
+                  </a:srgbClr>
+                </a:outerShdw>
+              </a:effectLst>
+              <a:latin typeface="Montserrat"/>
+            </a:endParaRPr>
+          </a:p>
+          <a:p>
+            <a:pPr algn="r">
+              <a:spcBef>
+                <a:spcPts val="1500"/>
+              </a:spcBef>
+              <a:buNone/>
+            </a:pPr>
+            <a:r>
+              <a:rPr lang="en-US" sz="2200" smtClean="0">
+                <a:solidFill>
+                  <a:srgbClr val="00B0F0"/>
                 </a:solidFill>
                 <a:effectLst>
                   <a:outerShdw blurRad="38100" dist="38100" dir="2700000" algn="tl">
@@ -7771,8 +8399,21 @@
                 </a:effectLst>
                 <a:latin typeface="Montserrat"/>
               </a:rPr>
-              <a:t>How ?</a:t>
-            </a:r>
+              <a:t>How</a:t>
+            </a:r>
+            <a:endParaRPr lang="en-US" sz="2200" smtClean="0">
+              <a:solidFill>
+                <a:srgbClr val="00B0F0"/>
+              </a:solidFill>
+              <a:effectLst>
+                <a:outerShdw blurRad="38100" dist="38100" dir="2700000" algn="tl">
+                  <a:srgbClr val="000000">
+                    <a:alpha val="43137"/>
+                  </a:srgbClr>
+                </a:outerShdw>
+              </a:effectLst>
+              <a:latin typeface="Montserrat"/>
+            </a:endParaRPr>
           </a:p>
           <a:p>
             <a:pPr algn="r">
@@ -7782,11 +8423,9 @@
               <a:buNone/>
             </a:pPr>
             <a:r>
-              <a:rPr lang="en-US" b="1" smtClean="0">
-                <a:solidFill>
-                  <a:schemeClr val="bg1">
-                    <a:lumMod val="50000"/>
-                  </a:schemeClr>
+              <a:rPr lang="en-US" sz="2200" smtClean="0">
+                <a:solidFill>
+                  <a:srgbClr val="00B0F0"/>
                 </a:solidFill>
                 <a:effectLst>
                   <a:outerShdw blurRad="38100" dist="38100" dir="2700000" algn="tl">
@@ -7797,8 +8436,21 @@
                 </a:effectLst>
                 <a:latin typeface="Montserrat"/>
               </a:rPr>
-              <a:t>Discuss ?</a:t>
-            </a:r>
+              <a:t>Discuss</a:t>
+            </a:r>
+            <a:endParaRPr lang="en-US" sz="2200" smtClean="0">
+              <a:solidFill>
+                <a:srgbClr val="00B0F0"/>
+              </a:solidFill>
+              <a:effectLst>
+                <a:outerShdw blurRad="38100" dist="38100" dir="2700000" algn="tl">
+                  <a:srgbClr val="000000">
+                    <a:alpha val="43137"/>
+                  </a:srgbClr>
+                </a:outerShdw>
+              </a:effectLst>
+              <a:latin typeface="Montserrat"/>
+            </a:endParaRPr>
           </a:p>
         </p:txBody>
       </p:sp>
@@ -7816,7 +8468,7 @@
     <p:bg>
       <p:bgPr>
         <a:solidFill>
-          <a:srgbClr val="03A9F4"/>
+          <a:srgbClr val="00B0F0"/>
         </a:solidFill>
         <a:effectLst/>
       </p:bgPr>
@@ -7994,8 +8646,8 @@
         </p:blipFill>
         <p:spPr bwMode="auto">
           <a:xfrm>
-            <a:off x="1797351" y="2646650"/>
-            <a:ext cx="5130734" cy="1893158"/>
+            <a:off x="2321870" y="3033728"/>
+            <a:ext cx="4081696" cy="1506080"/>
           </a:xfrm>
           <a:prstGeom prst="rect">
             <a:avLst/>
@@ -8026,7 +8678,7 @@
     <p:bg>
       <p:bgPr>
         <a:solidFill>
-          <a:srgbClr val="FF5722"/>
+          <a:srgbClr val="00B0F0"/>
         </a:solidFill>
         <a:effectLst/>
       </p:bgPr>
@@ -8063,7 +8715,7 @@
             <a:r>
               <a:rPr lang="en-US">
                 <a:solidFill>
-                  <a:srgbClr val="EA6216"/>
+                  <a:srgbClr val="00B0F0"/>
                 </a:solidFill>
                 <a:effectLst>
                   <a:outerShdw blurRad="38100" dist="38100" dir="2700000" algn="tl">
@@ -8075,7 +8727,11 @@
               </a:rPr>
               <a:t>Why ?</a:t>
             </a:r>
-            <a:endParaRPr lang="vi-VN"/>
+            <a:endParaRPr lang="vi-VN">
+              <a:solidFill>
+                <a:srgbClr val="00B0F0"/>
+              </a:solidFill>
+            </a:endParaRPr>
           </a:p>
         </p:txBody>
       </p:sp>
@@ -8392,7 +9048,7 @@
     <p:bg>
       <p:bgPr>
         <a:solidFill>
-          <a:srgbClr val="FF5722"/>
+          <a:srgbClr val="00B0F0"/>
         </a:solidFill>
         <a:effectLst/>
       </p:bgPr>
@@ -8429,7 +9085,7 @@
             <a:r>
               <a:rPr lang="en-US">
                 <a:solidFill>
-                  <a:srgbClr val="EA6216"/>
+                  <a:srgbClr val="00B0F0"/>
                 </a:solidFill>
                 <a:effectLst>
                   <a:outerShdw blurRad="38100" dist="38100" dir="2700000" algn="tl">
@@ -8441,7 +9097,11 @@
               </a:rPr>
               <a:t>Why ?</a:t>
             </a:r>
-            <a:endParaRPr lang="vi-VN"/>
+            <a:endParaRPr lang="vi-VN">
+              <a:solidFill>
+                <a:srgbClr val="00B0F0"/>
+              </a:solidFill>
+            </a:endParaRPr>
           </a:p>
         </p:txBody>
       </p:sp>
@@ -8660,7 +9320,7 @@
     <p:bg>
       <p:bgPr>
         <a:solidFill>
-          <a:srgbClr val="FF5722"/>
+          <a:srgbClr val="00B0F0"/>
         </a:solidFill>
         <a:effectLst/>
       </p:bgPr>
@@ -8697,7 +9357,7 @@
             <a:r>
               <a:rPr lang="en-US">
                 <a:solidFill>
-                  <a:srgbClr val="EA6216"/>
+                  <a:srgbClr val="00B0F0"/>
                 </a:solidFill>
                 <a:effectLst>
                   <a:outerShdw blurRad="38100" dist="38100" dir="2700000" algn="tl">
@@ -8709,7 +9369,11 @@
               </a:rPr>
               <a:t>Why ?</a:t>
             </a:r>
-            <a:endParaRPr lang="vi-VN"/>
+            <a:endParaRPr lang="vi-VN">
+              <a:solidFill>
+                <a:srgbClr val="00B0F0"/>
+              </a:solidFill>
+            </a:endParaRPr>
           </a:p>
         </p:txBody>
       </p:sp>
@@ -8886,6 +9550,14 @@
 <file path=ppt/slides/slide7.xml><?xml version="1.0" encoding="utf-8"?>
 <p:sld xmlns:a="http://schemas.openxmlformats.org/drawingml/2006/main" xmlns:r="http://schemas.openxmlformats.org/officeDocument/2006/relationships" xmlns:p="http://schemas.openxmlformats.org/presentationml/2006/main">
   <p:cSld>
+    <p:bg>
+      <p:bgPr>
+        <a:solidFill>
+          <a:srgbClr val="00B0F0"/>
+        </a:solidFill>
+        <a:effectLst/>
+      </p:bgPr>
+    </p:bg>
     <p:spTree>
       <p:nvGrpSpPr>
         <p:cNvPr id="1" name="Shape 290"/>
@@ -8918,7 +9590,7 @@
             <a:r>
               <a:rPr lang="en-US">
                 <a:solidFill>
-                  <a:srgbClr val="92D050"/>
+                  <a:srgbClr val="00B0F0"/>
                 </a:solidFill>
                 <a:effectLst>
                   <a:outerShdw blurRad="38100" dist="38100" dir="2700000" algn="tl">
@@ -8930,7 +9602,11 @@
               </a:rPr>
               <a:t>When ?</a:t>
             </a:r>
-            <a:endParaRPr lang="vi-VN"/>
+            <a:endParaRPr lang="vi-VN">
+              <a:solidFill>
+                <a:srgbClr val="00B0F0"/>
+              </a:solidFill>
+            </a:endParaRPr>
           </a:p>
         </p:txBody>
       </p:sp>
@@ -8961,7 +9637,7 @@
             <a:r>
               <a:rPr lang="vi-VN" smtClean="0">
                 <a:solidFill>
-                  <a:srgbClr val="92D050"/>
+                  <a:srgbClr val="00B0F0"/>
                 </a:solidFill>
                 <a:effectLst>
                   <a:outerShdw blurRad="38100" dist="38100" dir="2700000" algn="tl">
@@ -8973,7 +9649,11 @@
               </a:rPr>
               <a:t>Database first</a:t>
             </a:r>
-            <a:endParaRPr lang="vi-VN" smtClean="0"/>
+            <a:endParaRPr lang="vi-VN" smtClean="0">
+              <a:solidFill>
+                <a:srgbClr val="00B0F0"/>
+              </a:solidFill>
+            </a:endParaRPr>
           </a:p>
           <a:p>
             <a:pPr marL="342900" indent="-342900">
@@ -8988,7 +9668,7 @@
             <a:r>
               <a:rPr lang="vi-VN" smtClean="0">
                 <a:solidFill>
-                  <a:srgbClr val="92D050"/>
+                  <a:srgbClr val="00B0F0"/>
                 </a:solidFill>
                 <a:effectLst>
                   <a:outerShdw blurRad="38100" dist="38100" dir="2700000" algn="tl">
@@ -9000,7 +9680,11 @@
               </a:rPr>
               <a:t>Model first</a:t>
             </a:r>
-            <a:endParaRPr lang="vi-VN" smtClean="0"/>
+            <a:endParaRPr lang="vi-VN" smtClean="0">
+              <a:solidFill>
+                <a:srgbClr val="00B0F0"/>
+              </a:solidFill>
+            </a:endParaRPr>
           </a:p>
           <a:p>
             <a:pPr marL="342900" indent="-342900">
@@ -9015,7 +9699,7 @@
             <a:r>
               <a:rPr lang="vi-VN" smtClean="0">
                 <a:solidFill>
-                  <a:srgbClr val="92D050"/>
+                  <a:srgbClr val="00B0F0"/>
                 </a:solidFill>
                 <a:effectLst>
                   <a:outerShdw blurRad="38100" dist="38100" dir="2700000" algn="tl">
@@ -9027,7 +9711,11 @@
               </a:rPr>
               <a:t>Code first</a:t>
             </a:r>
-            <a:endParaRPr lang="vi-VN"/>
+            <a:endParaRPr lang="vi-VN">
+              <a:solidFill>
+                <a:srgbClr val="00B0F0"/>
+              </a:solidFill>
+            </a:endParaRPr>
           </a:p>
         </p:txBody>
       </p:sp>
@@ -9047,6 +9735,14 @@
 <file path=ppt/slides/slide8.xml><?xml version="1.0" encoding="utf-8"?>
 <p:sld xmlns:a="http://schemas.openxmlformats.org/drawingml/2006/main" xmlns:r="http://schemas.openxmlformats.org/officeDocument/2006/relationships" xmlns:p="http://schemas.openxmlformats.org/presentationml/2006/main">
   <p:cSld>
+    <p:bg>
+      <p:bgPr>
+        <a:solidFill>
+          <a:srgbClr val="00B0F0"/>
+        </a:solidFill>
+        <a:effectLst/>
+      </p:bgPr>
+    </p:bg>
     <p:spTree>
       <p:nvGrpSpPr>
         <p:cNvPr id="1" name="Shape 290"/>
@@ -9079,7 +9775,7 @@
             <a:r>
               <a:rPr lang="vi-VN">
                 <a:solidFill>
-                  <a:srgbClr val="92D050"/>
+                  <a:srgbClr val="00B0F0"/>
                 </a:solidFill>
                 <a:effectLst>
                   <a:outerShdw blurRad="38100" dist="38100" dir="2700000" algn="tl">
@@ -9091,7 +9787,11 @@
               </a:rPr>
               <a:t>Database first</a:t>
             </a:r>
-            <a:endParaRPr lang="vi-VN"/>
+            <a:endParaRPr lang="vi-VN">
+              <a:solidFill>
+                <a:srgbClr val="00B0F0"/>
+              </a:solidFill>
+            </a:endParaRPr>
           </a:p>
         </p:txBody>
       </p:sp>
@@ -9230,6 +9930,14 @@
 <file path=ppt/slides/slide9.xml><?xml version="1.0" encoding="utf-8"?>
 <p:sld xmlns:a="http://schemas.openxmlformats.org/drawingml/2006/main" xmlns:r="http://schemas.openxmlformats.org/officeDocument/2006/relationships" xmlns:p="http://schemas.openxmlformats.org/presentationml/2006/main">
   <p:cSld>
+    <p:bg>
+      <p:bgPr>
+        <a:solidFill>
+          <a:srgbClr val="00B0F0"/>
+        </a:solidFill>
+        <a:effectLst/>
+      </p:bgPr>
+    </p:bg>
     <p:spTree>
       <p:nvGrpSpPr>
         <p:cNvPr id="1" name="Shape 290"/>
@@ -9262,7 +9970,7 @@
             <a:r>
               <a:rPr lang="vi-VN" smtClean="0">
                 <a:solidFill>
-                  <a:srgbClr val="92D050"/>
+                  <a:srgbClr val="00B0F0"/>
                 </a:solidFill>
                 <a:effectLst>
                   <a:outerShdw blurRad="38100" dist="38100" dir="2700000" algn="tl">
@@ -9277,7 +9985,7 @@
             <a:r>
               <a:rPr lang="vi-VN">
                 <a:solidFill>
-                  <a:srgbClr val="92D050"/>
+                  <a:srgbClr val="00B0F0"/>
                 </a:solidFill>
                 <a:effectLst>
                   <a:outerShdw blurRad="38100" dist="38100" dir="2700000" algn="tl">
@@ -9289,7 +9997,11 @@
               </a:rPr>
               <a:t>first</a:t>
             </a:r>
-            <a:endParaRPr lang="vi-VN"/>
+            <a:endParaRPr lang="vi-VN">
+              <a:solidFill>
+                <a:srgbClr val="00B0F0"/>
+              </a:solidFill>
+            </a:endParaRPr>
           </a:p>
         </p:txBody>
       </p:sp>

--- a/DOCUMENT/Group7-Slide.pptx
+++ b/DOCUMENT/Group7-Slide.pptx
@@ -995,7 +995,7 @@
               <a:buNone/>
             </a:pPr>
             <a:r>
-              <a:rPr lang="vi-VN" sz="1100" b="1" i="0" kern="1200" smtClean="0">
+              <a:rPr lang="vi-VN" sz="1100" b="1" i="0" kern="1200" dirty="0" smtClean="0">
                 <a:solidFill>
                   <a:schemeClr val="tx1"/>
                 </a:solidFill>
@@ -1007,7 +1007,7 @@
               <a:t>Entity Data Model (EDM): </a:t>
             </a:r>
             <a:r>
-              <a:rPr lang="vi-VN" sz="1100" b="0" i="0" kern="1200" smtClean="0">
+              <a:rPr lang="vi-VN" sz="1100" b="0" i="0" kern="1200" dirty="0" smtClean="0">
                 <a:solidFill>
                   <a:schemeClr val="tx1"/>
                 </a:solidFill>
@@ -1019,7 +1019,7 @@
               <a:t>gồm</a:t>
             </a:r>
             <a:r>
-              <a:rPr lang="vi-VN" sz="1100" b="0" i="0" kern="1200" baseline="0" smtClean="0">
+              <a:rPr lang="vi-VN" sz="1100" b="0" i="0" kern="1200" baseline="0" dirty="0" smtClean="0">
                 <a:solidFill>
                   <a:schemeClr val="tx1"/>
                 </a:solidFill>
@@ -1030,7 +1030,7 @@
               </a:rPr>
               <a:t> 3 phần</a:t>
             </a:r>
-            <a:endParaRPr lang="vi-VN" smtClean="0"/>
+            <a:endParaRPr lang="vi-VN" dirty="0" smtClean="0"/>
           </a:p>
           <a:p>
             <a:pPr lvl="0">
@@ -1039,11 +1039,11 @@
               </a:spcBef>
               <a:buNone/>
             </a:pPr>
-            <a:endParaRPr lang="vi-VN" smtClean="0"/>
+            <a:endParaRPr lang="vi-VN" dirty="0" smtClean="0"/>
           </a:p>
           <a:p>
             <a:r>
-              <a:rPr lang="en-US" sz="1100" b="1" i="0" kern="1200" smtClean="0">
+              <a:rPr lang="en-US" sz="1100" b="1" i="0" kern="1200" dirty="0" smtClean="0">
                 <a:solidFill>
                   <a:schemeClr val="tx1"/>
                 </a:solidFill>
@@ -1055,202 +1055,6705 @@
               <a:t>Conceptual Model: </a:t>
             </a:r>
             <a:r>
-              <a:rPr lang="en-US" sz="1100" b="0" i="0" kern="1200" smtClean="0">
-                <a:solidFill>
-                  <a:schemeClr val="tx1"/>
-                </a:solidFill>
-                <a:effectLst/>
-                <a:latin typeface="+mn-lt"/>
-                <a:ea typeface="+mn-ea"/>
-                <a:cs typeface="+mn-cs"/>
-              </a:rPr>
-              <a:t>The conceptual model contains the model classes and their relationships. This will be independent from your database table design.</a:t>
+              <a:rPr lang="en-US" sz="1100" b="0" i="0" kern="1200" dirty="0" smtClean="0">
+                <a:solidFill>
+                  <a:schemeClr val="tx1"/>
+                </a:solidFill>
+                <a:effectLst/>
+                <a:latin typeface="+mn-lt"/>
+                <a:ea typeface="+mn-ea"/>
+                <a:cs typeface="+mn-cs"/>
+              </a:rPr>
+              <a:t> </a:t>
+            </a:r>
+            <a:r>
+              <a:rPr lang="en-US" sz="1100" b="0" i="0" kern="1200" dirty="0" err="1" smtClean="0">
+                <a:solidFill>
+                  <a:schemeClr val="tx1"/>
+                </a:solidFill>
+                <a:effectLst/>
+                <a:latin typeface="+mn-lt"/>
+                <a:ea typeface="+mn-ea"/>
+                <a:cs typeface="+mn-cs"/>
+              </a:rPr>
+              <a:t>định</a:t>
+            </a:r>
+            <a:r>
+              <a:rPr lang="en-US" sz="1100" b="0" i="0" kern="1200" dirty="0" smtClean="0">
+                <a:solidFill>
+                  <a:schemeClr val="tx1"/>
+                </a:solidFill>
+                <a:effectLst/>
+                <a:latin typeface="+mn-lt"/>
+                <a:ea typeface="+mn-ea"/>
+                <a:cs typeface="+mn-cs"/>
+              </a:rPr>
+              <a:t> </a:t>
+            </a:r>
+            <a:r>
+              <a:rPr lang="en-US" sz="1100" b="0" i="0" kern="1200" dirty="0" err="1" smtClean="0">
+                <a:solidFill>
+                  <a:schemeClr val="tx1"/>
+                </a:solidFill>
+                <a:effectLst/>
+                <a:latin typeface="+mn-lt"/>
+                <a:ea typeface="+mn-ea"/>
+                <a:cs typeface="+mn-cs"/>
+              </a:rPr>
+              <a:t>nghĩa</a:t>
+            </a:r>
+            <a:r>
+              <a:rPr lang="en-US" sz="1100" b="0" i="0" kern="1200" dirty="0" smtClean="0">
+                <a:solidFill>
+                  <a:schemeClr val="tx1"/>
+                </a:solidFill>
+                <a:effectLst/>
+                <a:latin typeface="+mn-lt"/>
+                <a:ea typeface="+mn-ea"/>
+                <a:cs typeface="+mn-cs"/>
+              </a:rPr>
+              <a:t> </a:t>
+            </a:r>
+            <a:r>
+              <a:rPr lang="en-US" sz="1100" b="0" i="0" kern="1200" dirty="0" err="1" smtClean="0">
+                <a:solidFill>
+                  <a:schemeClr val="tx1"/>
+                </a:solidFill>
+                <a:effectLst/>
+                <a:latin typeface="+mn-lt"/>
+                <a:ea typeface="+mn-ea"/>
+                <a:cs typeface="+mn-cs"/>
+              </a:rPr>
+              <a:t>các</a:t>
+            </a:r>
+            <a:r>
+              <a:rPr lang="en-US" sz="1100" b="0" i="0" kern="1200" dirty="0" smtClean="0">
+                <a:solidFill>
+                  <a:schemeClr val="tx1"/>
+                </a:solidFill>
+                <a:effectLst/>
+                <a:latin typeface="+mn-lt"/>
+                <a:ea typeface="+mn-ea"/>
+                <a:cs typeface="+mn-cs"/>
+              </a:rPr>
+              <a:t> entity, relationship, </a:t>
+            </a:r>
+            <a:r>
+              <a:rPr lang="en-US" sz="1100" b="0" i="0" kern="1200" dirty="0" err="1" smtClean="0">
+                <a:solidFill>
+                  <a:schemeClr val="tx1"/>
+                </a:solidFill>
+                <a:effectLst/>
+                <a:latin typeface="+mn-lt"/>
+                <a:ea typeface="+mn-ea"/>
+                <a:cs typeface="+mn-cs"/>
+              </a:rPr>
+              <a:t>hàm</a:t>
+            </a:r>
+            <a:r>
+              <a:rPr lang="en-US" sz="1100" b="0" i="0" kern="1200" dirty="0" smtClean="0">
+                <a:solidFill>
+                  <a:schemeClr val="tx1"/>
+                </a:solidFill>
+                <a:effectLst/>
+                <a:latin typeface="+mn-lt"/>
+                <a:ea typeface="+mn-ea"/>
+                <a:cs typeface="+mn-cs"/>
+              </a:rPr>
+              <a:t> </a:t>
+            </a:r>
+            <a:r>
+              <a:rPr lang="en-US" sz="1100" b="0" i="0" kern="1200" dirty="0" err="1" smtClean="0">
+                <a:solidFill>
+                  <a:schemeClr val="tx1"/>
+                </a:solidFill>
+                <a:effectLst/>
+                <a:latin typeface="+mn-lt"/>
+                <a:ea typeface="+mn-ea"/>
+                <a:cs typeface="+mn-cs"/>
+              </a:rPr>
+              <a:t>trong</a:t>
+            </a:r>
+            <a:r>
+              <a:rPr lang="en-US" sz="1100" b="0" i="0" kern="1200" dirty="0" smtClean="0">
+                <a:solidFill>
+                  <a:schemeClr val="tx1"/>
+                </a:solidFill>
+                <a:effectLst/>
+                <a:latin typeface="+mn-lt"/>
+                <a:ea typeface="+mn-ea"/>
+                <a:cs typeface="+mn-cs"/>
+              </a:rPr>
+              <a:t> </a:t>
+            </a:r>
+            <a:r>
+              <a:rPr lang="en-US" sz="1100" b="0" i="0" kern="1200" dirty="0" err="1" smtClean="0">
+                <a:solidFill>
+                  <a:schemeClr val="tx1"/>
+                </a:solidFill>
+                <a:effectLst/>
+                <a:latin typeface="+mn-lt"/>
+                <a:ea typeface="+mn-ea"/>
+                <a:cs typeface="+mn-cs"/>
+              </a:rPr>
+              <a:t>tập</a:t>
+            </a:r>
+            <a:r>
+              <a:rPr lang="en-US" sz="1100" b="0" i="0" kern="1200" dirty="0" smtClean="0">
+                <a:solidFill>
+                  <a:schemeClr val="tx1"/>
+                </a:solidFill>
+                <a:effectLst/>
+                <a:latin typeface="+mn-lt"/>
+                <a:ea typeface="+mn-ea"/>
+                <a:cs typeface="+mn-cs"/>
+              </a:rPr>
+              <a:t> tin </a:t>
+            </a:r>
+            <a:r>
+              <a:rPr lang="en-US" sz="1100" b="0" i="0" kern="1200" dirty="0" err="1" smtClean="0">
+                <a:solidFill>
+                  <a:schemeClr val="tx1"/>
+                </a:solidFill>
+                <a:effectLst/>
+                <a:latin typeface="+mn-lt"/>
+                <a:ea typeface="+mn-ea"/>
+                <a:cs typeface="+mn-cs"/>
+              </a:rPr>
+              <a:t>với</a:t>
+            </a:r>
+            <a:r>
+              <a:rPr lang="en-US" sz="1100" b="0" i="0" kern="1200" dirty="0" smtClean="0">
+                <a:solidFill>
+                  <a:schemeClr val="tx1"/>
+                </a:solidFill>
+                <a:effectLst/>
+                <a:latin typeface="+mn-lt"/>
+                <a:ea typeface="+mn-ea"/>
+                <a:cs typeface="+mn-cs"/>
+              </a:rPr>
+              <a:t> </a:t>
+            </a:r>
+            <a:r>
+              <a:rPr lang="en-US" sz="1100" b="0" i="0" kern="1200" dirty="0" err="1" smtClean="0">
+                <a:solidFill>
+                  <a:schemeClr val="tx1"/>
+                </a:solidFill>
+                <a:effectLst/>
+                <a:latin typeface="+mn-lt"/>
+                <a:ea typeface="+mn-ea"/>
+                <a:cs typeface="+mn-cs"/>
+              </a:rPr>
+              <a:t>phần</a:t>
+            </a:r>
+            <a:r>
+              <a:rPr lang="en-US" sz="1100" b="0" i="0" kern="1200" dirty="0" smtClean="0">
+                <a:solidFill>
+                  <a:schemeClr val="tx1"/>
+                </a:solidFill>
+                <a:effectLst/>
+                <a:latin typeface="+mn-lt"/>
+                <a:ea typeface="+mn-ea"/>
+                <a:cs typeface="+mn-cs"/>
+              </a:rPr>
+              <a:t> </a:t>
+            </a:r>
+            <a:r>
+              <a:rPr lang="en-US" sz="1100" b="0" i="0" kern="1200" dirty="0" err="1" smtClean="0">
+                <a:solidFill>
+                  <a:schemeClr val="tx1"/>
+                </a:solidFill>
+                <a:effectLst/>
+                <a:latin typeface="+mn-lt"/>
+                <a:ea typeface="+mn-ea"/>
+                <a:cs typeface="+mn-cs"/>
+              </a:rPr>
+              <a:t>mở</a:t>
+            </a:r>
+            <a:r>
+              <a:rPr lang="en-US" sz="1100" b="0" i="0" kern="1200" dirty="0" smtClean="0">
+                <a:solidFill>
+                  <a:schemeClr val="tx1"/>
+                </a:solidFill>
+                <a:effectLst/>
+                <a:latin typeface="+mn-lt"/>
+                <a:ea typeface="+mn-ea"/>
+                <a:cs typeface="+mn-cs"/>
+              </a:rPr>
+              <a:t> </a:t>
+            </a:r>
+            <a:r>
+              <a:rPr lang="en-US" sz="1100" b="0" i="0" kern="1200" dirty="0" err="1" smtClean="0">
+                <a:solidFill>
+                  <a:schemeClr val="tx1"/>
+                </a:solidFill>
+                <a:effectLst/>
+                <a:latin typeface="+mn-lt"/>
+                <a:ea typeface="+mn-ea"/>
+                <a:cs typeface="+mn-cs"/>
+              </a:rPr>
+              <a:t>rộng</a:t>
+            </a:r>
+            <a:r>
+              <a:rPr lang="en-US" sz="1100" b="0" i="0" kern="1200" dirty="0" smtClean="0">
+                <a:solidFill>
+                  <a:schemeClr val="tx1"/>
+                </a:solidFill>
+                <a:effectLst/>
+                <a:latin typeface="+mn-lt"/>
+                <a:ea typeface="+mn-ea"/>
+                <a:cs typeface="+mn-cs"/>
+              </a:rPr>
+              <a:t> .</a:t>
+            </a:r>
+            <a:r>
+              <a:rPr lang="en-US" sz="1100" b="0" i="0" kern="1200" dirty="0" err="1" smtClean="0">
+                <a:solidFill>
+                  <a:schemeClr val="tx1"/>
+                </a:solidFill>
+                <a:effectLst/>
+                <a:latin typeface="+mn-lt"/>
+                <a:ea typeface="+mn-ea"/>
+                <a:cs typeface="+mn-cs"/>
+              </a:rPr>
+              <a:t>csdl</a:t>
+            </a:r>
+            <a:r>
+              <a:rPr lang="en-US" sz="1100" b="0" i="0" kern="1200" dirty="0" smtClean="0">
+                <a:solidFill>
+                  <a:schemeClr val="tx1"/>
+                </a:solidFill>
+                <a:effectLst/>
+                <a:latin typeface="+mn-lt"/>
+                <a:ea typeface="+mn-ea"/>
+                <a:cs typeface="+mn-cs"/>
+              </a:rPr>
+              <a:t>. </a:t>
+            </a:r>
+            <a:r>
+              <a:rPr lang="en-US" sz="1100" b="0" i="0" kern="1200" dirty="0" err="1" smtClean="0">
+                <a:solidFill>
+                  <a:schemeClr val="tx1"/>
+                </a:solidFill>
+                <a:effectLst/>
+                <a:latin typeface="+mn-lt"/>
+                <a:ea typeface="+mn-ea"/>
+                <a:cs typeface="+mn-cs"/>
+              </a:rPr>
+              <a:t>Có</a:t>
+            </a:r>
+            <a:r>
+              <a:rPr lang="en-US" sz="1100" b="0" i="0" kern="1200" dirty="0" smtClean="0">
+                <a:solidFill>
+                  <a:schemeClr val="tx1"/>
+                </a:solidFill>
+                <a:effectLst/>
+                <a:latin typeface="+mn-lt"/>
+                <a:ea typeface="+mn-ea"/>
+                <a:cs typeface="+mn-cs"/>
+              </a:rPr>
+              <a:t> </a:t>
+            </a:r>
+            <a:r>
+              <a:rPr lang="en-US" sz="1100" b="0" i="0" kern="1200" dirty="0" err="1" smtClean="0">
+                <a:solidFill>
+                  <a:schemeClr val="tx1"/>
+                </a:solidFill>
+                <a:effectLst/>
+                <a:latin typeface="+mn-lt"/>
+                <a:ea typeface="+mn-ea"/>
+                <a:cs typeface="+mn-cs"/>
+              </a:rPr>
+              <a:t>thể</a:t>
+            </a:r>
+            <a:r>
+              <a:rPr lang="en-US" sz="1100" b="0" i="0" kern="1200" dirty="0" smtClean="0">
+                <a:solidFill>
+                  <a:schemeClr val="tx1"/>
+                </a:solidFill>
+                <a:effectLst/>
+                <a:latin typeface="+mn-lt"/>
+                <a:ea typeface="+mn-ea"/>
+                <a:cs typeface="+mn-cs"/>
+              </a:rPr>
+              <a:t> </a:t>
+            </a:r>
+            <a:r>
+              <a:rPr lang="en-US" sz="1100" b="0" i="0" kern="1200" dirty="0" err="1" smtClean="0">
+                <a:solidFill>
+                  <a:schemeClr val="tx1"/>
+                </a:solidFill>
+                <a:effectLst/>
+                <a:latin typeface="+mn-lt"/>
+                <a:ea typeface="+mn-ea"/>
+                <a:cs typeface="+mn-cs"/>
+              </a:rPr>
+              <a:t>tạo</a:t>
+            </a:r>
+            <a:r>
+              <a:rPr lang="en-US" sz="1100" b="0" i="0" kern="1200" dirty="0" smtClean="0">
+                <a:solidFill>
+                  <a:schemeClr val="tx1"/>
+                </a:solidFill>
+                <a:effectLst/>
+                <a:latin typeface="+mn-lt"/>
+                <a:ea typeface="+mn-ea"/>
+                <a:cs typeface="+mn-cs"/>
+              </a:rPr>
+              <a:t> </a:t>
+            </a:r>
+            <a:r>
+              <a:rPr lang="en-US" sz="1100" b="0" i="0" kern="1200" dirty="0" err="1" smtClean="0">
+                <a:solidFill>
+                  <a:schemeClr val="tx1"/>
+                </a:solidFill>
+                <a:effectLst/>
+                <a:latin typeface="+mn-lt"/>
+                <a:ea typeface="+mn-ea"/>
+                <a:cs typeface="+mn-cs"/>
+              </a:rPr>
+              <a:t>được</a:t>
+            </a:r>
+            <a:r>
+              <a:rPr lang="en-US" sz="1100" b="0" i="0" kern="1200" dirty="0" smtClean="0">
+                <a:solidFill>
+                  <a:schemeClr val="tx1"/>
+                </a:solidFill>
+                <a:effectLst/>
+                <a:latin typeface="+mn-lt"/>
+                <a:ea typeface="+mn-ea"/>
+                <a:cs typeface="+mn-cs"/>
+              </a:rPr>
+              <a:t> </a:t>
+            </a:r>
+            <a:r>
+              <a:rPr lang="en-US" sz="1100" b="0" i="0" kern="1200" dirty="0" err="1" smtClean="0">
+                <a:solidFill>
+                  <a:schemeClr val="tx1"/>
+                </a:solidFill>
+                <a:effectLst/>
+                <a:latin typeface="+mn-lt"/>
+                <a:ea typeface="+mn-ea"/>
+                <a:cs typeface="+mn-cs"/>
+              </a:rPr>
+              <a:t>các</a:t>
+            </a:r>
+            <a:r>
+              <a:rPr lang="en-US" sz="1100" b="0" i="0" kern="1200" dirty="0" smtClean="0">
+                <a:solidFill>
+                  <a:schemeClr val="tx1"/>
+                </a:solidFill>
+                <a:effectLst/>
+                <a:latin typeface="+mn-lt"/>
+                <a:ea typeface="+mn-ea"/>
+                <a:cs typeface="+mn-cs"/>
+              </a:rPr>
+              <a:t> entity class (object layer).</a:t>
             </a:r>
           </a:p>
           <a:p>
-            <a:r>
-              <a:rPr lang="en-US" sz="1100" b="1" i="0" kern="1200" smtClean="0">
-                <a:solidFill>
-                  <a:schemeClr val="tx1"/>
-                </a:solidFill>
-                <a:effectLst/>
-                <a:latin typeface="+mn-lt"/>
-                <a:ea typeface="+mn-ea"/>
-                <a:cs typeface="+mn-cs"/>
-              </a:rPr>
-              <a:t>Storage Model:</a:t>
-            </a:r>
-            <a:r>
-              <a:rPr lang="en-US" sz="1100" b="0" i="0" kern="1200" smtClean="0">
-                <a:solidFill>
-                  <a:schemeClr val="tx1"/>
-                </a:solidFill>
-                <a:effectLst/>
-                <a:latin typeface="+mn-lt"/>
-                <a:ea typeface="+mn-ea"/>
-                <a:cs typeface="+mn-cs"/>
-              </a:rPr>
-              <a:t> Storage model is the database design model which includes tables, views, stored procedures, and their relationships and keys.</a:t>
-            </a:r>
+            <a:endParaRPr lang="en-US" sz="1100" b="0" i="0" kern="1200" dirty="0" smtClean="0">
+              <a:solidFill>
+                <a:schemeClr val="tx1"/>
+              </a:solidFill>
+              <a:effectLst/>
+              <a:latin typeface="+mn-lt"/>
+              <a:ea typeface="+mn-ea"/>
+              <a:cs typeface="+mn-cs"/>
+            </a:endParaRPr>
           </a:p>
           <a:p>
             <a:r>
-              <a:rPr lang="en-US" sz="1100" b="1" i="0" kern="1200" smtClean="0">
-                <a:solidFill>
-                  <a:schemeClr val="tx1"/>
-                </a:solidFill>
-                <a:effectLst/>
-                <a:latin typeface="+mn-lt"/>
-                <a:ea typeface="+mn-ea"/>
-                <a:cs typeface="+mn-cs"/>
-              </a:rPr>
-              <a:t>Mapping: </a:t>
-            </a:r>
-            <a:r>
-              <a:rPr lang="en-US" sz="1100" b="0" i="0" kern="1200" smtClean="0">
-                <a:solidFill>
-                  <a:schemeClr val="tx1"/>
-                </a:solidFill>
-                <a:effectLst/>
-                <a:latin typeface="+mn-lt"/>
-                <a:ea typeface="+mn-ea"/>
-                <a:cs typeface="+mn-cs"/>
-              </a:rPr>
-              <a:t>Mapping consists of information about how the conceptual model is mapped to the storage model.</a:t>
+              <a:rPr lang="en-US" sz="1100" b="1" i="0" kern="1200" dirty="0" smtClean="0">
+                <a:solidFill>
+                  <a:schemeClr val="tx1"/>
+                </a:solidFill>
+                <a:effectLst/>
+                <a:latin typeface="+mn-lt"/>
+                <a:ea typeface="+mn-ea"/>
+                <a:cs typeface="+mn-cs"/>
+              </a:rPr>
+              <a:t>Storage Model:</a:t>
+            </a:r>
+            <a:r>
+              <a:rPr lang="en-US" sz="1100" b="0" i="0" kern="1200" dirty="0" smtClean="0">
+                <a:solidFill>
+                  <a:schemeClr val="tx1"/>
+                </a:solidFill>
+                <a:effectLst/>
+                <a:latin typeface="+mn-lt"/>
+                <a:ea typeface="+mn-ea"/>
+                <a:cs typeface="+mn-cs"/>
+              </a:rPr>
+              <a:t> </a:t>
+            </a:r>
+            <a:r>
+              <a:rPr lang="en-US" sz="1100" b="0" i="0" kern="1200" dirty="0" err="1" smtClean="0">
+                <a:solidFill>
+                  <a:schemeClr val="tx1"/>
+                </a:solidFill>
+                <a:effectLst/>
+                <a:latin typeface="+mn-lt"/>
+                <a:ea typeface="+mn-ea"/>
+                <a:cs typeface="+mn-cs"/>
+              </a:rPr>
+              <a:t>định</a:t>
+            </a:r>
+            <a:r>
+              <a:rPr lang="en-US" sz="1100" b="0" i="0" kern="1200" dirty="0" smtClean="0">
+                <a:solidFill>
+                  <a:schemeClr val="tx1"/>
+                </a:solidFill>
+                <a:effectLst/>
+                <a:latin typeface="+mn-lt"/>
+                <a:ea typeface="+mn-ea"/>
+                <a:cs typeface="+mn-cs"/>
+              </a:rPr>
+              <a:t> </a:t>
+            </a:r>
+            <a:r>
+              <a:rPr lang="en-US" sz="1100" b="0" i="0" kern="1200" dirty="0" err="1" smtClean="0">
+                <a:solidFill>
+                  <a:schemeClr val="tx1"/>
+                </a:solidFill>
+                <a:effectLst/>
+                <a:latin typeface="+mn-lt"/>
+                <a:ea typeface="+mn-ea"/>
+                <a:cs typeface="+mn-cs"/>
+              </a:rPr>
+              <a:t>nghĩa</a:t>
+            </a:r>
+            <a:r>
+              <a:rPr lang="en-US" sz="1100" b="0" i="0" kern="1200" dirty="0" smtClean="0">
+                <a:solidFill>
+                  <a:schemeClr val="tx1"/>
+                </a:solidFill>
+                <a:effectLst/>
+                <a:latin typeface="+mn-lt"/>
+                <a:ea typeface="+mn-ea"/>
+                <a:cs typeface="+mn-cs"/>
+              </a:rPr>
+              <a:t> </a:t>
+            </a:r>
+            <a:r>
+              <a:rPr lang="en-US" sz="1100" b="0" i="0" kern="1200" dirty="0" err="1" smtClean="0">
+                <a:solidFill>
+                  <a:schemeClr val="tx1"/>
+                </a:solidFill>
+                <a:effectLst/>
+                <a:latin typeface="+mn-lt"/>
+                <a:ea typeface="+mn-ea"/>
+                <a:cs typeface="+mn-cs"/>
+              </a:rPr>
+              <a:t>mô</a:t>
+            </a:r>
+            <a:r>
+              <a:rPr lang="en-US" sz="1100" b="0" i="0" kern="1200" dirty="0" smtClean="0">
+                <a:solidFill>
+                  <a:schemeClr val="tx1"/>
+                </a:solidFill>
+                <a:effectLst/>
+                <a:latin typeface="+mn-lt"/>
+                <a:ea typeface="+mn-ea"/>
+                <a:cs typeface="+mn-cs"/>
+              </a:rPr>
+              <a:t> </a:t>
+            </a:r>
+            <a:r>
+              <a:rPr lang="en-US" sz="1100" b="0" i="0" kern="1200" dirty="0" err="1" smtClean="0">
+                <a:solidFill>
+                  <a:schemeClr val="tx1"/>
+                </a:solidFill>
+                <a:effectLst/>
+                <a:latin typeface="+mn-lt"/>
+                <a:ea typeface="+mn-ea"/>
+                <a:cs typeface="+mn-cs"/>
+              </a:rPr>
+              <a:t>hình</a:t>
+            </a:r>
+            <a:r>
+              <a:rPr lang="en-US" sz="1100" b="0" i="0" kern="1200" dirty="0" smtClean="0">
+                <a:solidFill>
+                  <a:schemeClr val="tx1"/>
+                </a:solidFill>
+                <a:effectLst/>
+                <a:latin typeface="+mn-lt"/>
+                <a:ea typeface="+mn-ea"/>
+                <a:cs typeface="+mn-cs"/>
+              </a:rPr>
+              <a:t> </a:t>
+            </a:r>
+            <a:r>
+              <a:rPr lang="en-US" sz="1100" b="0" i="0" kern="1200" dirty="0" err="1" smtClean="0">
+                <a:solidFill>
+                  <a:schemeClr val="tx1"/>
+                </a:solidFill>
+                <a:effectLst/>
+                <a:latin typeface="+mn-lt"/>
+                <a:ea typeface="+mn-ea"/>
+                <a:cs typeface="+mn-cs"/>
+              </a:rPr>
+              <a:t>lưu</a:t>
+            </a:r>
+            <a:r>
+              <a:rPr lang="en-US" sz="1100" b="0" i="0" kern="1200" dirty="0" smtClean="0">
+                <a:solidFill>
+                  <a:schemeClr val="tx1"/>
+                </a:solidFill>
+                <a:effectLst/>
+                <a:latin typeface="+mn-lt"/>
+                <a:ea typeface="+mn-ea"/>
+                <a:cs typeface="+mn-cs"/>
+              </a:rPr>
+              <a:t> </a:t>
+            </a:r>
+            <a:r>
+              <a:rPr lang="en-US" sz="1100" b="0" i="0" kern="1200" dirty="0" err="1" smtClean="0">
+                <a:solidFill>
+                  <a:schemeClr val="tx1"/>
+                </a:solidFill>
+                <a:effectLst/>
+                <a:latin typeface="+mn-lt"/>
+                <a:ea typeface="+mn-ea"/>
+                <a:cs typeface="+mn-cs"/>
+              </a:rPr>
+              <a:t>trữ</a:t>
+            </a:r>
+            <a:r>
+              <a:rPr lang="en-US" sz="1100" b="0" i="0" kern="1200" dirty="0" smtClean="0">
+                <a:solidFill>
+                  <a:schemeClr val="tx1"/>
+                </a:solidFill>
+                <a:effectLst/>
+                <a:latin typeface="+mn-lt"/>
+                <a:ea typeface="+mn-ea"/>
+                <a:cs typeface="+mn-cs"/>
+              </a:rPr>
+              <a:t> </a:t>
+            </a:r>
+            <a:r>
+              <a:rPr lang="en-US" sz="1100" b="0" i="0" kern="1200" dirty="0" err="1" smtClean="0">
+                <a:solidFill>
+                  <a:schemeClr val="tx1"/>
+                </a:solidFill>
+                <a:effectLst/>
+                <a:latin typeface="+mn-lt"/>
+                <a:ea typeface="+mn-ea"/>
+                <a:cs typeface="+mn-cs"/>
+              </a:rPr>
+              <a:t>của</a:t>
+            </a:r>
+            <a:r>
+              <a:rPr lang="en-US" sz="1100" b="0" i="0" kern="1200" dirty="0" smtClean="0">
+                <a:solidFill>
+                  <a:schemeClr val="tx1"/>
+                </a:solidFill>
+                <a:effectLst/>
+                <a:latin typeface="+mn-lt"/>
+                <a:ea typeface="+mn-ea"/>
+                <a:cs typeface="+mn-cs"/>
+              </a:rPr>
+              <a:t> </a:t>
+            </a:r>
+            <a:r>
+              <a:rPr lang="en-US" sz="1100" b="0" i="0" kern="1200" dirty="0" err="1" smtClean="0">
+                <a:solidFill>
+                  <a:schemeClr val="tx1"/>
+                </a:solidFill>
+                <a:effectLst/>
+                <a:latin typeface="+mn-lt"/>
+                <a:ea typeface="+mn-ea"/>
+                <a:cs typeface="+mn-cs"/>
+              </a:rPr>
+              <a:t>dữ</a:t>
+            </a:r>
+            <a:r>
+              <a:rPr lang="en-US" sz="1100" b="0" i="0" kern="1200" dirty="0" smtClean="0">
+                <a:solidFill>
+                  <a:schemeClr val="tx1"/>
+                </a:solidFill>
+                <a:effectLst/>
+                <a:latin typeface="+mn-lt"/>
+                <a:ea typeface="+mn-ea"/>
+                <a:cs typeface="+mn-cs"/>
+              </a:rPr>
+              <a:t> </a:t>
+            </a:r>
+            <a:r>
+              <a:rPr lang="en-US" sz="1100" b="0" i="0" kern="1200" dirty="0" err="1" smtClean="0">
+                <a:solidFill>
+                  <a:schemeClr val="tx1"/>
+                </a:solidFill>
+                <a:effectLst/>
+                <a:latin typeface="+mn-lt"/>
+                <a:ea typeface="+mn-ea"/>
+                <a:cs typeface="+mn-cs"/>
+              </a:rPr>
+              <a:t>liệu</a:t>
+            </a:r>
+            <a:r>
+              <a:rPr lang="en-US" sz="1100" b="0" i="0" kern="1200" dirty="0" smtClean="0">
+                <a:solidFill>
+                  <a:schemeClr val="tx1"/>
+                </a:solidFill>
+                <a:effectLst/>
+                <a:latin typeface="+mn-lt"/>
+                <a:ea typeface="+mn-ea"/>
+                <a:cs typeface="+mn-cs"/>
+              </a:rPr>
+              <a:t>, </a:t>
+            </a:r>
+            <a:r>
+              <a:rPr lang="en-US" sz="1100" b="0" i="0" kern="1200" dirty="0" err="1" smtClean="0">
+                <a:solidFill>
+                  <a:schemeClr val="tx1"/>
+                </a:solidFill>
+                <a:effectLst/>
+                <a:latin typeface="+mn-lt"/>
+                <a:ea typeface="+mn-ea"/>
+                <a:cs typeface="+mn-cs"/>
+              </a:rPr>
+              <a:t>lưu</a:t>
+            </a:r>
+            <a:r>
+              <a:rPr lang="en-US" sz="1100" b="0" i="0" kern="1200" dirty="0" smtClean="0">
+                <a:solidFill>
+                  <a:schemeClr val="tx1"/>
+                </a:solidFill>
+                <a:effectLst/>
+                <a:latin typeface="+mn-lt"/>
+                <a:ea typeface="+mn-ea"/>
+                <a:cs typeface="+mn-cs"/>
+              </a:rPr>
+              <a:t> </a:t>
+            </a:r>
+            <a:r>
+              <a:rPr lang="en-US" sz="1100" b="0" i="0" kern="1200" dirty="0" err="1" smtClean="0">
+                <a:solidFill>
+                  <a:schemeClr val="tx1"/>
+                </a:solidFill>
+                <a:effectLst/>
+                <a:latin typeface="+mn-lt"/>
+                <a:ea typeface="+mn-ea"/>
+                <a:cs typeface="+mn-cs"/>
+              </a:rPr>
+              <a:t>trữ</a:t>
+            </a:r>
+            <a:r>
+              <a:rPr lang="en-US" sz="1100" b="0" i="0" kern="1200" dirty="0" smtClean="0">
+                <a:solidFill>
+                  <a:schemeClr val="tx1"/>
+                </a:solidFill>
+                <a:effectLst/>
+                <a:latin typeface="+mn-lt"/>
+                <a:ea typeface="+mn-ea"/>
+                <a:cs typeface="+mn-cs"/>
+              </a:rPr>
+              <a:t> </a:t>
+            </a:r>
+            <a:r>
+              <a:rPr lang="en-US" sz="1100" b="0" i="0" kern="1200" dirty="0" err="1" smtClean="0">
+                <a:solidFill>
+                  <a:schemeClr val="tx1"/>
+                </a:solidFill>
+                <a:effectLst/>
+                <a:latin typeface="+mn-lt"/>
+                <a:ea typeface="+mn-ea"/>
+                <a:cs typeface="+mn-cs"/>
+              </a:rPr>
+              <a:t>trong</a:t>
+            </a:r>
+            <a:r>
+              <a:rPr lang="en-US" sz="1100" b="0" i="0" kern="1200" dirty="0" smtClean="0">
+                <a:solidFill>
+                  <a:schemeClr val="tx1"/>
+                </a:solidFill>
+                <a:effectLst/>
+                <a:latin typeface="+mn-lt"/>
+                <a:ea typeface="+mn-ea"/>
+                <a:cs typeface="+mn-cs"/>
+              </a:rPr>
+              <a:t> </a:t>
+            </a:r>
+            <a:r>
+              <a:rPr lang="en-US" sz="1100" b="0" i="0" kern="1200" dirty="0" err="1" smtClean="0">
+                <a:solidFill>
+                  <a:schemeClr val="tx1"/>
+                </a:solidFill>
+                <a:effectLst/>
+                <a:latin typeface="+mn-lt"/>
+                <a:ea typeface="+mn-ea"/>
+                <a:cs typeface="+mn-cs"/>
+              </a:rPr>
+              <a:t>tập</a:t>
+            </a:r>
+            <a:r>
+              <a:rPr lang="en-US" sz="1100" b="0" i="0" kern="1200" dirty="0" smtClean="0">
+                <a:solidFill>
+                  <a:schemeClr val="tx1"/>
+                </a:solidFill>
+                <a:effectLst/>
+                <a:latin typeface="+mn-lt"/>
+                <a:ea typeface="+mn-ea"/>
+                <a:cs typeface="+mn-cs"/>
+              </a:rPr>
+              <a:t> tin .</a:t>
+            </a:r>
+            <a:r>
+              <a:rPr lang="en-US" sz="1100" b="0" i="0" kern="1200" dirty="0" err="1" smtClean="0">
+                <a:solidFill>
+                  <a:schemeClr val="tx1"/>
+                </a:solidFill>
+                <a:effectLst/>
+                <a:latin typeface="+mn-lt"/>
+                <a:ea typeface="+mn-ea"/>
+                <a:cs typeface="+mn-cs"/>
+              </a:rPr>
+              <a:t>ssdl</a:t>
+            </a:r>
+            <a:r>
+              <a:rPr lang="en-US" sz="1100" b="0" i="0" kern="1200" dirty="0" smtClean="0">
+                <a:solidFill>
+                  <a:schemeClr val="tx1"/>
+                </a:solidFill>
+                <a:effectLst/>
+                <a:latin typeface="+mn-lt"/>
+                <a:ea typeface="+mn-ea"/>
+                <a:cs typeface="+mn-cs"/>
+              </a:rPr>
+              <a:t>.</a:t>
             </a:r>
           </a:p>
           <a:p>
             <a:r>
-              <a:rPr lang="en-US" sz="1100" b="1" i="0" kern="1200" smtClean="0">
-                <a:solidFill>
-                  <a:schemeClr val="tx1"/>
-                </a:solidFill>
-                <a:effectLst/>
-                <a:latin typeface="+mn-lt"/>
-                <a:ea typeface="+mn-ea"/>
-                <a:cs typeface="+mn-cs"/>
-              </a:rPr>
-              <a:t>LINQ to Entities:</a:t>
-            </a:r>
-            <a:r>
-              <a:rPr lang="en-US" sz="1100" b="0" i="0" kern="1200" smtClean="0">
-                <a:solidFill>
-                  <a:schemeClr val="tx1"/>
-                </a:solidFill>
-                <a:effectLst/>
-                <a:latin typeface="+mn-lt"/>
-                <a:ea typeface="+mn-ea"/>
-                <a:cs typeface="+mn-cs"/>
-              </a:rPr>
-              <a:t> LINQ to Entities is a query language used to write queries against the object model. It returns entities, which are defined in the conceptual model. You can use your LINQ skills here.</a:t>
-            </a:r>
+              <a:rPr lang="en-US" sz="1100" b="0" i="0" kern="1200" dirty="0" smtClean="0">
+                <a:solidFill>
+                  <a:schemeClr val="tx1"/>
+                </a:solidFill>
+                <a:effectLst/>
+                <a:latin typeface="+mn-lt"/>
+                <a:ea typeface="+mn-ea"/>
+                <a:cs typeface="+mn-cs"/>
+              </a:rPr>
+              <a:t> </a:t>
+            </a:r>
+            <a:endParaRPr lang="en-US" sz="1100" b="0" i="0" kern="1200" dirty="0" smtClean="0">
+              <a:solidFill>
+                <a:schemeClr val="tx1"/>
+              </a:solidFill>
+              <a:effectLst/>
+              <a:latin typeface="+mn-lt"/>
+              <a:ea typeface="+mn-ea"/>
+              <a:cs typeface="+mn-cs"/>
+            </a:endParaRPr>
           </a:p>
           <a:p>
             <a:r>
-              <a:rPr lang="en-US" sz="1100" b="1" i="0" kern="1200" smtClean="0">
-                <a:solidFill>
-                  <a:schemeClr val="tx1"/>
-                </a:solidFill>
-                <a:effectLst/>
-                <a:latin typeface="+mn-lt"/>
-                <a:ea typeface="+mn-ea"/>
-                <a:cs typeface="+mn-cs"/>
-              </a:rPr>
-              <a:t>Entity SQL:</a:t>
-            </a:r>
-            <a:r>
-              <a:rPr lang="en-US" sz="1100" b="0" i="0" kern="1200" smtClean="0">
-                <a:solidFill>
-                  <a:schemeClr val="tx1"/>
-                </a:solidFill>
-                <a:effectLst/>
-                <a:latin typeface="+mn-lt"/>
-                <a:ea typeface="+mn-ea"/>
-                <a:cs typeface="+mn-cs"/>
-              </a:rPr>
-              <a:t> Entity SQL is another query language just like LINQ to Entities. However, it is a little more difficult than L2E and the developer will have to learn it separately.</a:t>
+              <a:rPr lang="en-US" sz="1100" b="1" i="0" kern="1200" dirty="0" smtClean="0">
+                <a:solidFill>
+                  <a:schemeClr val="tx1"/>
+                </a:solidFill>
+                <a:effectLst/>
+                <a:latin typeface="+mn-lt"/>
+                <a:ea typeface="+mn-ea"/>
+                <a:cs typeface="+mn-cs"/>
+              </a:rPr>
+              <a:t>Mapping: </a:t>
+            </a:r>
+            <a:r>
+              <a:rPr lang="en-US" sz="1100" b="0" i="0" kern="1200" dirty="0" err="1" smtClean="0">
+                <a:solidFill>
+                  <a:schemeClr val="tx1"/>
+                </a:solidFill>
+                <a:effectLst/>
+                <a:latin typeface="+mn-lt"/>
+                <a:ea typeface="+mn-ea"/>
+                <a:cs typeface="+mn-cs"/>
+              </a:rPr>
+              <a:t>định</a:t>
+            </a:r>
+            <a:r>
+              <a:rPr lang="en-US" sz="1100" b="0" i="0" kern="1200" dirty="0" smtClean="0">
+                <a:solidFill>
+                  <a:schemeClr val="tx1"/>
+                </a:solidFill>
+                <a:effectLst/>
+                <a:latin typeface="+mn-lt"/>
+                <a:ea typeface="+mn-ea"/>
+                <a:cs typeface="+mn-cs"/>
+              </a:rPr>
+              <a:t> </a:t>
+            </a:r>
+            <a:r>
+              <a:rPr lang="en-US" sz="1100" b="0" i="0" kern="1200" dirty="0" err="1" smtClean="0">
+                <a:solidFill>
+                  <a:schemeClr val="tx1"/>
+                </a:solidFill>
+                <a:effectLst/>
+                <a:latin typeface="+mn-lt"/>
+                <a:ea typeface="+mn-ea"/>
+                <a:cs typeface="+mn-cs"/>
+              </a:rPr>
+              <a:t>nghĩa</a:t>
+            </a:r>
+            <a:r>
+              <a:rPr lang="en-US" sz="1100" b="0" i="0" kern="1200" dirty="0" smtClean="0">
+                <a:solidFill>
+                  <a:schemeClr val="tx1"/>
+                </a:solidFill>
+                <a:effectLst/>
+                <a:latin typeface="+mn-lt"/>
+                <a:ea typeface="+mn-ea"/>
+                <a:cs typeface="+mn-cs"/>
+              </a:rPr>
+              <a:t> </a:t>
+            </a:r>
+            <a:r>
+              <a:rPr lang="en-US" sz="1100" b="0" i="0" kern="1200" dirty="0" err="1" smtClean="0">
+                <a:solidFill>
+                  <a:schemeClr val="tx1"/>
+                </a:solidFill>
+                <a:effectLst/>
+                <a:latin typeface="+mn-lt"/>
+                <a:ea typeface="+mn-ea"/>
+                <a:cs typeface="+mn-cs"/>
+              </a:rPr>
+              <a:t>các</a:t>
+            </a:r>
+            <a:r>
+              <a:rPr lang="en-US" sz="1100" b="0" i="0" kern="1200" dirty="0" smtClean="0">
+                <a:solidFill>
+                  <a:schemeClr val="tx1"/>
+                </a:solidFill>
+                <a:effectLst/>
+                <a:latin typeface="+mn-lt"/>
+                <a:ea typeface="+mn-ea"/>
+                <a:cs typeface="+mn-cs"/>
+              </a:rPr>
+              <a:t> </a:t>
+            </a:r>
+            <a:r>
+              <a:rPr lang="en-US" sz="1100" b="0" i="0" kern="1200" dirty="0" err="1" smtClean="0">
+                <a:solidFill>
+                  <a:schemeClr val="tx1"/>
+                </a:solidFill>
+                <a:effectLst/>
+                <a:latin typeface="+mn-lt"/>
+                <a:ea typeface="+mn-ea"/>
+                <a:cs typeface="+mn-cs"/>
+              </a:rPr>
+              <a:t>ánh</a:t>
+            </a:r>
+            <a:r>
+              <a:rPr lang="en-US" sz="1100" b="0" i="0" kern="1200" dirty="0" smtClean="0">
+                <a:solidFill>
+                  <a:schemeClr val="tx1"/>
+                </a:solidFill>
+                <a:effectLst/>
+                <a:latin typeface="+mn-lt"/>
+                <a:ea typeface="+mn-ea"/>
+                <a:cs typeface="+mn-cs"/>
+              </a:rPr>
+              <a:t> </a:t>
+            </a:r>
+            <a:r>
+              <a:rPr lang="en-US" sz="1100" b="0" i="0" kern="1200" dirty="0" err="1" smtClean="0">
+                <a:solidFill>
+                  <a:schemeClr val="tx1"/>
+                </a:solidFill>
+                <a:effectLst/>
+                <a:latin typeface="+mn-lt"/>
+                <a:ea typeface="+mn-ea"/>
+                <a:cs typeface="+mn-cs"/>
+              </a:rPr>
+              <a:t>xạ</a:t>
+            </a:r>
+            <a:r>
+              <a:rPr lang="en-US" sz="1100" b="0" i="0" kern="1200" dirty="0" smtClean="0">
+                <a:solidFill>
+                  <a:schemeClr val="tx1"/>
+                </a:solidFill>
+                <a:effectLst/>
+                <a:latin typeface="+mn-lt"/>
+                <a:ea typeface="+mn-ea"/>
+                <a:cs typeface="+mn-cs"/>
+              </a:rPr>
+              <a:t> </a:t>
+            </a:r>
+            <a:r>
+              <a:rPr lang="en-US" sz="1100" b="0" i="0" kern="1200" dirty="0" err="1" smtClean="0">
+                <a:solidFill>
+                  <a:schemeClr val="tx1"/>
+                </a:solidFill>
+                <a:effectLst/>
+                <a:latin typeface="+mn-lt"/>
+                <a:ea typeface="+mn-ea"/>
+                <a:cs typeface="+mn-cs"/>
+              </a:rPr>
+              <a:t>giữa</a:t>
+            </a:r>
+            <a:r>
+              <a:rPr lang="en-US" sz="1100" b="0" i="0" kern="1200" dirty="0" smtClean="0">
+                <a:solidFill>
+                  <a:schemeClr val="tx1"/>
+                </a:solidFill>
+                <a:effectLst/>
+                <a:latin typeface="+mn-lt"/>
+                <a:ea typeface="+mn-ea"/>
+                <a:cs typeface="+mn-cs"/>
+              </a:rPr>
+              <a:t> </a:t>
+            </a:r>
+            <a:r>
+              <a:rPr lang="en-US" sz="1100" b="0" i="0" kern="1200" dirty="0" err="1" smtClean="0">
+                <a:solidFill>
+                  <a:schemeClr val="tx1"/>
+                </a:solidFill>
+                <a:effectLst/>
+                <a:latin typeface="+mn-lt"/>
+                <a:ea typeface="+mn-ea"/>
+                <a:cs typeface="+mn-cs"/>
+              </a:rPr>
+              <a:t>lớp</a:t>
+            </a:r>
+            <a:r>
+              <a:rPr lang="en-US" sz="1100" b="0" i="0" kern="1200" dirty="0" smtClean="0">
+                <a:solidFill>
+                  <a:schemeClr val="tx1"/>
+                </a:solidFill>
+                <a:effectLst/>
+                <a:latin typeface="+mn-lt"/>
+                <a:ea typeface="+mn-ea"/>
+                <a:cs typeface="+mn-cs"/>
+              </a:rPr>
+              <a:t> conceptual </a:t>
+            </a:r>
+            <a:r>
+              <a:rPr lang="en-US" sz="1100" b="0" i="0" kern="1200" dirty="0" err="1" smtClean="0">
+                <a:solidFill>
+                  <a:schemeClr val="tx1"/>
+                </a:solidFill>
+                <a:effectLst/>
+                <a:latin typeface="+mn-lt"/>
+                <a:ea typeface="+mn-ea"/>
+                <a:cs typeface="+mn-cs"/>
+              </a:rPr>
+              <a:t>và</a:t>
+            </a:r>
+            <a:r>
+              <a:rPr lang="en-US" sz="1100" b="0" i="0" kern="1200" dirty="0" smtClean="0">
+                <a:solidFill>
+                  <a:schemeClr val="tx1"/>
+                </a:solidFill>
+                <a:effectLst/>
+                <a:latin typeface="+mn-lt"/>
+                <a:ea typeface="+mn-ea"/>
+                <a:cs typeface="+mn-cs"/>
+              </a:rPr>
+              <a:t> </a:t>
+            </a:r>
+            <a:r>
+              <a:rPr lang="en-US" sz="1100" b="0" i="0" kern="1200" dirty="0" err="1" smtClean="0">
+                <a:solidFill>
+                  <a:schemeClr val="tx1"/>
+                </a:solidFill>
+                <a:effectLst/>
+                <a:latin typeface="+mn-lt"/>
+                <a:ea typeface="+mn-ea"/>
+                <a:cs typeface="+mn-cs"/>
+              </a:rPr>
+              <a:t>stotage</a:t>
+            </a:r>
+            <a:r>
+              <a:rPr lang="en-US" sz="1100" b="0" i="0" kern="1200" dirty="0" smtClean="0">
+                <a:solidFill>
+                  <a:schemeClr val="tx1"/>
+                </a:solidFill>
+                <a:effectLst/>
+                <a:latin typeface="+mn-lt"/>
+                <a:ea typeface="+mn-ea"/>
+                <a:cs typeface="+mn-cs"/>
+              </a:rPr>
+              <a:t> model, </a:t>
+            </a:r>
+            <a:r>
+              <a:rPr lang="en-US" sz="1100" b="0" i="0" kern="1200" dirty="0" err="1" smtClean="0">
+                <a:solidFill>
+                  <a:schemeClr val="tx1"/>
+                </a:solidFill>
+                <a:effectLst/>
+                <a:latin typeface="+mn-lt"/>
+                <a:ea typeface="+mn-ea"/>
+                <a:cs typeface="+mn-cs"/>
+              </a:rPr>
+              <a:t>nội</a:t>
+            </a:r>
+            <a:r>
+              <a:rPr lang="en-US" sz="1100" b="0" i="0" kern="1200" dirty="0" smtClean="0">
+                <a:solidFill>
+                  <a:schemeClr val="tx1"/>
+                </a:solidFill>
+                <a:effectLst/>
+                <a:latin typeface="+mn-lt"/>
+                <a:ea typeface="+mn-ea"/>
+                <a:cs typeface="+mn-cs"/>
+              </a:rPr>
+              <a:t> dung </a:t>
+            </a:r>
+            <a:r>
+              <a:rPr lang="en-US" sz="1100" b="0" i="0" kern="1200" dirty="0" err="1" smtClean="0">
+                <a:solidFill>
+                  <a:schemeClr val="tx1"/>
+                </a:solidFill>
+                <a:effectLst/>
+                <a:latin typeface="+mn-lt"/>
+                <a:ea typeface="+mn-ea"/>
+                <a:cs typeface="+mn-cs"/>
+              </a:rPr>
+              <a:t>này</a:t>
+            </a:r>
+            <a:r>
+              <a:rPr lang="en-US" sz="1100" b="0" i="0" kern="1200" dirty="0" smtClean="0">
+                <a:solidFill>
+                  <a:schemeClr val="tx1"/>
+                </a:solidFill>
+                <a:effectLst/>
+                <a:latin typeface="+mn-lt"/>
+                <a:ea typeface="+mn-ea"/>
+                <a:cs typeface="+mn-cs"/>
+              </a:rPr>
+              <a:t> </a:t>
+            </a:r>
+            <a:r>
+              <a:rPr lang="en-US" sz="1100" b="0" i="0" kern="1200" dirty="0" err="1" smtClean="0">
+                <a:solidFill>
+                  <a:schemeClr val="tx1"/>
+                </a:solidFill>
+                <a:effectLst/>
+                <a:latin typeface="+mn-lt"/>
+                <a:ea typeface="+mn-ea"/>
+                <a:cs typeface="+mn-cs"/>
+              </a:rPr>
+              <a:t>được</a:t>
+            </a:r>
+            <a:r>
+              <a:rPr lang="en-US" sz="1100" b="0" i="0" kern="1200" dirty="0" smtClean="0">
+                <a:solidFill>
+                  <a:schemeClr val="tx1"/>
+                </a:solidFill>
+                <a:effectLst/>
+                <a:latin typeface="+mn-lt"/>
+                <a:ea typeface="+mn-ea"/>
+                <a:cs typeface="+mn-cs"/>
+              </a:rPr>
+              <a:t> </a:t>
+            </a:r>
+            <a:r>
+              <a:rPr lang="en-US" sz="1100" b="0" i="0" kern="1200" dirty="0" err="1" smtClean="0">
+                <a:solidFill>
+                  <a:schemeClr val="tx1"/>
+                </a:solidFill>
+                <a:effectLst/>
+                <a:latin typeface="+mn-lt"/>
+                <a:ea typeface="+mn-ea"/>
+                <a:cs typeface="+mn-cs"/>
+              </a:rPr>
+              <a:t>lưu</a:t>
+            </a:r>
+            <a:r>
+              <a:rPr lang="en-US" sz="1100" b="0" i="0" kern="1200" dirty="0" smtClean="0">
+                <a:solidFill>
+                  <a:schemeClr val="tx1"/>
+                </a:solidFill>
+                <a:effectLst/>
+                <a:latin typeface="+mn-lt"/>
+                <a:ea typeface="+mn-ea"/>
+                <a:cs typeface="+mn-cs"/>
+              </a:rPr>
+              <a:t> </a:t>
+            </a:r>
+            <a:r>
+              <a:rPr lang="en-US" sz="1100" b="0" i="0" kern="1200" dirty="0" err="1" smtClean="0">
+                <a:solidFill>
+                  <a:schemeClr val="tx1"/>
+                </a:solidFill>
+                <a:effectLst/>
+                <a:latin typeface="+mn-lt"/>
+                <a:ea typeface="+mn-ea"/>
+                <a:cs typeface="+mn-cs"/>
+              </a:rPr>
+              <a:t>trong</a:t>
+            </a:r>
+            <a:r>
+              <a:rPr lang="en-US" sz="1100" b="0" i="0" kern="1200" dirty="0" smtClean="0">
+                <a:solidFill>
+                  <a:schemeClr val="tx1"/>
+                </a:solidFill>
+                <a:effectLst/>
+                <a:latin typeface="+mn-lt"/>
+                <a:ea typeface="+mn-ea"/>
+                <a:cs typeface="+mn-cs"/>
+              </a:rPr>
+              <a:t> </a:t>
+            </a:r>
+            <a:r>
+              <a:rPr lang="en-US" sz="1100" b="0" i="0" kern="1200" dirty="0" err="1" smtClean="0">
+                <a:solidFill>
+                  <a:schemeClr val="tx1"/>
+                </a:solidFill>
+                <a:effectLst/>
+                <a:latin typeface="+mn-lt"/>
+                <a:ea typeface="+mn-ea"/>
+                <a:cs typeface="+mn-cs"/>
+              </a:rPr>
+              <a:t>tập</a:t>
+            </a:r>
+            <a:r>
+              <a:rPr lang="en-US" sz="1100" b="0" i="0" kern="1200" dirty="0" smtClean="0">
+                <a:solidFill>
+                  <a:schemeClr val="tx1"/>
+                </a:solidFill>
+                <a:effectLst/>
+                <a:latin typeface="+mn-lt"/>
+                <a:ea typeface="+mn-ea"/>
+                <a:cs typeface="+mn-cs"/>
+              </a:rPr>
+              <a:t> tin .</a:t>
+            </a:r>
+            <a:r>
+              <a:rPr lang="en-US" sz="1100" b="0" i="0" kern="1200" dirty="0" err="1" smtClean="0">
+                <a:solidFill>
+                  <a:schemeClr val="tx1"/>
+                </a:solidFill>
+                <a:effectLst/>
+                <a:latin typeface="+mn-lt"/>
+                <a:ea typeface="+mn-ea"/>
+                <a:cs typeface="+mn-cs"/>
+              </a:rPr>
+              <a:t>msl</a:t>
+            </a:r>
+            <a:r>
+              <a:rPr lang="en-US" sz="1100" b="0" i="0" kern="1200" dirty="0" smtClean="0">
+                <a:solidFill>
+                  <a:schemeClr val="tx1"/>
+                </a:solidFill>
+                <a:effectLst/>
+                <a:latin typeface="+mn-lt"/>
+                <a:ea typeface="+mn-ea"/>
+                <a:cs typeface="+mn-cs"/>
+              </a:rPr>
+              <a:t>.</a:t>
             </a:r>
           </a:p>
           <a:p>
-            <a:r>
-              <a:rPr lang="en-US" sz="1100" b="1" i="0" kern="1200" smtClean="0">
-                <a:solidFill>
-                  <a:schemeClr val="tx1"/>
-                </a:solidFill>
-                <a:effectLst/>
-                <a:latin typeface="+mn-lt"/>
-                <a:ea typeface="+mn-ea"/>
-                <a:cs typeface="+mn-cs"/>
-              </a:rPr>
-              <a:t>Object Service:</a:t>
-            </a:r>
-            <a:r>
-              <a:rPr lang="en-US" sz="1100" b="0" i="0" kern="1200" smtClean="0">
-                <a:solidFill>
-                  <a:schemeClr val="tx1"/>
-                </a:solidFill>
-                <a:effectLst/>
-                <a:latin typeface="+mn-lt"/>
-                <a:ea typeface="+mn-ea"/>
-                <a:cs typeface="+mn-cs"/>
-              </a:rPr>
-              <a:t>Object service is a main entry point for accessing data from the database and to return it back. Object service is responsible for materialization, which is the process of converting data returned from an entity client data provider (next layer) to an entity object structure.</a:t>
-            </a:r>
+            <a:endParaRPr lang="en-US" sz="1100" b="0" i="0" kern="1200" dirty="0" smtClean="0">
+              <a:solidFill>
+                <a:schemeClr val="tx1"/>
+              </a:solidFill>
+              <a:effectLst/>
+              <a:latin typeface="+mn-lt"/>
+              <a:ea typeface="+mn-ea"/>
+              <a:cs typeface="+mn-cs"/>
+            </a:endParaRPr>
           </a:p>
           <a:p>
             <a:r>
-              <a:rPr lang="en-US" sz="1100" b="1" i="0" kern="1200" smtClean="0">
-                <a:solidFill>
-                  <a:schemeClr val="tx1"/>
-                </a:solidFill>
-                <a:effectLst/>
-                <a:latin typeface="+mn-lt"/>
-                <a:ea typeface="+mn-ea"/>
-                <a:cs typeface="+mn-cs"/>
-              </a:rPr>
-              <a:t>Entity Client Data Provider:</a:t>
-            </a:r>
-            <a:r>
-              <a:rPr lang="en-US" sz="1100" b="0" i="0" kern="1200" smtClean="0">
-                <a:solidFill>
-                  <a:schemeClr val="tx1"/>
-                </a:solidFill>
-                <a:effectLst/>
-                <a:latin typeface="+mn-lt"/>
-                <a:ea typeface="+mn-ea"/>
-                <a:cs typeface="+mn-cs"/>
-              </a:rPr>
-              <a:t>The main responsibility of this layer is to convert L2E or Entity SQL queries into a SQL query which is understood by the underlying database. It communicates with the ADO.Net data provider which in turn sends or retrieves data from the database.</a:t>
+              <a:rPr lang="en-US" sz="1100" b="1" i="0" kern="1200" dirty="0" smtClean="0">
+                <a:solidFill>
+                  <a:schemeClr val="tx1"/>
+                </a:solidFill>
+                <a:effectLst/>
+                <a:latin typeface="+mn-lt"/>
+                <a:ea typeface="+mn-ea"/>
+                <a:cs typeface="+mn-cs"/>
+              </a:rPr>
+              <a:t>LINQ to Entities:</a:t>
+            </a:r>
+            <a:r>
+              <a:rPr lang="en-US" sz="1100" b="0" i="0" kern="1200" dirty="0" smtClean="0">
+                <a:solidFill>
+                  <a:schemeClr val="tx1"/>
+                </a:solidFill>
+                <a:effectLst/>
+                <a:latin typeface="+mn-lt"/>
+                <a:ea typeface="+mn-ea"/>
+                <a:cs typeface="+mn-cs"/>
+              </a:rPr>
+              <a:t> LINQ to Entities is a query language used to write queries against the object model. It returns entities, which are defined in the conceptual model. You can use your LINQ skills here</a:t>
+            </a:r>
+            <a:r>
+              <a:rPr lang="en-US" sz="1100" b="0" i="0" kern="1200" dirty="0" smtClean="0">
+                <a:solidFill>
+                  <a:schemeClr val="tx1"/>
+                </a:solidFill>
+                <a:effectLst/>
+                <a:latin typeface="+mn-lt"/>
+                <a:ea typeface="+mn-ea"/>
+                <a:cs typeface="+mn-cs"/>
+              </a:rPr>
+              <a:t>.</a:t>
             </a:r>
           </a:p>
           <a:p>
             <a:r>
-              <a:rPr lang="en-US" sz="1100" b="1" i="0" kern="1200" smtClean="0">
-                <a:solidFill>
-                  <a:schemeClr val="tx1"/>
-                </a:solidFill>
-                <a:effectLst/>
-                <a:latin typeface="+mn-lt"/>
-                <a:ea typeface="+mn-ea"/>
-                <a:cs typeface="+mn-cs"/>
-              </a:rPr>
-              <a:t>ADO.Net Data Provider:</a:t>
-            </a:r>
-            <a:r>
-              <a:rPr lang="en-US" sz="1100" b="0" i="0" kern="1200" smtClean="0">
-                <a:solidFill>
-                  <a:schemeClr val="tx1"/>
-                </a:solidFill>
-                <a:effectLst/>
-                <a:latin typeface="+mn-lt"/>
-                <a:ea typeface="+mn-ea"/>
-                <a:cs typeface="+mn-cs"/>
-              </a:rPr>
-              <a:t>This layer communicates with the database using standard ADO.Net.</a:t>
+              <a:rPr lang="en-US" sz="1100" b="1" i="0" kern="1200" dirty="0" smtClean="0">
+                <a:solidFill>
+                  <a:schemeClr val="tx1"/>
+                </a:solidFill>
+                <a:effectLst/>
+                <a:latin typeface="+mn-lt"/>
+                <a:ea typeface="+mn-ea"/>
+                <a:cs typeface="+mn-cs"/>
+              </a:rPr>
+              <a:t>LINQ to Entities: </a:t>
+            </a:r>
+            <a:r>
+              <a:rPr lang="en-US" sz="1100" b="0" i="0" kern="1200" baseline="0" dirty="0" err="1" smtClean="0">
+                <a:solidFill>
+                  <a:schemeClr val="tx1"/>
+                </a:solidFill>
+                <a:effectLst/>
+                <a:latin typeface="+mn-lt"/>
+                <a:ea typeface="+mn-ea"/>
+                <a:cs typeface="+mn-cs"/>
+              </a:rPr>
+              <a:t>là</a:t>
+            </a:r>
+            <a:r>
+              <a:rPr lang="en-US" sz="1100" b="0" i="0" kern="1200" baseline="0" dirty="0" smtClean="0">
+                <a:solidFill>
+                  <a:schemeClr val="tx1"/>
+                </a:solidFill>
+                <a:effectLst/>
+                <a:latin typeface="+mn-lt"/>
+                <a:ea typeface="+mn-ea"/>
+                <a:cs typeface="+mn-cs"/>
+              </a:rPr>
+              <a:t> </a:t>
+            </a:r>
+            <a:r>
+              <a:rPr lang="en-US" sz="1100" b="0" i="0" kern="1200" baseline="0" dirty="0" err="1" smtClean="0">
+                <a:solidFill>
+                  <a:schemeClr val="tx1"/>
+                </a:solidFill>
+                <a:effectLst/>
+                <a:latin typeface="+mn-lt"/>
+                <a:ea typeface="+mn-ea"/>
+                <a:cs typeface="+mn-cs"/>
+              </a:rPr>
+              <a:t>ngôn</a:t>
+            </a:r>
+            <a:r>
+              <a:rPr lang="en-US" sz="1100" b="0" i="0" kern="1200" baseline="0" dirty="0" smtClean="0">
+                <a:solidFill>
+                  <a:schemeClr val="tx1"/>
+                </a:solidFill>
+                <a:effectLst/>
+                <a:latin typeface="+mn-lt"/>
+                <a:ea typeface="+mn-ea"/>
+                <a:cs typeface="+mn-cs"/>
+              </a:rPr>
+              <a:t> </a:t>
+            </a:r>
+            <a:r>
+              <a:rPr lang="en-US" sz="1100" b="0" i="0" kern="1200" baseline="0" dirty="0" err="1" smtClean="0">
+                <a:solidFill>
+                  <a:schemeClr val="tx1"/>
+                </a:solidFill>
+                <a:effectLst/>
+                <a:latin typeface="+mn-lt"/>
+                <a:ea typeface="+mn-ea"/>
+                <a:cs typeface="+mn-cs"/>
+              </a:rPr>
+              <a:t>ngữ</a:t>
+            </a:r>
+            <a:r>
+              <a:rPr lang="en-US" sz="1100" b="0" i="0" kern="1200" baseline="0" dirty="0" smtClean="0">
+                <a:solidFill>
+                  <a:schemeClr val="tx1"/>
+                </a:solidFill>
+                <a:effectLst/>
+                <a:latin typeface="+mn-lt"/>
+                <a:ea typeface="+mn-ea"/>
+                <a:cs typeface="+mn-cs"/>
+              </a:rPr>
+              <a:t> </a:t>
+            </a:r>
+            <a:r>
+              <a:rPr lang="en-US" sz="1100" b="0" i="0" kern="1200" baseline="0" dirty="0" err="1" smtClean="0">
+                <a:solidFill>
+                  <a:schemeClr val="tx1"/>
+                </a:solidFill>
+                <a:effectLst/>
+                <a:latin typeface="+mn-lt"/>
+                <a:ea typeface="+mn-ea"/>
+                <a:cs typeface="+mn-cs"/>
+              </a:rPr>
+              <a:t>truy</a:t>
+            </a:r>
+            <a:r>
+              <a:rPr lang="en-US" sz="1100" b="0" i="0" kern="1200" baseline="0" dirty="0" smtClean="0">
+                <a:solidFill>
+                  <a:schemeClr val="tx1"/>
+                </a:solidFill>
+                <a:effectLst/>
+                <a:latin typeface="+mn-lt"/>
+                <a:ea typeface="+mn-ea"/>
+                <a:cs typeface="+mn-cs"/>
+              </a:rPr>
+              <a:t> </a:t>
+            </a:r>
+            <a:r>
+              <a:rPr lang="en-US" sz="1100" b="0" i="0" kern="1200" baseline="0" dirty="0" err="1" smtClean="0">
+                <a:solidFill>
+                  <a:schemeClr val="tx1"/>
+                </a:solidFill>
+                <a:effectLst/>
+                <a:latin typeface="+mn-lt"/>
+                <a:ea typeface="+mn-ea"/>
+                <a:cs typeface="+mn-cs"/>
+              </a:rPr>
+              <a:t>vấn</a:t>
+            </a:r>
+            <a:r>
+              <a:rPr lang="en-US" sz="1100" b="0" i="0" kern="1200" baseline="0" dirty="0" smtClean="0">
+                <a:solidFill>
+                  <a:schemeClr val="tx1"/>
+                </a:solidFill>
+                <a:effectLst/>
+                <a:latin typeface="+mn-lt"/>
+                <a:ea typeface="+mn-ea"/>
+                <a:cs typeface="+mn-cs"/>
+              </a:rPr>
+              <a:t> </a:t>
+            </a:r>
+            <a:r>
+              <a:rPr lang="en-US" sz="1100" b="0" i="0" kern="1200" baseline="0" dirty="0" err="1" smtClean="0">
+                <a:solidFill>
+                  <a:schemeClr val="tx1"/>
+                </a:solidFill>
+                <a:effectLst/>
+                <a:latin typeface="+mn-lt"/>
+                <a:ea typeface="+mn-ea"/>
+                <a:cs typeface="+mn-cs"/>
+              </a:rPr>
+              <a:t>được</a:t>
+            </a:r>
+            <a:r>
+              <a:rPr lang="en-US" sz="1100" b="0" i="0" kern="1200" baseline="0" dirty="0" smtClean="0">
+                <a:solidFill>
+                  <a:schemeClr val="tx1"/>
+                </a:solidFill>
+                <a:effectLst/>
+                <a:latin typeface="+mn-lt"/>
+                <a:ea typeface="+mn-ea"/>
+                <a:cs typeface="+mn-cs"/>
+              </a:rPr>
+              <a:t> </a:t>
+            </a:r>
+            <a:r>
+              <a:rPr lang="en-US" sz="1100" b="0" i="0" kern="1200" baseline="0" dirty="0" err="1" smtClean="0">
+                <a:solidFill>
+                  <a:schemeClr val="tx1"/>
+                </a:solidFill>
+                <a:effectLst/>
+                <a:latin typeface="+mn-lt"/>
+                <a:ea typeface="+mn-ea"/>
+                <a:cs typeface="+mn-cs"/>
+              </a:rPr>
+              <a:t>sử</a:t>
+            </a:r>
+            <a:r>
+              <a:rPr lang="en-US" sz="1100" b="0" i="0" kern="1200" baseline="0" dirty="0" smtClean="0">
+                <a:solidFill>
+                  <a:schemeClr val="tx1"/>
+                </a:solidFill>
+                <a:effectLst/>
+                <a:latin typeface="+mn-lt"/>
+                <a:ea typeface="+mn-ea"/>
+                <a:cs typeface="+mn-cs"/>
+              </a:rPr>
+              <a:t> </a:t>
+            </a:r>
+            <a:r>
+              <a:rPr lang="en-US" sz="1100" b="0" i="0" kern="1200" baseline="0" dirty="0" err="1" smtClean="0">
+                <a:solidFill>
+                  <a:schemeClr val="tx1"/>
+                </a:solidFill>
+                <a:effectLst/>
+                <a:latin typeface="+mn-lt"/>
+                <a:ea typeface="+mn-ea"/>
+                <a:cs typeface="+mn-cs"/>
+              </a:rPr>
+              <a:t>dụng</a:t>
+            </a:r>
+            <a:r>
+              <a:rPr lang="en-US" sz="1100" b="0" i="0" kern="1200" baseline="0" dirty="0" smtClean="0">
+                <a:solidFill>
+                  <a:schemeClr val="tx1"/>
+                </a:solidFill>
+                <a:effectLst/>
+                <a:latin typeface="+mn-lt"/>
+                <a:ea typeface="+mn-ea"/>
+                <a:cs typeface="+mn-cs"/>
+              </a:rPr>
+              <a:t> </a:t>
+            </a:r>
+            <a:r>
+              <a:rPr lang="en-US" sz="1100" b="0" i="0" kern="1200" baseline="0" dirty="0" err="1" smtClean="0">
+                <a:solidFill>
+                  <a:schemeClr val="tx1"/>
+                </a:solidFill>
+                <a:effectLst/>
+                <a:latin typeface="+mn-lt"/>
+                <a:ea typeface="+mn-ea"/>
+                <a:cs typeface="+mn-cs"/>
+              </a:rPr>
+              <a:t>để</a:t>
+            </a:r>
+            <a:r>
+              <a:rPr lang="en-US" sz="1100" b="0" i="0" kern="1200" baseline="0" dirty="0" smtClean="0">
+                <a:solidFill>
+                  <a:schemeClr val="tx1"/>
+                </a:solidFill>
+                <a:effectLst/>
+                <a:latin typeface="+mn-lt"/>
+                <a:ea typeface="+mn-ea"/>
+                <a:cs typeface="+mn-cs"/>
+              </a:rPr>
+              <a:t> </a:t>
+            </a:r>
+            <a:r>
+              <a:rPr lang="en-US" sz="1100" b="0" i="0" kern="1200" baseline="0" dirty="0" err="1" smtClean="0">
+                <a:solidFill>
+                  <a:schemeClr val="tx1"/>
+                </a:solidFill>
+                <a:effectLst/>
+                <a:latin typeface="+mn-lt"/>
+                <a:ea typeface="+mn-ea"/>
+                <a:cs typeface="+mn-cs"/>
+              </a:rPr>
+              <a:t>truy</a:t>
+            </a:r>
+            <a:r>
+              <a:rPr lang="en-US" sz="1100" b="0" i="0" kern="1200" baseline="0" dirty="0" smtClean="0">
+                <a:solidFill>
+                  <a:schemeClr val="tx1"/>
+                </a:solidFill>
+                <a:effectLst/>
+                <a:latin typeface="+mn-lt"/>
+                <a:ea typeface="+mn-ea"/>
+                <a:cs typeface="+mn-cs"/>
+              </a:rPr>
+              <a:t> </a:t>
+            </a:r>
+            <a:r>
+              <a:rPr lang="en-US" sz="1100" b="0" i="0" kern="1200" baseline="0" dirty="0" err="1" smtClean="0">
+                <a:solidFill>
+                  <a:schemeClr val="tx1"/>
+                </a:solidFill>
+                <a:effectLst/>
+                <a:latin typeface="+mn-lt"/>
+                <a:ea typeface="+mn-ea"/>
+                <a:cs typeface="+mn-cs"/>
+              </a:rPr>
+              <a:t>vấn</a:t>
+            </a:r>
+            <a:r>
+              <a:rPr lang="en-US" sz="1100" b="0" i="0" kern="1200" baseline="0" dirty="0" smtClean="0">
+                <a:solidFill>
+                  <a:schemeClr val="tx1"/>
+                </a:solidFill>
+                <a:effectLst/>
+                <a:latin typeface="+mn-lt"/>
+                <a:ea typeface="+mn-ea"/>
+                <a:cs typeface="+mn-cs"/>
+              </a:rPr>
+              <a:t> </a:t>
+            </a:r>
+            <a:r>
+              <a:rPr lang="en-US" sz="1100" b="0" i="0" kern="1200" baseline="0" dirty="0" err="1" smtClean="0">
+                <a:solidFill>
+                  <a:schemeClr val="tx1"/>
+                </a:solidFill>
+                <a:effectLst/>
+                <a:latin typeface="+mn-lt"/>
+                <a:ea typeface="+mn-ea"/>
+                <a:cs typeface="+mn-cs"/>
+              </a:rPr>
+              <a:t>các</a:t>
+            </a:r>
+            <a:r>
+              <a:rPr lang="en-US" sz="1100" b="0" i="0" kern="1200" baseline="0" dirty="0" smtClean="0">
+                <a:solidFill>
+                  <a:schemeClr val="tx1"/>
+                </a:solidFill>
+                <a:effectLst/>
+                <a:latin typeface="+mn-lt"/>
+                <a:ea typeface="+mn-ea"/>
+                <a:cs typeface="+mn-cs"/>
+              </a:rPr>
+              <a:t> model. </a:t>
+            </a:r>
+            <a:r>
+              <a:rPr lang="en-US" sz="1100" b="0" i="0" kern="1200" baseline="0" dirty="0" err="1" smtClean="0">
+                <a:solidFill>
+                  <a:schemeClr val="tx1"/>
+                </a:solidFill>
+                <a:effectLst/>
+                <a:latin typeface="+mn-lt"/>
+                <a:ea typeface="+mn-ea"/>
+                <a:cs typeface="+mn-cs"/>
+              </a:rPr>
+              <a:t>Trả</a:t>
+            </a:r>
+            <a:r>
+              <a:rPr lang="en-US" sz="1100" b="0" i="0" kern="1200" baseline="0" dirty="0" smtClean="0">
+                <a:solidFill>
+                  <a:schemeClr val="tx1"/>
+                </a:solidFill>
+                <a:effectLst/>
+                <a:latin typeface="+mn-lt"/>
+                <a:ea typeface="+mn-ea"/>
+                <a:cs typeface="+mn-cs"/>
+              </a:rPr>
+              <a:t> </a:t>
+            </a:r>
+            <a:r>
+              <a:rPr lang="en-US" sz="1100" b="0" i="0" kern="1200" baseline="0" dirty="0" err="1" smtClean="0">
+                <a:solidFill>
+                  <a:schemeClr val="tx1"/>
+                </a:solidFill>
+                <a:effectLst/>
+                <a:latin typeface="+mn-lt"/>
+                <a:ea typeface="+mn-ea"/>
+                <a:cs typeface="+mn-cs"/>
+              </a:rPr>
+              <a:t>về</a:t>
+            </a:r>
+            <a:r>
+              <a:rPr lang="en-US" sz="1100" b="0" i="0" kern="1200" baseline="0" dirty="0" smtClean="0">
+                <a:solidFill>
+                  <a:schemeClr val="tx1"/>
+                </a:solidFill>
+                <a:effectLst/>
+                <a:latin typeface="+mn-lt"/>
+                <a:ea typeface="+mn-ea"/>
+                <a:cs typeface="+mn-cs"/>
+              </a:rPr>
+              <a:t> </a:t>
+            </a:r>
+            <a:r>
+              <a:rPr lang="en-US" sz="1100" b="0" i="0" kern="1200" baseline="0" dirty="0" err="1" smtClean="0">
+                <a:solidFill>
+                  <a:schemeClr val="tx1"/>
+                </a:solidFill>
+                <a:effectLst/>
+                <a:latin typeface="+mn-lt"/>
+                <a:ea typeface="+mn-ea"/>
+                <a:cs typeface="+mn-cs"/>
+              </a:rPr>
+              <a:t>các</a:t>
+            </a:r>
+            <a:r>
+              <a:rPr lang="en-US" sz="1100" b="0" i="0" kern="1200" baseline="0" dirty="0" smtClean="0">
+                <a:solidFill>
+                  <a:schemeClr val="tx1"/>
+                </a:solidFill>
+                <a:effectLst/>
+                <a:latin typeface="+mn-lt"/>
+                <a:ea typeface="+mn-ea"/>
+                <a:cs typeface="+mn-cs"/>
+              </a:rPr>
+              <a:t> </a:t>
+            </a:r>
+            <a:r>
+              <a:rPr lang="en-US" sz="1100" b="0" i="0" kern="1200" baseline="0" dirty="0" err="1" smtClean="0">
+                <a:solidFill>
+                  <a:schemeClr val="tx1"/>
+                </a:solidFill>
+                <a:effectLst/>
+                <a:latin typeface="+mn-lt"/>
+                <a:ea typeface="+mn-ea"/>
+                <a:cs typeface="+mn-cs"/>
+              </a:rPr>
+              <a:t>thực</a:t>
+            </a:r>
+            <a:r>
+              <a:rPr lang="en-US" sz="1100" b="0" i="0" kern="1200" baseline="0" dirty="0" smtClean="0">
+                <a:solidFill>
+                  <a:schemeClr val="tx1"/>
+                </a:solidFill>
+                <a:effectLst/>
+                <a:latin typeface="+mn-lt"/>
+                <a:ea typeface="+mn-ea"/>
+                <a:cs typeface="+mn-cs"/>
+              </a:rPr>
+              <a:t> </a:t>
+            </a:r>
+            <a:r>
+              <a:rPr lang="en-US" sz="1100" b="0" i="0" kern="1200" baseline="0" dirty="0" err="1" smtClean="0">
+                <a:solidFill>
+                  <a:schemeClr val="tx1"/>
+                </a:solidFill>
+                <a:effectLst/>
+                <a:latin typeface="+mn-lt"/>
+                <a:ea typeface="+mn-ea"/>
+                <a:cs typeface="+mn-cs"/>
+              </a:rPr>
+              <a:t>thể</a:t>
+            </a:r>
+            <a:r>
+              <a:rPr lang="en-US" sz="1100" b="0" i="0" kern="1200" baseline="0" dirty="0" smtClean="0">
+                <a:solidFill>
+                  <a:schemeClr val="tx1"/>
+                </a:solidFill>
+                <a:effectLst/>
+                <a:latin typeface="+mn-lt"/>
+                <a:ea typeface="+mn-ea"/>
+                <a:cs typeface="+mn-cs"/>
+              </a:rPr>
+              <a:t> </a:t>
+            </a:r>
+            <a:r>
+              <a:rPr lang="en-US" sz="1100" b="0" i="0" kern="1200" baseline="0" dirty="0" err="1" smtClean="0">
+                <a:solidFill>
+                  <a:schemeClr val="tx1"/>
+                </a:solidFill>
+                <a:effectLst/>
+                <a:latin typeface="+mn-lt"/>
+                <a:ea typeface="+mn-ea"/>
+                <a:cs typeface="+mn-cs"/>
+              </a:rPr>
+              <a:t>được</a:t>
+            </a:r>
+            <a:r>
+              <a:rPr lang="en-US" sz="1100" b="0" i="0" kern="1200" baseline="0" dirty="0" smtClean="0">
+                <a:solidFill>
+                  <a:schemeClr val="tx1"/>
+                </a:solidFill>
+                <a:effectLst/>
+                <a:latin typeface="+mn-lt"/>
+                <a:ea typeface="+mn-ea"/>
+                <a:cs typeface="+mn-cs"/>
+              </a:rPr>
+              <a:t> </a:t>
+            </a:r>
+            <a:r>
+              <a:rPr lang="en-US" sz="1100" b="0" i="0" kern="1200" baseline="0" dirty="0" err="1" smtClean="0">
+                <a:solidFill>
+                  <a:schemeClr val="tx1"/>
+                </a:solidFill>
+                <a:effectLst/>
+                <a:latin typeface="+mn-lt"/>
+                <a:ea typeface="+mn-ea"/>
+                <a:cs typeface="+mn-cs"/>
+              </a:rPr>
+              <a:t>định</a:t>
+            </a:r>
+            <a:r>
+              <a:rPr lang="en-US" sz="1100" b="0" i="0" kern="1200" baseline="0" dirty="0" smtClean="0">
+                <a:solidFill>
+                  <a:schemeClr val="tx1"/>
+                </a:solidFill>
+                <a:effectLst/>
+                <a:latin typeface="+mn-lt"/>
+                <a:ea typeface="+mn-ea"/>
+                <a:cs typeface="+mn-cs"/>
+              </a:rPr>
+              <a:t> </a:t>
+            </a:r>
+            <a:r>
+              <a:rPr lang="en-US" sz="1100" b="0" i="0" kern="1200" baseline="0" dirty="0" err="1" smtClean="0">
+                <a:solidFill>
+                  <a:schemeClr val="tx1"/>
+                </a:solidFill>
+                <a:effectLst/>
+                <a:latin typeface="+mn-lt"/>
+                <a:ea typeface="+mn-ea"/>
+                <a:cs typeface="+mn-cs"/>
+              </a:rPr>
+              <a:t>nghĩa</a:t>
+            </a:r>
+            <a:r>
+              <a:rPr lang="en-US" sz="1100" b="0" i="0" kern="1200" baseline="0" dirty="0" smtClean="0">
+                <a:solidFill>
+                  <a:schemeClr val="tx1"/>
+                </a:solidFill>
+                <a:effectLst/>
+                <a:latin typeface="+mn-lt"/>
+                <a:ea typeface="+mn-ea"/>
+                <a:cs typeface="+mn-cs"/>
+              </a:rPr>
+              <a:t> </a:t>
+            </a:r>
+            <a:r>
+              <a:rPr lang="en-US" sz="1100" b="0" i="0" kern="1200" baseline="0" dirty="0" err="1" smtClean="0">
+                <a:solidFill>
+                  <a:schemeClr val="tx1"/>
+                </a:solidFill>
+                <a:effectLst/>
+                <a:latin typeface="+mn-lt"/>
+                <a:ea typeface="+mn-ea"/>
+                <a:cs typeface="+mn-cs"/>
+              </a:rPr>
+              <a:t>ở</a:t>
+            </a:r>
+            <a:r>
+              <a:rPr lang="en-US" sz="1100" b="0" i="0" kern="1200" baseline="0" dirty="0" smtClean="0">
+                <a:solidFill>
+                  <a:schemeClr val="tx1"/>
+                </a:solidFill>
+                <a:effectLst/>
+                <a:latin typeface="+mn-lt"/>
+                <a:ea typeface="+mn-ea"/>
+                <a:cs typeface="+mn-cs"/>
+              </a:rPr>
+              <a:t> Conceptual Model. </a:t>
             </a:r>
           </a:p>
           <a:p>
-            <a:endParaRPr lang="en-US" smtClean="0"/>
+            <a:endParaRPr lang="en-US" sz="1100" b="0" i="0" kern="1200" dirty="0" smtClean="0">
+              <a:solidFill>
+                <a:schemeClr val="tx1"/>
+              </a:solidFill>
+              <a:effectLst/>
+              <a:latin typeface="+mn-lt"/>
+              <a:ea typeface="+mn-ea"/>
+              <a:cs typeface="+mn-cs"/>
+            </a:endParaRPr>
+          </a:p>
+          <a:p>
+            <a:r>
+              <a:rPr lang="en-US" sz="1100" b="1" i="0" kern="1200" dirty="0" smtClean="0">
+                <a:solidFill>
+                  <a:schemeClr val="tx1"/>
+                </a:solidFill>
+                <a:effectLst/>
+                <a:latin typeface="+mn-lt"/>
+                <a:ea typeface="+mn-ea"/>
+                <a:cs typeface="+mn-cs"/>
+              </a:rPr>
+              <a:t>Entity SQL:</a:t>
+            </a:r>
+            <a:r>
+              <a:rPr lang="en-US" sz="1100" b="0" i="0" kern="1200" dirty="0" smtClean="0">
+                <a:solidFill>
+                  <a:schemeClr val="tx1"/>
+                </a:solidFill>
+                <a:effectLst/>
+                <a:latin typeface="+mn-lt"/>
+                <a:ea typeface="+mn-ea"/>
+                <a:cs typeface="+mn-cs"/>
+              </a:rPr>
+              <a:t> Entity SQL is another query language just like LINQ to Entities. However, it is a little more difficult than L2E and the developer will have to learn it separately</a:t>
+            </a:r>
+            <a:r>
+              <a:rPr lang="en-US" sz="1100" b="0" i="0" kern="1200" dirty="0" smtClean="0">
+                <a:solidFill>
+                  <a:schemeClr val="tx1"/>
+                </a:solidFill>
+                <a:effectLst/>
+                <a:latin typeface="+mn-lt"/>
+                <a:ea typeface="+mn-ea"/>
+                <a:cs typeface="+mn-cs"/>
+              </a:rPr>
+              <a:t>.</a:t>
+            </a:r>
+          </a:p>
+          <a:p>
+            <a:r>
+              <a:rPr lang="en-US" sz="1100" b="1" i="0" kern="1200" dirty="0" smtClean="0">
+                <a:solidFill>
+                  <a:schemeClr val="tx1"/>
+                </a:solidFill>
+                <a:effectLst/>
+                <a:latin typeface="+mn-lt"/>
+                <a:ea typeface="+mn-ea"/>
+                <a:cs typeface="+mn-cs"/>
+              </a:rPr>
+              <a:t>Entity SQL: </a:t>
+            </a:r>
+            <a:r>
+              <a:rPr lang="en-US" sz="1100" b="0" i="0" kern="1200" dirty="0" err="1" smtClean="0">
+                <a:solidFill>
+                  <a:schemeClr val="tx1"/>
+                </a:solidFill>
+                <a:effectLst/>
+                <a:latin typeface="+mn-lt"/>
+                <a:ea typeface="+mn-ea"/>
+                <a:cs typeface="+mn-cs"/>
+              </a:rPr>
+              <a:t>là</a:t>
+            </a:r>
+            <a:r>
+              <a:rPr lang="en-US" sz="1100" b="0" i="0" kern="1200" dirty="0" smtClean="0">
+                <a:solidFill>
+                  <a:schemeClr val="tx1"/>
+                </a:solidFill>
+                <a:effectLst/>
+                <a:latin typeface="+mn-lt"/>
+                <a:ea typeface="+mn-ea"/>
+                <a:cs typeface="+mn-cs"/>
+              </a:rPr>
+              <a:t> </a:t>
+            </a:r>
+            <a:r>
+              <a:rPr lang="en-US" sz="1100" b="0" i="0" kern="1200" dirty="0" err="1" smtClean="0">
+                <a:solidFill>
+                  <a:schemeClr val="tx1"/>
+                </a:solidFill>
+                <a:effectLst/>
+                <a:latin typeface="+mn-lt"/>
+                <a:ea typeface="+mn-ea"/>
+                <a:cs typeface="+mn-cs"/>
+              </a:rPr>
+              <a:t>ngôn</a:t>
+            </a:r>
+            <a:r>
+              <a:rPr lang="en-US" sz="1100" b="0" i="0" kern="1200" dirty="0" smtClean="0">
+                <a:solidFill>
+                  <a:schemeClr val="tx1"/>
+                </a:solidFill>
+                <a:effectLst/>
+                <a:latin typeface="+mn-lt"/>
+                <a:ea typeface="+mn-ea"/>
+                <a:cs typeface="+mn-cs"/>
+              </a:rPr>
+              <a:t> </a:t>
+            </a:r>
+            <a:r>
+              <a:rPr lang="en-US" sz="1100" b="0" i="0" kern="1200" dirty="0" err="1" smtClean="0">
+                <a:solidFill>
+                  <a:schemeClr val="tx1"/>
+                </a:solidFill>
+                <a:effectLst/>
+                <a:latin typeface="+mn-lt"/>
+                <a:ea typeface="+mn-ea"/>
+                <a:cs typeface="+mn-cs"/>
+              </a:rPr>
+              <a:t>ngữ</a:t>
+            </a:r>
+            <a:r>
+              <a:rPr lang="en-US" sz="1100" b="0" i="0" kern="1200" dirty="0" smtClean="0">
+                <a:solidFill>
+                  <a:schemeClr val="tx1"/>
+                </a:solidFill>
+                <a:effectLst/>
+                <a:latin typeface="+mn-lt"/>
+                <a:ea typeface="+mn-ea"/>
+                <a:cs typeface="+mn-cs"/>
+              </a:rPr>
+              <a:t> </a:t>
+            </a:r>
+            <a:r>
+              <a:rPr lang="en-US" sz="1100" b="0" i="0" kern="1200" dirty="0" err="1" smtClean="0">
+                <a:solidFill>
+                  <a:schemeClr val="tx1"/>
+                </a:solidFill>
+                <a:effectLst/>
+                <a:latin typeface="+mn-lt"/>
+                <a:ea typeface="+mn-ea"/>
+                <a:cs typeface="+mn-cs"/>
+              </a:rPr>
+              <a:t>truy</a:t>
+            </a:r>
+            <a:r>
+              <a:rPr lang="en-US" sz="1100" b="0" i="0" kern="1200" dirty="0" smtClean="0">
+                <a:solidFill>
+                  <a:schemeClr val="tx1"/>
+                </a:solidFill>
+                <a:effectLst/>
+                <a:latin typeface="+mn-lt"/>
+                <a:ea typeface="+mn-ea"/>
+                <a:cs typeface="+mn-cs"/>
+              </a:rPr>
+              <a:t> </a:t>
+            </a:r>
+            <a:r>
+              <a:rPr lang="en-US" sz="1100" b="0" i="0" kern="1200" dirty="0" err="1" smtClean="0">
+                <a:solidFill>
+                  <a:schemeClr val="tx1"/>
+                </a:solidFill>
+                <a:effectLst/>
+                <a:latin typeface="+mn-lt"/>
+                <a:ea typeface="+mn-ea"/>
+                <a:cs typeface="+mn-cs"/>
+              </a:rPr>
+              <a:t>vấn</a:t>
+            </a:r>
+            <a:r>
+              <a:rPr lang="en-US" sz="1100" b="0" i="0" kern="1200" dirty="0" smtClean="0">
+                <a:solidFill>
+                  <a:schemeClr val="tx1"/>
+                </a:solidFill>
+                <a:effectLst/>
+                <a:latin typeface="+mn-lt"/>
+                <a:ea typeface="+mn-ea"/>
+                <a:cs typeface="+mn-cs"/>
+              </a:rPr>
+              <a:t> </a:t>
+            </a:r>
+            <a:r>
+              <a:rPr lang="en-US" sz="1100" b="0" i="0" kern="1200" dirty="0" err="1" smtClean="0">
+                <a:solidFill>
+                  <a:schemeClr val="tx1"/>
+                </a:solidFill>
+                <a:effectLst/>
+                <a:latin typeface="+mn-lt"/>
+                <a:ea typeface="+mn-ea"/>
+                <a:cs typeface="+mn-cs"/>
+              </a:rPr>
+              <a:t>giống</a:t>
+            </a:r>
+            <a:r>
+              <a:rPr lang="en-US" sz="1100" b="0" i="0" kern="1200" dirty="0" smtClean="0">
+                <a:solidFill>
+                  <a:schemeClr val="tx1"/>
+                </a:solidFill>
+                <a:effectLst/>
+                <a:latin typeface="+mn-lt"/>
+                <a:ea typeface="+mn-ea"/>
+                <a:cs typeface="+mn-cs"/>
+              </a:rPr>
+              <a:t> </a:t>
+            </a:r>
+            <a:r>
+              <a:rPr lang="en-US" sz="1100" b="0" i="0" kern="1200" dirty="0" err="1" smtClean="0">
+                <a:solidFill>
+                  <a:schemeClr val="tx1"/>
+                </a:solidFill>
+                <a:effectLst/>
+                <a:latin typeface="+mn-lt"/>
+                <a:ea typeface="+mn-ea"/>
+                <a:cs typeface="+mn-cs"/>
+              </a:rPr>
+              <a:t>như</a:t>
+            </a:r>
+            <a:r>
+              <a:rPr lang="en-US" sz="1100" b="0" i="0" kern="1200" dirty="0" smtClean="0">
+                <a:solidFill>
+                  <a:schemeClr val="tx1"/>
+                </a:solidFill>
+                <a:effectLst/>
+                <a:latin typeface="+mn-lt"/>
+                <a:ea typeface="+mn-ea"/>
+                <a:cs typeface="+mn-cs"/>
+              </a:rPr>
+              <a:t> LINQ. </a:t>
+            </a:r>
+            <a:r>
+              <a:rPr lang="en-US" sz="1100" b="0" i="0" kern="1200" dirty="0" err="1" smtClean="0">
+                <a:solidFill>
+                  <a:schemeClr val="tx1"/>
+                </a:solidFill>
+                <a:effectLst/>
+                <a:latin typeface="+mn-lt"/>
+                <a:ea typeface="+mn-ea"/>
+                <a:cs typeface="+mn-cs"/>
+              </a:rPr>
+              <a:t>Tuy</a:t>
+            </a:r>
+            <a:r>
+              <a:rPr lang="en-US" sz="1100" b="0" i="0" kern="1200" dirty="0" smtClean="0">
+                <a:solidFill>
+                  <a:schemeClr val="tx1"/>
+                </a:solidFill>
+                <a:effectLst/>
+                <a:latin typeface="+mn-lt"/>
+                <a:ea typeface="+mn-ea"/>
+                <a:cs typeface="+mn-cs"/>
+              </a:rPr>
+              <a:t> </a:t>
+            </a:r>
+            <a:r>
+              <a:rPr lang="en-US" sz="1100" b="0" i="0" kern="1200" dirty="0" err="1" smtClean="0">
+                <a:solidFill>
+                  <a:schemeClr val="tx1"/>
+                </a:solidFill>
+                <a:effectLst/>
+                <a:latin typeface="+mn-lt"/>
+                <a:ea typeface="+mn-ea"/>
+                <a:cs typeface="+mn-cs"/>
+              </a:rPr>
+              <a:t>nhiên</a:t>
+            </a:r>
+            <a:r>
+              <a:rPr lang="en-US" sz="1100" b="0" i="0" kern="1200" dirty="0" smtClean="0">
+                <a:solidFill>
+                  <a:schemeClr val="tx1"/>
+                </a:solidFill>
+                <a:effectLst/>
+                <a:latin typeface="+mn-lt"/>
+                <a:ea typeface="+mn-ea"/>
+                <a:cs typeface="+mn-cs"/>
+              </a:rPr>
+              <a:t> </a:t>
+            </a:r>
+            <a:r>
+              <a:rPr lang="en-US" sz="1100" b="0" i="0" kern="1200" dirty="0" err="1" smtClean="0">
+                <a:solidFill>
+                  <a:schemeClr val="tx1"/>
+                </a:solidFill>
+                <a:effectLst/>
+                <a:latin typeface="+mn-lt"/>
+                <a:ea typeface="+mn-ea"/>
+                <a:cs typeface="+mn-cs"/>
+              </a:rPr>
+              <a:t>nó</a:t>
+            </a:r>
+            <a:r>
+              <a:rPr lang="en-US" sz="1100" b="0" i="0" kern="1200" dirty="0" smtClean="0">
+                <a:solidFill>
+                  <a:schemeClr val="tx1"/>
+                </a:solidFill>
+                <a:effectLst/>
+                <a:latin typeface="+mn-lt"/>
+                <a:ea typeface="+mn-ea"/>
+                <a:cs typeface="+mn-cs"/>
+              </a:rPr>
+              <a:t> </a:t>
+            </a:r>
+            <a:r>
+              <a:rPr lang="en-US" sz="1100" b="0" i="0" kern="1200" dirty="0" err="1" smtClean="0">
+                <a:solidFill>
+                  <a:schemeClr val="tx1"/>
+                </a:solidFill>
+                <a:effectLst/>
+                <a:latin typeface="+mn-lt"/>
+                <a:ea typeface="+mn-ea"/>
+                <a:cs typeface="+mn-cs"/>
+              </a:rPr>
+              <a:t>khó</a:t>
+            </a:r>
+            <a:r>
+              <a:rPr lang="en-US" sz="1100" b="0" i="0" kern="1200" dirty="0" smtClean="0">
+                <a:solidFill>
+                  <a:schemeClr val="tx1"/>
+                </a:solidFill>
+                <a:effectLst/>
+                <a:latin typeface="+mn-lt"/>
+                <a:ea typeface="+mn-ea"/>
+                <a:cs typeface="+mn-cs"/>
+              </a:rPr>
+              <a:t> </a:t>
+            </a:r>
+            <a:r>
+              <a:rPr lang="en-US" sz="1100" b="0" i="0" kern="1200" dirty="0" err="1" smtClean="0">
+                <a:solidFill>
+                  <a:schemeClr val="tx1"/>
+                </a:solidFill>
+                <a:effectLst/>
+                <a:latin typeface="+mn-lt"/>
+                <a:ea typeface="+mn-ea"/>
+                <a:cs typeface="+mn-cs"/>
+              </a:rPr>
+              <a:t>hơn</a:t>
+            </a:r>
+            <a:r>
+              <a:rPr lang="en-US" sz="1100" b="0" i="0" kern="1200" dirty="0" smtClean="0">
+                <a:solidFill>
+                  <a:schemeClr val="tx1"/>
+                </a:solidFill>
+                <a:effectLst/>
+                <a:latin typeface="+mn-lt"/>
+                <a:ea typeface="+mn-ea"/>
+                <a:cs typeface="+mn-cs"/>
+              </a:rPr>
+              <a:t> </a:t>
+            </a:r>
+            <a:r>
+              <a:rPr lang="en-US" sz="1100" b="0" i="0" kern="1200" dirty="0" err="1" smtClean="0">
+                <a:solidFill>
+                  <a:schemeClr val="tx1"/>
+                </a:solidFill>
+                <a:effectLst/>
+                <a:latin typeface="+mn-lt"/>
+                <a:ea typeface="+mn-ea"/>
+                <a:cs typeface="+mn-cs"/>
+              </a:rPr>
+              <a:t>một</a:t>
+            </a:r>
+            <a:r>
+              <a:rPr lang="en-US" sz="1100" b="0" i="0" kern="1200" dirty="0" smtClean="0">
+                <a:solidFill>
+                  <a:schemeClr val="tx1"/>
+                </a:solidFill>
+                <a:effectLst/>
+                <a:latin typeface="+mn-lt"/>
+                <a:ea typeface="+mn-ea"/>
+                <a:cs typeface="+mn-cs"/>
+              </a:rPr>
+              <a:t> </a:t>
+            </a:r>
+            <a:r>
+              <a:rPr lang="en-US" sz="1100" b="0" i="0" kern="1200" dirty="0" err="1" smtClean="0">
+                <a:solidFill>
+                  <a:schemeClr val="tx1"/>
+                </a:solidFill>
+                <a:effectLst/>
+                <a:latin typeface="+mn-lt"/>
+                <a:ea typeface="+mn-ea"/>
+                <a:cs typeface="+mn-cs"/>
+              </a:rPr>
+              <a:t>chút</a:t>
+            </a:r>
+            <a:r>
+              <a:rPr lang="en-US" sz="1100" b="0" i="0" kern="1200" dirty="0" smtClean="0">
+                <a:solidFill>
+                  <a:schemeClr val="tx1"/>
+                </a:solidFill>
+                <a:effectLst/>
+                <a:latin typeface="+mn-lt"/>
+                <a:ea typeface="+mn-ea"/>
+                <a:cs typeface="+mn-cs"/>
+              </a:rPr>
+              <a:t>.</a:t>
+            </a:r>
+          </a:p>
+          <a:p>
+            <a:endParaRPr lang="en-US" sz="1100" b="0" i="0" kern="1200" dirty="0" smtClean="0">
+              <a:solidFill>
+                <a:schemeClr val="tx1"/>
+              </a:solidFill>
+              <a:effectLst/>
+              <a:latin typeface="+mn-lt"/>
+              <a:ea typeface="+mn-ea"/>
+              <a:cs typeface="+mn-cs"/>
+            </a:endParaRPr>
+          </a:p>
+          <a:p>
+            <a:r>
+              <a:rPr lang="en-US" sz="1100" b="1" i="0" kern="1200" dirty="0" smtClean="0">
+                <a:solidFill>
+                  <a:schemeClr val="tx1"/>
+                </a:solidFill>
+                <a:effectLst/>
+                <a:latin typeface="+mn-lt"/>
+                <a:ea typeface="+mn-ea"/>
+                <a:cs typeface="+mn-cs"/>
+              </a:rPr>
+              <a:t>Object Service:</a:t>
+            </a:r>
+            <a:r>
+              <a:rPr lang="en-US" sz="1100" b="1" i="0" kern="1200" baseline="0" dirty="0" smtClean="0">
+                <a:solidFill>
+                  <a:schemeClr val="tx1"/>
+                </a:solidFill>
+                <a:effectLst/>
+                <a:latin typeface="+mn-lt"/>
+                <a:ea typeface="+mn-ea"/>
+                <a:cs typeface="+mn-cs"/>
+              </a:rPr>
+              <a:t> </a:t>
+            </a:r>
+            <a:r>
+              <a:rPr lang="en-US" sz="1100" b="0" i="0" kern="1200" dirty="0" err="1" smtClean="0">
+                <a:solidFill>
+                  <a:schemeClr val="tx1"/>
+                </a:solidFill>
+                <a:effectLst/>
+                <a:latin typeface="+mn-lt"/>
+                <a:ea typeface="+mn-ea"/>
+                <a:cs typeface="+mn-cs"/>
+              </a:rPr>
+              <a:t>Đây</a:t>
+            </a:r>
+            <a:r>
+              <a:rPr lang="en-US" sz="1100" b="0" i="0" kern="1200" dirty="0" smtClean="0">
+                <a:solidFill>
+                  <a:schemeClr val="tx1"/>
+                </a:solidFill>
+                <a:effectLst/>
+                <a:latin typeface="+mn-lt"/>
+                <a:ea typeface="+mn-ea"/>
+                <a:cs typeface="+mn-cs"/>
+              </a:rPr>
+              <a:t> </a:t>
+            </a:r>
+            <a:r>
+              <a:rPr lang="en-US" sz="1100" b="0" i="0" kern="1200" dirty="0" err="1" smtClean="0">
+                <a:solidFill>
+                  <a:schemeClr val="tx1"/>
+                </a:solidFill>
+                <a:effectLst/>
+                <a:latin typeface="+mn-lt"/>
+                <a:ea typeface="+mn-ea"/>
+                <a:cs typeface="+mn-cs"/>
+              </a:rPr>
+              <a:t>là</a:t>
+            </a:r>
+            <a:r>
+              <a:rPr lang="en-US" sz="1100" b="0" i="0" kern="1200" dirty="0" smtClean="0">
+                <a:solidFill>
+                  <a:schemeClr val="tx1"/>
+                </a:solidFill>
+                <a:effectLst/>
+                <a:latin typeface="+mn-lt"/>
+                <a:ea typeface="+mn-ea"/>
+                <a:cs typeface="+mn-cs"/>
+              </a:rPr>
+              <a:t> </a:t>
+            </a:r>
+            <a:r>
+              <a:rPr lang="en-US" sz="1100" b="0" i="0" kern="1200" dirty="0" err="1" smtClean="0">
+                <a:solidFill>
+                  <a:schemeClr val="tx1"/>
+                </a:solidFill>
+                <a:effectLst/>
+                <a:latin typeface="+mn-lt"/>
+                <a:ea typeface="+mn-ea"/>
+                <a:cs typeface="+mn-cs"/>
+              </a:rPr>
+              <a:t>các</a:t>
+            </a:r>
+            <a:r>
+              <a:rPr lang="en-US" sz="1100" b="0" i="0" kern="1200" dirty="0" smtClean="0">
+                <a:solidFill>
+                  <a:schemeClr val="tx1"/>
+                </a:solidFill>
+                <a:effectLst/>
+                <a:latin typeface="+mn-lt"/>
+                <a:ea typeface="+mn-ea"/>
+                <a:cs typeface="+mn-cs"/>
+              </a:rPr>
+              <a:t> class </a:t>
+            </a:r>
+            <a:r>
+              <a:rPr lang="en-US" sz="1100" b="0" i="0" kern="1200" dirty="0" err="1" smtClean="0">
+                <a:solidFill>
+                  <a:schemeClr val="tx1"/>
+                </a:solidFill>
+                <a:effectLst/>
+                <a:latin typeface="+mn-lt"/>
+                <a:ea typeface="+mn-ea"/>
+                <a:cs typeface="+mn-cs"/>
+              </a:rPr>
+              <a:t>tự</a:t>
+            </a:r>
+            <a:r>
+              <a:rPr lang="en-US" sz="1100" b="0" i="0" kern="1200" dirty="0" smtClean="0">
+                <a:solidFill>
+                  <a:schemeClr val="tx1"/>
+                </a:solidFill>
+                <a:effectLst/>
+                <a:latin typeface="+mn-lt"/>
+                <a:ea typeface="+mn-ea"/>
+                <a:cs typeface="+mn-cs"/>
+              </a:rPr>
+              <a:t> </a:t>
+            </a:r>
+            <a:r>
+              <a:rPr lang="en-US" sz="1100" b="0" i="0" kern="1200" dirty="0" err="1" smtClean="0">
+                <a:solidFill>
+                  <a:schemeClr val="tx1"/>
+                </a:solidFill>
+                <a:effectLst/>
+                <a:latin typeface="+mn-lt"/>
+                <a:ea typeface="+mn-ea"/>
+                <a:cs typeface="+mn-cs"/>
+              </a:rPr>
+              <a:t>động</a:t>
+            </a:r>
+            <a:r>
+              <a:rPr lang="en-US" sz="1100" b="0" i="0" kern="1200" dirty="0" smtClean="0">
+                <a:solidFill>
+                  <a:schemeClr val="tx1"/>
+                </a:solidFill>
+                <a:effectLst/>
+                <a:latin typeface="+mn-lt"/>
+                <a:ea typeface="+mn-ea"/>
+                <a:cs typeface="+mn-cs"/>
+              </a:rPr>
+              <a:t> </a:t>
+            </a:r>
+            <a:r>
+              <a:rPr lang="en-US" sz="1100" b="0" i="0" kern="1200" dirty="0" err="1" smtClean="0">
+                <a:solidFill>
+                  <a:schemeClr val="tx1"/>
+                </a:solidFill>
+                <a:effectLst/>
+                <a:latin typeface="+mn-lt"/>
+                <a:ea typeface="+mn-ea"/>
+                <a:cs typeface="+mn-cs"/>
+              </a:rPr>
+              <a:t>sinh</a:t>
+            </a:r>
+            <a:r>
+              <a:rPr lang="en-US" sz="1100" b="0" i="0" kern="1200" dirty="0" smtClean="0">
+                <a:solidFill>
+                  <a:schemeClr val="tx1"/>
+                </a:solidFill>
+                <a:effectLst/>
+                <a:latin typeface="+mn-lt"/>
+                <a:ea typeface="+mn-ea"/>
+                <a:cs typeface="+mn-cs"/>
+              </a:rPr>
+              <a:t> </a:t>
+            </a:r>
+            <a:r>
+              <a:rPr lang="en-US" sz="1100" b="0" i="0" kern="1200" dirty="0" err="1" smtClean="0">
+                <a:solidFill>
+                  <a:schemeClr val="tx1"/>
+                </a:solidFill>
+                <a:effectLst/>
+                <a:latin typeface="+mn-lt"/>
+                <a:ea typeface="+mn-ea"/>
+                <a:cs typeface="+mn-cs"/>
+              </a:rPr>
+              <a:t>ra</a:t>
+            </a:r>
+            <a:r>
+              <a:rPr lang="en-US" sz="1100" b="0" i="0" kern="1200" dirty="0" smtClean="0">
+                <a:solidFill>
+                  <a:schemeClr val="tx1"/>
+                </a:solidFill>
+                <a:effectLst/>
+                <a:latin typeface="+mn-lt"/>
+                <a:ea typeface="+mn-ea"/>
+                <a:cs typeface="+mn-cs"/>
+              </a:rPr>
+              <a:t> </a:t>
+            </a:r>
+            <a:r>
+              <a:rPr lang="en-US" sz="1100" b="0" i="0" kern="1200" dirty="0" err="1" smtClean="0">
+                <a:solidFill>
+                  <a:schemeClr val="tx1"/>
+                </a:solidFill>
+                <a:effectLst/>
+                <a:latin typeface="+mn-lt"/>
+                <a:ea typeface="+mn-ea"/>
+                <a:cs typeface="+mn-cs"/>
+              </a:rPr>
+              <a:t>tương</a:t>
+            </a:r>
+            <a:r>
+              <a:rPr lang="en-US" sz="1100" b="0" i="0" kern="1200" dirty="0" smtClean="0">
+                <a:solidFill>
+                  <a:schemeClr val="tx1"/>
+                </a:solidFill>
+                <a:effectLst/>
+                <a:latin typeface="+mn-lt"/>
+                <a:ea typeface="+mn-ea"/>
+                <a:cs typeface="+mn-cs"/>
+              </a:rPr>
+              <a:t> </a:t>
+            </a:r>
+            <a:r>
+              <a:rPr lang="en-US" sz="1100" b="0" i="0" kern="1200" dirty="0" err="1" smtClean="0">
+                <a:solidFill>
+                  <a:schemeClr val="tx1"/>
+                </a:solidFill>
+                <a:effectLst/>
+                <a:latin typeface="+mn-lt"/>
+                <a:ea typeface="+mn-ea"/>
+                <a:cs typeface="+mn-cs"/>
+              </a:rPr>
+              <a:t>ứng</a:t>
+            </a:r>
+            <a:r>
+              <a:rPr lang="en-US" sz="1100" b="0" i="0" kern="1200" dirty="0" smtClean="0">
+                <a:solidFill>
+                  <a:schemeClr val="tx1"/>
+                </a:solidFill>
+                <a:effectLst/>
+                <a:latin typeface="+mn-lt"/>
+                <a:ea typeface="+mn-ea"/>
+                <a:cs typeface="+mn-cs"/>
+              </a:rPr>
+              <a:t> </a:t>
+            </a:r>
+            <a:r>
+              <a:rPr lang="en-US" sz="1100" b="0" i="0" kern="1200" dirty="0" err="1" smtClean="0">
+                <a:solidFill>
+                  <a:schemeClr val="tx1"/>
+                </a:solidFill>
+                <a:effectLst/>
+                <a:latin typeface="+mn-lt"/>
+                <a:ea typeface="+mn-ea"/>
+                <a:cs typeface="+mn-cs"/>
+              </a:rPr>
+              <a:t>với</a:t>
+            </a:r>
+            <a:r>
+              <a:rPr lang="en-US" sz="1100" b="0" i="0" kern="1200" dirty="0" smtClean="0">
+                <a:solidFill>
+                  <a:schemeClr val="tx1"/>
+                </a:solidFill>
+                <a:effectLst/>
+                <a:latin typeface="+mn-lt"/>
+                <a:ea typeface="+mn-ea"/>
+                <a:cs typeface="+mn-cs"/>
+              </a:rPr>
+              <a:t> </a:t>
+            </a:r>
+            <a:r>
+              <a:rPr lang="en-US" sz="1100" b="0" i="0" kern="1200" dirty="0" err="1" smtClean="0">
+                <a:solidFill>
+                  <a:schemeClr val="tx1"/>
+                </a:solidFill>
+                <a:effectLst/>
+                <a:latin typeface="+mn-lt"/>
+                <a:ea typeface="+mn-ea"/>
+                <a:cs typeface="+mn-cs"/>
+              </a:rPr>
+              <a:t>mô</a:t>
+            </a:r>
+            <a:r>
+              <a:rPr lang="en-US" sz="1100" b="0" i="0" kern="1200" dirty="0" smtClean="0">
+                <a:solidFill>
+                  <a:schemeClr val="tx1"/>
+                </a:solidFill>
+                <a:effectLst/>
+                <a:latin typeface="+mn-lt"/>
+                <a:ea typeface="+mn-ea"/>
+                <a:cs typeface="+mn-cs"/>
+              </a:rPr>
+              <a:t> </a:t>
+            </a:r>
+            <a:r>
+              <a:rPr lang="en-US" sz="1100" b="0" i="0" kern="1200" dirty="0" err="1" smtClean="0">
+                <a:solidFill>
+                  <a:schemeClr val="tx1"/>
+                </a:solidFill>
+                <a:effectLst/>
+                <a:latin typeface="+mn-lt"/>
+                <a:ea typeface="+mn-ea"/>
+                <a:cs typeface="+mn-cs"/>
+              </a:rPr>
+              <a:t>hình</a:t>
+            </a:r>
+            <a:r>
+              <a:rPr lang="en-US" sz="1100" b="0" i="0" kern="1200" dirty="0" smtClean="0">
+                <a:solidFill>
+                  <a:schemeClr val="tx1"/>
+                </a:solidFill>
+                <a:effectLst/>
+                <a:latin typeface="+mn-lt"/>
+                <a:ea typeface="+mn-ea"/>
+                <a:cs typeface="+mn-cs"/>
+              </a:rPr>
+              <a:t> </a:t>
+            </a:r>
+            <a:r>
+              <a:rPr lang="en-US" sz="1100" b="0" i="0" kern="1200" dirty="0" err="1" smtClean="0">
+                <a:solidFill>
+                  <a:schemeClr val="tx1"/>
+                </a:solidFill>
+                <a:effectLst/>
+                <a:latin typeface="+mn-lt"/>
+                <a:ea typeface="+mn-ea"/>
+                <a:cs typeface="+mn-cs"/>
+              </a:rPr>
+              <a:t>dữ</a:t>
+            </a:r>
+            <a:r>
+              <a:rPr lang="en-US" sz="1100" b="0" i="0" kern="1200" dirty="0" smtClean="0">
+                <a:solidFill>
+                  <a:schemeClr val="tx1"/>
+                </a:solidFill>
+                <a:effectLst/>
+                <a:latin typeface="+mn-lt"/>
+                <a:ea typeface="+mn-ea"/>
+                <a:cs typeface="+mn-cs"/>
+              </a:rPr>
+              <a:t> </a:t>
+            </a:r>
+            <a:r>
+              <a:rPr lang="en-US" sz="1100" b="0" i="0" kern="1200" dirty="0" err="1" smtClean="0">
+                <a:solidFill>
+                  <a:schemeClr val="tx1"/>
+                </a:solidFill>
+                <a:effectLst/>
+                <a:latin typeface="+mn-lt"/>
+                <a:ea typeface="+mn-ea"/>
+                <a:cs typeface="+mn-cs"/>
+              </a:rPr>
+              <a:t>liệu</a:t>
+            </a:r>
+            <a:endParaRPr lang="en-US" sz="1100" b="0" i="0" kern="1200" dirty="0" smtClean="0">
+              <a:solidFill>
+                <a:schemeClr val="tx1"/>
+              </a:solidFill>
+              <a:effectLst/>
+              <a:latin typeface="+mn-lt"/>
+              <a:ea typeface="+mn-ea"/>
+              <a:cs typeface="+mn-cs"/>
+            </a:endParaRPr>
+          </a:p>
+          <a:p>
+            <a:r>
+              <a:rPr lang="en-US" sz="1100" b="0" i="0" kern="1200" dirty="0" smtClean="0">
+                <a:solidFill>
+                  <a:schemeClr val="tx1"/>
+                </a:solidFill>
+                <a:effectLst/>
+                <a:latin typeface="+mn-lt"/>
+                <a:ea typeface="+mn-ea"/>
+                <a:cs typeface="+mn-cs"/>
+              </a:rPr>
+              <a:t>	 </a:t>
+            </a:r>
+            <a:r>
+              <a:rPr lang="en-US" sz="1100" b="0" i="0" u="none" strike="noStrike" kern="1200" dirty="0" smtClean="0">
+                <a:solidFill>
+                  <a:schemeClr val="tx1"/>
+                </a:solidFill>
+                <a:effectLst/>
+                <a:latin typeface="+mn-lt"/>
+                <a:ea typeface="+mn-ea"/>
+                <a:cs typeface="+mn-cs"/>
+                <a:hlinkClick r:id="rId3"/>
+              </a:rPr>
+              <a:t>ObjectContext</a:t>
+            </a:r>
+            <a:r>
+              <a:rPr lang="en-US" sz="1100" b="0" i="0" kern="1200" dirty="0" smtClean="0">
+                <a:solidFill>
+                  <a:schemeClr val="tx1"/>
+                </a:solidFill>
+                <a:effectLst/>
+                <a:latin typeface="+mn-lt"/>
+                <a:ea typeface="+mn-ea"/>
+                <a:cs typeface="+mn-cs"/>
+              </a:rPr>
+              <a:t> </a:t>
+            </a:r>
+            <a:r>
+              <a:rPr lang="en-US" sz="1100" b="0" i="0" kern="1200" dirty="0" err="1" smtClean="0">
+                <a:solidFill>
+                  <a:schemeClr val="tx1"/>
+                </a:solidFill>
+                <a:effectLst/>
+                <a:latin typeface="+mn-lt"/>
+                <a:ea typeface="+mn-ea"/>
+                <a:cs typeface="+mn-cs"/>
+              </a:rPr>
+              <a:t>đại</a:t>
+            </a:r>
+            <a:r>
+              <a:rPr lang="en-US" sz="1100" b="0" i="0" kern="1200" dirty="0" smtClean="0">
+                <a:solidFill>
+                  <a:schemeClr val="tx1"/>
+                </a:solidFill>
+                <a:effectLst/>
+                <a:latin typeface="+mn-lt"/>
+                <a:ea typeface="+mn-ea"/>
+                <a:cs typeface="+mn-cs"/>
+              </a:rPr>
+              <a:t> </a:t>
+            </a:r>
+            <a:r>
+              <a:rPr lang="en-US" sz="1100" b="0" i="0" kern="1200" dirty="0" err="1" smtClean="0">
+                <a:solidFill>
+                  <a:schemeClr val="tx1"/>
+                </a:solidFill>
+                <a:effectLst/>
+                <a:latin typeface="+mn-lt"/>
+                <a:ea typeface="+mn-ea"/>
+                <a:cs typeface="+mn-cs"/>
+              </a:rPr>
+              <a:t>diện</a:t>
+            </a:r>
+            <a:r>
+              <a:rPr lang="en-US" sz="1100" b="0" i="0" kern="1200" dirty="0" smtClean="0">
+                <a:solidFill>
+                  <a:schemeClr val="tx1"/>
+                </a:solidFill>
+                <a:effectLst/>
+                <a:latin typeface="+mn-lt"/>
+                <a:ea typeface="+mn-ea"/>
+                <a:cs typeface="+mn-cs"/>
+              </a:rPr>
+              <a:t> </a:t>
+            </a:r>
+            <a:r>
+              <a:rPr lang="en-US" sz="1100" b="0" i="0" kern="1200" dirty="0" err="1" smtClean="0">
+                <a:solidFill>
+                  <a:schemeClr val="tx1"/>
+                </a:solidFill>
+                <a:effectLst/>
+                <a:latin typeface="+mn-lt"/>
+                <a:ea typeface="+mn-ea"/>
+                <a:cs typeface="+mn-cs"/>
+              </a:rPr>
+              <a:t>cho</a:t>
+            </a:r>
+            <a:r>
+              <a:rPr lang="en-US" sz="1100" b="0" i="0" kern="1200" dirty="0" smtClean="0">
+                <a:solidFill>
+                  <a:schemeClr val="tx1"/>
+                </a:solidFill>
+                <a:effectLst/>
+                <a:latin typeface="+mn-lt"/>
+                <a:ea typeface="+mn-ea"/>
+                <a:cs typeface="+mn-cs"/>
+              </a:rPr>
+              <a:t> </a:t>
+            </a:r>
+            <a:r>
+              <a:rPr lang="en-US" sz="1100" b="0" i="0" kern="1200" dirty="0" err="1" smtClean="0">
+                <a:solidFill>
+                  <a:schemeClr val="tx1"/>
+                </a:solidFill>
+                <a:effectLst/>
+                <a:latin typeface="+mn-lt"/>
+                <a:ea typeface="+mn-ea"/>
+                <a:cs typeface="+mn-cs"/>
+              </a:rPr>
+              <a:t>một</a:t>
+            </a:r>
+            <a:r>
+              <a:rPr lang="en-US" sz="1100" b="0" i="0" kern="1200" dirty="0" smtClean="0">
+                <a:solidFill>
+                  <a:schemeClr val="tx1"/>
+                </a:solidFill>
+                <a:effectLst/>
+                <a:latin typeface="+mn-lt"/>
+                <a:ea typeface="+mn-ea"/>
+                <a:cs typeface="+mn-cs"/>
+              </a:rPr>
+              <a:t> database. </a:t>
+            </a:r>
+            <a:r>
+              <a:rPr lang="en-US" sz="1100" b="0" i="0" kern="1200" dirty="0" err="1" smtClean="0">
+                <a:solidFill>
+                  <a:schemeClr val="tx1"/>
+                </a:solidFill>
+                <a:effectLst/>
+                <a:latin typeface="+mn-lt"/>
+                <a:ea typeface="+mn-ea"/>
+                <a:cs typeface="+mn-cs"/>
+              </a:rPr>
+              <a:t>ObjectContext</a:t>
+            </a:r>
+            <a:r>
+              <a:rPr lang="en-US" sz="1100" b="0" i="0" kern="1200" dirty="0" smtClean="0">
+                <a:solidFill>
+                  <a:schemeClr val="tx1"/>
+                </a:solidFill>
+                <a:effectLst/>
+                <a:latin typeface="+mn-lt"/>
+                <a:ea typeface="+mn-ea"/>
+                <a:cs typeface="+mn-cs"/>
+              </a:rPr>
+              <a:t> </a:t>
+            </a:r>
+            <a:r>
+              <a:rPr lang="en-US" sz="1100" b="0" i="0" kern="1200" dirty="0" err="1" smtClean="0">
+                <a:solidFill>
+                  <a:schemeClr val="tx1"/>
+                </a:solidFill>
+                <a:effectLst/>
+                <a:latin typeface="+mn-lt"/>
+                <a:ea typeface="+mn-ea"/>
+                <a:cs typeface="+mn-cs"/>
+              </a:rPr>
+              <a:t>có</a:t>
+            </a:r>
+            <a:r>
+              <a:rPr lang="en-US" sz="1100" b="0" i="0" kern="1200" dirty="0" smtClean="0">
+                <a:solidFill>
+                  <a:schemeClr val="tx1"/>
+                </a:solidFill>
+                <a:effectLst/>
+                <a:latin typeface="+mn-lt"/>
+                <a:ea typeface="+mn-ea"/>
+                <a:cs typeface="+mn-cs"/>
+              </a:rPr>
+              <a:t> </a:t>
+            </a:r>
+            <a:r>
+              <a:rPr lang="en-US" sz="1100" b="0" i="0" kern="1200" dirty="0" err="1" smtClean="0">
+                <a:solidFill>
+                  <a:schemeClr val="tx1"/>
+                </a:solidFill>
+                <a:effectLst/>
+                <a:latin typeface="+mn-lt"/>
+                <a:ea typeface="+mn-ea"/>
+                <a:cs typeface="+mn-cs"/>
+              </a:rPr>
+              <a:t>chức</a:t>
+            </a:r>
+            <a:r>
+              <a:rPr lang="en-US" sz="1100" b="0" i="0" kern="1200" dirty="0" smtClean="0">
+                <a:solidFill>
+                  <a:schemeClr val="tx1"/>
+                </a:solidFill>
+                <a:effectLst/>
+                <a:latin typeface="+mn-lt"/>
+                <a:ea typeface="+mn-ea"/>
+                <a:cs typeface="+mn-cs"/>
+              </a:rPr>
+              <a:t> </a:t>
+            </a:r>
+            <a:r>
+              <a:rPr lang="en-US" sz="1100" b="0" i="0" kern="1200" dirty="0" err="1" smtClean="0">
+                <a:solidFill>
+                  <a:schemeClr val="tx1"/>
+                </a:solidFill>
+                <a:effectLst/>
+                <a:latin typeface="+mn-lt"/>
+                <a:ea typeface="+mn-ea"/>
+                <a:cs typeface="+mn-cs"/>
+              </a:rPr>
+              <a:t>năng</a:t>
+            </a:r>
+            <a:r>
+              <a:rPr lang="en-US" sz="1100" b="0" i="0" kern="1200" dirty="0" smtClean="0">
+                <a:solidFill>
+                  <a:schemeClr val="tx1"/>
+                </a:solidFill>
+                <a:effectLst/>
+                <a:latin typeface="+mn-lt"/>
+                <a:ea typeface="+mn-ea"/>
+                <a:cs typeface="+mn-cs"/>
+              </a:rPr>
+              <a:t> </a:t>
+            </a:r>
+            <a:r>
+              <a:rPr lang="en-US" sz="1100" b="0" i="0" kern="1200" dirty="0" err="1" smtClean="0">
+                <a:solidFill>
+                  <a:schemeClr val="tx1"/>
+                </a:solidFill>
+                <a:effectLst/>
+                <a:latin typeface="+mn-lt"/>
+                <a:ea typeface="+mn-ea"/>
+                <a:cs typeface="+mn-cs"/>
+              </a:rPr>
+              <a:t>quản</a:t>
+            </a:r>
+            <a:r>
+              <a:rPr lang="en-US" sz="1100" b="0" i="0" kern="1200" dirty="0" smtClean="0">
+                <a:solidFill>
+                  <a:schemeClr val="tx1"/>
+                </a:solidFill>
+                <a:effectLst/>
+                <a:latin typeface="+mn-lt"/>
+                <a:ea typeface="+mn-ea"/>
+                <a:cs typeface="+mn-cs"/>
+              </a:rPr>
+              <a:t> </a:t>
+            </a:r>
+            <a:r>
+              <a:rPr lang="en-US" sz="1100" b="0" i="0" kern="1200" dirty="0" err="1" smtClean="0">
+                <a:solidFill>
+                  <a:schemeClr val="tx1"/>
+                </a:solidFill>
+                <a:effectLst/>
+                <a:latin typeface="+mn-lt"/>
+                <a:ea typeface="+mn-ea"/>
+                <a:cs typeface="+mn-cs"/>
+              </a:rPr>
+              <a:t>lý</a:t>
+            </a:r>
+            <a:r>
+              <a:rPr lang="en-US" sz="1100" b="0" i="0" kern="1200" dirty="0" smtClean="0">
+                <a:solidFill>
+                  <a:schemeClr val="tx1"/>
+                </a:solidFill>
+                <a:effectLst/>
+                <a:latin typeface="+mn-lt"/>
+                <a:ea typeface="+mn-ea"/>
+                <a:cs typeface="+mn-cs"/>
+              </a:rPr>
+              <a:t> </a:t>
+            </a:r>
+            <a:r>
+              <a:rPr lang="en-US" sz="1100" b="0" i="0" kern="1200" dirty="0" err="1" smtClean="0">
+                <a:solidFill>
+                  <a:schemeClr val="tx1"/>
+                </a:solidFill>
+                <a:effectLst/>
+                <a:latin typeface="+mn-lt"/>
+                <a:ea typeface="+mn-ea"/>
+                <a:cs typeface="+mn-cs"/>
+              </a:rPr>
+              <a:t>các</a:t>
+            </a:r>
+            <a:r>
+              <a:rPr lang="en-US" sz="1100" b="0" i="0" kern="1200" dirty="0" smtClean="0">
+                <a:solidFill>
+                  <a:schemeClr val="tx1"/>
+                </a:solidFill>
+                <a:effectLst/>
+                <a:latin typeface="+mn-lt"/>
+                <a:ea typeface="+mn-ea"/>
+                <a:cs typeface="+mn-cs"/>
+              </a:rPr>
+              <a:t> </a:t>
+            </a:r>
+            <a:r>
+              <a:rPr lang="en-US" sz="1100" b="0" i="0" kern="1200" dirty="0" err="1" smtClean="0">
+                <a:solidFill>
+                  <a:schemeClr val="tx1"/>
+                </a:solidFill>
+                <a:effectLst/>
+                <a:latin typeface="+mn-lt"/>
+                <a:ea typeface="+mn-ea"/>
+                <a:cs typeface="+mn-cs"/>
+              </a:rPr>
+              <a:t>kết</a:t>
+            </a:r>
+            <a:r>
+              <a:rPr lang="en-US" sz="1100" b="0" i="0" kern="1200" dirty="0" smtClean="0">
+                <a:solidFill>
+                  <a:schemeClr val="tx1"/>
+                </a:solidFill>
+                <a:effectLst/>
+                <a:latin typeface="+mn-lt"/>
+                <a:ea typeface="+mn-ea"/>
+                <a:cs typeface="+mn-cs"/>
+              </a:rPr>
+              <a:t> </a:t>
+            </a:r>
+            <a:r>
+              <a:rPr lang="en-US" sz="1100" b="0" i="0" kern="1200" dirty="0" err="1" smtClean="0">
+                <a:solidFill>
+                  <a:schemeClr val="tx1"/>
+                </a:solidFill>
+                <a:effectLst/>
+                <a:latin typeface="+mn-lt"/>
+                <a:ea typeface="+mn-ea"/>
+                <a:cs typeface="+mn-cs"/>
+              </a:rPr>
+              <a:t>nối</a:t>
+            </a:r>
+            <a:r>
+              <a:rPr lang="en-US" sz="1100" b="0" i="0" kern="1200" dirty="0" smtClean="0">
+                <a:solidFill>
+                  <a:schemeClr val="tx1"/>
+                </a:solidFill>
+                <a:effectLst/>
+                <a:latin typeface="+mn-lt"/>
+                <a:ea typeface="+mn-ea"/>
+                <a:cs typeface="+mn-cs"/>
+              </a:rPr>
+              <a:t>, </a:t>
+            </a:r>
+            <a:r>
+              <a:rPr lang="en-US" sz="1100" b="0" i="0" kern="1200" dirty="0" err="1" smtClean="0">
+                <a:solidFill>
+                  <a:schemeClr val="tx1"/>
+                </a:solidFill>
+                <a:effectLst/>
+                <a:latin typeface="+mn-lt"/>
+                <a:ea typeface="+mn-ea"/>
+                <a:cs typeface="+mn-cs"/>
+              </a:rPr>
+              <a:t>định</a:t>
+            </a:r>
+            <a:r>
+              <a:rPr lang="en-US" sz="1100" b="0" i="0" kern="1200" dirty="0" smtClean="0">
+                <a:solidFill>
+                  <a:schemeClr val="tx1"/>
+                </a:solidFill>
+                <a:effectLst/>
+                <a:latin typeface="+mn-lt"/>
+                <a:ea typeface="+mn-ea"/>
+                <a:cs typeface="+mn-cs"/>
+              </a:rPr>
+              <a:t> </a:t>
+            </a:r>
+            <a:r>
+              <a:rPr lang="en-US" sz="1100" b="0" i="0" kern="1200" dirty="0" err="1" smtClean="0">
+                <a:solidFill>
+                  <a:schemeClr val="tx1"/>
+                </a:solidFill>
+                <a:effectLst/>
+                <a:latin typeface="+mn-lt"/>
+                <a:ea typeface="+mn-ea"/>
+                <a:cs typeface="+mn-cs"/>
+              </a:rPr>
+              <a:t>nghĩa</a:t>
+            </a:r>
+            <a:r>
+              <a:rPr lang="en-US" sz="1100" b="0" i="0" kern="1200" dirty="0" smtClean="0">
+                <a:solidFill>
+                  <a:schemeClr val="tx1"/>
+                </a:solidFill>
+                <a:effectLst/>
+                <a:latin typeface="+mn-lt"/>
+                <a:ea typeface="+mn-ea"/>
+                <a:cs typeface="+mn-cs"/>
+              </a:rPr>
+              <a:t> </a:t>
+            </a:r>
+            <a:r>
+              <a:rPr lang="en-US" sz="1100" b="0" i="0" kern="1200" dirty="0" err="1" smtClean="0">
+                <a:solidFill>
+                  <a:schemeClr val="tx1"/>
+                </a:solidFill>
+                <a:effectLst/>
+                <a:latin typeface="+mn-lt"/>
+                <a:ea typeface="+mn-ea"/>
+                <a:cs typeface="+mn-cs"/>
+              </a:rPr>
+              <a:t>mô</a:t>
+            </a:r>
+            <a:r>
+              <a:rPr lang="en-US" sz="1100" b="0" i="0" kern="1200" dirty="0" smtClean="0">
+                <a:solidFill>
+                  <a:schemeClr val="tx1"/>
+                </a:solidFill>
+                <a:effectLst/>
+                <a:latin typeface="+mn-lt"/>
+                <a:ea typeface="+mn-ea"/>
+                <a:cs typeface="+mn-cs"/>
+              </a:rPr>
+              <a:t> </a:t>
+            </a:r>
+            <a:r>
+              <a:rPr lang="en-US" sz="1100" b="0" i="0" kern="1200" dirty="0" err="1" smtClean="0">
+                <a:solidFill>
+                  <a:schemeClr val="tx1"/>
+                </a:solidFill>
+                <a:effectLst/>
+                <a:latin typeface="+mn-lt"/>
+                <a:ea typeface="+mn-ea"/>
+                <a:cs typeface="+mn-cs"/>
+              </a:rPr>
+              <a:t>hình</a:t>
+            </a:r>
+            <a:r>
+              <a:rPr lang="en-US" sz="1100" b="0" i="0" kern="1200" dirty="0" smtClean="0">
+                <a:solidFill>
+                  <a:schemeClr val="tx1"/>
+                </a:solidFill>
+                <a:effectLst/>
+                <a:latin typeface="+mn-lt"/>
+                <a:ea typeface="+mn-ea"/>
+                <a:cs typeface="+mn-cs"/>
+              </a:rPr>
+              <a:t> </a:t>
+            </a:r>
+            <a:r>
+              <a:rPr lang="en-US" sz="1100" b="0" i="0" kern="1200" dirty="0" err="1" smtClean="0">
+                <a:solidFill>
+                  <a:schemeClr val="tx1"/>
+                </a:solidFill>
+                <a:effectLst/>
+                <a:latin typeface="+mn-lt"/>
+                <a:ea typeface="+mn-ea"/>
+                <a:cs typeface="+mn-cs"/>
+              </a:rPr>
+              <a:t>dữ</a:t>
+            </a:r>
+            <a:r>
+              <a:rPr lang="en-US" sz="1100" b="0" i="0" kern="1200" dirty="0" smtClean="0">
+                <a:solidFill>
+                  <a:schemeClr val="tx1"/>
+                </a:solidFill>
+                <a:effectLst/>
+                <a:latin typeface="+mn-lt"/>
+                <a:ea typeface="+mn-ea"/>
+                <a:cs typeface="+mn-cs"/>
+              </a:rPr>
+              <a:t> </a:t>
+            </a:r>
+            <a:r>
+              <a:rPr lang="en-US" sz="1100" b="0" i="0" kern="1200" dirty="0" err="1" smtClean="0">
+                <a:solidFill>
+                  <a:schemeClr val="tx1"/>
+                </a:solidFill>
+                <a:effectLst/>
+                <a:latin typeface="+mn-lt"/>
+                <a:ea typeface="+mn-ea"/>
+                <a:cs typeface="+mn-cs"/>
+              </a:rPr>
+              <a:t>liệu</a:t>
+            </a:r>
+            <a:r>
+              <a:rPr lang="en-US" sz="1100" b="0" i="0" kern="1200" dirty="0" smtClean="0">
+                <a:solidFill>
+                  <a:schemeClr val="tx1"/>
+                </a:solidFill>
+                <a:effectLst/>
+                <a:latin typeface="+mn-lt"/>
+                <a:ea typeface="+mn-ea"/>
+                <a:cs typeface="+mn-cs"/>
+              </a:rPr>
+              <a:t> </a:t>
+            </a:r>
+            <a:r>
+              <a:rPr lang="en-US" sz="1100" b="0" i="0" kern="1200" dirty="0" err="1" smtClean="0">
+                <a:solidFill>
+                  <a:schemeClr val="tx1"/>
+                </a:solidFill>
+                <a:effectLst/>
+                <a:latin typeface="+mn-lt"/>
+                <a:ea typeface="+mn-ea"/>
+                <a:cs typeface="+mn-cs"/>
+              </a:rPr>
+              <a:t>với</a:t>
+            </a:r>
+            <a:r>
+              <a:rPr lang="en-US" sz="1100" b="0" i="0" kern="1200" dirty="0" smtClean="0">
+                <a:solidFill>
+                  <a:schemeClr val="tx1"/>
+                </a:solidFill>
+                <a:effectLst/>
+                <a:latin typeface="+mn-lt"/>
+                <a:ea typeface="+mn-ea"/>
+                <a:cs typeface="+mn-cs"/>
+              </a:rPr>
+              <a:t> metadata </a:t>
+            </a:r>
+            <a:r>
+              <a:rPr lang="en-US" sz="1100" b="0" i="0" kern="1200" dirty="0" err="1" smtClean="0">
+                <a:solidFill>
+                  <a:schemeClr val="tx1"/>
+                </a:solidFill>
+                <a:effectLst/>
+                <a:latin typeface="+mn-lt"/>
+                <a:ea typeface="+mn-ea"/>
+                <a:cs typeface="+mn-cs"/>
+              </a:rPr>
+              <a:t>và</a:t>
+            </a:r>
+            <a:r>
+              <a:rPr lang="en-US" sz="1100" b="0" i="0" kern="1200" dirty="0" smtClean="0">
+                <a:solidFill>
+                  <a:schemeClr val="tx1"/>
+                </a:solidFill>
+                <a:effectLst/>
+                <a:latin typeface="+mn-lt"/>
+                <a:ea typeface="+mn-ea"/>
+                <a:cs typeface="+mn-cs"/>
+              </a:rPr>
+              <a:t> </a:t>
+            </a:r>
+            <a:r>
+              <a:rPr lang="en-US" sz="1100" b="0" i="0" kern="1200" dirty="0" err="1" smtClean="0">
+                <a:solidFill>
+                  <a:schemeClr val="tx1"/>
+                </a:solidFill>
+                <a:effectLst/>
+                <a:latin typeface="+mn-lt"/>
+                <a:ea typeface="+mn-ea"/>
+                <a:cs typeface="+mn-cs"/>
+              </a:rPr>
+              <a:t>thao</a:t>
+            </a:r>
+            <a:r>
+              <a:rPr lang="en-US" sz="1100" b="0" i="0" kern="1200" dirty="0" smtClean="0">
+                <a:solidFill>
+                  <a:schemeClr val="tx1"/>
+                </a:solidFill>
+                <a:effectLst/>
+                <a:latin typeface="+mn-lt"/>
+                <a:ea typeface="+mn-ea"/>
+                <a:cs typeface="+mn-cs"/>
+              </a:rPr>
+              <a:t> </a:t>
+            </a:r>
+            <a:r>
+              <a:rPr lang="en-US" sz="1100" b="0" i="0" kern="1200" dirty="0" err="1" smtClean="0">
+                <a:solidFill>
+                  <a:schemeClr val="tx1"/>
+                </a:solidFill>
+                <a:effectLst/>
+                <a:latin typeface="+mn-lt"/>
+                <a:ea typeface="+mn-ea"/>
+                <a:cs typeface="+mn-cs"/>
+              </a:rPr>
+              <a:t>tác</a:t>
+            </a:r>
+            <a:r>
+              <a:rPr lang="en-US" sz="1100" b="0" i="0" kern="1200" dirty="0" smtClean="0">
+                <a:solidFill>
+                  <a:schemeClr val="tx1"/>
+                </a:solidFill>
+                <a:effectLst/>
+                <a:latin typeface="+mn-lt"/>
+                <a:ea typeface="+mn-ea"/>
+                <a:cs typeface="+mn-cs"/>
+              </a:rPr>
+              <a:t> </a:t>
+            </a:r>
+            <a:r>
+              <a:rPr lang="en-US" sz="1100" b="0" i="0" kern="1200" dirty="0" err="1" smtClean="0">
+                <a:solidFill>
+                  <a:schemeClr val="tx1"/>
+                </a:solidFill>
+                <a:effectLst/>
+                <a:latin typeface="+mn-lt"/>
+                <a:ea typeface="+mn-ea"/>
+                <a:cs typeface="+mn-cs"/>
+              </a:rPr>
+              <a:t>với</a:t>
+            </a:r>
+            <a:r>
+              <a:rPr lang="en-US" sz="1100" b="0" i="0" kern="1200" dirty="0" smtClean="0">
+                <a:solidFill>
+                  <a:schemeClr val="tx1"/>
+                </a:solidFill>
+                <a:effectLst/>
+                <a:latin typeface="+mn-lt"/>
+                <a:ea typeface="+mn-ea"/>
+                <a:cs typeface="+mn-cs"/>
+              </a:rPr>
+              <a:t> database. </a:t>
+            </a:r>
+            <a:r>
+              <a:rPr lang="en-US" sz="1100" b="0" i="0" kern="1200" dirty="0" err="1" smtClean="0">
+                <a:solidFill>
+                  <a:schemeClr val="tx1"/>
+                </a:solidFill>
+                <a:effectLst/>
+                <a:latin typeface="+mn-lt"/>
+                <a:ea typeface="+mn-ea"/>
+                <a:cs typeface="+mn-cs"/>
+              </a:rPr>
+              <a:t>Lớp</a:t>
+            </a:r>
+            <a:r>
+              <a:rPr lang="en-US" sz="1100" b="0" i="0" kern="1200" dirty="0" smtClean="0">
+                <a:solidFill>
+                  <a:schemeClr val="tx1"/>
+                </a:solidFill>
+                <a:effectLst/>
+                <a:latin typeface="+mn-lt"/>
+                <a:ea typeface="+mn-ea"/>
+                <a:cs typeface="+mn-cs"/>
+              </a:rPr>
+              <a:t> </a:t>
+            </a:r>
+            <a:r>
+              <a:rPr lang="en-US" sz="1100" b="0" i="0" kern="1200" dirty="0" err="1" smtClean="0">
+                <a:solidFill>
+                  <a:schemeClr val="tx1"/>
+                </a:solidFill>
+                <a:effectLst/>
+                <a:latin typeface="+mn-lt"/>
+                <a:ea typeface="+mn-ea"/>
+                <a:cs typeface="+mn-cs"/>
+              </a:rPr>
+              <a:t>này</a:t>
+            </a:r>
+            <a:r>
+              <a:rPr lang="en-US" sz="1100" b="0" i="0" kern="1200" dirty="0" smtClean="0">
+                <a:solidFill>
+                  <a:schemeClr val="tx1"/>
+                </a:solidFill>
+                <a:effectLst/>
+                <a:latin typeface="+mn-lt"/>
+                <a:ea typeface="+mn-ea"/>
+                <a:cs typeface="+mn-cs"/>
+              </a:rPr>
+              <a:t> </a:t>
+            </a:r>
+            <a:r>
+              <a:rPr lang="en-US" sz="1100" b="0" i="0" kern="1200" dirty="0" err="1" smtClean="0">
+                <a:solidFill>
+                  <a:schemeClr val="tx1"/>
+                </a:solidFill>
+                <a:effectLst/>
+                <a:latin typeface="+mn-lt"/>
+                <a:ea typeface="+mn-ea"/>
+                <a:cs typeface="+mn-cs"/>
+              </a:rPr>
+              <a:t>cũng</a:t>
+            </a:r>
+            <a:r>
+              <a:rPr lang="en-US" sz="1100" b="0" i="0" kern="1200" dirty="0" smtClean="0">
+                <a:solidFill>
+                  <a:schemeClr val="tx1"/>
+                </a:solidFill>
+                <a:effectLst/>
+                <a:latin typeface="+mn-lt"/>
+                <a:ea typeface="+mn-ea"/>
+                <a:cs typeface="+mn-cs"/>
+              </a:rPr>
+              <a:t> </a:t>
+            </a:r>
+            <a:r>
+              <a:rPr lang="en-US" sz="1100" b="0" i="0" kern="1200" dirty="0" err="1" smtClean="0">
+                <a:solidFill>
+                  <a:schemeClr val="tx1"/>
+                </a:solidFill>
+                <a:effectLst/>
+                <a:latin typeface="+mn-lt"/>
+                <a:ea typeface="+mn-ea"/>
+                <a:cs typeface="+mn-cs"/>
+              </a:rPr>
+              <a:t>có</a:t>
+            </a:r>
+            <a:r>
+              <a:rPr lang="en-US" sz="1100" b="0" i="0" kern="1200" dirty="0" smtClean="0">
+                <a:solidFill>
+                  <a:schemeClr val="tx1"/>
+                </a:solidFill>
+                <a:effectLst/>
+                <a:latin typeface="+mn-lt"/>
+                <a:ea typeface="+mn-ea"/>
+                <a:cs typeface="+mn-cs"/>
+              </a:rPr>
+              <a:t> </a:t>
+            </a:r>
+            <a:r>
+              <a:rPr lang="en-US" sz="1100" b="0" i="0" kern="1200" dirty="0" err="1" smtClean="0">
+                <a:solidFill>
+                  <a:schemeClr val="tx1"/>
+                </a:solidFill>
+                <a:effectLst/>
+                <a:latin typeface="+mn-lt"/>
+                <a:ea typeface="+mn-ea"/>
+                <a:cs typeface="+mn-cs"/>
+              </a:rPr>
+              <a:t>thể</a:t>
+            </a:r>
+            <a:r>
+              <a:rPr lang="en-US" sz="1100" b="0" i="0" kern="1200" dirty="0" smtClean="0">
+                <a:solidFill>
+                  <a:schemeClr val="tx1"/>
+                </a:solidFill>
+                <a:effectLst/>
+                <a:latin typeface="+mn-lt"/>
+                <a:ea typeface="+mn-ea"/>
+                <a:cs typeface="+mn-cs"/>
+              </a:rPr>
+              <a:t> </a:t>
+            </a:r>
+            <a:r>
+              <a:rPr lang="en-US" sz="1100" b="0" i="0" kern="1200" dirty="0" err="1" smtClean="0">
+                <a:solidFill>
+                  <a:schemeClr val="tx1"/>
+                </a:solidFill>
+                <a:effectLst/>
+                <a:latin typeface="+mn-lt"/>
+                <a:ea typeface="+mn-ea"/>
+                <a:cs typeface="+mn-cs"/>
+              </a:rPr>
+              <a:t>thêm</a:t>
+            </a:r>
+            <a:r>
+              <a:rPr lang="en-US" sz="1100" b="0" i="0" kern="1200" dirty="0" smtClean="0">
+                <a:solidFill>
+                  <a:schemeClr val="tx1"/>
+                </a:solidFill>
+                <a:effectLst/>
+                <a:latin typeface="+mn-lt"/>
+                <a:ea typeface="+mn-ea"/>
+                <a:cs typeface="+mn-cs"/>
+              </a:rPr>
+              <a:t> </a:t>
+            </a:r>
+            <a:r>
+              <a:rPr lang="en-US" sz="1100" b="0" i="0" kern="1200" dirty="0" err="1" smtClean="0">
+                <a:solidFill>
+                  <a:schemeClr val="tx1"/>
+                </a:solidFill>
+                <a:effectLst/>
+                <a:latin typeface="+mn-lt"/>
+                <a:ea typeface="+mn-ea"/>
+                <a:cs typeface="+mn-cs"/>
+              </a:rPr>
+              <a:t>vào</a:t>
+            </a:r>
+            <a:r>
+              <a:rPr lang="en-US" sz="1100" b="0" i="0" kern="1200" dirty="0" smtClean="0">
+                <a:solidFill>
+                  <a:schemeClr val="tx1"/>
+                </a:solidFill>
+                <a:effectLst/>
+                <a:latin typeface="+mn-lt"/>
+                <a:ea typeface="+mn-ea"/>
+                <a:cs typeface="+mn-cs"/>
+              </a:rPr>
+              <a:t> 	</a:t>
+            </a:r>
+            <a:r>
+              <a:rPr lang="en-US" sz="1100" b="0" i="0" kern="1200" dirty="0" err="1" smtClean="0">
+                <a:solidFill>
+                  <a:schemeClr val="tx1"/>
+                </a:solidFill>
+                <a:effectLst/>
+                <a:latin typeface="+mn-lt"/>
+                <a:ea typeface="+mn-ea"/>
+                <a:cs typeface="+mn-cs"/>
+              </a:rPr>
+              <a:t>các</a:t>
+            </a:r>
+            <a:r>
+              <a:rPr lang="en-US" sz="1100" b="0" i="0" kern="1200" dirty="0" smtClean="0">
+                <a:solidFill>
+                  <a:schemeClr val="tx1"/>
+                </a:solidFill>
+                <a:effectLst/>
+                <a:latin typeface="+mn-lt"/>
+                <a:ea typeface="+mn-ea"/>
+                <a:cs typeface="+mn-cs"/>
+              </a:rPr>
+              <a:t> </a:t>
+            </a:r>
+            <a:r>
+              <a:rPr lang="en-US" sz="1100" b="0" i="0" kern="1200" dirty="0" err="1" smtClean="0">
+                <a:solidFill>
+                  <a:schemeClr val="tx1"/>
+                </a:solidFill>
+                <a:effectLst/>
+                <a:latin typeface="+mn-lt"/>
+                <a:ea typeface="+mn-ea"/>
+                <a:cs typeface="+mn-cs"/>
+              </a:rPr>
+              <a:t>phương</a:t>
+            </a:r>
+            <a:r>
+              <a:rPr lang="en-US" sz="1100" b="0" i="0" kern="1200" dirty="0" smtClean="0">
+                <a:solidFill>
+                  <a:schemeClr val="tx1"/>
+                </a:solidFill>
+                <a:effectLst/>
+                <a:latin typeface="+mn-lt"/>
+                <a:ea typeface="+mn-ea"/>
+                <a:cs typeface="+mn-cs"/>
+              </a:rPr>
+              <a:t> </a:t>
+            </a:r>
+            <a:r>
+              <a:rPr lang="en-US" sz="1100" b="0" i="0" kern="1200" dirty="0" err="1" smtClean="0">
+                <a:solidFill>
+                  <a:schemeClr val="tx1"/>
+                </a:solidFill>
+                <a:effectLst/>
+                <a:latin typeface="+mn-lt"/>
+                <a:ea typeface="+mn-ea"/>
+                <a:cs typeface="+mn-cs"/>
+              </a:rPr>
+              <a:t>thức</a:t>
+            </a:r>
+            <a:r>
+              <a:rPr lang="en-US" sz="1100" b="0" i="0" kern="1200" dirty="0" smtClean="0">
+                <a:solidFill>
+                  <a:schemeClr val="tx1"/>
+                </a:solidFill>
+                <a:effectLst/>
+                <a:latin typeface="+mn-lt"/>
+                <a:ea typeface="+mn-ea"/>
+                <a:cs typeface="+mn-cs"/>
+              </a:rPr>
+              <a:t> </a:t>
+            </a:r>
+            <a:r>
+              <a:rPr lang="en-US" sz="1100" b="0" i="0" kern="1200" dirty="0" err="1" smtClean="0">
+                <a:solidFill>
+                  <a:schemeClr val="tx1"/>
+                </a:solidFill>
+                <a:effectLst/>
+                <a:latin typeface="+mn-lt"/>
+                <a:ea typeface="+mn-ea"/>
+                <a:cs typeface="+mn-cs"/>
+              </a:rPr>
+              <a:t>đại</a:t>
+            </a:r>
+            <a:r>
+              <a:rPr lang="en-US" sz="1100" b="0" i="0" kern="1200" dirty="0" smtClean="0">
+                <a:solidFill>
+                  <a:schemeClr val="tx1"/>
+                </a:solidFill>
+                <a:effectLst/>
+                <a:latin typeface="+mn-lt"/>
+                <a:ea typeface="+mn-ea"/>
+                <a:cs typeface="+mn-cs"/>
+              </a:rPr>
+              <a:t> </a:t>
+            </a:r>
+            <a:r>
+              <a:rPr lang="en-US" sz="1100" b="0" i="0" kern="1200" dirty="0" err="1" smtClean="0">
+                <a:solidFill>
+                  <a:schemeClr val="tx1"/>
+                </a:solidFill>
+                <a:effectLst/>
+                <a:latin typeface="+mn-lt"/>
+                <a:ea typeface="+mn-ea"/>
+                <a:cs typeface="+mn-cs"/>
+              </a:rPr>
+              <a:t>diện</a:t>
+            </a:r>
+            <a:r>
+              <a:rPr lang="en-US" sz="1100" b="0" i="0" kern="1200" dirty="0" smtClean="0">
+                <a:solidFill>
+                  <a:schemeClr val="tx1"/>
+                </a:solidFill>
+                <a:effectLst/>
+                <a:latin typeface="+mn-lt"/>
+                <a:ea typeface="+mn-ea"/>
+                <a:cs typeface="+mn-cs"/>
+              </a:rPr>
+              <a:t> </a:t>
+            </a:r>
+            <a:r>
+              <a:rPr lang="en-US" sz="1100" b="0" i="0" kern="1200" dirty="0" err="1" smtClean="0">
+                <a:solidFill>
+                  <a:schemeClr val="tx1"/>
+                </a:solidFill>
+                <a:effectLst/>
+                <a:latin typeface="+mn-lt"/>
+                <a:ea typeface="+mn-ea"/>
+                <a:cs typeface="+mn-cs"/>
+              </a:rPr>
+              <a:t>cho</a:t>
+            </a:r>
+            <a:r>
+              <a:rPr lang="en-US" sz="1100" b="0" i="0" kern="1200" dirty="0" smtClean="0">
+                <a:solidFill>
+                  <a:schemeClr val="tx1"/>
+                </a:solidFill>
+                <a:effectLst/>
+                <a:latin typeface="+mn-lt"/>
+                <a:ea typeface="+mn-ea"/>
+                <a:cs typeface="+mn-cs"/>
+              </a:rPr>
+              <a:t> </a:t>
+            </a:r>
+            <a:r>
+              <a:rPr lang="en-US" sz="1100" b="0" i="0" kern="1200" dirty="0" err="1" smtClean="0">
+                <a:solidFill>
+                  <a:schemeClr val="tx1"/>
+                </a:solidFill>
+                <a:effectLst/>
+                <a:latin typeface="+mn-lt"/>
+                <a:ea typeface="+mn-ea"/>
+                <a:cs typeface="+mn-cs"/>
+              </a:rPr>
+              <a:t>các</a:t>
+            </a:r>
+            <a:r>
+              <a:rPr lang="en-US" sz="1100" b="0" i="0" kern="1200" dirty="0" smtClean="0">
+                <a:solidFill>
+                  <a:schemeClr val="tx1"/>
+                </a:solidFill>
+                <a:effectLst/>
+                <a:latin typeface="+mn-lt"/>
+                <a:ea typeface="+mn-ea"/>
+                <a:cs typeface="+mn-cs"/>
+              </a:rPr>
+              <a:t> stored procedure </a:t>
+            </a:r>
+            <a:r>
+              <a:rPr lang="en-US" sz="1100" b="0" i="0" kern="1200" dirty="0" err="1" smtClean="0">
+                <a:solidFill>
+                  <a:schemeClr val="tx1"/>
+                </a:solidFill>
+                <a:effectLst/>
+                <a:latin typeface="+mn-lt"/>
+                <a:ea typeface="+mn-ea"/>
+                <a:cs typeface="+mn-cs"/>
+              </a:rPr>
+              <a:t>trong</a:t>
+            </a:r>
+            <a:r>
+              <a:rPr lang="en-US" sz="1100" b="0" i="0" kern="1200" dirty="0" smtClean="0">
+                <a:solidFill>
+                  <a:schemeClr val="tx1"/>
+                </a:solidFill>
+                <a:effectLst/>
+                <a:latin typeface="+mn-lt"/>
+                <a:ea typeface="+mn-ea"/>
+                <a:cs typeface="+mn-cs"/>
+              </a:rPr>
+              <a:t> database.</a:t>
+            </a:r>
+          </a:p>
+          <a:p>
+            <a:endParaRPr lang="en-US" sz="1100" b="0" i="0" kern="1200" dirty="0" smtClean="0">
+              <a:solidFill>
+                <a:schemeClr val="tx1"/>
+              </a:solidFill>
+              <a:effectLst/>
+              <a:latin typeface="+mn-lt"/>
+              <a:ea typeface="+mn-ea"/>
+              <a:cs typeface="+mn-cs"/>
+            </a:endParaRPr>
+          </a:p>
+          <a:p>
+            <a:r>
+              <a:rPr lang="en-US" sz="1100" b="0" i="0" u="none" strike="noStrike" kern="1200" dirty="0" smtClean="0">
+                <a:solidFill>
+                  <a:schemeClr val="tx1"/>
+                </a:solidFill>
+                <a:effectLst/>
+                <a:latin typeface="+mn-lt"/>
+                <a:ea typeface="+mn-ea"/>
+                <a:cs typeface="+mn-cs"/>
+                <a:hlinkClick r:id="rId4"/>
+              </a:rPr>
+              <a:t>	ObjectSet&lt;TEntity&gt;</a:t>
+            </a:r>
+            <a:r>
+              <a:rPr lang="en-US" sz="1100" b="0" i="0" kern="1200" dirty="0" smtClean="0">
+                <a:solidFill>
+                  <a:schemeClr val="tx1"/>
+                </a:solidFill>
+                <a:effectLst/>
+                <a:latin typeface="+mn-lt"/>
+                <a:ea typeface="+mn-ea"/>
+                <a:cs typeface="+mn-cs"/>
+              </a:rPr>
+              <a:t> </a:t>
+            </a:r>
+            <a:r>
+              <a:rPr lang="en-US" sz="1100" b="0" i="0" kern="1200" dirty="0" err="1" smtClean="0">
+                <a:solidFill>
+                  <a:schemeClr val="tx1"/>
+                </a:solidFill>
+                <a:effectLst/>
+                <a:latin typeface="+mn-lt"/>
+                <a:ea typeface="+mn-ea"/>
+                <a:cs typeface="+mn-cs"/>
+              </a:rPr>
+              <a:t>là</a:t>
+            </a:r>
+            <a:r>
+              <a:rPr lang="en-US" sz="1100" b="0" i="0" kern="1200" dirty="0" smtClean="0">
+                <a:solidFill>
+                  <a:schemeClr val="tx1"/>
+                </a:solidFill>
+                <a:effectLst/>
+                <a:latin typeface="+mn-lt"/>
+                <a:ea typeface="+mn-ea"/>
+                <a:cs typeface="+mn-cs"/>
+              </a:rPr>
+              <a:t> </a:t>
+            </a:r>
+            <a:r>
+              <a:rPr lang="en-US" sz="1100" b="0" i="0" kern="1200" dirty="0" err="1" smtClean="0">
+                <a:solidFill>
+                  <a:schemeClr val="tx1"/>
+                </a:solidFill>
+                <a:effectLst/>
+                <a:latin typeface="+mn-lt"/>
+                <a:ea typeface="+mn-ea"/>
+                <a:cs typeface="+mn-cs"/>
+              </a:rPr>
+              <a:t>một</a:t>
+            </a:r>
+            <a:r>
+              <a:rPr lang="en-US" sz="1100" b="0" i="0" kern="1200" dirty="0" smtClean="0">
+                <a:solidFill>
+                  <a:schemeClr val="tx1"/>
+                </a:solidFill>
+                <a:effectLst/>
+                <a:latin typeface="+mn-lt"/>
+                <a:ea typeface="+mn-ea"/>
+                <a:cs typeface="+mn-cs"/>
+              </a:rPr>
+              <a:t>  </a:t>
+            </a:r>
+            <a:r>
+              <a:rPr lang="en-US" sz="1100" b="0" i="0" kern="1200" dirty="0" err="1" smtClean="0">
+                <a:solidFill>
+                  <a:schemeClr val="tx1"/>
+                </a:solidFill>
+                <a:effectLst/>
+                <a:latin typeface="+mn-lt"/>
+                <a:ea typeface="+mn-ea"/>
+                <a:cs typeface="+mn-cs"/>
+              </a:rPr>
+              <a:t>một</a:t>
+            </a:r>
+            <a:r>
+              <a:rPr lang="en-US" sz="1100" b="0" i="0" kern="1200" dirty="0" smtClean="0">
+                <a:solidFill>
+                  <a:schemeClr val="tx1"/>
+                </a:solidFill>
+                <a:effectLst/>
+                <a:latin typeface="+mn-lt"/>
+                <a:ea typeface="+mn-ea"/>
+                <a:cs typeface="+mn-cs"/>
+              </a:rPr>
+              <a:t> </a:t>
+            </a:r>
+            <a:r>
+              <a:rPr lang="en-US" sz="1100" b="0" i="0" kern="1200" dirty="0" err="1" smtClean="0">
+                <a:solidFill>
+                  <a:schemeClr val="tx1"/>
+                </a:solidFill>
+                <a:effectLst/>
+                <a:latin typeface="+mn-lt"/>
+                <a:ea typeface="+mn-ea"/>
+                <a:cs typeface="+mn-cs"/>
+              </a:rPr>
+              <a:t>tập</a:t>
+            </a:r>
+            <a:r>
+              <a:rPr lang="en-US" sz="1100" b="0" i="0" kern="1200" dirty="0" smtClean="0">
+                <a:solidFill>
+                  <a:schemeClr val="tx1"/>
+                </a:solidFill>
+                <a:effectLst/>
+                <a:latin typeface="+mn-lt"/>
+                <a:ea typeface="+mn-ea"/>
+                <a:cs typeface="+mn-cs"/>
+              </a:rPr>
+              <a:t> </a:t>
+            </a:r>
+            <a:r>
+              <a:rPr lang="en-US" sz="1100" b="0" i="0" kern="1200" dirty="0" err="1" smtClean="0">
+                <a:solidFill>
+                  <a:schemeClr val="tx1"/>
+                </a:solidFill>
+                <a:effectLst/>
+                <a:latin typeface="+mn-lt"/>
+                <a:ea typeface="+mn-ea"/>
+                <a:cs typeface="+mn-cs"/>
+              </a:rPr>
+              <a:t>hợp</a:t>
+            </a:r>
+            <a:r>
+              <a:rPr lang="en-US" sz="1100" b="0" i="0" kern="1200" dirty="0" smtClean="0">
+                <a:solidFill>
+                  <a:schemeClr val="tx1"/>
+                </a:solidFill>
+                <a:effectLst/>
+                <a:latin typeface="+mn-lt"/>
+                <a:ea typeface="+mn-ea"/>
+                <a:cs typeface="+mn-cs"/>
+              </a:rPr>
+              <a:t> </a:t>
+            </a:r>
+            <a:r>
+              <a:rPr lang="en-US" sz="1100" b="0" i="0" kern="1200" dirty="0" err="1" smtClean="0">
+                <a:solidFill>
+                  <a:schemeClr val="tx1"/>
+                </a:solidFill>
+                <a:effectLst/>
+                <a:latin typeface="+mn-lt"/>
+                <a:ea typeface="+mn-ea"/>
+                <a:cs typeface="+mn-cs"/>
+              </a:rPr>
+              <a:t>các</a:t>
+            </a:r>
+            <a:r>
+              <a:rPr lang="en-US" sz="1100" b="0" i="0" kern="1200" dirty="0" smtClean="0">
+                <a:solidFill>
+                  <a:schemeClr val="tx1"/>
+                </a:solidFill>
+                <a:effectLst/>
+                <a:latin typeface="+mn-lt"/>
+                <a:ea typeface="+mn-ea"/>
+                <a:cs typeface="+mn-cs"/>
+              </a:rPr>
+              <a:t> entity. </a:t>
+            </a:r>
+            <a:r>
+              <a:rPr lang="en-US" sz="1100" b="0" i="0" kern="1200" dirty="0" err="1" smtClean="0">
+                <a:solidFill>
+                  <a:schemeClr val="tx1"/>
+                </a:solidFill>
+                <a:effectLst/>
+                <a:latin typeface="+mn-lt"/>
+                <a:ea typeface="+mn-ea"/>
+                <a:cs typeface="+mn-cs"/>
+              </a:rPr>
+              <a:t>Mỗi</a:t>
+            </a:r>
+            <a:r>
+              <a:rPr lang="en-US" sz="1100" b="0" i="0" kern="1200" dirty="0" smtClean="0">
+                <a:solidFill>
+                  <a:schemeClr val="tx1"/>
+                </a:solidFill>
+                <a:effectLst/>
+                <a:latin typeface="+mn-lt"/>
+                <a:ea typeface="+mn-ea"/>
+                <a:cs typeface="+mn-cs"/>
+              </a:rPr>
+              <a:t> </a:t>
+            </a:r>
+            <a:r>
+              <a:rPr lang="en-US" sz="1100" b="0" i="0" kern="1200" dirty="0" err="1" smtClean="0">
+                <a:solidFill>
+                  <a:schemeClr val="tx1"/>
+                </a:solidFill>
+                <a:effectLst/>
+                <a:latin typeface="+mn-lt"/>
+                <a:ea typeface="+mn-ea"/>
+                <a:cs typeface="+mn-cs"/>
+              </a:rPr>
+              <a:t>đối</a:t>
+            </a:r>
+            <a:r>
+              <a:rPr lang="en-US" sz="1100" b="0" i="0" kern="1200" dirty="0" smtClean="0">
+                <a:solidFill>
+                  <a:schemeClr val="tx1"/>
+                </a:solidFill>
+                <a:effectLst/>
+                <a:latin typeface="+mn-lt"/>
+                <a:ea typeface="+mn-ea"/>
+                <a:cs typeface="+mn-cs"/>
+              </a:rPr>
+              <a:t> </a:t>
+            </a:r>
+            <a:r>
+              <a:rPr lang="en-US" sz="1100" b="0" i="0" kern="1200" dirty="0" err="1" smtClean="0">
+                <a:solidFill>
+                  <a:schemeClr val="tx1"/>
+                </a:solidFill>
+                <a:effectLst/>
+                <a:latin typeface="+mn-lt"/>
+                <a:ea typeface="+mn-ea"/>
+                <a:cs typeface="+mn-cs"/>
+              </a:rPr>
+              <a:t>tượng</a:t>
+            </a:r>
+            <a:r>
+              <a:rPr lang="en-US" sz="1100" b="0" i="0" kern="1200" dirty="0" smtClean="0">
+                <a:solidFill>
+                  <a:schemeClr val="tx1"/>
+                </a:solidFill>
+                <a:effectLst/>
+                <a:latin typeface="+mn-lt"/>
+                <a:ea typeface="+mn-ea"/>
+                <a:cs typeface="+mn-cs"/>
+              </a:rPr>
+              <a:t> </a:t>
+            </a:r>
+            <a:r>
+              <a:rPr lang="en-US" sz="1100" b="0" i="0" kern="1200" dirty="0" err="1" smtClean="0">
+                <a:solidFill>
+                  <a:schemeClr val="tx1"/>
+                </a:solidFill>
+                <a:effectLst/>
+                <a:latin typeface="+mn-lt"/>
+                <a:ea typeface="+mn-ea"/>
+                <a:cs typeface="+mn-cs"/>
+              </a:rPr>
+              <a:t>này</a:t>
+            </a:r>
+            <a:r>
+              <a:rPr lang="en-US" sz="1100" b="0" i="0" kern="1200" dirty="0" smtClean="0">
+                <a:solidFill>
+                  <a:schemeClr val="tx1"/>
+                </a:solidFill>
+                <a:effectLst/>
+                <a:latin typeface="+mn-lt"/>
+                <a:ea typeface="+mn-ea"/>
+                <a:cs typeface="+mn-cs"/>
+              </a:rPr>
+              <a:t> </a:t>
+            </a:r>
+            <a:r>
+              <a:rPr lang="en-US" sz="1100" b="0" i="0" kern="1200" dirty="0" err="1" smtClean="0">
+                <a:solidFill>
+                  <a:schemeClr val="tx1"/>
+                </a:solidFill>
+                <a:effectLst/>
+                <a:latin typeface="+mn-lt"/>
+                <a:ea typeface="+mn-ea"/>
+                <a:cs typeface="+mn-cs"/>
+              </a:rPr>
+              <a:t>tương</a:t>
+            </a:r>
+            <a:r>
+              <a:rPr lang="en-US" sz="1100" b="0" i="0" kern="1200" dirty="0" smtClean="0">
+                <a:solidFill>
+                  <a:schemeClr val="tx1"/>
+                </a:solidFill>
+                <a:effectLst/>
+                <a:latin typeface="+mn-lt"/>
+                <a:ea typeface="+mn-ea"/>
+                <a:cs typeface="+mn-cs"/>
+              </a:rPr>
+              <a:t> </a:t>
+            </a:r>
+            <a:r>
+              <a:rPr lang="en-US" sz="1100" b="0" i="0" kern="1200" dirty="0" err="1" smtClean="0">
+                <a:solidFill>
+                  <a:schemeClr val="tx1"/>
+                </a:solidFill>
+                <a:effectLst/>
+                <a:latin typeface="+mn-lt"/>
+                <a:ea typeface="+mn-ea"/>
+                <a:cs typeface="+mn-cs"/>
+              </a:rPr>
+              <a:t>ứng</a:t>
+            </a:r>
+            <a:r>
+              <a:rPr lang="en-US" sz="1100" b="0" i="0" kern="1200" dirty="0" smtClean="0">
+                <a:solidFill>
+                  <a:schemeClr val="tx1"/>
+                </a:solidFill>
+                <a:effectLst/>
+                <a:latin typeface="+mn-lt"/>
+                <a:ea typeface="+mn-ea"/>
+                <a:cs typeface="+mn-cs"/>
+              </a:rPr>
+              <a:t> </a:t>
+            </a:r>
+            <a:r>
+              <a:rPr lang="en-US" sz="1100" b="0" i="0" kern="1200" dirty="0" err="1" smtClean="0">
+                <a:solidFill>
+                  <a:schemeClr val="tx1"/>
+                </a:solidFill>
+                <a:effectLst/>
+                <a:latin typeface="+mn-lt"/>
+                <a:ea typeface="+mn-ea"/>
+                <a:cs typeface="+mn-cs"/>
+              </a:rPr>
+              <a:t>với</a:t>
+            </a:r>
+            <a:r>
+              <a:rPr lang="en-US" sz="1100" b="0" i="0" kern="1200" dirty="0" smtClean="0">
+                <a:solidFill>
+                  <a:schemeClr val="tx1"/>
+                </a:solidFill>
+                <a:effectLst/>
+                <a:latin typeface="+mn-lt"/>
+                <a:ea typeface="+mn-ea"/>
+                <a:cs typeface="+mn-cs"/>
+              </a:rPr>
+              <a:t> </a:t>
+            </a:r>
+            <a:r>
+              <a:rPr lang="en-US" sz="1100" b="0" i="0" kern="1200" dirty="0" err="1" smtClean="0">
+                <a:solidFill>
+                  <a:schemeClr val="tx1"/>
+                </a:solidFill>
+                <a:effectLst/>
+                <a:latin typeface="+mn-lt"/>
+                <a:ea typeface="+mn-ea"/>
+                <a:cs typeface="+mn-cs"/>
+              </a:rPr>
+              <a:t>một</a:t>
+            </a:r>
+            <a:r>
+              <a:rPr lang="en-US" sz="1100" b="0" i="0" kern="1200" dirty="0" smtClean="0">
+                <a:solidFill>
+                  <a:schemeClr val="tx1"/>
+                </a:solidFill>
+                <a:effectLst/>
+                <a:latin typeface="+mn-lt"/>
+                <a:ea typeface="+mn-ea"/>
+                <a:cs typeface="+mn-cs"/>
+              </a:rPr>
+              <a:t> table. </a:t>
+            </a:r>
+            <a:r>
+              <a:rPr lang="en-US" sz="1100" b="0" i="0" kern="1200" dirty="0" err="1" smtClean="0">
+                <a:solidFill>
+                  <a:schemeClr val="tx1"/>
+                </a:solidFill>
+                <a:effectLst/>
+                <a:latin typeface="+mn-lt"/>
+                <a:ea typeface="+mn-ea"/>
+                <a:cs typeface="+mn-cs"/>
+              </a:rPr>
+              <a:t>Có</a:t>
+            </a:r>
+            <a:r>
+              <a:rPr lang="en-US" sz="1100" b="0" i="0" kern="1200" dirty="0" smtClean="0">
+                <a:solidFill>
+                  <a:schemeClr val="tx1"/>
+                </a:solidFill>
+                <a:effectLst/>
+                <a:latin typeface="+mn-lt"/>
+                <a:ea typeface="+mn-ea"/>
+                <a:cs typeface="+mn-cs"/>
+              </a:rPr>
+              <a:t> </a:t>
+            </a:r>
+            <a:r>
+              <a:rPr lang="en-US" sz="1100" b="0" i="0" kern="1200" dirty="0" err="1" smtClean="0">
+                <a:solidFill>
+                  <a:schemeClr val="tx1"/>
+                </a:solidFill>
+                <a:effectLst/>
+                <a:latin typeface="+mn-lt"/>
+                <a:ea typeface="+mn-ea"/>
+                <a:cs typeface="+mn-cs"/>
+              </a:rPr>
+              <a:t>thể</a:t>
+            </a:r>
+            <a:r>
+              <a:rPr lang="en-US" sz="1100" b="0" i="0" kern="1200" dirty="0" smtClean="0">
+                <a:solidFill>
+                  <a:schemeClr val="tx1"/>
+                </a:solidFill>
+                <a:effectLst/>
+                <a:latin typeface="+mn-lt"/>
+                <a:ea typeface="+mn-ea"/>
+                <a:cs typeface="+mn-cs"/>
+              </a:rPr>
+              <a:t> </a:t>
+            </a:r>
+            <a:r>
+              <a:rPr lang="en-US" sz="1100" b="0" i="0" kern="1200" dirty="0" err="1" smtClean="0">
+                <a:solidFill>
+                  <a:schemeClr val="tx1"/>
+                </a:solidFill>
+                <a:effectLst/>
+                <a:latin typeface="+mn-lt"/>
+                <a:ea typeface="+mn-ea"/>
+                <a:cs typeface="+mn-cs"/>
+              </a:rPr>
+              <a:t>lấy</a:t>
+            </a:r>
+            <a:r>
+              <a:rPr lang="en-US" sz="1100" b="0" i="0" kern="1200" dirty="0" smtClean="0">
+                <a:solidFill>
+                  <a:schemeClr val="tx1"/>
+                </a:solidFill>
+                <a:effectLst/>
+                <a:latin typeface="+mn-lt"/>
+                <a:ea typeface="+mn-ea"/>
+                <a:cs typeface="+mn-cs"/>
+              </a:rPr>
+              <a:t> </a:t>
+            </a:r>
+            <a:r>
+              <a:rPr lang="en-US" sz="1100" b="0" i="0" kern="1200" dirty="0" err="1" smtClean="0">
+                <a:solidFill>
+                  <a:schemeClr val="tx1"/>
+                </a:solidFill>
+                <a:effectLst/>
+                <a:latin typeface="+mn-lt"/>
+                <a:ea typeface="+mn-ea"/>
+                <a:cs typeface="+mn-cs"/>
+              </a:rPr>
+              <a:t>được</a:t>
+            </a:r>
+            <a:r>
+              <a:rPr lang="en-US" sz="1100" b="0" i="0" kern="1200" dirty="0" smtClean="0">
+                <a:solidFill>
+                  <a:schemeClr val="tx1"/>
+                </a:solidFill>
+                <a:effectLst/>
+                <a:latin typeface="+mn-lt"/>
+                <a:ea typeface="+mn-ea"/>
+                <a:cs typeface="+mn-cs"/>
+              </a:rPr>
+              <a:t> </a:t>
+            </a:r>
+            <a:r>
+              <a:rPr lang="en-US" sz="1100" b="0" i="0" kern="1200" dirty="0" err="1" smtClean="0">
+                <a:solidFill>
+                  <a:schemeClr val="tx1"/>
+                </a:solidFill>
+                <a:effectLst/>
+                <a:latin typeface="+mn-lt"/>
+                <a:ea typeface="+mn-ea"/>
+                <a:cs typeface="+mn-cs"/>
+              </a:rPr>
+              <a:t>các</a:t>
+            </a:r>
+            <a:r>
+              <a:rPr lang="en-US" sz="1100" b="0" i="0" kern="1200" dirty="0" smtClean="0">
+                <a:solidFill>
+                  <a:schemeClr val="tx1"/>
+                </a:solidFill>
+                <a:effectLst/>
+                <a:latin typeface="+mn-lt"/>
+                <a:ea typeface="+mn-ea"/>
+                <a:cs typeface="+mn-cs"/>
+              </a:rPr>
+              <a:t> </a:t>
+            </a:r>
+            <a:r>
+              <a:rPr lang="en-US" sz="1100" b="0" i="0" kern="1200" dirty="0" err="1" smtClean="0">
+                <a:solidFill>
+                  <a:schemeClr val="tx1"/>
+                </a:solidFill>
+                <a:effectLst/>
+                <a:latin typeface="+mn-lt"/>
+                <a:ea typeface="+mn-ea"/>
+                <a:cs typeface="+mn-cs"/>
+              </a:rPr>
+              <a:t>đối</a:t>
+            </a:r>
+            <a:r>
+              <a:rPr lang="en-US" sz="1100" b="0" i="0" kern="1200" dirty="0" smtClean="0">
+                <a:solidFill>
+                  <a:schemeClr val="tx1"/>
+                </a:solidFill>
+                <a:effectLst/>
+                <a:latin typeface="+mn-lt"/>
+                <a:ea typeface="+mn-ea"/>
+                <a:cs typeface="+mn-cs"/>
+              </a:rPr>
+              <a:t> </a:t>
+            </a:r>
+            <a:r>
+              <a:rPr lang="en-US" sz="1100" b="0" i="0" kern="1200" dirty="0" err="1" smtClean="0">
+                <a:solidFill>
+                  <a:schemeClr val="tx1"/>
+                </a:solidFill>
+                <a:effectLst/>
+                <a:latin typeface="+mn-lt"/>
+                <a:ea typeface="+mn-ea"/>
+                <a:cs typeface="+mn-cs"/>
+              </a:rPr>
+              <a:t>tượng</a:t>
+            </a:r>
+            <a:r>
+              <a:rPr lang="en-US" sz="1100" b="0" i="0" kern="1200" dirty="0" smtClean="0">
+                <a:solidFill>
+                  <a:schemeClr val="tx1"/>
+                </a:solidFill>
+                <a:effectLst/>
+                <a:latin typeface="+mn-lt"/>
+                <a:ea typeface="+mn-ea"/>
+                <a:cs typeface="+mn-cs"/>
+              </a:rPr>
+              <a:t> </a:t>
+            </a:r>
+            <a:r>
+              <a:rPr lang="en-US" sz="1100" b="0" i="0" kern="1200" dirty="0" err="1" smtClean="0">
+                <a:solidFill>
+                  <a:schemeClr val="tx1"/>
+                </a:solidFill>
+                <a:effectLst/>
+                <a:latin typeface="+mn-lt"/>
+                <a:ea typeface="+mn-ea"/>
+                <a:cs typeface="+mn-cs"/>
+              </a:rPr>
+              <a:t>này</a:t>
+            </a:r>
+            <a:r>
+              <a:rPr lang="en-US" sz="1100" b="0" i="0" kern="1200" dirty="0" smtClean="0">
+                <a:solidFill>
+                  <a:schemeClr val="tx1"/>
+                </a:solidFill>
+                <a:effectLst/>
+                <a:latin typeface="+mn-lt"/>
+                <a:ea typeface="+mn-ea"/>
+                <a:cs typeface="+mn-cs"/>
+              </a:rPr>
+              <a:t> </a:t>
+            </a:r>
+            <a:r>
+              <a:rPr lang="en-US" sz="1100" b="0" i="0" kern="1200" dirty="0" err="1" smtClean="0">
+                <a:solidFill>
+                  <a:schemeClr val="tx1"/>
+                </a:solidFill>
+                <a:effectLst/>
+                <a:latin typeface="+mn-lt"/>
+                <a:ea typeface="+mn-ea"/>
+                <a:cs typeface="+mn-cs"/>
+              </a:rPr>
+              <a:t>thông</a:t>
+            </a:r>
+            <a:r>
+              <a:rPr lang="en-US" sz="1100" b="0" i="0" kern="1200" dirty="0" smtClean="0">
+                <a:solidFill>
+                  <a:schemeClr val="tx1"/>
+                </a:solidFill>
+                <a:effectLst/>
+                <a:latin typeface="+mn-lt"/>
+                <a:ea typeface="+mn-ea"/>
+                <a:cs typeface="+mn-cs"/>
+              </a:rPr>
+              <a:t> qua </a:t>
+            </a:r>
+            <a:r>
+              <a:rPr lang="en-US" sz="1100" b="0" i="0" kern="1200" dirty="0" err="1" smtClean="0">
+                <a:solidFill>
+                  <a:schemeClr val="tx1"/>
+                </a:solidFill>
+                <a:effectLst/>
+                <a:latin typeface="+mn-lt"/>
+                <a:ea typeface="+mn-ea"/>
+                <a:cs typeface="+mn-cs"/>
+              </a:rPr>
+              <a:t>các</a:t>
+            </a:r>
+            <a:r>
+              <a:rPr lang="en-US" sz="1100" b="0" i="0" kern="1200" dirty="0" smtClean="0">
+                <a:solidFill>
+                  <a:schemeClr val="tx1"/>
+                </a:solidFill>
+                <a:effectLst/>
+                <a:latin typeface="+mn-lt"/>
+                <a:ea typeface="+mn-ea"/>
+                <a:cs typeface="+mn-cs"/>
+              </a:rPr>
+              <a:t> property </a:t>
+            </a:r>
+            <a:r>
+              <a:rPr lang="en-US" sz="1100" b="0" i="0" kern="1200" dirty="0" err="1" smtClean="0">
+                <a:solidFill>
+                  <a:schemeClr val="tx1"/>
+                </a:solidFill>
+                <a:effectLst/>
+                <a:latin typeface="+mn-lt"/>
+                <a:ea typeface="+mn-ea"/>
+                <a:cs typeface="+mn-cs"/>
+              </a:rPr>
+              <a:t>tương</a:t>
+            </a:r>
+            <a:r>
+              <a:rPr lang="en-US" sz="1100" b="0" i="0" kern="1200" dirty="0" smtClean="0">
+                <a:solidFill>
+                  <a:schemeClr val="tx1"/>
+                </a:solidFill>
+                <a:effectLst/>
+                <a:latin typeface="+mn-lt"/>
+                <a:ea typeface="+mn-ea"/>
+                <a:cs typeface="+mn-cs"/>
+              </a:rPr>
+              <a:t> </a:t>
+            </a:r>
+            <a:r>
+              <a:rPr lang="en-US" sz="1100" b="0" i="0" kern="1200" dirty="0" err="1" smtClean="0">
+                <a:solidFill>
+                  <a:schemeClr val="tx1"/>
+                </a:solidFill>
+                <a:effectLst/>
+                <a:latin typeface="+mn-lt"/>
+                <a:ea typeface="+mn-ea"/>
+                <a:cs typeface="+mn-cs"/>
+              </a:rPr>
+              <a:t>ứng</a:t>
+            </a:r>
+            <a:r>
+              <a:rPr lang="en-US" sz="1100" b="0" i="0" kern="1200" dirty="0" smtClean="0">
+                <a:solidFill>
+                  <a:schemeClr val="tx1"/>
+                </a:solidFill>
+                <a:effectLst/>
+                <a:latin typeface="+mn-lt"/>
+                <a:ea typeface="+mn-ea"/>
+                <a:cs typeface="+mn-cs"/>
+              </a:rPr>
+              <a:t> </a:t>
+            </a:r>
+            <a:r>
+              <a:rPr lang="en-US" sz="1100" b="0" i="0" kern="1200" dirty="0" err="1" smtClean="0">
+                <a:solidFill>
+                  <a:schemeClr val="tx1"/>
+                </a:solidFill>
+                <a:effectLst/>
+                <a:latin typeface="+mn-lt"/>
+                <a:ea typeface="+mn-ea"/>
+                <a:cs typeface="+mn-cs"/>
+              </a:rPr>
+              <a:t>của</a:t>
+            </a:r>
+            <a:r>
+              <a:rPr lang="en-US" sz="1100" b="0" i="0" kern="1200" dirty="0" smtClean="0">
+                <a:solidFill>
+                  <a:schemeClr val="tx1"/>
+                </a:solidFill>
+                <a:effectLst/>
+                <a:latin typeface="+mn-lt"/>
+                <a:ea typeface="+mn-ea"/>
+                <a:cs typeface="+mn-cs"/>
+              </a:rPr>
+              <a:t> </a:t>
+            </a:r>
+            <a:r>
+              <a:rPr lang="en-US" sz="1100" b="0" i="0" kern="1200" dirty="0" err="1" smtClean="0">
+                <a:solidFill>
+                  <a:schemeClr val="tx1"/>
+                </a:solidFill>
+                <a:effectLst/>
+                <a:latin typeface="+mn-lt"/>
+                <a:ea typeface="+mn-ea"/>
+                <a:cs typeface="+mn-cs"/>
+              </a:rPr>
+              <a:t>ObjectContext</a:t>
+            </a:r>
+            <a:r>
+              <a:rPr lang="en-US" sz="1100" b="0" i="0" kern="1200" dirty="0" smtClean="0">
+                <a:solidFill>
+                  <a:schemeClr val="tx1"/>
+                </a:solidFill>
+                <a:effectLst/>
+                <a:latin typeface="+mn-lt"/>
+                <a:ea typeface="+mn-ea"/>
+                <a:cs typeface="+mn-cs"/>
+              </a:rPr>
+              <a:t>.</a:t>
+            </a:r>
+          </a:p>
+          <a:p>
+            <a:endParaRPr lang="en-US" sz="1100" b="0" i="0" kern="1200" baseline="0" dirty="0" smtClean="0">
+              <a:solidFill>
+                <a:schemeClr val="tx1"/>
+              </a:solidFill>
+              <a:effectLst/>
+              <a:latin typeface="+mn-lt"/>
+              <a:ea typeface="+mn-ea"/>
+              <a:cs typeface="+mn-cs"/>
+            </a:endParaRPr>
+          </a:p>
+          <a:p>
+            <a:r>
+              <a:rPr lang="en-US" sz="1100" b="0" i="0" u="none" strike="noStrike" kern="1200" dirty="0" smtClean="0">
+                <a:solidFill>
+                  <a:schemeClr val="tx1"/>
+                </a:solidFill>
+                <a:effectLst/>
+                <a:latin typeface="+mn-lt"/>
+                <a:ea typeface="+mn-ea"/>
+                <a:cs typeface="+mn-cs"/>
+                <a:hlinkClick r:id="rId5"/>
+              </a:rPr>
+              <a:t>	EntityObject</a:t>
+            </a:r>
+            <a:r>
+              <a:rPr lang="en-US" sz="1100" b="0" i="0" kern="1200" dirty="0" smtClean="0">
+                <a:solidFill>
+                  <a:schemeClr val="tx1"/>
+                </a:solidFill>
+                <a:effectLst/>
+                <a:latin typeface="+mn-lt"/>
+                <a:ea typeface="+mn-ea"/>
+                <a:cs typeface="+mn-cs"/>
+              </a:rPr>
+              <a:t>, </a:t>
+            </a:r>
+            <a:r>
+              <a:rPr lang="en-US" sz="1100" b="0" i="0" u="none" strike="noStrike" kern="1200" dirty="0" smtClean="0">
+                <a:solidFill>
+                  <a:schemeClr val="tx1"/>
+                </a:solidFill>
+                <a:effectLst/>
+                <a:latin typeface="+mn-lt"/>
+                <a:ea typeface="+mn-ea"/>
+                <a:cs typeface="+mn-cs"/>
+                <a:hlinkClick r:id="rId6"/>
+              </a:rPr>
+              <a:t>ComplexObject</a:t>
+            </a:r>
+            <a:r>
+              <a:rPr lang="en-US" sz="1100" b="0" i="0" kern="1200" dirty="0" smtClean="0">
+                <a:solidFill>
+                  <a:schemeClr val="tx1"/>
+                </a:solidFill>
+                <a:effectLst/>
+                <a:latin typeface="+mn-lt"/>
+                <a:ea typeface="+mn-ea"/>
+                <a:cs typeface="+mn-cs"/>
+              </a:rPr>
+              <a:t> </a:t>
+            </a:r>
+            <a:r>
+              <a:rPr lang="en-US" sz="1100" b="0" i="0" kern="1200" dirty="0" err="1" smtClean="0">
+                <a:solidFill>
+                  <a:schemeClr val="tx1"/>
+                </a:solidFill>
+                <a:effectLst/>
+                <a:latin typeface="+mn-lt"/>
+                <a:ea typeface="+mn-ea"/>
+                <a:cs typeface="+mn-cs"/>
+              </a:rPr>
+              <a:t>là</a:t>
+            </a:r>
+            <a:r>
+              <a:rPr lang="en-US" sz="1100" b="0" i="0" kern="1200" dirty="0" smtClean="0">
+                <a:solidFill>
+                  <a:schemeClr val="tx1"/>
+                </a:solidFill>
+                <a:effectLst/>
+                <a:latin typeface="+mn-lt"/>
+                <a:ea typeface="+mn-ea"/>
+                <a:cs typeface="+mn-cs"/>
+              </a:rPr>
+              <a:t> </a:t>
+            </a:r>
+            <a:r>
+              <a:rPr lang="en-US" sz="1100" b="0" i="0" kern="1200" dirty="0" err="1" smtClean="0">
+                <a:solidFill>
+                  <a:schemeClr val="tx1"/>
+                </a:solidFill>
+                <a:effectLst/>
+                <a:latin typeface="+mn-lt"/>
+                <a:ea typeface="+mn-ea"/>
+                <a:cs typeface="+mn-cs"/>
+              </a:rPr>
+              <a:t>các</a:t>
+            </a:r>
+            <a:r>
+              <a:rPr lang="en-US" sz="1100" b="0" i="0" kern="1200" dirty="0" smtClean="0">
+                <a:solidFill>
+                  <a:schemeClr val="tx1"/>
+                </a:solidFill>
+                <a:effectLst/>
+                <a:latin typeface="+mn-lt"/>
+                <a:ea typeface="+mn-ea"/>
+                <a:cs typeface="+mn-cs"/>
+              </a:rPr>
+              <a:t> </a:t>
+            </a:r>
+            <a:r>
+              <a:rPr lang="en-US" sz="1100" b="0" i="0" kern="1200" dirty="0" err="1" smtClean="0">
+                <a:solidFill>
+                  <a:schemeClr val="tx1"/>
+                </a:solidFill>
+                <a:effectLst/>
+                <a:latin typeface="+mn-lt"/>
+                <a:ea typeface="+mn-ea"/>
+                <a:cs typeface="+mn-cs"/>
+              </a:rPr>
+              <a:t>lớp</a:t>
+            </a:r>
+            <a:r>
+              <a:rPr lang="en-US" sz="1100" b="0" i="0" kern="1200" dirty="0" smtClean="0">
+                <a:solidFill>
+                  <a:schemeClr val="tx1"/>
+                </a:solidFill>
+                <a:effectLst/>
+                <a:latin typeface="+mn-lt"/>
+                <a:ea typeface="+mn-ea"/>
+                <a:cs typeface="+mn-cs"/>
+              </a:rPr>
+              <a:t> </a:t>
+            </a:r>
+            <a:r>
+              <a:rPr lang="en-US" sz="1100" b="0" i="0" kern="1200" dirty="0" err="1" smtClean="0">
+                <a:solidFill>
+                  <a:schemeClr val="tx1"/>
+                </a:solidFill>
+                <a:effectLst/>
+                <a:latin typeface="+mn-lt"/>
+                <a:ea typeface="+mn-ea"/>
+                <a:cs typeface="+mn-cs"/>
+              </a:rPr>
+              <a:t>tương</a:t>
+            </a:r>
+            <a:r>
+              <a:rPr lang="en-US" sz="1100" b="0" i="0" kern="1200" dirty="0" smtClean="0">
+                <a:solidFill>
+                  <a:schemeClr val="tx1"/>
+                </a:solidFill>
+                <a:effectLst/>
+                <a:latin typeface="+mn-lt"/>
+                <a:ea typeface="+mn-ea"/>
+                <a:cs typeface="+mn-cs"/>
+              </a:rPr>
+              <a:t> </a:t>
+            </a:r>
+            <a:r>
+              <a:rPr lang="en-US" sz="1100" b="0" i="0" kern="1200" dirty="0" err="1" smtClean="0">
+                <a:solidFill>
+                  <a:schemeClr val="tx1"/>
+                </a:solidFill>
+                <a:effectLst/>
+                <a:latin typeface="+mn-lt"/>
+                <a:ea typeface="+mn-ea"/>
+                <a:cs typeface="+mn-cs"/>
+              </a:rPr>
+              <a:t>ứng</a:t>
+            </a:r>
+            <a:r>
+              <a:rPr lang="en-US" sz="1100" b="0" i="0" kern="1200" dirty="0" smtClean="0">
+                <a:solidFill>
+                  <a:schemeClr val="tx1"/>
+                </a:solidFill>
+                <a:effectLst/>
+                <a:latin typeface="+mn-lt"/>
+                <a:ea typeface="+mn-ea"/>
+                <a:cs typeface="+mn-cs"/>
+              </a:rPr>
+              <a:t> </a:t>
+            </a:r>
+            <a:r>
+              <a:rPr lang="en-US" sz="1100" b="0" i="0" kern="1200" dirty="0" err="1" smtClean="0">
+                <a:solidFill>
+                  <a:schemeClr val="tx1"/>
+                </a:solidFill>
+                <a:effectLst/>
+                <a:latin typeface="+mn-lt"/>
+                <a:ea typeface="+mn-ea"/>
+                <a:cs typeface="+mn-cs"/>
+              </a:rPr>
+              <a:t>cho</a:t>
+            </a:r>
+            <a:r>
+              <a:rPr lang="en-US" sz="1100" b="0" i="0" kern="1200" dirty="0" smtClean="0">
+                <a:solidFill>
+                  <a:schemeClr val="tx1"/>
+                </a:solidFill>
+                <a:effectLst/>
+                <a:latin typeface="+mn-lt"/>
+                <a:ea typeface="+mn-ea"/>
+                <a:cs typeface="+mn-cs"/>
+              </a:rPr>
+              <a:t> </a:t>
+            </a:r>
+            <a:r>
+              <a:rPr lang="en-US" sz="1100" b="0" i="0" kern="1200" dirty="0" err="1" smtClean="0">
+                <a:solidFill>
+                  <a:schemeClr val="tx1"/>
+                </a:solidFill>
+                <a:effectLst/>
+                <a:latin typeface="+mn-lt"/>
+                <a:ea typeface="+mn-ea"/>
+                <a:cs typeface="+mn-cs"/>
+              </a:rPr>
+              <a:t>một</a:t>
+            </a:r>
+            <a:r>
+              <a:rPr lang="en-US" sz="1100" b="0" i="0" kern="1200" dirty="0" smtClean="0">
+                <a:solidFill>
+                  <a:schemeClr val="tx1"/>
+                </a:solidFill>
+                <a:effectLst/>
+                <a:latin typeface="+mn-lt"/>
+                <a:ea typeface="+mn-ea"/>
+                <a:cs typeface="+mn-cs"/>
+              </a:rPr>
+              <a:t> </a:t>
+            </a:r>
+            <a:r>
+              <a:rPr lang="en-US" sz="1100" b="0" i="0" kern="1200" dirty="0" err="1" smtClean="0">
+                <a:solidFill>
+                  <a:schemeClr val="tx1"/>
+                </a:solidFill>
+                <a:effectLst/>
+                <a:latin typeface="+mn-lt"/>
+                <a:ea typeface="+mn-ea"/>
+                <a:cs typeface="+mn-cs"/>
+              </a:rPr>
+              <a:t>dòng</a:t>
+            </a:r>
+            <a:r>
+              <a:rPr lang="en-US" sz="1100" b="0" i="0" kern="1200" dirty="0" smtClean="0">
+                <a:solidFill>
+                  <a:schemeClr val="tx1"/>
+                </a:solidFill>
+                <a:effectLst/>
+                <a:latin typeface="+mn-lt"/>
+                <a:ea typeface="+mn-ea"/>
+                <a:cs typeface="+mn-cs"/>
+              </a:rPr>
+              <a:t> </a:t>
+            </a:r>
+            <a:r>
+              <a:rPr lang="en-US" sz="1100" b="0" i="0" kern="1200" dirty="0" err="1" smtClean="0">
+                <a:solidFill>
+                  <a:schemeClr val="tx1"/>
+                </a:solidFill>
+                <a:effectLst/>
+                <a:latin typeface="+mn-lt"/>
+                <a:ea typeface="+mn-ea"/>
+                <a:cs typeface="+mn-cs"/>
+              </a:rPr>
+              <a:t>dữ</a:t>
+            </a:r>
+            <a:r>
+              <a:rPr lang="en-US" sz="1100" b="0" i="0" kern="1200" dirty="0" smtClean="0">
+                <a:solidFill>
+                  <a:schemeClr val="tx1"/>
+                </a:solidFill>
+                <a:effectLst/>
+                <a:latin typeface="+mn-lt"/>
+                <a:ea typeface="+mn-ea"/>
+                <a:cs typeface="+mn-cs"/>
+              </a:rPr>
+              <a:t> </a:t>
+            </a:r>
+            <a:r>
+              <a:rPr lang="en-US" sz="1100" b="0" i="0" kern="1200" dirty="0" err="1" smtClean="0">
+                <a:solidFill>
+                  <a:schemeClr val="tx1"/>
+                </a:solidFill>
+                <a:effectLst/>
+                <a:latin typeface="+mn-lt"/>
+                <a:ea typeface="+mn-ea"/>
+                <a:cs typeface="+mn-cs"/>
+              </a:rPr>
+              <a:t>liệu</a:t>
+            </a:r>
+            <a:r>
+              <a:rPr lang="en-US" sz="1100" b="0" i="0" kern="1200" dirty="0" smtClean="0">
+                <a:solidFill>
+                  <a:schemeClr val="tx1"/>
+                </a:solidFill>
+                <a:effectLst/>
+                <a:latin typeface="+mn-lt"/>
+                <a:ea typeface="+mn-ea"/>
+                <a:cs typeface="+mn-cs"/>
+              </a:rPr>
+              <a:t> </a:t>
+            </a:r>
+            <a:r>
+              <a:rPr lang="en-US" sz="1100" b="0" i="0" kern="1200" dirty="0" err="1" smtClean="0">
+                <a:solidFill>
+                  <a:schemeClr val="tx1"/>
+                </a:solidFill>
+                <a:effectLst/>
+                <a:latin typeface="+mn-lt"/>
+                <a:ea typeface="+mn-ea"/>
+                <a:cs typeface="+mn-cs"/>
+              </a:rPr>
+              <a:t>của</a:t>
+            </a:r>
+            <a:r>
+              <a:rPr lang="en-US" sz="1100" b="0" i="0" kern="1200" dirty="0" smtClean="0">
+                <a:solidFill>
+                  <a:schemeClr val="tx1"/>
+                </a:solidFill>
+                <a:effectLst/>
+                <a:latin typeface="+mn-lt"/>
+                <a:ea typeface="+mn-ea"/>
+                <a:cs typeface="+mn-cs"/>
+              </a:rPr>
+              <a:t> table </a:t>
+            </a:r>
+            <a:r>
+              <a:rPr lang="en-US" sz="1100" b="0" i="0" kern="1200" dirty="0" err="1" smtClean="0">
+                <a:solidFill>
+                  <a:schemeClr val="tx1"/>
+                </a:solidFill>
+                <a:effectLst/>
+                <a:latin typeface="+mn-lt"/>
+                <a:ea typeface="+mn-ea"/>
+                <a:cs typeface="+mn-cs"/>
+              </a:rPr>
+              <a:t>trong</a:t>
+            </a:r>
+            <a:r>
+              <a:rPr lang="en-US" sz="1100" b="0" i="0" kern="1200" dirty="0" smtClean="0">
+                <a:solidFill>
+                  <a:schemeClr val="tx1"/>
+                </a:solidFill>
+                <a:effectLst/>
+                <a:latin typeface="+mn-lt"/>
+                <a:ea typeface="+mn-ea"/>
+                <a:cs typeface="+mn-cs"/>
+              </a:rPr>
+              <a:t> database. </a:t>
+            </a:r>
+            <a:r>
+              <a:rPr lang="en-US" sz="1100" b="0" i="0" kern="1200" dirty="0" err="1" smtClean="0">
+                <a:solidFill>
+                  <a:schemeClr val="tx1"/>
+                </a:solidFill>
+                <a:effectLst/>
+                <a:latin typeface="+mn-lt"/>
+                <a:ea typeface="+mn-ea"/>
+                <a:cs typeface="+mn-cs"/>
+              </a:rPr>
+              <a:t>Khác</a:t>
+            </a:r>
+            <a:r>
+              <a:rPr lang="en-US" sz="1100" b="0" i="0" kern="1200" dirty="0" smtClean="0">
+                <a:solidFill>
+                  <a:schemeClr val="tx1"/>
+                </a:solidFill>
+                <a:effectLst/>
+                <a:latin typeface="+mn-lt"/>
+                <a:ea typeface="+mn-ea"/>
+                <a:cs typeface="+mn-cs"/>
+              </a:rPr>
+              <a:t> </a:t>
+            </a:r>
+            <a:r>
+              <a:rPr lang="en-US" sz="1100" b="0" i="0" kern="1200" dirty="0" err="1" smtClean="0">
+                <a:solidFill>
+                  <a:schemeClr val="tx1"/>
+                </a:solidFill>
+                <a:effectLst/>
+                <a:latin typeface="+mn-lt"/>
+                <a:ea typeface="+mn-ea"/>
+                <a:cs typeface="+mn-cs"/>
+              </a:rPr>
+              <a:t>biệt</a:t>
+            </a:r>
+            <a:r>
+              <a:rPr lang="en-US" sz="1100" b="0" i="0" kern="1200" dirty="0" smtClean="0">
+                <a:solidFill>
+                  <a:schemeClr val="tx1"/>
+                </a:solidFill>
+                <a:effectLst/>
+                <a:latin typeface="+mn-lt"/>
+                <a:ea typeface="+mn-ea"/>
+                <a:cs typeface="+mn-cs"/>
+              </a:rPr>
+              <a:t> </a:t>
+            </a:r>
+            <a:r>
+              <a:rPr lang="en-US" sz="1100" b="0" i="0" kern="1200" dirty="0" err="1" smtClean="0">
+                <a:solidFill>
+                  <a:schemeClr val="tx1"/>
+                </a:solidFill>
+                <a:effectLst/>
+                <a:latin typeface="+mn-lt"/>
+                <a:ea typeface="+mn-ea"/>
+                <a:cs typeface="+mn-cs"/>
+              </a:rPr>
+              <a:t>chính</a:t>
+            </a:r>
+            <a:r>
+              <a:rPr lang="en-US" sz="1100" b="0" i="0" kern="1200" dirty="0" smtClean="0">
+                <a:solidFill>
+                  <a:schemeClr val="tx1"/>
+                </a:solidFill>
+                <a:effectLst/>
+                <a:latin typeface="+mn-lt"/>
+                <a:ea typeface="+mn-ea"/>
+                <a:cs typeface="+mn-cs"/>
+              </a:rPr>
+              <a:t> </a:t>
+            </a:r>
+            <a:r>
+              <a:rPr lang="en-US" sz="1100" b="0" i="0" kern="1200" dirty="0" err="1" smtClean="0">
+                <a:solidFill>
+                  <a:schemeClr val="tx1"/>
+                </a:solidFill>
+                <a:effectLst/>
+                <a:latin typeface="+mn-lt"/>
+                <a:ea typeface="+mn-ea"/>
+                <a:cs typeface="+mn-cs"/>
+              </a:rPr>
+              <a:t>giữa</a:t>
+            </a:r>
+            <a:r>
+              <a:rPr lang="en-US" sz="1100" b="0" i="0" kern="1200" dirty="0" smtClean="0">
+                <a:solidFill>
+                  <a:schemeClr val="tx1"/>
+                </a:solidFill>
+                <a:effectLst/>
+                <a:latin typeface="+mn-lt"/>
+                <a:ea typeface="+mn-ea"/>
+                <a:cs typeface="+mn-cs"/>
+              </a:rPr>
+              <a:t> </a:t>
+            </a:r>
+            <a:r>
+              <a:rPr lang="en-US" sz="1100" b="0" i="0" kern="1200" dirty="0" err="1" smtClean="0">
+                <a:solidFill>
+                  <a:schemeClr val="tx1"/>
+                </a:solidFill>
+                <a:effectLst/>
+                <a:latin typeface="+mn-lt"/>
+                <a:ea typeface="+mn-ea"/>
+                <a:cs typeface="+mn-cs"/>
+              </a:rPr>
+              <a:t>hai</a:t>
+            </a:r>
+            <a:r>
+              <a:rPr lang="en-US" sz="1100" b="0" i="0" kern="1200" dirty="0" smtClean="0">
+                <a:solidFill>
+                  <a:schemeClr val="tx1"/>
+                </a:solidFill>
+                <a:effectLst/>
+                <a:latin typeface="+mn-lt"/>
+                <a:ea typeface="+mn-ea"/>
+                <a:cs typeface="+mn-cs"/>
+              </a:rPr>
+              <a:t> </a:t>
+            </a:r>
+            <a:r>
+              <a:rPr lang="en-US" sz="1100" b="0" i="0" kern="1200" dirty="0" err="1" smtClean="0">
+                <a:solidFill>
+                  <a:schemeClr val="tx1"/>
+                </a:solidFill>
+                <a:effectLst/>
+                <a:latin typeface="+mn-lt"/>
+                <a:ea typeface="+mn-ea"/>
+                <a:cs typeface="+mn-cs"/>
+              </a:rPr>
+              <a:t>loại</a:t>
+            </a:r>
+            <a:r>
+              <a:rPr lang="en-US" sz="1100" b="0" i="0" kern="1200" dirty="0" smtClean="0">
+                <a:solidFill>
+                  <a:schemeClr val="tx1"/>
+                </a:solidFill>
+                <a:effectLst/>
+                <a:latin typeface="+mn-lt"/>
+                <a:ea typeface="+mn-ea"/>
+                <a:cs typeface="+mn-cs"/>
+              </a:rPr>
+              <a:t> </a:t>
+            </a:r>
+            <a:r>
+              <a:rPr lang="en-US" sz="1100" b="0" i="0" kern="1200" dirty="0" err="1" smtClean="0">
+                <a:solidFill>
+                  <a:schemeClr val="tx1"/>
+                </a:solidFill>
+                <a:effectLst/>
+                <a:latin typeface="+mn-lt"/>
+                <a:ea typeface="+mn-ea"/>
+                <a:cs typeface="+mn-cs"/>
+              </a:rPr>
+              <a:t>này</a:t>
+            </a:r>
+            <a:r>
+              <a:rPr lang="en-US" sz="1100" b="0" i="0" kern="1200" dirty="0" smtClean="0">
+                <a:solidFill>
+                  <a:schemeClr val="tx1"/>
+                </a:solidFill>
+                <a:effectLst/>
+                <a:latin typeface="+mn-lt"/>
+                <a:ea typeface="+mn-ea"/>
+                <a:cs typeface="+mn-cs"/>
+              </a:rPr>
+              <a:t> </a:t>
+            </a:r>
+            <a:r>
+              <a:rPr lang="en-US" sz="1100" b="0" i="0" kern="1200" dirty="0" err="1" smtClean="0">
+                <a:solidFill>
+                  <a:schemeClr val="tx1"/>
+                </a:solidFill>
+                <a:effectLst/>
+                <a:latin typeface="+mn-lt"/>
+                <a:ea typeface="+mn-ea"/>
+                <a:cs typeface="+mn-cs"/>
+              </a:rPr>
+              <a:t>là</a:t>
+            </a:r>
+            <a:r>
+              <a:rPr lang="en-US" sz="1100" b="0" i="0" kern="1200" dirty="0" smtClean="0">
+                <a:solidFill>
+                  <a:schemeClr val="tx1"/>
+                </a:solidFill>
+                <a:effectLst/>
+                <a:latin typeface="+mn-lt"/>
+                <a:ea typeface="+mn-ea"/>
+                <a:cs typeface="+mn-cs"/>
+              </a:rPr>
+              <a:t> </a:t>
+            </a:r>
+            <a:r>
+              <a:rPr lang="en-US" sz="1100" b="0" i="0" kern="1200" dirty="0" err="1" smtClean="0">
+                <a:solidFill>
+                  <a:schemeClr val="tx1"/>
+                </a:solidFill>
+                <a:effectLst/>
+                <a:latin typeface="+mn-lt"/>
+                <a:ea typeface="+mn-ea"/>
+                <a:cs typeface="+mn-cs"/>
+              </a:rPr>
+              <a:t>ComplexObject</a:t>
+            </a:r>
+            <a:r>
+              <a:rPr lang="en-US" sz="1100" b="0" i="0" kern="1200" dirty="0" smtClean="0">
+                <a:solidFill>
+                  <a:schemeClr val="tx1"/>
+                </a:solidFill>
+                <a:effectLst/>
+                <a:latin typeface="+mn-lt"/>
+                <a:ea typeface="+mn-ea"/>
+                <a:cs typeface="+mn-cs"/>
+              </a:rPr>
+              <a:t> </a:t>
+            </a:r>
+            <a:r>
+              <a:rPr lang="en-US" sz="1100" b="0" i="0" kern="1200" dirty="0" err="1" smtClean="0">
+                <a:solidFill>
+                  <a:schemeClr val="tx1"/>
+                </a:solidFill>
+                <a:effectLst/>
+                <a:latin typeface="+mn-lt"/>
+                <a:ea typeface="+mn-ea"/>
+                <a:cs typeface="+mn-cs"/>
+              </a:rPr>
+              <a:t>không</a:t>
+            </a:r>
+            <a:r>
+              <a:rPr lang="en-US" sz="1100" b="0" i="0" kern="1200" dirty="0" smtClean="0">
+                <a:solidFill>
+                  <a:schemeClr val="tx1"/>
+                </a:solidFill>
+                <a:effectLst/>
+                <a:latin typeface="+mn-lt"/>
+                <a:ea typeface="+mn-ea"/>
+                <a:cs typeface="+mn-cs"/>
+              </a:rPr>
+              <a:t> </a:t>
+            </a:r>
+            <a:r>
+              <a:rPr lang="en-US" sz="1100" b="0" i="0" kern="1200" dirty="0" err="1" smtClean="0">
+                <a:solidFill>
+                  <a:schemeClr val="tx1"/>
+                </a:solidFill>
+                <a:effectLst/>
+                <a:latin typeface="+mn-lt"/>
+                <a:ea typeface="+mn-ea"/>
+                <a:cs typeface="+mn-cs"/>
+              </a:rPr>
+              <a:t>chứa</a:t>
+            </a:r>
+            <a:r>
+              <a:rPr lang="en-US" sz="1100" b="0" i="0" kern="1200" dirty="0" smtClean="0">
+                <a:solidFill>
+                  <a:schemeClr val="tx1"/>
+                </a:solidFill>
+                <a:effectLst/>
+                <a:latin typeface="+mn-lt"/>
+                <a:ea typeface="+mn-ea"/>
+                <a:cs typeface="+mn-cs"/>
+              </a:rPr>
+              <a:t> primary key.</a:t>
+            </a:r>
+          </a:p>
+          <a:p>
+            <a:endParaRPr lang="en-US" sz="1100" b="0" i="0" kern="1200" dirty="0" smtClean="0">
+              <a:solidFill>
+                <a:schemeClr val="tx1"/>
+              </a:solidFill>
+              <a:effectLst/>
+              <a:latin typeface="+mn-lt"/>
+              <a:ea typeface="+mn-ea"/>
+              <a:cs typeface="+mn-cs"/>
+            </a:endParaRPr>
+          </a:p>
+          <a:p>
+            <a:r>
+              <a:rPr lang="en-US" sz="1100" b="0" i="0" u="sng" kern="1200" dirty="0" smtClean="0">
+                <a:solidFill>
+                  <a:schemeClr val="tx1"/>
+                </a:solidFill>
+                <a:effectLst/>
+                <a:latin typeface="+mn-lt"/>
+                <a:ea typeface="+mn-ea"/>
+                <a:cs typeface="+mn-cs"/>
+                <a:hlinkClick r:id="rId7"/>
+              </a:rPr>
+              <a:t>	EntityCollection&lt;TEntity&gt;</a:t>
+            </a:r>
+            <a:r>
+              <a:rPr lang="en-US" sz="1100" b="0" i="0" kern="1200" dirty="0" smtClean="0">
+                <a:solidFill>
+                  <a:schemeClr val="tx1"/>
+                </a:solidFill>
+                <a:effectLst/>
+                <a:latin typeface="+mn-lt"/>
+                <a:ea typeface="+mn-ea"/>
+                <a:cs typeface="+mn-cs"/>
+              </a:rPr>
+              <a:t> </a:t>
+            </a:r>
+            <a:r>
+              <a:rPr lang="en-US" sz="1100" b="0" i="0" kern="1200" dirty="0" err="1" smtClean="0">
+                <a:solidFill>
+                  <a:schemeClr val="tx1"/>
+                </a:solidFill>
+                <a:effectLst/>
+                <a:latin typeface="+mn-lt"/>
+                <a:ea typeface="+mn-ea"/>
+                <a:cs typeface="+mn-cs"/>
+              </a:rPr>
+              <a:t>và</a:t>
+            </a:r>
+            <a:r>
+              <a:rPr lang="en-US" sz="1100" b="0" i="0" kern="1200" dirty="0" smtClean="0">
+                <a:solidFill>
+                  <a:schemeClr val="tx1"/>
+                </a:solidFill>
+                <a:effectLst/>
+                <a:latin typeface="+mn-lt"/>
+                <a:ea typeface="+mn-ea"/>
+                <a:cs typeface="+mn-cs"/>
+              </a:rPr>
+              <a:t> </a:t>
+            </a:r>
+            <a:r>
+              <a:rPr lang="en-US" sz="1100" b="0" i="0" u="none" strike="noStrike" kern="1200" dirty="0" smtClean="0">
+                <a:solidFill>
+                  <a:schemeClr val="tx1"/>
+                </a:solidFill>
+                <a:effectLst/>
+                <a:latin typeface="+mn-lt"/>
+                <a:ea typeface="+mn-ea"/>
+                <a:cs typeface="+mn-cs"/>
+                <a:hlinkClick r:id="rId8"/>
+              </a:rPr>
+              <a:t>EntityReference&lt;TEntity&gt;</a:t>
+            </a:r>
+            <a:r>
+              <a:rPr lang="en-US" sz="1100" b="0" i="0" kern="1200" dirty="0" smtClean="0">
+                <a:solidFill>
+                  <a:schemeClr val="tx1"/>
+                </a:solidFill>
+                <a:effectLst/>
+                <a:latin typeface="+mn-lt"/>
+                <a:ea typeface="+mn-ea"/>
+                <a:cs typeface="+mn-cs"/>
+              </a:rPr>
+              <a:t>: </a:t>
+            </a:r>
+            <a:r>
+              <a:rPr lang="en-US" sz="1100" b="0" i="0" kern="1200" dirty="0" err="1" smtClean="0">
+                <a:solidFill>
+                  <a:schemeClr val="tx1"/>
+                </a:solidFill>
+                <a:effectLst/>
+                <a:latin typeface="+mn-lt"/>
+                <a:ea typeface="+mn-ea"/>
+                <a:cs typeface="+mn-cs"/>
+              </a:rPr>
+              <a:t>là</a:t>
+            </a:r>
+            <a:r>
+              <a:rPr lang="en-US" sz="1100" b="0" i="0" kern="1200" dirty="0" smtClean="0">
+                <a:solidFill>
+                  <a:schemeClr val="tx1"/>
+                </a:solidFill>
+                <a:effectLst/>
+                <a:latin typeface="+mn-lt"/>
+                <a:ea typeface="+mn-ea"/>
+                <a:cs typeface="+mn-cs"/>
+              </a:rPr>
+              <a:t> </a:t>
+            </a:r>
+            <a:r>
+              <a:rPr lang="en-US" sz="1100" b="0" i="0" kern="1200" dirty="0" err="1" smtClean="0">
+                <a:solidFill>
+                  <a:schemeClr val="tx1"/>
+                </a:solidFill>
+                <a:effectLst/>
+                <a:latin typeface="+mn-lt"/>
+                <a:ea typeface="+mn-ea"/>
+                <a:cs typeface="+mn-cs"/>
+              </a:rPr>
+              <a:t>các</a:t>
+            </a:r>
+            <a:r>
+              <a:rPr lang="en-US" sz="1100" b="0" i="0" kern="1200" dirty="0" smtClean="0">
+                <a:solidFill>
+                  <a:schemeClr val="tx1"/>
+                </a:solidFill>
+                <a:effectLst/>
+                <a:latin typeface="+mn-lt"/>
+                <a:ea typeface="+mn-ea"/>
+                <a:cs typeface="+mn-cs"/>
+              </a:rPr>
+              <a:t> </a:t>
+            </a:r>
+            <a:r>
+              <a:rPr lang="en-US" sz="1100" b="0" i="0" kern="1200" dirty="0" err="1" smtClean="0">
+                <a:solidFill>
+                  <a:schemeClr val="tx1"/>
+                </a:solidFill>
+                <a:effectLst/>
+                <a:latin typeface="+mn-lt"/>
+                <a:ea typeface="+mn-ea"/>
+                <a:cs typeface="+mn-cs"/>
+              </a:rPr>
+              <a:t>đối</a:t>
+            </a:r>
+            <a:r>
+              <a:rPr lang="en-US" sz="1100" b="0" i="0" kern="1200" dirty="0" smtClean="0">
+                <a:solidFill>
+                  <a:schemeClr val="tx1"/>
+                </a:solidFill>
+                <a:effectLst/>
+                <a:latin typeface="+mn-lt"/>
+                <a:ea typeface="+mn-ea"/>
+                <a:cs typeface="+mn-cs"/>
+              </a:rPr>
+              <a:t> </a:t>
+            </a:r>
+            <a:r>
+              <a:rPr lang="en-US" sz="1100" b="0" i="0" kern="1200" dirty="0" err="1" smtClean="0">
+                <a:solidFill>
+                  <a:schemeClr val="tx1"/>
+                </a:solidFill>
+                <a:effectLst/>
+                <a:latin typeface="+mn-lt"/>
+                <a:ea typeface="+mn-ea"/>
+                <a:cs typeface="+mn-cs"/>
+              </a:rPr>
+              <a:t>tượng</a:t>
+            </a:r>
+            <a:r>
+              <a:rPr lang="en-US" sz="1100" b="0" i="0" kern="1200" dirty="0" smtClean="0">
+                <a:solidFill>
+                  <a:schemeClr val="tx1"/>
+                </a:solidFill>
+                <a:effectLst/>
+                <a:latin typeface="+mn-lt"/>
+                <a:ea typeface="+mn-ea"/>
+                <a:cs typeface="+mn-cs"/>
+              </a:rPr>
+              <a:t> </a:t>
+            </a:r>
+            <a:r>
+              <a:rPr lang="en-US" sz="1100" b="0" i="0" kern="1200" dirty="0" err="1" smtClean="0">
+                <a:solidFill>
+                  <a:schemeClr val="tx1"/>
+                </a:solidFill>
+                <a:effectLst/>
+                <a:latin typeface="+mn-lt"/>
+                <a:ea typeface="+mn-ea"/>
+                <a:cs typeface="+mn-cs"/>
+              </a:rPr>
+              <a:t>thể</a:t>
+            </a:r>
+            <a:r>
+              <a:rPr lang="en-US" sz="1100" b="0" i="0" kern="1200" dirty="0" smtClean="0">
+                <a:solidFill>
+                  <a:schemeClr val="tx1"/>
+                </a:solidFill>
+                <a:effectLst/>
+                <a:latin typeface="+mn-lt"/>
+                <a:ea typeface="+mn-ea"/>
+                <a:cs typeface="+mn-cs"/>
+              </a:rPr>
+              <a:t> </a:t>
+            </a:r>
+            <a:r>
+              <a:rPr lang="en-US" sz="1100" b="0" i="0" kern="1200" dirty="0" err="1" smtClean="0">
+                <a:solidFill>
+                  <a:schemeClr val="tx1"/>
+                </a:solidFill>
+                <a:effectLst/>
+                <a:latin typeface="+mn-lt"/>
+                <a:ea typeface="+mn-ea"/>
+                <a:cs typeface="+mn-cs"/>
+              </a:rPr>
+              <a:t>hiện</a:t>
+            </a:r>
+            <a:r>
+              <a:rPr lang="en-US" sz="1100" b="0" i="0" kern="1200" dirty="0" smtClean="0">
+                <a:solidFill>
+                  <a:schemeClr val="tx1"/>
+                </a:solidFill>
+                <a:effectLst/>
+                <a:latin typeface="+mn-lt"/>
+                <a:ea typeface="+mn-ea"/>
+                <a:cs typeface="+mn-cs"/>
+              </a:rPr>
+              <a:t> </a:t>
+            </a:r>
+            <a:r>
+              <a:rPr lang="en-US" sz="1100" b="0" i="0" kern="1200" dirty="0" err="1" smtClean="0">
+                <a:solidFill>
+                  <a:schemeClr val="tx1"/>
+                </a:solidFill>
+                <a:effectLst/>
+                <a:latin typeface="+mn-lt"/>
+                <a:ea typeface="+mn-ea"/>
+                <a:cs typeface="+mn-cs"/>
+              </a:rPr>
+              <a:t>mối</a:t>
+            </a:r>
+            <a:r>
+              <a:rPr lang="en-US" sz="1100" b="0" i="0" kern="1200" dirty="0" smtClean="0">
+                <a:solidFill>
+                  <a:schemeClr val="tx1"/>
+                </a:solidFill>
+                <a:effectLst/>
+                <a:latin typeface="+mn-lt"/>
+                <a:ea typeface="+mn-ea"/>
+                <a:cs typeface="+mn-cs"/>
+              </a:rPr>
+              <a:t> </a:t>
+            </a:r>
+            <a:r>
+              <a:rPr lang="en-US" sz="1100" b="0" i="0" kern="1200" dirty="0" err="1" smtClean="0">
+                <a:solidFill>
+                  <a:schemeClr val="tx1"/>
+                </a:solidFill>
+                <a:effectLst/>
+                <a:latin typeface="+mn-lt"/>
+                <a:ea typeface="+mn-ea"/>
+                <a:cs typeface="+mn-cs"/>
+              </a:rPr>
+              <a:t>quan</a:t>
+            </a:r>
+            <a:r>
+              <a:rPr lang="en-US" sz="1100" b="0" i="0" kern="1200" dirty="0" smtClean="0">
+                <a:solidFill>
+                  <a:schemeClr val="tx1"/>
+                </a:solidFill>
+                <a:effectLst/>
+                <a:latin typeface="+mn-lt"/>
+                <a:ea typeface="+mn-ea"/>
+                <a:cs typeface="+mn-cs"/>
+              </a:rPr>
+              <a:t> </a:t>
+            </a:r>
+            <a:r>
+              <a:rPr lang="en-US" sz="1100" b="0" i="0" kern="1200" dirty="0" err="1" smtClean="0">
+                <a:solidFill>
+                  <a:schemeClr val="tx1"/>
+                </a:solidFill>
+                <a:effectLst/>
+                <a:latin typeface="+mn-lt"/>
+                <a:ea typeface="+mn-ea"/>
+                <a:cs typeface="+mn-cs"/>
+              </a:rPr>
+              <a:t>hệ</a:t>
+            </a:r>
+            <a:r>
+              <a:rPr lang="en-US" sz="1100" b="0" i="0" kern="1200" dirty="0" smtClean="0">
+                <a:solidFill>
+                  <a:schemeClr val="tx1"/>
+                </a:solidFill>
+                <a:effectLst/>
+                <a:latin typeface="+mn-lt"/>
+                <a:ea typeface="+mn-ea"/>
+                <a:cs typeface="+mn-cs"/>
+              </a:rPr>
+              <a:t> (relationship) </a:t>
+            </a:r>
+            <a:r>
+              <a:rPr lang="en-US" sz="1100" b="0" i="0" kern="1200" dirty="0" err="1" smtClean="0">
+                <a:solidFill>
+                  <a:schemeClr val="tx1"/>
+                </a:solidFill>
+                <a:effectLst/>
+                <a:latin typeface="+mn-lt"/>
+                <a:ea typeface="+mn-ea"/>
+                <a:cs typeface="+mn-cs"/>
+              </a:rPr>
+              <a:t>giữa</a:t>
+            </a:r>
+            <a:r>
+              <a:rPr lang="en-US" sz="1100" b="0" i="0" kern="1200" dirty="0" smtClean="0">
+                <a:solidFill>
+                  <a:schemeClr val="tx1"/>
+                </a:solidFill>
+                <a:effectLst/>
+                <a:latin typeface="+mn-lt"/>
+                <a:ea typeface="+mn-ea"/>
+                <a:cs typeface="+mn-cs"/>
+              </a:rPr>
+              <a:t> </a:t>
+            </a:r>
+            <a:r>
+              <a:rPr lang="en-US" sz="1100" b="0" i="0" kern="1200" dirty="0" err="1" smtClean="0">
+                <a:solidFill>
+                  <a:schemeClr val="tx1"/>
+                </a:solidFill>
+                <a:effectLst/>
+                <a:latin typeface="+mn-lt"/>
+                <a:ea typeface="+mn-ea"/>
+                <a:cs typeface="+mn-cs"/>
+              </a:rPr>
+              <a:t>hai</a:t>
+            </a:r>
+            <a:r>
+              <a:rPr lang="en-US" sz="1100" b="0" i="0" kern="1200" dirty="0" smtClean="0">
+                <a:solidFill>
+                  <a:schemeClr val="tx1"/>
+                </a:solidFill>
+                <a:effectLst/>
+                <a:latin typeface="+mn-lt"/>
+                <a:ea typeface="+mn-ea"/>
+                <a:cs typeface="+mn-cs"/>
+              </a:rPr>
+              <a:t> entity class. </a:t>
+            </a:r>
+            <a:r>
+              <a:rPr lang="en-US" sz="1100" b="0" i="0" kern="1200" dirty="0" err="1" smtClean="0">
+                <a:solidFill>
+                  <a:schemeClr val="tx1"/>
+                </a:solidFill>
+                <a:effectLst/>
+                <a:latin typeface="+mn-lt"/>
+                <a:ea typeface="+mn-ea"/>
+                <a:cs typeface="+mn-cs"/>
+              </a:rPr>
+              <a:t>Mỗi</a:t>
+            </a:r>
+            <a:r>
+              <a:rPr lang="en-US" sz="1100" b="0" i="0" kern="1200" dirty="0" smtClean="0">
+                <a:solidFill>
+                  <a:schemeClr val="tx1"/>
+                </a:solidFill>
+                <a:effectLst/>
+                <a:latin typeface="+mn-lt"/>
+                <a:ea typeface="+mn-ea"/>
+                <a:cs typeface="+mn-cs"/>
+              </a:rPr>
+              <a:t> </a:t>
+            </a:r>
+            <a:r>
+              <a:rPr lang="en-US" sz="1100" b="0" i="0" kern="1200" dirty="0" err="1" smtClean="0">
+                <a:solidFill>
+                  <a:schemeClr val="tx1"/>
+                </a:solidFill>
+                <a:effectLst/>
+                <a:latin typeface="+mn-lt"/>
+                <a:ea typeface="+mn-ea"/>
+                <a:cs typeface="+mn-cs"/>
+              </a:rPr>
+              <a:t>đối</a:t>
+            </a:r>
+            <a:r>
+              <a:rPr lang="en-US" sz="1100" b="0" i="0" kern="1200" dirty="0" smtClean="0">
+                <a:solidFill>
+                  <a:schemeClr val="tx1"/>
+                </a:solidFill>
+                <a:effectLst/>
+                <a:latin typeface="+mn-lt"/>
+                <a:ea typeface="+mn-ea"/>
+                <a:cs typeface="+mn-cs"/>
+              </a:rPr>
+              <a:t> </a:t>
+            </a:r>
+            <a:r>
+              <a:rPr lang="en-US" sz="1100" b="0" i="0" kern="1200" dirty="0" err="1" smtClean="0">
+                <a:solidFill>
+                  <a:schemeClr val="tx1"/>
+                </a:solidFill>
+                <a:effectLst/>
+                <a:latin typeface="+mn-lt"/>
+                <a:ea typeface="+mn-ea"/>
+                <a:cs typeface="+mn-cs"/>
+              </a:rPr>
+              <a:t>tượng</a:t>
+            </a:r>
+            <a:r>
+              <a:rPr lang="en-US" sz="1100" b="0" i="0" kern="1200" dirty="0" smtClean="0">
+                <a:solidFill>
+                  <a:schemeClr val="tx1"/>
+                </a:solidFill>
+                <a:effectLst/>
+                <a:latin typeface="+mn-lt"/>
+                <a:ea typeface="+mn-ea"/>
+                <a:cs typeface="+mn-cs"/>
+              </a:rPr>
+              <a:t> </a:t>
+            </a:r>
+            <a:r>
+              <a:rPr lang="en-US" sz="1100" b="0" i="0" kern="1200" dirty="0" err="1" smtClean="0">
+                <a:solidFill>
+                  <a:schemeClr val="tx1"/>
+                </a:solidFill>
+                <a:effectLst/>
+                <a:latin typeface="+mn-lt"/>
+                <a:ea typeface="+mn-ea"/>
+                <a:cs typeface="+mn-cs"/>
+              </a:rPr>
+              <a:t>này</a:t>
+            </a:r>
+            <a:r>
+              <a:rPr lang="en-US" sz="1100" b="0" i="0" kern="1200" dirty="0" smtClean="0">
+                <a:solidFill>
+                  <a:schemeClr val="tx1"/>
+                </a:solidFill>
+                <a:effectLst/>
+                <a:latin typeface="+mn-lt"/>
+                <a:ea typeface="+mn-ea"/>
+                <a:cs typeface="+mn-cs"/>
+              </a:rPr>
+              <a:t> </a:t>
+            </a:r>
+            <a:r>
+              <a:rPr lang="en-US" sz="1100" b="0" i="0" kern="1200" dirty="0" err="1" smtClean="0">
+                <a:solidFill>
+                  <a:schemeClr val="tx1"/>
+                </a:solidFill>
+                <a:effectLst/>
+                <a:latin typeface="+mn-lt"/>
+                <a:ea typeface="+mn-ea"/>
+                <a:cs typeface="+mn-cs"/>
+              </a:rPr>
+              <a:t>có</a:t>
+            </a:r>
+            <a:r>
+              <a:rPr lang="en-US" sz="1100" b="0" i="0" kern="1200" dirty="0" smtClean="0">
+                <a:solidFill>
+                  <a:schemeClr val="tx1"/>
+                </a:solidFill>
+                <a:effectLst/>
+                <a:latin typeface="+mn-lt"/>
+                <a:ea typeface="+mn-ea"/>
+                <a:cs typeface="+mn-cs"/>
+              </a:rPr>
+              <a:t> </a:t>
+            </a:r>
+            <a:r>
+              <a:rPr lang="en-US" sz="1100" b="0" i="0" kern="1200" dirty="0" err="1" smtClean="0">
+                <a:solidFill>
+                  <a:schemeClr val="tx1"/>
+                </a:solidFill>
+                <a:effectLst/>
+                <a:latin typeface="+mn-lt"/>
+                <a:ea typeface="+mn-ea"/>
+                <a:cs typeface="+mn-cs"/>
+              </a:rPr>
+              <a:t>thể</a:t>
+            </a:r>
+            <a:r>
+              <a:rPr lang="en-US" sz="1100" b="0" i="0" kern="1200" dirty="0" smtClean="0">
+                <a:solidFill>
+                  <a:schemeClr val="tx1"/>
+                </a:solidFill>
+                <a:effectLst/>
+                <a:latin typeface="+mn-lt"/>
+                <a:ea typeface="+mn-ea"/>
+                <a:cs typeface="+mn-cs"/>
+              </a:rPr>
+              <a:t> </a:t>
+            </a:r>
+            <a:r>
+              <a:rPr lang="en-US" sz="1100" b="0" i="0" kern="1200" dirty="0" err="1" smtClean="0">
+                <a:solidFill>
+                  <a:schemeClr val="tx1"/>
+                </a:solidFill>
+                <a:effectLst/>
+                <a:latin typeface="+mn-lt"/>
+                <a:ea typeface="+mn-ea"/>
+                <a:cs typeface="+mn-cs"/>
+              </a:rPr>
+              <a:t>được</a:t>
+            </a:r>
+            <a:r>
+              <a:rPr lang="en-US" sz="1100" b="0" i="0" kern="1200" dirty="0" smtClean="0">
+                <a:solidFill>
+                  <a:schemeClr val="tx1"/>
+                </a:solidFill>
+                <a:effectLst/>
+                <a:latin typeface="+mn-lt"/>
+                <a:ea typeface="+mn-ea"/>
+                <a:cs typeface="+mn-cs"/>
+              </a:rPr>
+              <a:t> </a:t>
+            </a:r>
+            <a:r>
+              <a:rPr lang="en-US" sz="1100" b="0" i="0" kern="1200" dirty="0" err="1" smtClean="0">
+                <a:solidFill>
+                  <a:schemeClr val="tx1"/>
+                </a:solidFill>
+                <a:effectLst/>
+                <a:latin typeface="+mn-lt"/>
+                <a:ea typeface="+mn-ea"/>
+                <a:cs typeface="+mn-cs"/>
+              </a:rPr>
+              <a:t>truy</a:t>
+            </a:r>
+            <a:r>
+              <a:rPr lang="en-US" sz="1100" b="0" i="0" kern="1200" dirty="0" smtClean="0">
+                <a:solidFill>
+                  <a:schemeClr val="tx1"/>
+                </a:solidFill>
+                <a:effectLst/>
+                <a:latin typeface="+mn-lt"/>
+                <a:ea typeface="+mn-ea"/>
+                <a:cs typeface="+mn-cs"/>
+              </a:rPr>
+              <a:t> </a:t>
+            </a:r>
+            <a:r>
+              <a:rPr lang="en-US" sz="1100" b="0" i="0" kern="1200" dirty="0" err="1" smtClean="0">
+                <a:solidFill>
+                  <a:schemeClr val="tx1"/>
+                </a:solidFill>
+                <a:effectLst/>
+                <a:latin typeface="+mn-lt"/>
+                <a:ea typeface="+mn-ea"/>
+                <a:cs typeface="+mn-cs"/>
+              </a:rPr>
+              <a:t>xuất</a:t>
+            </a:r>
+            <a:r>
+              <a:rPr lang="en-US" sz="1100" b="0" i="0" kern="1200" dirty="0" smtClean="0">
+                <a:solidFill>
+                  <a:schemeClr val="tx1"/>
+                </a:solidFill>
+                <a:effectLst/>
+                <a:latin typeface="+mn-lt"/>
+                <a:ea typeface="+mn-ea"/>
+                <a:cs typeface="+mn-cs"/>
+              </a:rPr>
+              <a:t> </a:t>
+            </a:r>
+            <a:r>
+              <a:rPr lang="en-US" sz="1100" b="0" i="0" kern="1200" dirty="0" err="1" smtClean="0">
+                <a:solidFill>
+                  <a:schemeClr val="tx1"/>
+                </a:solidFill>
+                <a:effectLst/>
+                <a:latin typeface="+mn-lt"/>
+                <a:ea typeface="+mn-ea"/>
+                <a:cs typeface="+mn-cs"/>
+              </a:rPr>
+              <a:t>thông</a:t>
+            </a:r>
+            <a:r>
+              <a:rPr lang="en-US" sz="1100" b="0" i="0" kern="1200" dirty="0" smtClean="0">
+                <a:solidFill>
+                  <a:schemeClr val="tx1"/>
+                </a:solidFill>
+                <a:effectLst/>
+                <a:latin typeface="+mn-lt"/>
+                <a:ea typeface="+mn-ea"/>
+                <a:cs typeface="+mn-cs"/>
+              </a:rPr>
+              <a:t> qua </a:t>
+            </a:r>
+            <a:r>
+              <a:rPr lang="en-US" sz="1100" b="0" i="0" kern="1200" dirty="0" err="1" smtClean="0">
+                <a:solidFill>
+                  <a:schemeClr val="tx1"/>
+                </a:solidFill>
+                <a:effectLst/>
+                <a:latin typeface="+mn-lt"/>
+                <a:ea typeface="+mn-ea"/>
+                <a:cs typeface="+mn-cs"/>
+              </a:rPr>
+              <a:t>các</a:t>
+            </a:r>
+            <a:r>
+              <a:rPr lang="en-US" sz="1100" b="0" i="0" kern="1200" dirty="0" smtClean="0">
+                <a:solidFill>
+                  <a:schemeClr val="tx1"/>
+                </a:solidFill>
+                <a:effectLst/>
+                <a:latin typeface="+mn-lt"/>
+                <a:ea typeface="+mn-ea"/>
+                <a:cs typeface="+mn-cs"/>
+              </a:rPr>
+              <a:t> 	property </a:t>
+            </a:r>
+            <a:r>
+              <a:rPr lang="en-US" sz="1100" b="0" i="0" kern="1200" dirty="0" err="1" smtClean="0">
+                <a:solidFill>
+                  <a:schemeClr val="tx1"/>
+                </a:solidFill>
+                <a:effectLst/>
+                <a:latin typeface="+mn-lt"/>
+                <a:ea typeface="+mn-ea"/>
+                <a:cs typeface="+mn-cs"/>
+              </a:rPr>
+              <a:t>của</a:t>
+            </a:r>
+            <a:r>
+              <a:rPr lang="en-US" sz="1100" b="0" i="0" kern="1200" dirty="0" smtClean="0">
+                <a:solidFill>
+                  <a:schemeClr val="tx1"/>
+                </a:solidFill>
+                <a:effectLst/>
+                <a:latin typeface="+mn-lt"/>
+                <a:ea typeface="+mn-ea"/>
+                <a:cs typeface="+mn-cs"/>
+              </a:rPr>
+              <a:t> entity class.</a:t>
+            </a:r>
+          </a:p>
+          <a:p>
+            <a:endParaRPr lang="en-US" sz="1100" b="0" i="0" kern="1200" dirty="0" smtClean="0">
+              <a:solidFill>
+                <a:schemeClr val="tx1"/>
+              </a:solidFill>
+              <a:effectLst/>
+              <a:latin typeface="+mn-lt"/>
+              <a:ea typeface="+mn-ea"/>
+              <a:cs typeface="+mn-cs"/>
+            </a:endParaRPr>
+          </a:p>
+          <a:p>
+            <a:r>
+              <a:rPr lang="en-US" sz="1100" b="1" i="0" kern="1200" dirty="0" smtClean="0">
+                <a:solidFill>
+                  <a:schemeClr val="tx1"/>
+                </a:solidFill>
+                <a:effectLst/>
+                <a:latin typeface="+mn-lt"/>
+                <a:ea typeface="+mn-ea"/>
+                <a:cs typeface="+mn-cs"/>
+              </a:rPr>
+              <a:t>Entity Client Data </a:t>
+            </a:r>
+            <a:r>
+              <a:rPr lang="en-US" sz="1100" b="1" i="0" kern="1200" dirty="0" err="1" smtClean="0">
+                <a:solidFill>
+                  <a:schemeClr val="tx1"/>
+                </a:solidFill>
+                <a:effectLst/>
+                <a:latin typeface="+mn-lt"/>
+                <a:ea typeface="+mn-ea"/>
+                <a:cs typeface="+mn-cs"/>
+              </a:rPr>
+              <a:t>Provider:</a:t>
+            </a:r>
+            <a:r>
+              <a:rPr lang="en-US" sz="1100" b="0" i="0" kern="1200" dirty="0" err="1" smtClean="0">
+                <a:solidFill>
+                  <a:schemeClr val="tx1"/>
+                </a:solidFill>
+                <a:effectLst/>
+                <a:latin typeface="+mn-lt"/>
+                <a:ea typeface="+mn-ea"/>
+                <a:cs typeface="+mn-cs"/>
+              </a:rPr>
+              <a:t>EntityClient</a:t>
+            </a:r>
+            <a:r>
+              <a:rPr lang="en-US" sz="1100" b="0" i="0" kern="1200" dirty="0" smtClean="0">
+                <a:solidFill>
+                  <a:schemeClr val="tx1"/>
+                </a:solidFill>
+                <a:effectLst/>
+                <a:latin typeface="+mn-lt"/>
+                <a:ea typeface="+mn-ea"/>
+                <a:cs typeface="+mn-cs"/>
+              </a:rPr>
+              <a:t> </a:t>
+            </a:r>
+            <a:r>
+              <a:rPr lang="en-US" sz="1100" b="0" i="0" kern="1200" dirty="0" err="1" smtClean="0">
+                <a:solidFill>
+                  <a:schemeClr val="tx1"/>
+                </a:solidFill>
+                <a:effectLst/>
+                <a:latin typeface="+mn-lt"/>
+                <a:ea typeface="+mn-ea"/>
+                <a:cs typeface="+mn-cs"/>
+              </a:rPr>
+              <a:t>là</a:t>
+            </a:r>
+            <a:r>
+              <a:rPr lang="en-US" sz="1100" b="0" i="0" kern="1200" dirty="0" smtClean="0">
+                <a:solidFill>
+                  <a:schemeClr val="tx1"/>
+                </a:solidFill>
+                <a:effectLst/>
+                <a:latin typeface="+mn-lt"/>
+                <a:ea typeface="+mn-ea"/>
+                <a:cs typeface="+mn-cs"/>
+              </a:rPr>
+              <a:t> </a:t>
+            </a:r>
+            <a:r>
+              <a:rPr lang="en-US" sz="1100" b="0" i="0" kern="1200" dirty="0" err="1" smtClean="0">
+                <a:solidFill>
+                  <a:schemeClr val="tx1"/>
+                </a:solidFill>
+                <a:effectLst/>
+                <a:latin typeface="+mn-lt"/>
+                <a:ea typeface="+mn-ea"/>
+                <a:cs typeface="+mn-cs"/>
+              </a:rPr>
+              <a:t>một</a:t>
+            </a:r>
+            <a:r>
+              <a:rPr lang="en-US" sz="1100" b="0" i="0" kern="1200" dirty="0" smtClean="0">
+                <a:solidFill>
+                  <a:schemeClr val="tx1"/>
+                </a:solidFill>
+                <a:effectLst/>
+                <a:latin typeface="+mn-lt"/>
+                <a:ea typeface="+mn-ea"/>
+                <a:cs typeface="+mn-cs"/>
+              </a:rPr>
+              <a:t> data provider </a:t>
+            </a:r>
+            <a:r>
+              <a:rPr lang="en-US" sz="1100" b="0" i="0" kern="1200" dirty="0" err="1" smtClean="0">
+                <a:solidFill>
+                  <a:schemeClr val="tx1"/>
+                </a:solidFill>
+                <a:effectLst/>
+                <a:latin typeface="+mn-lt"/>
+                <a:ea typeface="+mn-ea"/>
+                <a:cs typeface="+mn-cs"/>
+              </a:rPr>
+              <a:t>mới</a:t>
+            </a:r>
+            <a:r>
+              <a:rPr lang="en-US" sz="1100" b="0" i="0" kern="1200" dirty="0" smtClean="0">
+                <a:solidFill>
+                  <a:schemeClr val="tx1"/>
+                </a:solidFill>
+                <a:effectLst/>
+                <a:latin typeface="+mn-lt"/>
+                <a:ea typeface="+mn-ea"/>
+                <a:cs typeface="+mn-cs"/>
+              </a:rPr>
+              <a:t> </a:t>
+            </a:r>
+            <a:r>
+              <a:rPr lang="en-US" sz="1100" b="0" i="0" kern="1200" dirty="0" err="1" smtClean="0">
+                <a:solidFill>
+                  <a:schemeClr val="tx1"/>
+                </a:solidFill>
+                <a:effectLst/>
+                <a:latin typeface="+mn-lt"/>
+                <a:ea typeface="+mn-ea"/>
+                <a:cs typeface="+mn-cs"/>
+              </a:rPr>
+              <a:t>của</a:t>
+            </a:r>
+            <a:r>
+              <a:rPr lang="en-US" sz="1100" b="0" i="0" kern="1200" dirty="0" smtClean="0">
+                <a:solidFill>
+                  <a:schemeClr val="tx1"/>
+                </a:solidFill>
+                <a:effectLst/>
+                <a:latin typeface="+mn-lt"/>
+                <a:ea typeface="+mn-ea"/>
+                <a:cs typeface="+mn-cs"/>
+              </a:rPr>
+              <a:t> ADO.NET </a:t>
+            </a:r>
+            <a:r>
+              <a:rPr lang="en-US" sz="1100" b="0" i="0" kern="1200" dirty="0" err="1" smtClean="0">
+                <a:solidFill>
+                  <a:schemeClr val="tx1"/>
+                </a:solidFill>
+                <a:effectLst/>
+                <a:latin typeface="+mn-lt"/>
+                <a:ea typeface="+mn-ea"/>
+                <a:cs typeface="+mn-cs"/>
+              </a:rPr>
+              <a:t>dùng</a:t>
+            </a:r>
+            <a:r>
+              <a:rPr lang="en-US" sz="1100" b="0" i="0" kern="1200" dirty="0" smtClean="0">
+                <a:solidFill>
+                  <a:schemeClr val="tx1"/>
+                </a:solidFill>
+                <a:effectLst/>
+                <a:latin typeface="+mn-lt"/>
+                <a:ea typeface="+mn-ea"/>
+                <a:cs typeface="+mn-cs"/>
+              </a:rPr>
+              <a:t> </a:t>
+            </a:r>
+            <a:r>
+              <a:rPr lang="en-US" sz="1100" b="0" i="0" kern="1200" dirty="0" err="1" smtClean="0">
+                <a:solidFill>
+                  <a:schemeClr val="tx1"/>
+                </a:solidFill>
+                <a:effectLst/>
+                <a:latin typeface="+mn-lt"/>
+                <a:ea typeface="+mn-ea"/>
+                <a:cs typeface="+mn-cs"/>
+              </a:rPr>
+              <a:t>để</a:t>
+            </a:r>
+            <a:r>
+              <a:rPr lang="en-US" sz="1100" b="0" i="0" kern="1200" dirty="0" smtClean="0">
+                <a:solidFill>
+                  <a:schemeClr val="tx1"/>
+                </a:solidFill>
+                <a:effectLst/>
+                <a:latin typeface="+mn-lt"/>
+                <a:ea typeface="+mn-ea"/>
+                <a:cs typeface="+mn-cs"/>
+              </a:rPr>
+              <a:t> </a:t>
+            </a:r>
+            <a:r>
+              <a:rPr lang="en-US" sz="1100" b="0" i="0" kern="1200" dirty="0" err="1" smtClean="0">
+                <a:solidFill>
+                  <a:schemeClr val="tx1"/>
+                </a:solidFill>
+                <a:effectLst/>
+                <a:latin typeface="+mn-lt"/>
+                <a:ea typeface="+mn-ea"/>
+                <a:cs typeface="+mn-cs"/>
+              </a:rPr>
+              <a:t>truy</a:t>
+            </a:r>
+            <a:r>
+              <a:rPr lang="en-US" sz="1100" b="0" i="0" kern="1200" dirty="0" smtClean="0">
+                <a:solidFill>
+                  <a:schemeClr val="tx1"/>
+                </a:solidFill>
+                <a:effectLst/>
+                <a:latin typeface="+mn-lt"/>
+                <a:ea typeface="+mn-ea"/>
+                <a:cs typeface="+mn-cs"/>
+              </a:rPr>
+              <a:t> </a:t>
+            </a:r>
+            <a:r>
+              <a:rPr lang="en-US" sz="1100" b="0" i="0" kern="1200" dirty="0" err="1" smtClean="0">
+                <a:solidFill>
+                  <a:schemeClr val="tx1"/>
+                </a:solidFill>
+                <a:effectLst/>
+                <a:latin typeface="+mn-lt"/>
+                <a:ea typeface="+mn-ea"/>
+                <a:cs typeface="+mn-cs"/>
+              </a:rPr>
+              <a:t>xuất</a:t>
+            </a:r>
+            <a:r>
+              <a:rPr lang="en-US" sz="1100" b="0" i="0" kern="1200" dirty="0" smtClean="0">
+                <a:solidFill>
+                  <a:schemeClr val="tx1"/>
+                </a:solidFill>
+                <a:effectLst/>
+                <a:latin typeface="+mn-lt"/>
+                <a:ea typeface="+mn-ea"/>
+                <a:cs typeface="+mn-cs"/>
+              </a:rPr>
+              <a:t> </a:t>
+            </a:r>
+            <a:r>
+              <a:rPr lang="en-US" sz="1100" b="0" i="0" kern="1200" dirty="0" err="1" smtClean="0">
+                <a:solidFill>
+                  <a:schemeClr val="tx1"/>
+                </a:solidFill>
+                <a:effectLst/>
+                <a:latin typeface="+mn-lt"/>
+                <a:ea typeface="+mn-ea"/>
+                <a:cs typeface="+mn-cs"/>
+              </a:rPr>
+              <a:t>đến</a:t>
+            </a:r>
+            <a:r>
+              <a:rPr lang="en-US" sz="1100" b="0" i="0" kern="1200" dirty="0" smtClean="0">
+                <a:solidFill>
+                  <a:schemeClr val="tx1"/>
+                </a:solidFill>
+                <a:effectLst/>
+                <a:latin typeface="+mn-lt"/>
+                <a:ea typeface="+mn-ea"/>
+                <a:cs typeface="+mn-cs"/>
+              </a:rPr>
+              <a:t> database. </a:t>
+            </a:r>
+            <a:r>
+              <a:rPr lang="en-US" sz="1100" b="0" i="0" kern="1200" dirty="0" err="1" smtClean="0">
+                <a:solidFill>
+                  <a:schemeClr val="tx1"/>
+                </a:solidFill>
+                <a:effectLst/>
+                <a:latin typeface="+mn-lt"/>
+                <a:ea typeface="+mn-ea"/>
+                <a:cs typeface="+mn-cs"/>
+              </a:rPr>
+              <a:t>Được</a:t>
+            </a:r>
+            <a:r>
+              <a:rPr lang="en-US" sz="1100" b="0" i="0" kern="1200" dirty="0" smtClean="0">
+                <a:solidFill>
+                  <a:schemeClr val="tx1"/>
+                </a:solidFill>
+                <a:effectLst/>
+                <a:latin typeface="+mn-lt"/>
+                <a:ea typeface="+mn-ea"/>
+                <a:cs typeface="+mn-cs"/>
+              </a:rPr>
+              <a:t> </a:t>
+            </a:r>
+            <a:r>
+              <a:rPr lang="en-US" sz="1100" b="0" i="0" kern="1200" dirty="0" err="1" smtClean="0">
+                <a:solidFill>
+                  <a:schemeClr val="tx1"/>
+                </a:solidFill>
+                <a:effectLst/>
+                <a:latin typeface="+mn-lt"/>
+                <a:ea typeface="+mn-ea"/>
+                <a:cs typeface="+mn-cs"/>
+              </a:rPr>
+              <a:t>xây</a:t>
+            </a:r>
+            <a:r>
+              <a:rPr lang="en-US" sz="1100" b="0" i="0" kern="1200" dirty="0" smtClean="0">
+                <a:solidFill>
+                  <a:schemeClr val="tx1"/>
+                </a:solidFill>
+                <a:effectLst/>
+                <a:latin typeface="+mn-lt"/>
+                <a:ea typeface="+mn-ea"/>
+                <a:cs typeface="+mn-cs"/>
+              </a:rPr>
+              <a:t> </a:t>
+            </a:r>
+            <a:r>
+              <a:rPr lang="en-US" sz="1100" b="0" i="0" kern="1200" dirty="0" err="1" smtClean="0">
+                <a:solidFill>
+                  <a:schemeClr val="tx1"/>
+                </a:solidFill>
+                <a:effectLst/>
+                <a:latin typeface="+mn-lt"/>
+                <a:ea typeface="+mn-ea"/>
+                <a:cs typeface="+mn-cs"/>
+              </a:rPr>
+              <a:t>dựng</a:t>
+            </a:r>
+            <a:r>
+              <a:rPr lang="en-US" sz="1100" b="0" i="0" kern="1200" dirty="0" smtClean="0">
+                <a:solidFill>
+                  <a:schemeClr val="tx1"/>
+                </a:solidFill>
+                <a:effectLst/>
+                <a:latin typeface="+mn-lt"/>
+                <a:ea typeface="+mn-ea"/>
+                <a:cs typeface="+mn-cs"/>
+              </a:rPr>
+              <a:t> </a:t>
+            </a:r>
+            <a:r>
+              <a:rPr lang="en-US" sz="1100" b="0" i="0" kern="1200" dirty="0" err="1" smtClean="0">
+                <a:solidFill>
+                  <a:schemeClr val="tx1"/>
+                </a:solidFill>
+                <a:effectLst/>
+                <a:latin typeface="+mn-lt"/>
+                <a:ea typeface="+mn-ea"/>
+                <a:cs typeface="+mn-cs"/>
+              </a:rPr>
+              <a:t>bên</a:t>
+            </a:r>
+            <a:r>
+              <a:rPr lang="en-US" sz="1100" b="0" i="0" kern="1200" dirty="0" smtClean="0">
+                <a:solidFill>
+                  <a:schemeClr val="tx1"/>
+                </a:solidFill>
+                <a:effectLst/>
+                <a:latin typeface="+mn-lt"/>
+                <a:ea typeface="+mn-ea"/>
+                <a:cs typeface="+mn-cs"/>
+              </a:rPr>
+              <a:t> </a:t>
+            </a:r>
+            <a:r>
+              <a:rPr lang="en-US" sz="1100" b="0" i="0" kern="1200" dirty="0" err="1" smtClean="0">
+                <a:solidFill>
+                  <a:schemeClr val="tx1"/>
+                </a:solidFill>
+                <a:effectLst/>
+                <a:latin typeface="+mn-lt"/>
+                <a:ea typeface="+mn-ea"/>
+                <a:cs typeface="+mn-cs"/>
+              </a:rPr>
+              <a:t>trên</a:t>
+            </a:r>
+            <a:r>
+              <a:rPr lang="en-US" sz="1100" b="0" i="0" kern="1200" dirty="0" smtClean="0">
+                <a:solidFill>
+                  <a:schemeClr val="tx1"/>
+                </a:solidFill>
+                <a:effectLst/>
+                <a:latin typeface="+mn-lt"/>
+                <a:ea typeface="+mn-ea"/>
+                <a:cs typeface="+mn-cs"/>
+              </a:rPr>
+              <a:t> </a:t>
+            </a:r>
+            <a:r>
+              <a:rPr lang="en-US" sz="1100" b="0" i="0" kern="1200" dirty="0" err="1" smtClean="0">
+                <a:solidFill>
+                  <a:schemeClr val="tx1"/>
+                </a:solidFill>
+                <a:effectLst/>
+                <a:latin typeface="+mn-lt"/>
+                <a:ea typeface="+mn-ea"/>
+                <a:cs typeface="+mn-cs"/>
+              </a:rPr>
+              <a:t>các</a:t>
+            </a:r>
+            <a:r>
+              <a:rPr lang="en-US" sz="1100" b="0" i="0" kern="1200" dirty="0" smtClean="0">
+                <a:solidFill>
+                  <a:schemeClr val="tx1"/>
+                </a:solidFill>
+                <a:effectLst/>
+                <a:latin typeface="+mn-lt"/>
+                <a:ea typeface="+mn-ea"/>
+                <a:cs typeface="+mn-cs"/>
+              </a:rPr>
+              <a:t> ADO.NET data provider </a:t>
+            </a:r>
+            <a:r>
+              <a:rPr lang="en-US" sz="1100" b="0" i="0" kern="1200" dirty="0" err="1" smtClean="0">
+                <a:solidFill>
+                  <a:schemeClr val="tx1"/>
+                </a:solidFill>
+                <a:effectLst/>
+                <a:latin typeface="+mn-lt"/>
+                <a:ea typeface="+mn-ea"/>
+                <a:cs typeface="+mn-cs"/>
+              </a:rPr>
+              <a:t>cơ</a:t>
+            </a:r>
+            <a:r>
+              <a:rPr lang="en-US" sz="1100" b="0" i="0" kern="1200" dirty="0" smtClean="0">
+                <a:solidFill>
+                  <a:schemeClr val="tx1"/>
+                </a:solidFill>
+                <a:effectLst/>
+                <a:latin typeface="+mn-lt"/>
+                <a:ea typeface="+mn-ea"/>
+                <a:cs typeface="+mn-cs"/>
+              </a:rPr>
+              <a:t> </a:t>
+            </a:r>
+            <a:r>
+              <a:rPr lang="en-US" sz="1100" b="0" i="0" kern="1200" dirty="0" err="1" smtClean="0">
+                <a:solidFill>
+                  <a:schemeClr val="tx1"/>
+                </a:solidFill>
+                <a:effectLst/>
+                <a:latin typeface="+mn-lt"/>
+                <a:ea typeface="+mn-ea"/>
+                <a:cs typeface="+mn-cs"/>
+              </a:rPr>
+              <a:t>bản</a:t>
+            </a:r>
+            <a:r>
+              <a:rPr lang="en-US" sz="1100" b="0" i="0" kern="1200" dirty="0" smtClean="0">
+                <a:solidFill>
+                  <a:schemeClr val="tx1"/>
+                </a:solidFill>
+                <a:effectLst/>
+                <a:latin typeface="+mn-lt"/>
+                <a:ea typeface="+mn-ea"/>
+                <a:cs typeface="+mn-cs"/>
+              </a:rPr>
+              <a:t>, </a:t>
+            </a:r>
+            <a:r>
+              <a:rPr lang="en-US" sz="1100" b="0" i="0" kern="1200" dirty="0" err="1" smtClean="0">
+                <a:solidFill>
+                  <a:schemeClr val="tx1"/>
+                </a:solidFill>
+                <a:effectLst/>
+                <a:latin typeface="+mn-lt"/>
+                <a:ea typeface="+mn-ea"/>
+                <a:cs typeface="+mn-cs"/>
+              </a:rPr>
+              <a:t>EntityClient</a:t>
+            </a:r>
+            <a:r>
+              <a:rPr lang="en-US" sz="1100" b="0" i="0" kern="1200" dirty="0" smtClean="0">
+                <a:solidFill>
+                  <a:schemeClr val="tx1"/>
+                </a:solidFill>
+                <a:effectLst/>
+                <a:latin typeface="+mn-lt"/>
+                <a:ea typeface="+mn-ea"/>
+                <a:cs typeface="+mn-cs"/>
+              </a:rPr>
+              <a:t> </a:t>
+            </a:r>
+            <a:r>
+              <a:rPr lang="en-US" sz="1100" b="0" i="0" kern="1200" dirty="0" err="1" smtClean="0">
+                <a:solidFill>
+                  <a:schemeClr val="tx1"/>
+                </a:solidFill>
+                <a:effectLst/>
+                <a:latin typeface="+mn-lt"/>
+                <a:ea typeface="+mn-ea"/>
+                <a:cs typeface="+mn-cs"/>
+              </a:rPr>
+              <a:t>không</a:t>
+            </a:r>
+            <a:r>
+              <a:rPr lang="en-US" sz="1100" b="0" i="0" kern="1200" dirty="0" smtClean="0">
+                <a:solidFill>
+                  <a:schemeClr val="tx1"/>
+                </a:solidFill>
+                <a:effectLst/>
+                <a:latin typeface="+mn-lt"/>
+                <a:ea typeface="+mn-ea"/>
+                <a:cs typeface="+mn-cs"/>
+              </a:rPr>
+              <a:t> </a:t>
+            </a:r>
+            <a:r>
+              <a:rPr lang="en-US" sz="1100" b="0" i="0" kern="1200" dirty="0" err="1" smtClean="0">
+                <a:solidFill>
+                  <a:schemeClr val="tx1"/>
+                </a:solidFill>
+                <a:effectLst/>
+                <a:latin typeface="+mn-lt"/>
+                <a:ea typeface="+mn-ea"/>
+                <a:cs typeface="+mn-cs"/>
+              </a:rPr>
+              <a:t>truy</a:t>
+            </a:r>
+            <a:r>
+              <a:rPr lang="en-US" sz="1100" b="0" i="0" kern="1200" dirty="0" smtClean="0">
+                <a:solidFill>
+                  <a:schemeClr val="tx1"/>
+                </a:solidFill>
+                <a:effectLst/>
+                <a:latin typeface="+mn-lt"/>
+                <a:ea typeface="+mn-ea"/>
+                <a:cs typeface="+mn-cs"/>
+              </a:rPr>
+              <a:t> </a:t>
+            </a:r>
+            <a:r>
+              <a:rPr lang="en-US" sz="1100" b="0" i="0" kern="1200" dirty="0" err="1" smtClean="0">
+                <a:solidFill>
+                  <a:schemeClr val="tx1"/>
+                </a:solidFill>
+                <a:effectLst/>
+                <a:latin typeface="+mn-lt"/>
+                <a:ea typeface="+mn-ea"/>
+                <a:cs typeface="+mn-cs"/>
+              </a:rPr>
+              <a:t>xuất</a:t>
+            </a:r>
+            <a:r>
+              <a:rPr lang="en-US" sz="1100" b="0" i="0" kern="1200" dirty="0" smtClean="0">
+                <a:solidFill>
+                  <a:schemeClr val="tx1"/>
+                </a:solidFill>
+                <a:effectLst/>
+                <a:latin typeface="+mn-lt"/>
+                <a:ea typeface="+mn-ea"/>
+                <a:cs typeface="+mn-cs"/>
+              </a:rPr>
+              <a:t> </a:t>
+            </a:r>
+            <a:r>
+              <a:rPr lang="en-US" sz="1100" b="0" i="0" kern="1200" dirty="0" err="1" smtClean="0">
+                <a:solidFill>
+                  <a:schemeClr val="tx1"/>
+                </a:solidFill>
+                <a:effectLst/>
+                <a:latin typeface="+mn-lt"/>
+                <a:ea typeface="+mn-ea"/>
+                <a:cs typeface="+mn-cs"/>
+              </a:rPr>
+              <a:t>trực</a:t>
+            </a:r>
+            <a:r>
+              <a:rPr lang="en-US" sz="1100" b="0" i="0" kern="1200" dirty="0" smtClean="0">
+                <a:solidFill>
+                  <a:schemeClr val="tx1"/>
+                </a:solidFill>
+                <a:effectLst/>
+                <a:latin typeface="+mn-lt"/>
+                <a:ea typeface="+mn-ea"/>
+                <a:cs typeface="+mn-cs"/>
+              </a:rPr>
+              <a:t> </a:t>
+            </a:r>
+            <a:r>
+              <a:rPr lang="en-US" sz="1100" b="0" i="0" kern="1200" dirty="0" err="1" smtClean="0">
+                <a:solidFill>
+                  <a:schemeClr val="tx1"/>
+                </a:solidFill>
+                <a:effectLst/>
+                <a:latin typeface="+mn-lt"/>
+                <a:ea typeface="+mn-ea"/>
+                <a:cs typeface="+mn-cs"/>
+              </a:rPr>
+              <a:t>tiếp</a:t>
+            </a:r>
+            <a:r>
+              <a:rPr lang="en-US" sz="1100" b="0" i="0" kern="1200" dirty="0" smtClean="0">
+                <a:solidFill>
+                  <a:schemeClr val="tx1"/>
+                </a:solidFill>
+                <a:effectLst/>
+                <a:latin typeface="+mn-lt"/>
+                <a:ea typeface="+mn-ea"/>
+                <a:cs typeface="+mn-cs"/>
+              </a:rPr>
+              <a:t> </a:t>
+            </a:r>
+            <a:r>
+              <a:rPr lang="en-US" sz="1100" b="0" i="0" kern="1200" dirty="0" err="1" smtClean="0">
+                <a:solidFill>
+                  <a:schemeClr val="tx1"/>
+                </a:solidFill>
+                <a:effectLst/>
+                <a:latin typeface="+mn-lt"/>
+                <a:ea typeface="+mn-ea"/>
+                <a:cs typeface="+mn-cs"/>
+              </a:rPr>
+              <a:t>dữ</a:t>
+            </a:r>
+            <a:r>
+              <a:rPr lang="en-US" sz="1100" b="0" i="0" kern="1200" dirty="0" smtClean="0">
+                <a:solidFill>
+                  <a:schemeClr val="tx1"/>
+                </a:solidFill>
+                <a:effectLst/>
+                <a:latin typeface="+mn-lt"/>
+                <a:ea typeface="+mn-ea"/>
+                <a:cs typeface="+mn-cs"/>
+              </a:rPr>
+              <a:t> </a:t>
+            </a:r>
+            <a:r>
+              <a:rPr lang="en-US" sz="1100" b="0" i="0" kern="1200" dirty="0" err="1" smtClean="0">
+                <a:solidFill>
+                  <a:schemeClr val="tx1"/>
+                </a:solidFill>
+                <a:effectLst/>
+                <a:latin typeface="+mn-lt"/>
+                <a:ea typeface="+mn-ea"/>
+                <a:cs typeface="+mn-cs"/>
+              </a:rPr>
+              <a:t>liệu</a:t>
+            </a:r>
+            <a:r>
+              <a:rPr lang="en-US" sz="1100" b="0" i="0" kern="1200" dirty="0" smtClean="0">
+                <a:solidFill>
+                  <a:schemeClr val="tx1"/>
+                </a:solidFill>
+                <a:effectLst/>
+                <a:latin typeface="+mn-lt"/>
+                <a:ea typeface="+mn-ea"/>
+                <a:cs typeface="+mn-cs"/>
+              </a:rPr>
+              <a:t> </a:t>
+            </a:r>
+            <a:r>
+              <a:rPr lang="en-US" sz="1100" b="0" i="0" kern="1200" dirty="0" err="1" smtClean="0">
+                <a:solidFill>
+                  <a:schemeClr val="tx1"/>
+                </a:solidFill>
+                <a:effectLst/>
+                <a:latin typeface="+mn-lt"/>
+                <a:ea typeface="+mn-ea"/>
+                <a:cs typeface="+mn-cs"/>
+              </a:rPr>
+              <a:t>mà</a:t>
+            </a:r>
+            <a:r>
+              <a:rPr lang="en-US" sz="1100" b="0" i="0" kern="1200" dirty="0" smtClean="0">
+                <a:solidFill>
+                  <a:schemeClr val="tx1"/>
+                </a:solidFill>
+                <a:effectLst/>
+                <a:latin typeface="+mn-lt"/>
+                <a:ea typeface="+mn-ea"/>
+                <a:cs typeface="+mn-cs"/>
+              </a:rPr>
+              <a:t> </a:t>
+            </a:r>
+            <a:r>
+              <a:rPr lang="en-US" sz="1100" b="0" i="0" kern="1200" dirty="0" err="1" smtClean="0">
+                <a:solidFill>
+                  <a:schemeClr val="tx1"/>
+                </a:solidFill>
+                <a:effectLst/>
+                <a:latin typeface="+mn-lt"/>
+                <a:ea typeface="+mn-ea"/>
+                <a:cs typeface="+mn-cs"/>
+              </a:rPr>
+              <a:t>thông</a:t>
+            </a:r>
+            <a:r>
+              <a:rPr lang="en-US" sz="1100" b="0" i="0" kern="1200" dirty="0" smtClean="0">
+                <a:solidFill>
+                  <a:schemeClr val="tx1"/>
+                </a:solidFill>
+                <a:effectLst/>
+                <a:latin typeface="+mn-lt"/>
+                <a:ea typeface="+mn-ea"/>
+                <a:cs typeface="+mn-cs"/>
+              </a:rPr>
+              <a:t> qua </a:t>
+            </a:r>
+            <a:r>
+              <a:rPr lang="en-US" sz="1100" b="0" i="0" kern="1200" dirty="0" err="1" smtClean="0">
+                <a:solidFill>
+                  <a:schemeClr val="tx1"/>
+                </a:solidFill>
+                <a:effectLst/>
+                <a:latin typeface="+mn-lt"/>
+                <a:ea typeface="+mn-ea"/>
+                <a:cs typeface="+mn-cs"/>
+              </a:rPr>
+              <a:t>các</a:t>
+            </a:r>
+            <a:r>
+              <a:rPr lang="en-US" sz="1100" b="0" i="0" kern="1200" dirty="0" smtClean="0">
+                <a:solidFill>
+                  <a:schemeClr val="tx1"/>
+                </a:solidFill>
+                <a:effectLst/>
+                <a:latin typeface="+mn-lt"/>
+                <a:ea typeface="+mn-ea"/>
+                <a:cs typeface="+mn-cs"/>
+              </a:rPr>
+              <a:t> data provider </a:t>
+            </a:r>
+            <a:r>
+              <a:rPr lang="en-US" sz="1100" b="0" i="0" kern="1200" dirty="0" err="1" smtClean="0">
+                <a:solidFill>
+                  <a:schemeClr val="tx1"/>
+                </a:solidFill>
+                <a:effectLst/>
+                <a:latin typeface="+mn-lt"/>
+                <a:ea typeface="+mn-ea"/>
+                <a:cs typeface="+mn-cs"/>
+              </a:rPr>
+              <a:t>khác</a:t>
+            </a:r>
+            <a:r>
+              <a:rPr lang="en-US" sz="1100" b="0" i="0" kern="1200" dirty="0" smtClean="0">
+                <a:solidFill>
+                  <a:schemeClr val="tx1"/>
+                </a:solidFill>
+                <a:effectLst/>
+                <a:latin typeface="+mn-lt"/>
+                <a:ea typeface="+mn-ea"/>
+                <a:cs typeface="+mn-cs"/>
+              </a:rPr>
+              <a:t> </a:t>
+            </a:r>
+            <a:r>
+              <a:rPr lang="en-US" sz="1100" b="0" i="0" kern="1200" dirty="0" err="1" smtClean="0">
+                <a:solidFill>
+                  <a:schemeClr val="tx1"/>
+                </a:solidFill>
+                <a:effectLst/>
+                <a:latin typeface="+mn-lt"/>
+                <a:ea typeface="+mn-ea"/>
+                <a:cs typeface="+mn-cs"/>
+              </a:rPr>
+              <a:t>dựa</a:t>
+            </a:r>
+            <a:r>
+              <a:rPr lang="en-US" sz="1100" b="0" i="0" kern="1200" dirty="0" smtClean="0">
+                <a:solidFill>
+                  <a:schemeClr val="tx1"/>
+                </a:solidFill>
+                <a:effectLst/>
+                <a:latin typeface="+mn-lt"/>
+                <a:ea typeface="+mn-ea"/>
+                <a:cs typeface="+mn-cs"/>
+              </a:rPr>
+              <a:t> </a:t>
+            </a:r>
+            <a:r>
+              <a:rPr lang="en-US" sz="1100" b="0" i="0" kern="1200" dirty="0" err="1" smtClean="0">
+                <a:solidFill>
+                  <a:schemeClr val="tx1"/>
+                </a:solidFill>
+                <a:effectLst/>
+                <a:latin typeface="+mn-lt"/>
+                <a:ea typeface="+mn-ea"/>
+                <a:cs typeface="+mn-cs"/>
+              </a:rPr>
+              <a:t>vào</a:t>
+            </a:r>
+            <a:r>
+              <a:rPr lang="en-US" sz="1100" b="0" i="0" kern="1200" dirty="0" smtClean="0">
+                <a:solidFill>
+                  <a:schemeClr val="tx1"/>
+                </a:solidFill>
+                <a:effectLst/>
+                <a:latin typeface="+mn-lt"/>
+                <a:ea typeface="+mn-ea"/>
+                <a:cs typeface="+mn-cs"/>
+              </a:rPr>
+              <a:t> </a:t>
+            </a:r>
+            <a:r>
+              <a:rPr lang="en-US" sz="1100" b="0" i="0" kern="1200" dirty="0" err="1" smtClean="0">
+                <a:solidFill>
+                  <a:schemeClr val="tx1"/>
+                </a:solidFill>
+                <a:effectLst/>
+                <a:latin typeface="+mn-lt"/>
+                <a:ea typeface="+mn-ea"/>
+                <a:cs typeface="+mn-cs"/>
+              </a:rPr>
+              <a:t>các</a:t>
+            </a:r>
+            <a:r>
+              <a:rPr lang="en-US" sz="1100" b="0" i="0" kern="1200" dirty="0" smtClean="0">
+                <a:solidFill>
+                  <a:schemeClr val="tx1"/>
+                </a:solidFill>
+                <a:effectLst/>
+                <a:latin typeface="+mn-lt"/>
+                <a:ea typeface="+mn-ea"/>
+                <a:cs typeface="+mn-cs"/>
+              </a:rPr>
+              <a:t> </a:t>
+            </a:r>
+            <a:r>
+              <a:rPr lang="en-US" sz="1100" b="0" i="0" kern="1200" dirty="0" err="1" smtClean="0">
+                <a:solidFill>
+                  <a:schemeClr val="tx1"/>
+                </a:solidFill>
+                <a:effectLst/>
+                <a:latin typeface="+mn-lt"/>
+                <a:ea typeface="+mn-ea"/>
+                <a:cs typeface="+mn-cs"/>
+              </a:rPr>
+              <a:t>thông</a:t>
+            </a:r>
+            <a:r>
+              <a:rPr lang="en-US" sz="1100" b="0" i="0" kern="1200" dirty="0" smtClean="0">
+                <a:solidFill>
+                  <a:schemeClr val="tx1"/>
+                </a:solidFill>
+                <a:effectLst/>
+                <a:latin typeface="+mn-lt"/>
+                <a:ea typeface="+mn-ea"/>
+                <a:cs typeface="+mn-cs"/>
+              </a:rPr>
+              <a:t> tin </a:t>
+            </a:r>
+            <a:r>
+              <a:rPr lang="en-US" sz="1100" b="0" i="0" kern="1200" dirty="0" err="1" smtClean="0">
+                <a:solidFill>
+                  <a:schemeClr val="tx1"/>
+                </a:solidFill>
+                <a:effectLst/>
+                <a:latin typeface="+mn-lt"/>
+                <a:ea typeface="+mn-ea"/>
+                <a:cs typeface="+mn-cs"/>
+              </a:rPr>
+              <a:t>dữ</a:t>
+            </a:r>
+            <a:r>
+              <a:rPr lang="en-US" sz="1100" b="0" i="0" kern="1200" dirty="0" smtClean="0">
+                <a:solidFill>
+                  <a:schemeClr val="tx1"/>
+                </a:solidFill>
+                <a:effectLst/>
+                <a:latin typeface="+mn-lt"/>
+                <a:ea typeface="+mn-ea"/>
+                <a:cs typeface="+mn-cs"/>
+              </a:rPr>
+              <a:t> </a:t>
+            </a:r>
+            <a:r>
+              <a:rPr lang="en-US" sz="1100" b="0" i="0" kern="1200" dirty="0" err="1" smtClean="0">
+                <a:solidFill>
+                  <a:schemeClr val="tx1"/>
+                </a:solidFill>
+                <a:effectLst/>
+                <a:latin typeface="+mn-lt"/>
+                <a:ea typeface="+mn-ea"/>
+                <a:cs typeface="+mn-cs"/>
+              </a:rPr>
+              <a:t>liệu</a:t>
+            </a:r>
+            <a:r>
+              <a:rPr lang="en-US" sz="1100" b="0" i="0" kern="1200" dirty="0" smtClean="0">
+                <a:solidFill>
+                  <a:schemeClr val="tx1"/>
+                </a:solidFill>
+                <a:effectLst/>
+                <a:latin typeface="+mn-lt"/>
+                <a:ea typeface="+mn-ea"/>
+                <a:cs typeface="+mn-cs"/>
+              </a:rPr>
+              <a:t> </a:t>
+            </a:r>
+            <a:r>
+              <a:rPr lang="en-US" sz="1100" b="0" i="0" kern="1200" dirty="0" err="1" smtClean="0">
+                <a:solidFill>
+                  <a:schemeClr val="tx1"/>
+                </a:solidFill>
+                <a:effectLst/>
+                <a:latin typeface="+mn-lt"/>
+                <a:ea typeface="+mn-ea"/>
+                <a:cs typeface="+mn-cs"/>
+              </a:rPr>
+              <a:t>từ</a:t>
+            </a:r>
+            <a:r>
+              <a:rPr lang="en-US" sz="1100" b="0" i="0" kern="1200" dirty="0" smtClean="0">
+                <a:solidFill>
+                  <a:schemeClr val="tx1"/>
+                </a:solidFill>
+                <a:effectLst/>
+                <a:latin typeface="+mn-lt"/>
+                <a:ea typeface="+mn-ea"/>
+                <a:cs typeface="+mn-cs"/>
+              </a:rPr>
+              <a:t> Entity Data Model.</a:t>
+            </a:r>
+            <a:endParaRPr lang="en-US" sz="1100" b="1" i="0" kern="1200" dirty="0" smtClean="0">
+              <a:solidFill>
+                <a:schemeClr val="tx1"/>
+              </a:solidFill>
+              <a:effectLst/>
+              <a:latin typeface="+mn-lt"/>
+              <a:ea typeface="+mn-ea"/>
+              <a:cs typeface="+mn-cs"/>
+            </a:endParaRPr>
+          </a:p>
+          <a:p>
+            <a:endParaRPr lang="en-US" sz="1100" b="0" i="0" kern="1200" dirty="0" smtClean="0">
+              <a:solidFill>
+                <a:schemeClr val="tx1"/>
+              </a:solidFill>
+              <a:effectLst/>
+              <a:latin typeface="+mn-lt"/>
+              <a:ea typeface="+mn-ea"/>
+              <a:cs typeface="+mn-cs"/>
+            </a:endParaRPr>
+          </a:p>
+          <a:p>
+            <a:r>
+              <a:rPr lang="en-US" sz="1100" b="1" i="0" kern="1200" dirty="0" err="1" smtClean="0">
+                <a:solidFill>
+                  <a:schemeClr val="tx1"/>
+                </a:solidFill>
+                <a:effectLst/>
+                <a:latin typeface="+mn-lt"/>
+                <a:ea typeface="+mn-ea"/>
+                <a:cs typeface="+mn-cs"/>
+              </a:rPr>
+              <a:t>ADO.Net</a:t>
+            </a:r>
+            <a:r>
+              <a:rPr lang="en-US" sz="1100" b="1" i="0" kern="1200" dirty="0" smtClean="0">
+                <a:solidFill>
+                  <a:schemeClr val="tx1"/>
+                </a:solidFill>
+                <a:effectLst/>
+                <a:latin typeface="+mn-lt"/>
+                <a:ea typeface="+mn-ea"/>
+                <a:cs typeface="+mn-cs"/>
+              </a:rPr>
+              <a:t> Data Provider: </a:t>
+            </a:r>
+            <a:r>
+              <a:rPr lang="en-US" sz="1100" b="0" i="0" kern="1200" dirty="0" err="1" smtClean="0">
+                <a:solidFill>
+                  <a:schemeClr val="tx1"/>
+                </a:solidFill>
+                <a:effectLst/>
+                <a:latin typeface="+mn-lt"/>
+                <a:ea typeface="+mn-ea"/>
+                <a:cs typeface="+mn-cs"/>
+              </a:rPr>
+              <a:t>Tầng</a:t>
+            </a:r>
+            <a:r>
+              <a:rPr lang="en-US" sz="1100" b="0" i="0" kern="1200" dirty="0" smtClean="0">
+                <a:solidFill>
+                  <a:schemeClr val="tx1"/>
+                </a:solidFill>
+                <a:effectLst/>
+                <a:latin typeface="+mn-lt"/>
+                <a:ea typeface="+mn-ea"/>
+                <a:cs typeface="+mn-cs"/>
+              </a:rPr>
+              <a:t> </a:t>
+            </a:r>
+            <a:r>
+              <a:rPr lang="en-US" sz="1100" b="0" i="0" kern="1200" dirty="0" err="1" smtClean="0">
+                <a:solidFill>
+                  <a:schemeClr val="tx1"/>
+                </a:solidFill>
+                <a:effectLst/>
+                <a:latin typeface="+mn-lt"/>
+                <a:ea typeface="+mn-ea"/>
+                <a:cs typeface="+mn-cs"/>
+              </a:rPr>
+              <a:t>này</a:t>
+            </a:r>
+            <a:r>
+              <a:rPr lang="en-US" sz="1100" b="0" i="0" kern="1200" dirty="0" smtClean="0">
+                <a:solidFill>
+                  <a:schemeClr val="tx1"/>
+                </a:solidFill>
+                <a:effectLst/>
+                <a:latin typeface="+mn-lt"/>
+                <a:ea typeface="+mn-ea"/>
+                <a:cs typeface="+mn-cs"/>
+              </a:rPr>
+              <a:t> </a:t>
+            </a:r>
+            <a:r>
+              <a:rPr lang="en-US" sz="1100" b="0" i="0" kern="1200" dirty="0" err="1" smtClean="0">
+                <a:solidFill>
+                  <a:schemeClr val="tx1"/>
+                </a:solidFill>
+                <a:effectLst/>
+                <a:latin typeface="+mn-lt"/>
+                <a:ea typeface="+mn-ea"/>
+                <a:cs typeface="+mn-cs"/>
+              </a:rPr>
+              <a:t>kết</a:t>
+            </a:r>
+            <a:r>
+              <a:rPr lang="en-US" sz="1100" b="0" i="0" kern="1200" dirty="0" smtClean="0">
+                <a:solidFill>
+                  <a:schemeClr val="tx1"/>
+                </a:solidFill>
+                <a:effectLst/>
+                <a:latin typeface="+mn-lt"/>
+                <a:ea typeface="+mn-ea"/>
+                <a:cs typeface="+mn-cs"/>
+              </a:rPr>
+              <a:t> </a:t>
+            </a:r>
+            <a:r>
+              <a:rPr lang="en-US" sz="1100" b="0" i="0" kern="1200" dirty="0" err="1" smtClean="0">
+                <a:solidFill>
+                  <a:schemeClr val="tx1"/>
+                </a:solidFill>
+                <a:effectLst/>
+                <a:latin typeface="+mn-lt"/>
+                <a:ea typeface="+mn-ea"/>
+                <a:cs typeface="+mn-cs"/>
+              </a:rPr>
+              <a:t>nối</a:t>
+            </a:r>
+            <a:r>
+              <a:rPr lang="en-US" sz="1100" b="0" i="0" kern="1200" dirty="0" smtClean="0">
+                <a:solidFill>
+                  <a:schemeClr val="tx1"/>
+                </a:solidFill>
+                <a:effectLst/>
+                <a:latin typeface="+mn-lt"/>
+                <a:ea typeface="+mn-ea"/>
+                <a:cs typeface="+mn-cs"/>
+              </a:rPr>
+              <a:t> </a:t>
+            </a:r>
+            <a:r>
+              <a:rPr lang="en-US" sz="1100" b="0" i="0" kern="1200" dirty="0" err="1" smtClean="0">
+                <a:solidFill>
+                  <a:schemeClr val="tx1"/>
+                </a:solidFill>
+                <a:effectLst/>
+                <a:latin typeface="+mn-lt"/>
+                <a:ea typeface="+mn-ea"/>
+                <a:cs typeface="+mn-cs"/>
+              </a:rPr>
+              <a:t>với</a:t>
+            </a:r>
+            <a:r>
+              <a:rPr lang="en-US" sz="1100" b="0" i="0" kern="1200" dirty="0" smtClean="0">
+                <a:solidFill>
+                  <a:schemeClr val="tx1"/>
+                </a:solidFill>
+                <a:effectLst/>
+                <a:latin typeface="+mn-lt"/>
+                <a:ea typeface="+mn-ea"/>
+                <a:cs typeface="+mn-cs"/>
+              </a:rPr>
+              <a:t> database </a:t>
+            </a:r>
+            <a:r>
+              <a:rPr lang="en-US" sz="1100" b="0" i="0" kern="1200" dirty="0" err="1" smtClean="0">
+                <a:solidFill>
+                  <a:schemeClr val="tx1"/>
+                </a:solidFill>
+                <a:effectLst/>
+                <a:latin typeface="+mn-lt"/>
+                <a:ea typeface="+mn-ea"/>
+                <a:cs typeface="+mn-cs"/>
+              </a:rPr>
+              <a:t>và</a:t>
+            </a:r>
+            <a:r>
+              <a:rPr lang="en-US" sz="1100" b="0" i="0" kern="1200" dirty="0" smtClean="0">
+                <a:solidFill>
+                  <a:schemeClr val="tx1"/>
+                </a:solidFill>
+                <a:effectLst/>
+                <a:latin typeface="+mn-lt"/>
+                <a:ea typeface="+mn-ea"/>
+                <a:cs typeface="+mn-cs"/>
+              </a:rPr>
+              <a:t> </a:t>
+            </a:r>
+            <a:r>
+              <a:rPr lang="en-US" sz="1100" b="0" i="0" kern="1200" dirty="0" err="1" smtClean="0">
+                <a:solidFill>
+                  <a:schemeClr val="tx1"/>
+                </a:solidFill>
+                <a:effectLst/>
+                <a:latin typeface="+mn-lt"/>
+                <a:ea typeface="+mn-ea"/>
+                <a:cs typeface="+mn-cs"/>
+              </a:rPr>
+              <a:t>thực</a:t>
+            </a:r>
+            <a:r>
+              <a:rPr lang="en-US" sz="1100" b="0" i="0" kern="1200" dirty="0" smtClean="0">
+                <a:solidFill>
+                  <a:schemeClr val="tx1"/>
+                </a:solidFill>
+                <a:effectLst/>
+                <a:latin typeface="+mn-lt"/>
+                <a:ea typeface="+mn-ea"/>
+                <a:cs typeface="+mn-cs"/>
+              </a:rPr>
+              <a:t> </a:t>
+            </a:r>
+            <a:r>
+              <a:rPr lang="en-US" sz="1100" b="0" i="0" kern="1200" dirty="0" err="1" smtClean="0">
+                <a:solidFill>
+                  <a:schemeClr val="tx1"/>
+                </a:solidFill>
+                <a:effectLst/>
+                <a:latin typeface="+mn-lt"/>
+                <a:ea typeface="+mn-ea"/>
+                <a:cs typeface="+mn-cs"/>
+              </a:rPr>
+              <a:t>hiện</a:t>
+            </a:r>
+            <a:r>
+              <a:rPr lang="en-US" sz="1100" b="0" i="0" kern="1200" dirty="0" smtClean="0">
+                <a:solidFill>
+                  <a:schemeClr val="tx1"/>
+                </a:solidFill>
+                <a:effectLst/>
+                <a:latin typeface="+mn-lt"/>
+                <a:ea typeface="+mn-ea"/>
+                <a:cs typeface="+mn-cs"/>
+              </a:rPr>
+              <a:t> </a:t>
+            </a:r>
+            <a:r>
+              <a:rPr lang="en-US" sz="1100" b="0" i="0" kern="1200" dirty="0" err="1" smtClean="0">
+                <a:solidFill>
+                  <a:schemeClr val="tx1"/>
+                </a:solidFill>
+                <a:effectLst/>
+                <a:latin typeface="+mn-lt"/>
+                <a:ea typeface="+mn-ea"/>
+                <a:cs typeface="+mn-cs"/>
+              </a:rPr>
+              <a:t>các</a:t>
+            </a:r>
+            <a:r>
+              <a:rPr lang="en-US" sz="1100" b="0" i="0" kern="1200" dirty="0" smtClean="0">
+                <a:solidFill>
+                  <a:schemeClr val="tx1"/>
+                </a:solidFill>
+                <a:effectLst/>
+                <a:latin typeface="+mn-lt"/>
+                <a:ea typeface="+mn-ea"/>
+                <a:cs typeface="+mn-cs"/>
+              </a:rPr>
+              <a:t> </a:t>
+            </a:r>
+            <a:r>
+              <a:rPr lang="en-US" sz="1100" b="0" i="0" kern="1200" dirty="0" err="1" smtClean="0">
+                <a:solidFill>
+                  <a:schemeClr val="tx1"/>
+                </a:solidFill>
+                <a:effectLst/>
+                <a:latin typeface="+mn-lt"/>
+                <a:ea typeface="+mn-ea"/>
+                <a:cs typeface="+mn-cs"/>
+              </a:rPr>
+              <a:t>truy</a:t>
+            </a:r>
+            <a:r>
+              <a:rPr lang="en-US" sz="1100" b="0" i="0" kern="1200" dirty="0" smtClean="0">
+                <a:solidFill>
+                  <a:schemeClr val="tx1"/>
+                </a:solidFill>
+                <a:effectLst/>
+                <a:latin typeface="+mn-lt"/>
+                <a:ea typeface="+mn-ea"/>
+                <a:cs typeface="+mn-cs"/>
+              </a:rPr>
+              <a:t> </a:t>
+            </a:r>
+            <a:r>
+              <a:rPr lang="en-US" sz="1100" b="0" i="0" kern="1200" dirty="0" err="1" smtClean="0">
+                <a:solidFill>
+                  <a:schemeClr val="tx1"/>
+                </a:solidFill>
+                <a:effectLst/>
+                <a:latin typeface="+mn-lt"/>
+                <a:ea typeface="+mn-ea"/>
+                <a:cs typeface="+mn-cs"/>
+              </a:rPr>
+              <a:t>vấn</a:t>
+            </a:r>
+            <a:endParaRPr lang="en-US" sz="1100" b="0" i="0" kern="1200" dirty="0" smtClean="0">
+              <a:solidFill>
+                <a:schemeClr val="tx1"/>
+              </a:solidFill>
+              <a:effectLst/>
+              <a:latin typeface="+mn-lt"/>
+              <a:ea typeface="+mn-ea"/>
+              <a:cs typeface="+mn-cs"/>
+            </a:endParaRPr>
+          </a:p>
+          <a:p>
+            <a:endParaRPr lang="en-US" dirty="0" smtClean="0"/>
           </a:p>
           <a:p>
             <a:pPr lvl="0">
@@ -1260,14 +7763,38 @@
               <a:buNone/>
             </a:pPr>
             <a:r>
-              <a:rPr lang="en-US" smtClean="0"/>
-              <a:t>Tham khảo:</a:t>
-            </a:r>
-            <a:r>
-              <a:rPr lang="en-US" baseline="0" smtClean="0"/>
-              <a:t> http://www.entityframeworktutorial.net/EntityFramework-Architecture.aspx</a:t>
-            </a:r>
-            <a:endParaRPr/>
+              <a:rPr lang="en-US" dirty="0" err="1" smtClean="0"/>
+              <a:t>Tham</a:t>
+            </a:r>
+            <a:r>
+              <a:rPr lang="en-US" dirty="0" smtClean="0"/>
+              <a:t> </a:t>
+            </a:r>
+            <a:r>
+              <a:rPr lang="en-US" dirty="0" err="1" smtClean="0"/>
+              <a:t>khảo</a:t>
+            </a:r>
+            <a:r>
+              <a:rPr lang="en-US" dirty="0" smtClean="0"/>
+              <a:t>:</a:t>
+            </a:r>
+            <a:r>
+              <a:rPr lang="en-US" baseline="0" dirty="0" smtClean="0"/>
+              <a:t> http://</a:t>
+            </a:r>
+            <a:r>
+              <a:rPr lang="en-US" baseline="0" dirty="0" err="1" smtClean="0"/>
+              <a:t>www.entityframeworktutorial.net</a:t>
+            </a:r>
+            <a:r>
+              <a:rPr lang="en-US" baseline="0" dirty="0" smtClean="0"/>
+              <a:t>/</a:t>
+            </a:r>
+            <a:r>
+              <a:rPr lang="en-US" baseline="0" dirty="0" err="1" smtClean="0"/>
+              <a:t>EntityFramework-Architecture.aspx</a:t>
+            </a:r>
+            <a:endParaRPr dirty="0"/>
           </a:p>
         </p:txBody>
       </p:sp>
@@ -5399,11 +11926,11 @@
               </a:spcBef>
             </a:pPr>
             <a:r>
-              <a:rPr lang="vi-VN" smtClean="0"/>
+              <a:rPr lang="vi-VN" dirty="0" smtClean="0"/>
               <a:t>Cài đặt Entity </a:t>
             </a:r>
             <a:r>
-              <a:rPr lang="vi-VN"/>
+              <a:rPr lang="vi-VN" dirty="0"/>
               <a:t>Framework</a:t>
             </a:r>
           </a:p>
@@ -5414,7 +11941,7 @@
               </a:spcBef>
             </a:pPr>
             <a:r>
-              <a:rPr lang="vi-VN"/>
+              <a:rPr lang="vi-VN" dirty="0"/>
               <a:t>Sử dụng DBContext</a:t>
             </a:r>
           </a:p>
@@ -5425,7 +11952,7 @@
               </a:spcBef>
             </a:pPr>
             <a:r>
-              <a:rPr lang="vi-VN"/>
+              <a:rPr lang="vi-VN" dirty="0"/>
               <a:t>Demo sử dụng Code First</a:t>
             </a:r>
           </a:p>
@@ -5436,7 +11963,7 @@
               </a:spcBef>
             </a:pPr>
             <a:r>
-              <a:rPr lang="vi-VN"/>
+              <a:rPr lang="vi-VN" dirty="0"/>
               <a:t>Demo sử dụng Databases First</a:t>
             </a:r>
           </a:p>
@@ -5447,11 +11974,11 @@
               </a:spcBef>
             </a:pPr>
             <a:r>
-              <a:rPr lang="vi-VN"/>
+              <a:rPr lang="vi-VN" dirty="0"/>
               <a:t>Demo sử dụng Models </a:t>
             </a:r>
             <a:r>
-              <a:rPr lang="vi-VN" smtClean="0"/>
+              <a:rPr lang="vi-VN" dirty="0" smtClean="0"/>
               <a:t>First</a:t>
             </a:r>
           </a:p>
@@ -5462,7 +11989,7 @@
               </a:spcBef>
             </a:pPr>
             <a:r>
-              <a:rPr lang="vi-VN" smtClean="0"/>
+              <a:rPr lang="vi-VN" dirty="0" smtClean="0"/>
               <a:t>Tạo Entity Data Model (EDM)</a:t>
             </a:r>
           </a:p>
@@ -7858,15 +14385,7 @@
             </a:pPr>
             <a:r>
               <a:rPr lang="en" smtClean="0"/>
-              <a:t>Giới thiệu về Entity </a:t>
-            </a:r>
-            <a:r>
-              <a:rPr lang="en" smtClean="0"/>
-              <a:t>Framework (EF</a:t>
-            </a:r>
-            <a:r>
-              <a:rPr lang="en" smtClean="0"/>
-              <a:t>)</a:t>
+              <a:t>Giới thiệu về Entity Framework (EF)</a:t>
             </a:r>
             <a:endParaRPr lang="en-US" smtClean="0">
               <a:latin typeface="Montserrat"/>
@@ -7882,17 +14401,8 @@
               <a:rPr lang="en-US" smtClean="0">
                 <a:latin typeface="Montserrat"/>
               </a:rPr>
-              <a:t>Vì sao phải sử dụng </a:t>
-            </a:r>
-            <a:r>
-              <a:rPr lang="en-US" smtClean="0">
-                <a:latin typeface="Montserrat"/>
-              </a:rPr>
-              <a:t>EF</a:t>
-            </a:r>
-            <a:endParaRPr lang="en-US" smtClean="0">
-              <a:latin typeface="Montserrat"/>
-            </a:endParaRPr>
+              <a:t>Vì sao phải sử dụng EF</a:t>
+            </a:r>
           </a:p>
           <a:p>
             <a:pPr marL="342900" indent="-342900">
@@ -7904,13 +14414,7 @@
               <a:rPr lang="en-US" smtClean="0">
                 <a:latin typeface="Montserrat"/>
               </a:rPr>
-              <a:t>Khi nào dùng đến </a:t>
-            </a:r>
-            <a:r>
-              <a:rPr lang="en-US" smtClean="0">
-                <a:latin typeface="Montserrat"/>
-              </a:rPr>
-              <a:t>EF</a:t>
+              <a:t>Khi nào dùng đến EF</a:t>
             </a:r>
           </a:p>
           <a:p>
@@ -7925,9 +14429,6 @@
               </a:rPr>
               <a:t>Kiến trúc của EF</a:t>
             </a:r>
-            <a:endParaRPr lang="en-US" smtClean="0">
-              <a:latin typeface="Montserrat"/>
-            </a:endParaRPr>
           </a:p>
           <a:p>
             <a:pPr marL="342900" indent="-342900">
@@ -7939,17 +14440,8 @@
               <a:rPr lang="en-US" smtClean="0">
                 <a:latin typeface="Montserrat"/>
               </a:rPr>
-              <a:t>Làm sao để sử dụng </a:t>
-            </a:r>
-            <a:r>
-              <a:rPr lang="en-US" smtClean="0">
-                <a:latin typeface="Montserrat"/>
-              </a:rPr>
-              <a:t>EF</a:t>
-            </a:r>
-            <a:endParaRPr lang="en-US" smtClean="0">
-              <a:latin typeface="Montserrat"/>
-            </a:endParaRPr>
+              <a:t>Làm sao để sử dụng EF</a:t>
+            </a:r>
           </a:p>
           <a:p>
             <a:pPr marL="342900" indent="-342900">
@@ -7961,17 +14453,8 @@
               <a:rPr lang="en-US" smtClean="0">
                 <a:latin typeface="Montserrat"/>
               </a:rPr>
-              <a:t>Thảo luận, hỏi đáp về </a:t>
-            </a:r>
-            <a:r>
-              <a:rPr lang="en-US" smtClean="0">
-                <a:latin typeface="Montserrat"/>
-              </a:rPr>
-              <a:t>EF</a:t>
-            </a:r>
-            <a:endParaRPr lang="en-US" smtClean="0">
-              <a:latin typeface="Montserrat"/>
-            </a:endParaRPr>
+              <a:t>Thảo luận, hỏi đáp về EF</a:t>
+            </a:r>
           </a:p>
         </p:txBody>
       </p:sp>
@@ -8304,6 +14787,53 @@
               </a:rPr>
               <a:t>Why</a:t>
             </a:r>
+          </a:p>
+          <a:p>
+            <a:pPr algn="r">
+              <a:spcBef>
+                <a:spcPts val="1500"/>
+              </a:spcBef>
+              <a:buNone/>
+            </a:pPr>
+            <a:r>
+              <a:rPr lang="en-US" sz="2200" smtClean="0">
+                <a:solidFill>
+                  <a:srgbClr val="00B0F0"/>
+                </a:solidFill>
+                <a:effectLst>
+                  <a:outerShdw blurRad="38100" dist="38100" dir="2700000" algn="tl">
+                    <a:srgbClr val="000000">
+                      <a:alpha val="43137"/>
+                    </a:srgbClr>
+                  </a:outerShdw>
+                </a:effectLst>
+                <a:latin typeface="Montserrat"/>
+              </a:rPr>
+              <a:t>When</a:t>
+            </a:r>
+          </a:p>
+          <a:p>
+            <a:pPr algn="r">
+              <a:spcBef>
+                <a:spcPts val="1500"/>
+              </a:spcBef>
+              <a:buNone/>
+            </a:pPr>
+            <a:r>
+              <a:rPr lang="vi-VN" sz="2200">
+                <a:solidFill>
+                  <a:srgbClr val="00B0F0"/>
+                </a:solidFill>
+                <a:effectLst>
+                  <a:outerShdw blurRad="38100" dist="38100" dir="2700000" algn="tl">
+                    <a:srgbClr val="000000">
+                      <a:alpha val="43137"/>
+                    </a:srgbClr>
+                  </a:outerShdw>
+                </a:effectLst>
+              </a:rPr>
+              <a:t>Architecture</a:t>
+            </a:r>
             <a:endParaRPr lang="en-US" sz="2200" smtClean="0">
               <a:solidFill>
                 <a:srgbClr val="00B0F0"/>
@@ -8339,7 +14869,7 @@
                 </a:effectLst>
                 <a:latin typeface="Montserrat"/>
               </a:rPr>
-              <a:t>When</a:t>
+              <a:t>How</a:t>
             </a:r>
           </a:p>
           <a:p>
@@ -8350,42 +14880,6 @@
               <a:buNone/>
             </a:pPr>
             <a:r>
-              <a:rPr lang="vi-VN" sz="2200">
-                <a:solidFill>
-                  <a:srgbClr val="00B0F0"/>
-                </a:solidFill>
-                <a:effectLst>
-                  <a:outerShdw blurRad="38100" dist="38100" dir="2700000" algn="tl">
-                    <a:srgbClr val="000000">
-                      <a:alpha val="43137"/>
-                    </a:srgbClr>
-                  </a:outerShdw>
-                </a:effectLst>
-              </a:rPr>
-              <a:t>Architecture</a:t>
-            </a:r>
-            <a:endParaRPr lang="en-US" sz="2200" smtClean="0">
-              <a:solidFill>
-                <a:srgbClr val="00B0F0"/>
-              </a:solidFill>
-              <a:effectLst>
-                <a:outerShdw blurRad="38100" dist="38100" dir="2700000" algn="tl">
-                  <a:srgbClr val="000000">
-                    <a:alpha val="43137"/>
-                  </a:srgbClr>
-                </a:outerShdw>
-              </a:effectLst>
-              <a:latin typeface="Montserrat"/>
-            </a:endParaRPr>
-          </a:p>
-          <a:p>
-            <a:pPr algn="r">
-              <a:spcBef>
-                <a:spcPts val="1500"/>
-              </a:spcBef>
-              <a:buNone/>
-            </a:pPr>
-            <a:r>
               <a:rPr lang="en-US" sz="2200" smtClean="0">
                 <a:solidFill>
                   <a:srgbClr val="00B0F0"/>
@@ -8399,58 +14893,8 @@
                 </a:effectLst>
                 <a:latin typeface="Montserrat"/>
               </a:rPr>
-              <a:t>How</a:t>
-            </a:r>
-            <a:endParaRPr lang="en-US" sz="2200" smtClean="0">
-              <a:solidFill>
-                <a:srgbClr val="00B0F0"/>
-              </a:solidFill>
-              <a:effectLst>
-                <a:outerShdw blurRad="38100" dist="38100" dir="2700000" algn="tl">
-                  <a:srgbClr val="000000">
-                    <a:alpha val="43137"/>
-                  </a:srgbClr>
-                </a:outerShdw>
-              </a:effectLst>
-              <a:latin typeface="Montserrat"/>
-            </a:endParaRPr>
-          </a:p>
-          <a:p>
-            <a:pPr algn="r">
-              <a:spcBef>
-                <a:spcPts val="1500"/>
-              </a:spcBef>
-              <a:buNone/>
-            </a:pPr>
-            <a:r>
-              <a:rPr lang="en-US" sz="2200" smtClean="0">
-                <a:solidFill>
-                  <a:srgbClr val="00B0F0"/>
-                </a:solidFill>
-                <a:effectLst>
-                  <a:outerShdw blurRad="38100" dist="38100" dir="2700000" algn="tl">
-                    <a:srgbClr val="000000">
-                      <a:alpha val="43137"/>
-                    </a:srgbClr>
-                  </a:outerShdw>
-                </a:effectLst>
-                <a:latin typeface="Montserrat"/>
-              </a:rPr>
               <a:t>Discuss</a:t>
             </a:r>
-            <a:endParaRPr lang="en-US" sz="2200" smtClean="0">
-              <a:solidFill>
-                <a:srgbClr val="00B0F0"/>
-              </a:solidFill>
-              <a:effectLst>
-                <a:outerShdw blurRad="38100" dist="38100" dir="2700000" algn="tl">
-                  <a:srgbClr val="000000">
-                    <a:alpha val="43137"/>
-                  </a:srgbClr>
-                </a:outerShdw>
-              </a:effectLst>
-              <a:latin typeface="Montserrat"/>
-            </a:endParaRPr>
           </a:p>
         </p:txBody>
       </p:sp>
